--- a/HAND GESTURE RECOGNITION.pptx
+++ b/HAND GESTURE RECOGNITION.pptx
@@ -1,39 +1,39 @@
 
 <file path=ppt/presentation.xml><?xml version="1.0" encoding="utf-8"?>
-<p:presentation xmlns:a="http://schemas.openxmlformats.org/drawingml/2006/main" xmlns:r="http://schemas.openxmlformats.org/officeDocument/2006/relationships" xmlns:mc="http://schemas.openxmlformats.org/markup-compatibility/2006" xmlns:mv="urn:schemas-microsoft-com:mac:vml" xmlns:p="http://schemas.openxmlformats.org/presentationml/2006/main" xmlns:c="http://schemas.openxmlformats.org/drawingml/2006/chart" xmlns:dgm="http://schemas.openxmlformats.org/drawingml/2006/diagram" xmlns:o="urn:schemas-microsoft-com:office:office" xmlns:v="urn:schemas-microsoft-com:vml" xmlns:pvml="urn:schemas-microsoft-com:office:powerpoint" xmlns:com="http://schemas.openxmlformats.org/drawingml/2006/compatibility" xmlns:p14="http://schemas.microsoft.com/office/powerpoint/2010/main" xmlns:p15="http://schemas.microsoft.com/office/powerpoint/2012/main" autoCompressPictures="0" strictFirstAndLastChars="0" saveSubsetFonts="1">
+<p:presentation xmlns:a="http://schemas.openxmlformats.org/drawingml/2006/main" xmlns:r="http://schemas.openxmlformats.org/officeDocument/2006/relationships" xmlns:p="http://schemas.openxmlformats.org/presentationml/2006/main" strictFirstAndLastChars="0" saveSubsetFonts="1" autoCompressPictures="0">
   <p:sldMasterIdLst>
-    <p:sldMasterId id="2147483659" r:id="rId5"/>
+    <p:sldMasterId id="2147483659" r:id="rId1"/>
   </p:sldMasterIdLst>
   <p:notesMasterIdLst>
-    <p:notesMasterId r:id="rId6"/>
+    <p:notesMasterId r:id="rId23"/>
   </p:notesMasterIdLst>
   <p:sldIdLst>
-    <p:sldId id="256" r:id="rId7"/>
-    <p:sldId id="257" r:id="rId8"/>
-    <p:sldId id="258" r:id="rId9"/>
-    <p:sldId id="259" r:id="rId10"/>
-    <p:sldId id="260" r:id="rId11"/>
-    <p:sldId id="261" r:id="rId12"/>
-    <p:sldId id="262" r:id="rId13"/>
-    <p:sldId id="263" r:id="rId14"/>
-    <p:sldId id="264" r:id="rId15"/>
-    <p:sldId id="265" r:id="rId16"/>
-    <p:sldId id="266" r:id="rId17"/>
-    <p:sldId id="267" r:id="rId18"/>
-    <p:sldId id="268" r:id="rId19"/>
-    <p:sldId id="269" r:id="rId20"/>
-    <p:sldId id="270" r:id="rId21"/>
-    <p:sldId id="271" r:id="rId22"/>
-    <p:sldId id="272" r:id="rId23"/>
-    <p:sldId id="273" r:id="rId24"/>
-    <p:sldId id="274" r:id="rId25"/>
-    <p:sldId id="275" r:id="rId26"/>
-    <p:sldId id="276" r:id="rId27"/>
+    <p:sldId id="256" r:id="rId2"/>
+    <p:sldId id="257" r:id="rId3"/>
+    <p:sldId id="258" r:id="rId4"/>
+    <p:sldId id="259" r:id="rId5"/>
+    <p:sldId id="260" r:id="rId6"/>
+    <p:sldId id="261" r:id="rId7"/>
+    <p:sldId id="262" r:id="rId8"/>
+    <p:sldId id="263" r:id="rId9"/>
+    <p:sldId id="264" r:id="rId10"/>
+    <p:sldId id="265" r:id="rId11"/>
+    <p:sldId id="266" r:id="rId12"/>
+    <p:sldId id="267" r:id="rId13"/>
+    <p:sldId id="268" r:id="rId14"/>
+    <p:sldId id="269" r:id="rId15"/>
+    <p:sldId id="270" r:id="rId16"/>
+    <p:sldId id="271" r:id="rId17"/>
+    <p:sldId id="272" r:id="rId18"/>
+    <p:sldId id="273" r:id="rId19"/>
+    <p:sldId id="274" r:id="rId20"/>
+    <p:sldId id="275" r:id="rId21"/>
+    <p:sldId id="276" r:id="rId22"/>
   </p:sldIdLst>
-  <p:sldSz cy="5143500" cx="9144000"/>
+  <p:sldSz cx="9144000" cy="5143500" type="screen16x9"/>
   <p:notesSz cx="6858000" cy="9144000"/>
   <p:defaultTextStyle>
-    <a:defPPr lvl="0" marR="0" rtl="0" algn="l">
+    <a:defPPr marR="0" lvl="0" algn="l" rtl="0">
       <a:lnSpc>
         <a:spcPct val="100000"/>
       </a:lnSpc>
@@ -44,7 +44,7 @@
         <a:spcPts val="0"/>
       </a:spcAft>
     </a:defPPr>
-    <a:lvl1pPr lvl="0" marR="0" rtl="0" algn="l">
+    <a:lvl1pPr marR="0" lvl="0" algn="l" rtl="0">
       <a:lnSpc>
         <a:spcPct val="100000"/>
       </a:lnSpc>
@@ -58,7 +58,7 @@
         <a:srgbClr val="000000"/>
       </a:buClr>
       <a:buFont typeface="Arial"/>
-      <a:defRPr b="0" i="0" sz="1400" u="none" cap="none" strike="noStrike">
+      <a:defRPr sz="1400" b="0" i="0" u="none" strike="noStrike" cap="none">
         <a:solidFill>
           <a:srgbClr val="000000"/>
         </a:solidFill>
@@ -68,7 +68,7 @@
         <a:sym typeface="Arial"/>
       </a:defRPr>
     </a:lvl1pPr>
-    <a:lvl2pPr lvl="1" marR="0" rtl="0" algn="l">
+    <a:lvl2pPr marR="0" lvl="1" algn="l" rtl="0">
       <a:lnSpc>
         <a:spcPct val="100000"/>
       </a:lnSpc>
@@ -82,7 +82,7 @@
         <a:srgbClr val="000000"/>
       </a:buClr>
       <a:buFont typeface="Arial"/>
-      <a:defRPr b="0" i="0" sz="1400" u="none" cap="none" strike="noStrike">
+      <a:defRPr sz="1400" b="0" i="0" u="none" strike="noStrike" cap="none">
         <a:solidFill>
           <a:srgbClr val="000000"/>
         </a:solidFill>
@@ -92,7 +92,7 @@
         <a:sym typeface="Arial"/>
       </a:defRPr>
     </a:lvl2pPr>
-    <a:lvl3pPr lvl="2" marR="0" rtl="0" algn="l">
+    <a:lvl3pPr marR="0" lvl="2" algn="l" rtl="0">
       <a:lnSpc>
         <a:spcPct val="100000"/>
       </a:lnSpc>
@@ -106,7 +106,7 @@
         <a:srgbClr val="000000"/>
       </a:buClr>
       <a:buFont typeface="Arial"/>
-      <a:defRPr b="0" i="0" sz="1400" u="none" cap="none" strike="noStrike">
+      <a:defRPr sz="1400" b="0" i="0" u="none" strike="noStrike" cap="none">
         <a:solidFill>
           <a:srgbClr val="000000"/>
         </a:solidFill>
@@ -116,7 +116,7 @@
         <a:sym typeface="Arial"/>
       </a:defRPr>
     </a:lvl3pPr>
-    <a:lvl4pPr lvl="3" marR="0" rtl="0" algn="l">
+    <a:lvl4pPr marR="0" lvl="3" algn="l" rtl="0">
       <a:lnSpc>
         <a:spcPct val="100000"/>
       </a:lnSpc>
@@ -130,7 +130,7 @@
         <a:srgbClr val="000000"/>
       </a:buClr>
       <a:buFont typeface="Arial"/>
-      <a:defRPr b="0" i="0" sz="1400" u="none" cap="none" strike="noStrike">
+      <a:defRPr sz="1400" b="0" i="0" u="none" strike="noStrike" cap="none">
         <a:solidFill>
           <a:srgbClr val="000000"/>
         </a:solidFill>
@@ -140,7 +140,7 @@
         <a:sym typeface="Arial"/>
       </a:defRPr>
     </a:lvl4pPr>
-    <a:lvl5pPr lvl="4" marR="0" rtl="0" algn="l">
+    <a:lvl5pPr marR="0" lvl="4" algn="l" rtl="0">
       <a:lnSpc>
         <a:spcPct val="100000"/>
       </a:lnSpc>
@@ -154,7 +154,7 @@
         <a:srgbClr val="000000"/>
       </a:buClr>
       <a:buFont typeface="Arial"/>
-      <a:defRPr b="0" i="0" sz="1400" u="none" cap="none" strike="noStrike">
+      <a:defRPr sz="1400" b="0" i="0" u="none" strike="noStrike" cap="none">
         <a:solidFill>
           <a:srgbClr val="000000"/>
         </a:solidFill>
@@ -164,7 +164,7 @@
         <a:sym typeface="Arial"/>
       </a:defRPr>
     </a:lvl5pPr>
-    <a:lvl6pPr lvl="5" marR="0" rtl="0" algn="l">
+    <a:lvl6pPr marR="0" lvl="5" algn="l" rtl="0">
       <a:lnSpc>
         <a:spcPct val="100000"/>
       </a:lnSpc>
@@ -178,7 +178,7 @@
         <a:srgbClr val="000000"/>
       </a:buClr>
       <a:buFont typeface="Arial"/>
-      <a:defRPr b="0" i="0" sz="1400" u="none" cap="none" strike="noStrike">
+      <a:defRPr sz="1400" b="0" i="0" u="none" strike="noStrike" cap="none">
         <a:solidFill>
           <a:srgbClr val="000000"/>
         </a:solidFill>
@@ -188,7 +188,7 @@
         <a:sym typeface="Arial"/>
       </a:defRPr>
     </a:lvl6pPr>
-    <a:lvl7pPr lvl="6" marR="0" rtl="0" algn="l">
+    <a:lvl7pPr marR="0" lvl="6" algn="l" rtl="0">
       <a:lnSpc>
         <a:spcPct val="100000"/>
       </a:lnSpc>
@@ -202,7 +202,7 @@
         <a:srgbClr val="000000"/>
       </a:buClr>
       <a:buFont typeface="Arial"/>
-      <a:defRPr b="0" i="0" sz="1400" u="none" cap="none" strike="noStrike">
+      <a:defRPr sz="1400" b="0" i="0" u="none" strike="noStrike" cap="none">
         <a:solidFill>
           <a:srgbClr val="000000"/>
         </a:solidFill>
@@ -212,7 +212,7 @@
         <a:sym typeface="Arial"/>
       </a:defRPr>
     </a:lvl7pPr>
-    <a:lvl8pPr lvl="7" marR="0" rtl="0" algn="l">
+    <a:lvl8pPr marR="0" lvl="7" algn="l" rtl="0">
       <a:lnSpc>
         <a:spcPct val="100000"/>
       </a:lnSpc>
@@ -226,7 +226,7 @@
         <a:srgbClr val="000000"/>
       </a:buClr>
       <a:buFont typeface="Arial"/>
-      <a:defRPr b="0" i="0" sz="1400" u="none" cap="none" strike="noStrike">
+      <a:defRPr sz="1400" b="0" i="0" u="none" strike="noStrike" cap="none">
         <a:solidFill>
           <a:srgbClr val="000000"/>
         </a:solidFill>
@@ -236,7 +236,7 @@
         <a:sym typeface="Arial"/>
       </a:defRPr>
     </a:lvl8pPr>
-    <a:lvl9pPr lvl="8" marR="0" rtl="0" algn="l">
+    <a:lvl9pPr marR="0" lvl="8" algn="l" rtl="0">
       <a:lnSpc>
         <a:spcPct val="100000"/>
       </a:lnSpc>
@@ -250,7 +250,7 @@
         <a:srgbClr val="000000"/>
       </a:buClr>
       <a:buFont typeface="Arial"/>
-      <a:defRPr b="0" i="0" sz="1400" u="none" cap="none" strike="noStrike">
+      <a:defRPr sz="1400" b="0" i="0" u="none" strike="noStrike" cap="none">
         <a:solidFill>
           <a:srgbClr val="000000"/>
         </a:solidFill>
@@ -263,7 +263,7 @@
   </p:defaultTextStyle>
   <p:extLst>
     <p:ext uri="{EFAFB233-063F-42B5-8137-9DF3F51BA10A}">
-      <p15:sldGuideLst>
+      <p15:sldGuideLst xmlns:p15="http://schemas.microsoft.com/office/powerpoint/2012/main">
         <p15:guide id="1" orient="horz" pos="1620">
           <p15:clr>
             <a:srgbClr val="A4A3A4"/>
@@ -281,11 +281,16 @@
 </file>
 
 <file path=ppt/notesMasters/notesMaster1.xml><?xml version="1.0" encoding="utf-8"?>
-<p:notesMaster xmlns:a="http://schemas.openxmlformats.org/drawingml/2006/main" xmlns:r="http://schemas.openxmlformats.org/officeDocument/2006/relationships" xmlns:mc="http://schemas.openxmlformats.org/markup-compatibility/2006" xmlns:mv="urn:schemas-microsoft-com:mac:vml" xmlns:p="http://schemas.openxmlformats.org/presentationml/2006/main" xmlns:c="http://schemas.openxmlformats.org/drawingml/2006/chart" xmlns:dgm="http://schemas.openxmlformats.org/drawingml/2006/diagram" xmlns:o="urn:schemas-microsoft-com:office:office" xmlns:v="urn:schemas-microsoft-com:vml" xmlns:pvml="urn:schemas-microsoft-com:office:powerpoint" xmlns:com="http://schemas.openxmlformats.org/drawingml/2006/compatibility" xmlns:p14="http://schemas.microsoft.com/office/powerpoint/2010/main" xmlns:p15="http://schemas.microsoft.com/office/powerpoint/2012/main">
+<p:notesMaster xmlns:a="http://schemas.openxmlformats.org/drawingml/2006/main" xmlns:r="http://schemas.openxmlformats.org/officeDocument/2006/relationships" xmlns:p="http://schemas.openxmlformats.org/presentationml/2006/main">
   <p:cSld>
+    <p:bg>
+      <p:bgRef idx="1001">
+        <a:schemeClr val="bg1"/>
+      </p:bgRef>
+    </p:bg>
     <p:spTree>
       <p:nvGrpSpPr>
-        <p:cNvPr id="2" name="Shape 2"/>
+        <p:cNvPr id="1" name="Shape 2"/>
         <p:cNvGrpSpPr/>
         <p:nvPr/>
       </p:nvGrpSpPr>
@@ -300,9 +305,11 @@
       <p:sp>
         <p:nvSpPr>
           <p:cNvPr id="3" name="Google Shape;3;n"/>
-          <p:cNvSpPr/>
+          <p:cNvSpPr>
+            <a:spLocks noGrp="1" noRot="1" noChangeAspect="1"/>
+          </p:cNvSpPr>
           <p:nvPr>
-            <p:ph idx="2" type="sldImg"/>
+            <p:ph type="sldImg" idx="2"/>
           </p:nvPr>
         </p:nvSpPr>
         <p:spPr>
@@ -311,9 +318,13 @@
             <a:ext cx="6096075" cy="3429000"/>
           </a:xfrm>
           <a:custGeom>
-            <a:rect b="b" l="l" r="r" t="t"/>
+            <a:avLst/>
+            <a:gdLst/>
+            <a:ahLst/>
+            <a:cxnLst/>
+            <a:rect l="l" t="t" r="r" b="b"/>
             <a:pathLst>
-              <a:path extrusionOk="0" h="120000" w="120000">
+              <a:path w="120000" h="120000" extrusionOk="0">
                 <a:moveTo>
                   <a:pt x="0" y="0"/>
                 </a:moveTo>
@@ -331,23 +342,25 @@
             </a:pathLst>
           </a:custGeom>
           <a:noFill/>
-          <a:ln cap="flat" cmpd="sng" w="9525">
+          <a:ln w="9525" cap="flat" cmpd="sng">
             <a:solidFill>
               <a:srgbClr val="000000"/>
             </a:solidFill>
             <a:prstDash val="solid"/>
             <a:round/>
-            <a:headEnd len="sm" w="sm" type="none"/>
-            <a:tailEnd len="sm" w="sm" type="none"/>
+            <a:headEnd type="none" w="sm" len="sm"/>
+            <a:tailEnd type="none" w="sm" len="sm"/>
           </a:ln>
         </p:spPr>
       </p:sp>
       <p:sp>
         <p:nvSpPr>
           <p:cNvPr id="4" name="Google Shape;4;n"/>
-          <p:cNvSpPr txBox="1"/>
+          <p:cNvSpPr txBox="1">
+            <a:spLocks noGrp="1"/>
+          </p:cNvSpPr>
           <p:nvPr>
-            <p:ph idx="1" type="body"/>
+            <p:ph type="body" idx="1"/>
           </p:nvPr>
         </p:nvSpPr>
         <p:spPr>
@@ -364,11 +377,11 @@
           </a:ln>
         </p:spPr>
         <p:txBody>
-          <a:bodyPr anchorCtr="0" anchor="t" bIns="91425" lIns="91425" spcFirstLastPara="1" rIns="91425" wrap="square" tIns="91425">
+          <a:bodyPr spcFirstLastPara="1" wrap="square" lIns="91425" tIns="91425" rIns="91425" bIns="91425" anchor="t" anchorCtr="0">
             <a:noAutofit/>
           </a:bodyPr>
           <a:lstStyle>
-            <a:lvl1pPr indent="-298450" lvl="0" marL="457200">
+            <a:lvl1pPr marL="457200" lvl="0" indent="-298450">
               <a:spcBef>
                 <a:spcPts val="0"/>
               </a:spcBef>
@@ -379,7 +392,7 @@
               <a:buChar char="●"/>
               <a:defRPr sz="1100"/>
             </a:lvl1pPr>
-            <a:lvl2pPr indent="-298450" lvl="1" marL="914400">
+            <a:lvl2pPr marL="914400" lvl="1" indent="-298450">
               <a:spcBef>
                 <a:spcPts val="0"/>
               </a:spcBef>
@@ -390,7 +403,7 @@
               <a:buChar char="○"/>
               <a:defRPr sz="1100"/>
             </a:lvl2pPr>
-            <a:lvl3pPr indent="-298450" lvl="2" marL="1371600">
+            <a:lvl3pPr marL="1371600" lvl="2" indent="-298450">
               <a:spcBef>
                 <a:spcPts val="0"/>
               </a:spcBef>
@@ -401,7 +414,7 @@
               <a:buChar char="■"/>
               <a:defRPr sz="1100"/>
             </a:lvl3pPr>
-            <a:lvl4pPr indent="-298450" lvl="3" marL="1828800">
+            <a:lvl4pPr marL="1828800" lvl="3" indent="-298450">
               <a:spcBef>
                 <a:spcPts val="0"/>
               </a:spcBef>
@@ -412,7 +425,7 @@
               <a:buChar char="●"/>
               <a:defRPr sz="1100"/>
             </a:lvl4pPr>
-            <a:lvl5pPr indent="-298450" lvl="4" marL="2286000">
+            <a:lvl5pPr marL="2286000" lvl="4" indent="-298450">
               <a:spcBef>
                 <a:spcPts val="0"/>
               </a:spcBef>
@@ -423,7 +436,7 @@
               <a:buChar char="○"/>
               <a:defRPr sz="1100"/>
             </a:lvl5pPr>
-            <a:lvl6pPr indent="-298450" lvl="5" marL="2743200">
+            <a:lvl6pPr marL="2743200" lvl="5" indent="-298450">
               <a:spcBef>
                 <a:spcPts val="0"/>
               </a:spcBef>
@@ -434,7 +447,7 @@
               <a:buChar char="■"/>
               <a:defRPr sz="1100"/>
             </a:lvl6pPr>
-            <a:lvl7pPr indent="-298450" lvl="6" marL="3200400">
+            <a:lvl7pPr marL="3200400" lvl="6" indent="-298450">
               <a:spcBef>
                 <a:spcPts val="0"/>
               </a:spcBef>
@@ -445,7 +458,7 @@
               <a:buChar char="●"/>
               <a:defRPr sz="1100"/>
             </a:lvl7pPr>
-            <a:lvl8pPr indent="-298450" lvl="7" marL="3657600">
+            <a:lvl8pPr marL="3657600" lvl="7" indent="-298450">
               <a:spcBef>
                 <a:spcPts val="0"/>
               </a:spcBef>
@@ -456,7 +469,7 @@
               <a:buChar char="○"/>
               <a:defRPr sz="1100"/>
             </a:lvl8pPr>
-            <a:lvl9pPr indent="-298450" lvl="8" marL="4114800">
+            <a:lvl9pPr marL="4114800" lvl="8" indent="-298450">
               <a:spcBef>
                 <a:spcPts val="0"/>
               </a:spcBef>
@@ -468,14 +481,16 @@
               <a:defRPr sz="1100"/>
             </a:lvl9pPr>
           </a:lstStyle>
-          <a:p/>
+          <a:p>
+            <a:endParaRPr/>
+          </a:p>
         </p:txBody>
       </p:sp>
     </p:spTree>
   </p:cSld>
-  <p:clrMap accent1="accent1" accent2="accent2" accent3="accent3" accent4="accent4" accent5="accent5" accent6="accent6" bg1="lt1" bg2="dk2" tx1="dk1" tx2="lt2" folHlink="folHlink" hlink="hlink"/>
+  <p:clrMap bg1="lt1" tx1="dk1" bg2="dk2" tx2="lt2" accent1="accent1" accent2="accent2" accent3="accent3" accent4="accent4" accent5="accent5" accent6="accent6" hlink="hlink" folHlink="folHlink"/>
   <p:notesStyle>
-    <a:defPPr lvl="0" marR="0" rtl="0" algn="l">
+    <a:defPPr marR="0" lvl="0" algn="l" rtl="0">
       <a:lnSpc>
         <a:spcPct val="100000"/>
       </a:lnSpc>
@@ -486,7 +501,7 @@
         <a:spcPts val="0"/>
       </a:spcAft>
     </a:defPPr>
-    <a:lvl1pPr lvl="0" marR="0" rtl="0" algn="l">
+    <a:lvl1pPr marR="0" lvl="0" algn="l" rtl="0">
       <a:lnSpc>
         <a:spcPct val="100000"/>
       </a:lnSpc>
@@ -500,7 +515,7 @@
         <a:srgbClr val="000000"/>
       </a:buClr>
       <a:buFont typeface="Arial"/>
-      <a:defRPr b="0" i="0" sz="1400" u="none" cap="none" strike="noStrike">
+      <a:defRPr sz="1400" b="0" i="0" u="none" strike="noStrike" cap="none">
         <a:solidFill>
           <a:srgbClr val="000000"/>
         </a:solidFill>
@@ -510,7 +525,7 @@
         <a:sym typeface="Arial"/>
       </a:defRPr>
     </a:lvl1pPr>
-    <a:lvl2pPr lvl="1" marR="0" rtl="0" algn="l">
+    <a:lvl2pPr marR="0" lvl="1" algn="l" rtl="0">
       <a:lnSpc>
         <a:spcPct val="100000"/>
       </a:lnSpc>
@@ -524,7 +539,7 @@
         <a:srgbClr val="000000"/>
       </a:buClr>
       <a:buFont typeface="Arial"/>
-      <a:defRPr b="0" i="0" sz="1400" u="none" cap="none" strike="noStrike">
+      <a:defRPr sz="1400" b="0" i="0" u="none" strike="noStrike" cap="none">
         <a:solidFill>
           <a:srgbClr val="000000"/>
         </a:solidFill>
@@ -534,7 +549,7 @@
         <a:sym typeface="Arial"/>
       </a:defRPr>
     </a:lvl2pPr>
-    <a:lvl3pPr lvl="2" marR="0" rtl="0" algn="l">
+    <a:lvl3pPr marR="0" lvl="2" algn="l" rtl="0">
       <a:lnSpc>
         <a:spcPct val="100000"/>
       </a:lnSpc>
@@ -548,7 +563,7 @@
         <a:srgbClr val="000000"/>
       </a:buClr>
       <a:buFont typeface="Arial"/>
-      <a:defRPr b="0" i="0" sz="1400" u="none" cap="none" strike="noStrike">
+      <a:defRPr sz="1400" b="0" i="0" u="none" strike="noStrike" cap="none">
         <a:solidFill>
           <a:srgbClr val="000000"/>
         </a:solidFill>
@@ -558,7 +573,7 @@
         <a:sym typeface="Arial"/>
       </a:defRPr>
     </a:lvl3pPr>
-    <a:lvl4pPr lvl="3" marR="0" rtl="0" algn="l">
+    <a:lvl4pPr marR="0" lvl="3" algn="l" rtl="0">
       <a:lnSpc>
         <a:spcPct val="100000"/>
       </a:lnSpc>
@@ -572,7 +587,7 @@
         <a:srgbClr val="000000"/>
       </a:buClr>
       <a:buFont typeface="Arial"/>
-      <a:defRPr b="0" i="0" sz="1400" u="none" cap="none" strike="noStrike">
+      <a:defRPr sz="1400" b="0" i="0" u="none" strike="noStrike" cap="none">
         <a:solidFill>
           <a:srgbClr val="000000"/>
         </a:solidFill>
@@ -582,7 +597,7 @@
         <a:sym typeface="Arial"/>
       </a:defRPr>
     </a:lvl4pPr>
-    <a:lvl5pPr lvl="4" marR="0" rtl="0" algn="l">
+    <a:lvl5pPr marR="0" lvl="4" algn="l" rtl="0">
       <a:lnSpc>
         <a:spcPct val="100000"/>
       </a:lnSpc>
@@ -596,7 +611,7 @@
         <a:srgbClr val="000000"/>
       </a:buClr>
       <a:buFont typeface="Arial"/>
-      <a:defRPr b="0" i="0" sz="1400" u="none" cap="none" strike="noStrike">
+      <a:defRPr sz="1400" b="0" i="0" u="none" strike="noStrike" cap="none">
         <a:solidFill>
           <a:srgbClr val="000000"/>
         </a:solidFill>
@@ -606,7 +621,7 @@
         <a:sym typeface="Arial"/>
       </a:defRPr>
     </a:lvl5pPr>
-    <a:lvl6pPr lvl="5" marR="0" rtl="0" algn="l">
+    <a:lvl6pPr marR="0" lvl="5" algn="l" rtl="0">
       <a:lnSpc>
         <a:spcPct val="100000"/>
       </a:lnSpc>
@@ -620,7 +635,7 @@
         <a:srgbClr val="000000"/>
       </a:buClr>
       <a:buFont typeface="Arial"/>
-      <a:defRPr b="0" i="0" sz="1400" u="none" cap="none" strike="noStrike">
+      <a:defRPr sz="1400" b="0" i="0" u="none" strike="noStrike" cap="none">
         <a:solidFill>
           <a:srgbClr val="000000"/>
         </a:solidFill>
@@ -630,7 +645,7 @@
         <a:sym typeface="Arial"/>
       </a:defRPr>
     </a:lvl6pPr>
-    <a:lvl7pPr lvl="6" marR="0" rtl="0" algn="l">
+    <a:lvl7pPr marR="0" lvl="6" algn="l" rtl="0">
       <a:lnSpc>
         <a:spcPct val="100000"/>
       </a:lnSpc>
@@ -644,7 +659,7 @@
         <a:srgbClr val="000000"/>
       </a:buClr>
       <a:buFont typeface="Arial"/>
-      <a:defRPr b="0" i="0" sz="1400" u="none" cap="none" strike="noStrike">
+      <a:defRPr sz="1400" b="0" i="0" u="none" strike="noStrike" cap="none">
         <a:solidFill>
           <a:srgbClr val="000000"/>
         </a:solidFill>
@@ -654,7 +669,7 @@
         <a:sym typeface="Arial"/>
       </a:defRPr>
     </a:lvl7pPr>
-    <a:lvl8pPr lvl="7" marR="0" rtl="0" algn="l">
+    <a:lvl8pPr marR="0" lvl="7" algn="l" rtl="0">
       <a:lnSpc>
         <a:spcPct val="100000"/>
       </a:lnSpc>
@@ -668,7 +683,7 @@
         <a:srgbClr val="000000"/>
       </a:buClr>
       <a:buFont typeface="Arial"/>
-      <a:defRPr b="0" i="0" sz="1400" u="none" cap="none" strike="noStrike">
+      <a:defRPr sz="1400" b="0" i="0" u="none" strike="noStrike" cap="none">
         <a:solidFill>
           <a:srgbClr val="000000"/>
         </a:solidFill>
@@ -678,7 +693,7 @@
         <a:sym typeface="Arial"/>
       </a:defRPr>
     </a:lvl8pPr>
-    <a:lvl9pPr lvl="8" marR="0" rtl="0" algn="l">
+    <a:lvl9pPr marR="0" lvl="8" algn="l" rtl="0">
       <a:lnSpc>
         <a:spcPct val="100000"/>
       </a:lnSpc>
@@ -692,7 +707,7 @@
         <a:srgbClr val="000000"/>
       </a:buClr>
       <a:buFont typeface="Arial"/>
-      <a:defRPr b="0" i="0" sz="1400" u="none" cap="none" strike="noStrike">
+      <a:defRPr sz="1400" b="0" i="0" u="none" strike="noStrike" cap="none">
         <a:solidFill>
           <a:srgbClr val="000000"/>
         </a:solidFill>
@@ -707,11 +722,11 @@
 </file>
 
 <file path=ppt/notesSlides/notesSlide1.xml><?xml version="1.0" encoding="utf-8"?>
-<p:notes xmlns:a="http://schemas.openxmlformats.org/drawingml/2006/main" xmlns:r="http://schemas.openxmlformats.org/officeDocument/2006/relationships" xmlns:mc="http://schemas.openxmlformats.org/markup-compatibility/2006" xmlns:mv="urn:schemas-microsoft-com:mac:vml" xmlns:p="http://schemas.openxmlformats.org/presentationml/2006/main" xmlns:c="http://schemas.openxmlformats.org/drawingml/2006/chart" xmlns:dgm="http://schemas.openxmlformats.org/drawingml/2006/diagram" xmlns:o="urn:schemas-microsoft-com:office:office" xmlns:v="urn:schemas-microsoft-com:vml" xmlns:pvml="urn:schemas-microsoft-com:office:powerpoint" xmlns:com="http://schemas.openxmlformats.org/drawingml/2006/compatibility" xmlns:p14="http://schemas.microsoft.com/office/powerpoint/2010/main" xmlns:p15="http://schemas.microsoft.com/office/powerpoint/2012/main" showMasterPhAnim="0" showMasterSp="0">
+<p:notes xmlns:a="http://schemas.openxmlformats.org/drawingml/2006/main" xmlns:r="http://schemas.openxmlformats.org/officeDocument/2006/relationships" xmlns:p="http://schemas.openxmlformats.org/presentationml/2006/main" showMasterSp="0" showMasterPhAnim="0">
   <p:cSld>
     <p:spTree>
       <p:nvGrpSpPr>
-        <p:cNvPr id="50" name="Shape 50"/>
+        <p:cNvPr id="1" name="Shape 50"/>
         <p:cNvGrpSpPr/>
         <p:nvPr/>
       </p:nvGrpSpPr>
@@ -726,9 +741,11 @@
       <p:sp>
         <p:nvSpPr>
           <p:cNvPr id="51" name="Google Shape;51;p:notes"/>
-          <p:cNvSpPr/>
+          <p:cNvSpPr>
+            <a:spLocks noGrp="1" noRot="1" noChangeAspect="1"/>
+          </p:cNvSpPr>
           <p:nvPr>
-            <p:ph idx="2" type="sldImg"/>
+            <p:ph type="sldImg" idx="2"/>
           </p:nvPr>
         </p:nvSpPr>
         <p:spPr>
@@ -737,9 +754,13 @@
             <a:ext cx="6096075" cy="3429000"/>
           </a:xfrm>
           <a:custGeom>
-            <a:rect b="b" l="l" r="r" t="t"/>
+            <a:avLst/>
+            <a:gdLst/>
+            <a:ahLst/>
+            <a:cxnLst/>
+            <a:rect l="l" t="t" r="r" b="b"/>
             <a:pathLst>
-              <a:path extrusionOk="0" h="120000" w="120000">
+              <a:path w="120000" h="120000" extrusionOk="0">
                 <a:moveTo>
                   <a:pt x="0" y="0"/>
                 </a:moveTo>
@@ -761,9 +782,11 @@
       <p:sp>
         <p:nvSpPr>
           <p:cNvPr id="52" name="Google Shape;52;p:notes"/>
-          <p:cNvSpPr txBox="1"/>
+          <p:cNvSpPr txBox="1">
+            <a:spLocks noGrp="1"/>
+          </p:cNvSpPr>
           <p:nvPr>
-            <p:ph idx="1" type="body"/>
+            <p:ph type="body" idx="1"/>
           </p:nvPr>
         </p:nvSpPr>
         <p:spPr>
@@ -776,23 +799,20 @@
           </a:prstGeom>
         </p:spPr>
         <p:txBody>
-          <a:bodyPr anchorCtr="0" anchor="t" bIns="91425" lIns="91425" spcFirstLastPara="1" rIns="91425" wrap="square" tIns="91425">
+          <a:bodyPr spcFirstLastPara="1" wrap="square" lIns="91425" tIns="91425" rIns="91425" bIns="91425" anchor="t" anchorCtr="0">
             <a:noAutofit/>
           </a:bodyPr>
           <a:lstStyle/>
           <a:p>
-            <a:pPr indent="0" lvl="0" marL="0" rtl="0" algn="l">
-              <a:spcBef>
-                <a:spcPts val="0"/>
-              </a:spcBef>
-              <a:spcAft>
-                <a:spcPts val="0"/>
-              </a:spcAft>
-              <a:buNone/>
-            </a:pPr>
-            <a:r>
-              <a:t/>
-            </a:r>
+            <a:pPr marL="0" lvl="0" indent="0" algn="l" rtl="0">
+              <a:spcBef>
+                <a:spcPts val="0"/>
+              </a:spcBef>
+              <a:spcAft>
+                <a:spcPts val="0"/>
+              </a:spcAft>
+              <a:buNone/>
+            </a:pPr>
             <a:endParaRPr/>
           </a:p>
         </p:txBody>
@@ -806,11 +826,11 @@
 </file>
 
 <file path=ppt/notesSlides/notesSlide10.xml><?xml version="1.0" encoding="utf-8"?>
-<p:notes xmlns:a="http://schemas.openxmlformats.org/drawingml/2006/main" xmlns:r="http://schemas.openxmlformats.org/officeDocument/2006/relationships" xmlns:mc="http://schemas.openxmlformats.org/markup-compatibility/2006" xmlns:mv="urn:schemas-microsoft-com:mac:vml" xmlns:p="http://schemas.openxmlformats.org/presentationml/2006/main" xmlns:c="http://schemas.openxmlformats.org/drawingml/2006/chart" xmlns:dgm="http://schemas.openxmlformats.org/drawingml/2006/diagram" xmlns:o="urn:schemas-microsoft-com:office:office" xmlns:v="urn:schemas-microsoft-com:vml" xmlns:pvml="urn:schemas-microsoft-com:office:powerpoint" xmlns:com="http://schemas.openxmlformats.org/drawingml/2006/compatibility" xmlns:p14="http://schemas.microsoft.com/office/powerpoint/2010/main" xmlns:p15="http://schemas.microsoft.com/office/powerpoint/2012/main" showMasterPhAnim="0" showMasterSp="0">
+<p:notes xmlns:a="http://schemas.openxmlformats.org/drawingml/2006/main" xmlns:r="http://schemas.openxmlformats.org/officeDocument/2006/relationships" xmlns:p="http://schemas.openxmlformats.org/presentationml/2006/main" showMasterSp="0" showMasterPhAnim="0">
   <p:cSld>
     <p:spTree>
       <p:nvGrpSpPr>
-        <p:cNvPr id="119" name="Shape 119"/>
+        <p:cNvPr id="1" name="Shape 119"/>
         <p:cNvGrpSpPr/>
         <p:nvPr/>
       </p:nvGrpSpPr>
@@ -825,9 +845,11 @@
       <p:sp>
         <p:nvSpPr>
           <p:cNvPr id="120" name="Google Shape;120;g7537ca99b8_0_110:notes"/>
-          <p:cNvSpPr/>
+          <p:cNvSpPr>
+            <a:spLocks noGrp="1" noRot="1" noChangeAspect="1"/>
+          </p:cNvSpPr>
           <p:nvPr>
-            <p:ph idx="2" type="sldImg"/>
+            <p:ph type="sldImg" idx="2"/>
           </p:nvPr>
         </p:nvSpPr>
         <p:spPr>
@@ -836,9 +858,13 @@
             <a:ext cx="6096000" cy="3429000"/>
           </a:xfrm>
           <a:custGeom>
-            <a:rect b="b" l="l" r="r" t="t"/>
+            <a:avLst/>
+            <a:gdLst/>
+            <a:ahLst/>
+            <a:cxnLst/>
+            <a:rect l="l" t="t" r="r" b="b"/>
             <a:pathLst>
-              <a:path extrusionOk="0" h="120000" w="120000">
+              <a:path w="120000" h="120000" extrusionOk="0">
                 <a:moveTo>
                   <a:pt x="0" y="0"/>
                 </a:moveTo>
@@ -860,9 +886,11 @@
       <p:sp>
         <p:nvSpPr>
           <p:cNvPr id="121" name="Google Shape;121;g7537ca99b8_0_110:notes"/>
-          <p:cNvSpPr txBox="1"/>
+          <p:cNvSpPr txBox="1">
+            <a:spLocks noGrp="1"/>
+          </p:cNvSpPr>
           <p:nvPr>
-            <p:ph idx="1" type="body"/>
+            <p:ph type="body" idx="1"/>
           </p:nvPr>
         </p:nvSpPr>
         <p:spPr>
@@ -875,23 +903,20 @@
           </a:prstGeom>
         </p:spPr>
         <p:txBody>
-          <a:bodyPr anchorCtr="0" anchor="t" bIns="91425" lIns="91425" spcFirstLastPara="1" rIns="91425" wrap="square" tIns="91425">
+          <a:bodyPr spcFirstLastPara="1" wrap="square" lIns="91425" tIns="91425" rIns="91425" bIns="91425" anchor="t" anchorCtr="0">
             <a:noAutofit/>
           </a:bodyPr>
           <a:lstStyle/>
           <a:p>
-            <a:pPr indent="0" lvl="0" marL="0" rtl="0" algn="l">
-              <a:spcBef>
-                <a:spcPts val="0"/>
-              </a:spcBef>
-              <a:spcAft>
-                <a:spcPts val="0"/>
-              </a:spcAft>
-              <a:buNone/>
-            </a:pPr>
-            <a:r>
-              <a:t/>
-            </a:r>
+            <a:pPr marL="0" lvl="0" indent="0" algn="l" rtl="0">
+              <a:spcBef>
+                <a:spcPts val="0"/>
+              </a:spcBef>
+              <a:spcAft>
+                <a:spcPts val="0"/>
+              </a:spcAft>
+              <a:buNone/>
+            </a:pPr>
             <a:endParaRPr/>
           </a:p>
         </p:txBody>
@@ -905,11 +930,11 @@
 </file>
 
 <file path=ppt/notesSlides/notesSlide11.xml><?xml version="1.0" encoding="utf-8"?>
-<p:notes xmlns:a="http://schemas.openxmlformats.org/drawingml/2006/main" xmlns:r="http://schemas.openxmlformats.org/officeDocument/2006/relationships" xmlns:mc="http://schemas.openxmlformats.org/markup-compatibility/2006" xmlns:mv="urn:schemas-microsoft-com:mac:vml" xmlns:p="http://schemas.openxmlformats.org/presentationml/2006/main" xmlns:c="http://schemas.openxmlformats.org/drawingml/2006/chart" xmlns:dgm="http://schemas.openxmlformats.org/drawingml/2006/diagram" xmlns:o="urn:schemas-microsoft-com:office:office" xmlns:v="urn:schemas-microsoft-com:vml" xmlns:pvml="urn:schemas-microsoft-com:office:powerpoint" xmlns:com="http://schemas.openxmlformats.org/drawingml/2006/compatibility" xmlns:p14="http://schemas.microsoft.com/office/powerpoint/2010/main" xmlns:p15="http://schemas.microsoft.com/office/powerpoint/2012/main" showMasterPhAnim="0" showMasterSp="0">
+<p:notes xmlns:a="http://schemas.openxmlformats.org/drawingml/2006/main" xmlns:r="http://schemas.openxmlformats.org/officeDocument/2006/relationships" xmlns:p="http://schemas.openxmlformats.org/presentationml/2006/main" showMasterSp="0" showMasterPhAnim="0">
   <p:cSld>
     <p:spTree>
       <p:nvGrpSpPr>
-        <p:cNvPr id="125" name="Shape 125"/>
+        <p:cNvPr id="1" name="Shape 125"/>
         <p:cNvGrpSpPr/>
         <p:nvPr/>
       </p:nvGrpSpPr>
@@ -924,9 +949,11 @@
       <p:sp>
         <p:nvSpPr>
           <p:cNvPr id="126" name="Google Shape;126;g752f2b5a61_4_0:notes"/>
-          <p:cNvSpPr/>
+          <p:cNvSpPr>
+            <a:spLocks noGrp="1" noRot="1" noChangeAspect="1"/>
+          </p:cNvSpPr>
           <p:nvPr>
-            <p:ph idx="2" type="sldImg"/>
+            <p:ph type="sldImg" idx="2"/>
           </p:nvPr>
         </p:nvSpPr>
         <p:spPr>
@@ -935,9 +962,13 @@
             <a:ext cx="6096000" cy="3429000"/>
           </a:xfrm>
           <a:custGeom>
-            <a:rect b="b" l="l" r="r" t="t"/>
+            <a:avLst/>
+            <a:gdLst/>
+            <a:ahLst/>
+            <a:cxnLst/>
+            <a:rect l="l" t="t" r="r" b="b"/>
             <a:pathLst>
-              <a:path extrusionOk="0" h="120000" w="120000">
+              <a:path w="120000" h="120000" extrusionOk="0">
                 <a:moveTo>
                   <a:pt x="0" y="0"/>
                 </a:moveTo>
@@ -959,9 +990,11 @@
       <p:sp>
         <p:nvSpPr>
           <p:cNvPr id="127" name="Google Shape;127;g752f2b5a61_4_0:notes"/>
-          <p:cNvSpPr txBox="1"/>
+          <p:cNvSpPr txBox="1">
+            <a:spLocks noGrp="1"/>
+          </p:cNvSpPr>
           <p:nvPr>
-            <p:ph idx="1" type="body"/>
+            <p:ph type="body" idx="1"/>
           </p:nvPr>
         </p:nvSpPr>
         <p:spPr>
@@ -974,23 +1007,20 @@
           </a:prstGeom>
         </p:spPr>
         <p:txBody>
-          <a:bodyPr anchorCtr="0" anchor="t" bIns="91425" lIns="91425" spcFirstLastPara="1" rIns="91425" wrap="square" tIns="91425">
+          <a:bodyPr spcFirstLastPara="1" wrap="square" lIns="91425" tIns="91425" rIns="91425" bIns="91425" anchor="t" anchorCtr="0">
             <a:noAutofit/>
           </a:bodyPr>
           <a:lstStyle/>
           <a:p>
-            <a:pPr indent="0" lvl="0" marL="0" rtl="0" algn="l">
-              <a:spcBef>
-                <a:spcPts val="0"/>
-              </a:spcBef>
-              <a:spcAft>
-                <a:spcPts val="0"/>
-              </a:spcAft>
-              <a:buNone/>
-            </a:pPr>
-            <a:r>
-              <a:t/>
-            </a:r>
+            <a:pPr marL="0" lvl="0" indent="0" algn="l" rtl="0">
+              <a:spcBef>
+                <a:spcPts val="0"/>
+              </a:spcBef>
+              <a:spcAft>
+                <a:spcPts val="0"/>
+              </a:spcAft>
+              <a:buNone/>
+            </a:pPr>
             <a:endParaRPr/>
           </a:p>
         </p:txBody>
@@ -1004,11 +1034,11 @@
 </file>
 
 <file path=ppt/notesSlides/notesSlide12.xml><?xml version="1.0" encoding="utf-8"?>
-<p:notes xmlns:a="http://schemas.openxmlformats.org/drawingml/2006/main" xmlns:r="http://schemas.openxmlformats.org/officeDocument/2006/relationships" xmlns:mc="http://schemas.openxmlformats.org/markup-compatibility/2006" xmlns:mv="urn:schemas-microsoft-com:mac:vml" xmlns:p="http://schemas.openxmlformats.org/presentationml/2006/main" xmlns:c="http://schemas.openxmlformats.org/drawingml/2006/chart" xmlns:dgm="http://schemas.openxmlformats.org/drawingml/2006/diagram" xmlns:o="urn:schemas-microsoft-com:office:office" xmlns:v="urn:schemas-microsoft-com:vml" xmlns:pvml="urn:schemas-microsoft-com:office:powerpoint" xmlns:com="http://schemas.openxmlformats.org/drawingml/2006/compatibility" xmlns:p14="http://schemas.microsoft.com/office/powerpoint/2010/main" xmlns:p15="http://schemas.microsoft.com/office/powerpoint/2012/main" showMasterPhAnim="0" showMasterSp="0">
+<p:notes xmlns:a="http://schemas.openxmlformats.org/drawingml/2006/main" xmlns:r="http://schemas.openxmlformats.org/officeDocument/2006/relationships" xmlns:p="http://schemas.openxmlformats.org/presentationml/2006/main" showMasterSp="0" showMasterPhAnim="0">
   <p:cSld>
     <p:spTree>
       <p:nvGrpSpPr>
-        <p:cNvPr id="130" name="Shape 130"/>
+        <p:cNvPr id="1" name="Shape 130"/>
         <p:cNvGrpSpPr/>
         <p:nvPr/>
       </p:nvGrpSpPr>
@@ -1023,9 +1053,11 @@
       <p:sp>
         <p:nvSpPr>
           <p:cNvPr id="131" name="Google Shape;131;g752f2b5a61_4_11:notes"/>
-          <p:cNvSpPr/>
+          <p:cNvSpPr>
+            <a:spLocks noGrp="1" noRot="1" noChangeAspect="1"/>
+          </p:cNvSpPr>
           <p:nvPr>
-            <p:ph idx="2" type="sldImg"/>
+            <p:ph type="sldImg" idx="2"/>
           </p:nvPr>
         </p:nvSpPr>
         <p:spPr>
@@ -1034,9 +1066,13 @@
             <a:ext cx="6096000" cy="3429000"/>
           </a:xfrm>
           <a:custGeom>
-            <a:rect b="b" l="l" r="r" t="t"/>
+            <a:avLst/>
+            <a:gdLst/>
+            <a:ahLst/>
+            <a:cxnLst/>
+            <a:rect l="l" t="t" r="r" b="b"/>
             <a:pathLst>
-              <a:path extrusionOk="0" h="120000" w="120000">
+              <a:path w="120000" h="120000" extrusionOk="0">
                 <a:moveTo>
                   <a:pt x="0" y="0"/>
                 </a:moveTo>
@@ -1058,9 +1094,11 @@
       <p:sp>
         <p:nvSpPr>
           <p:cNvPr id="132" name="Google Shape;132;g752f2b5a61_4_11:notes"/>
-          <p:cNvSpPr txBox="1"/>
+          <p:cNvSpPr txBox="1">
+            <a:spLocks noGrp="1"/>
+          </p:cNvSpPr>
           <p:nvPr>
-            <p:ph idx="1" type="body"/>
+            <p:ph type="body" idx="1"/>
           </p:nvPr>
         </p:nvSpPr>
         <p:spPr>
@@ -1073,23 +1111,20 @@
           </a:prstGeom>
         </p:spPr>
         <p:txBody>
-          <a:bodyPr anchorCtr="0" anchor="t" bIns="91425" lIns="91425" spcFirstLastPara="1" rIns="91425" wrap="square" tIns="91425">
+          <a:bodyPr spcFirstLastPara="1" wrap="square" lIns="91425" tIns="91425" rIns="91425" bIns="91425" anchor="t" anchorCtr="0">
             <a:noAutofit/>
           </a:bodyPr>
           <a:lstStyle/>
           <a:p>
-            <a:pPr indent="0" lvl="0" marL="0" rtl="0" algn="l">
-              <a:spcBef>
-                <a:spcPts val="0"/>
-              </a:spcBef>
-              <a:spcAft>
-                <a:spcPts val="0"/>
-              </a:spcAft>
-              <a:buNone/>
-            </a:pPr>
-            <a:r>
-              <a:t/>
-            </a:r>
+            <a:pPr marL="0" lvl="0" indent="0" algn="l" rtl="0">
+              <a:spcBef>
+                <a:spcPts val="0"/>
+              </a:spcBef>
+              <a:spcAft>
+                <a:spcPts val="0"/>
+              </a:spcAft>
+              <a:buNone/>
+            </a:pPr>
             <a:endParaRPr/>
           </a:p>
         </p:txBody>
@@ -1103,11 +1138,11 @@
 </file>
 
 <file path=ppt/notesSlides/notesSlide13.xml><?xml version="1.0" encoding="utf-8"?>
-<p:notes xmlns:a="http://schemas.openxmlformats.org/drawingml/2006/main" xmlns:r="http://schemas.openxmlformats.org/officeDocument/2006/relationships" xmlns:mc="http://schemas.openxmlformats.org/markup-compatibility/2006" xmlns:mv="urn:schemas-microsoft-com:mac:vml" xmlns:p="http://schemas.openxmlformats.org/presentationml/2006/main" xmlns:c="http://schemas.openxmlformats.org/drawingml/2006/chart" xmlns:dgm="http://schemas.openxmlformats.org/drawingml/2006/diagram" xmlns:o="urn:schemas-microsoft-com:office:office" xmlns:v="urn:schemas-microsoft-com:vml" xmlns:pvml="urn:schemas-microsoft-com:office:powerpoint" xmlns:com="http://schemas.openxmlformats.org/drawingml/2006/compatibility" xmlns:p14="http://schemas.microsoft.com/office/powerpoint/2010/main" xmlns:p15="http://schemas.microsoft.com/office/powerpoint/2012/main" showMasterPhAnim="0" showMasterSp="0">
+<p:notes xmlns:a="http://schemas.openxmlformats.org/drawingml/2006/main" xmlns:r="http://schemas.openxmlformats.org/officeDocument/2006/relationships" xmlns:p="http://schemas.openxmlformats.org/presentationml/2006/main" showMasterSp="0" showMasterPhAnim="0">
   <p:cSld>
     <p:spTree>
       <p:nvGrpSpPr>
-        <p:cNvPr id="138" name="Shape 138"/>
+        <p:cNvPr id="1" name="Shape 138"/>
         <p:cNvGrpSpPr/>
         <p:nvPr/>
       </p:nvGrpSpPr>
@@ -1122,20 +1157,26 @@
       <p:sp>
         <p:nvSpPr>
           <p:cNvPr id="139" name="Google Shape;139;g7537ca99b8_0_115:notes"/>
-          <p:cNvSpPr/>
+          <p:cNvSpPr>
+            <a:spLocks noGrp="1" noRot="1" noChangeAspect="1"/>
+          </p:cNvSpPr>
           <p:nvPr>
-            <p:ph idx="2" type="sldImg"/>
+            <p:ph type="sldImg" idx="2"/>
           </p:nvPr>
         </p:nvSpPr>
         <p:spPr>
           <a:xfrm>
-            <a:off x="381300" y="685800"/>
+            <a:off x="381000" y="685800"/>
             <a:ext cx="6096000" cy="3429000"/>
           </a:xfrm>
           <a:custGeom>
-            <a:rect b="b" l="l" r="r" t="t"/>
+            <a:avLst/>
+            <a:gdLst/>
+            <a:ahLst/>
+            <a:cxnLst/>
+            <a:rect l="l" t="t" r="r" b="b"/>
             <a:pathLst>
-              <a:path extrusionOk="0" h="120000" w="120000">
+              <a:path w="120000" h="120000" extrusionOk="0">
                 <a:moveTo>
                   <a:pt x="0" y="0"/>
                 </a:moveTo>
@@ -1157,9 +1198,11 @@
       <p:sp>
         <p:nvSpPr>
           <p:cNvPr id="140" name="Google Shape;140;g7537ca99b8_0_115:notes"/>
-          <p:cNvSpPr txBox="1"/>
+          <p:cNvSpPr txBox="1">
+            <a:spLocks noGrp="1"/>
+          </p:cNvSpPr>
           <p:nvPr>
-            <p:ph idx="1" type="body"/>
+            <p:ph type="body" idx="1"/>
           </p:nvPr>
         </p:nvSpPr>
         <p:spPr>
@@ -1172,23 +1215,20 @@
           </a:prstGeom>
         </p:spPr>
         <p:txBody>
-          <a:bodyPr anchorCtr="0" anchor="t" bIns="91425" lIns="91425" spcFirstLastPara="1" rIns="91425" wrap="square" tIns="91425">
+          <a:bodyPr spcFirstLastPara="1" wrap="square" lIns="91425" tIns="91425" rIns="91425" bIns="91425" anchor="t" anchorCtr="0">
             <a:noAutofit/>
           </a:bodyPr>
           <a:lstStyle/>
           <a:p>
-            <a:pPr indent="0" lvl="0" marL="0" rtl="0" algn="l">
-              <a:spcBef>
-                <a:spcPts val="0"/>
-              </a:spcBef>
-              <a:spcAft>
-                <a:spcPts val="0"/>
-              </a:spcAft>
-              <a:buNone/>
-            </a:pPr>
-            <a:r>
-              <a:t/>
-            </a:r>
+            <a:pPr marL="0" lvl="0" indent="0" algn="l" rtl="0">
+              <a:spcBef>
+                <a:spcPts val="0"/>
+              </a:spcBef>
+              <a:spcAft>
+                <a:spcPts val="0"/>
+              </a:spcAft>
+              <a:buNone/>
+            </a:pPr>
             <a:endParaRPr/>
           </a:p>
         </p:txBody>
@@ -1202,11 +1242,11 @@
 </file>
 
 <file path=ppt/notesSlides/notesSlide14.xml><?xml version="1.0" encoding="utf-8"?>
-<p:notes xmlns:a="http://schemas.openxmlformats.org/drawingml/2006/main" xmlns:r="http://schemas.openxmlformats.org/officeDocument/2006/relationships" xmlns:mc="http://schemas.openxmlformats.org/markup-compatibility/2006" xmlns:mv="urn:schemas-microsoft-com:mac:vml" xmlns:p="http://schemas.openxmlformats.org/presentationml/2006/main" xmlns:c="http://schemas.openxmlformats.org/drawingml/2006/chart" xmlns:dgm="http://schemas.openxmlformats.org/drawingml/2006/diagram" xmlns:o="urn:schemas-microsoft-com:office:office" xmlns:v="urn:schemas-microsoft-com:vml" xmlns:pvml="urn:schemas-microsoft-com:office:powerpoint" xmlns:com="http://schemas.openxmlformats.org/drawingml/2006/compatibility" xmlns:p14="http://schemas.microsoft.com/office/powerpoint/2010/main" xmlns:p15="http://schemas.microsoft.com/office/powerpoint/2012/main" showMasterPhAnim="0" showMasterSp="0">
+<p:notes xmlns:a="http://schemas.openxmlformats.org/drawingml/2006/main" xmlns:r="http://schemas.openxmlformats.org/officeDocument/2006/relationships" xmlns:p="http://schemas.openxmlformats.org/presentationml/2006/main" showMasterSp="0" showMasterPhAnim="0">
   <p:cSld>
     <p:spTree>
       <p:nvGrpSpPr>
-        <p:cNvPr id="145" name="Shape 145"/>
+        <p:cNvPr id="1" name="Shape 145"/>
         <p:cNvGrpSpPr/>
         <p:nvPr/>
       </p:nvGrpSpPr>
@@ -1221,9 +1261,11 @@
       <p:sp>
         <p:nvSpPr>
           <p:cNvPr id="146" name="Google Shape;146;g7537ca99b8_0_120:notes"/>
-          <p:cNvSpPr/>
+          <p:cNvSpPr>
+            <a:spLocks noGrp="1" noRot="1" noChangeAspect="1"/>
+          </p:cNvSpPr>
           <p:nvPr>
-            <p:ph idx="2" type="sldImg"/>
+            <p:ph type="sldImg" idx="2"/>
           </p:nvPr>
         </p:nvSpPr>
         <p:spPr>
@@ -1232,9 +1274,13 @@
             <a:ext cx="6096000" cy="3429000"/>
           </a:xfrm>
           <a:custGeom>
-            <a:rect b="b" l="l" r="r" t="t"/>
+            <a:avLst/>
+            <a:gdLst/>
+            <a:ahLst/>
+            <a:cxnLst/>
+            <a:rect l="l" t="t" r="r" b="b"/>
             <a:pathLst>
-              <a:path extrusionOk="0" h="120000" w="120000">
+              <a:path w="120000" h="120000" extrusionOk="0">
                 <a:moveTo>
                   <a:pt x="0" y="0"/>
                 </a:moveTo>
@@ -1256,9 +1302,11 @@
       <p:sp>
         <p:nvSpPr>
           <p:cNvPr id="147" name="Google Shape;147;g7537ca99b8_0_120:notes"/>
-          <p:cNvSpPr txBox="1"/>
+          <p:cNvSpPr txBox="1">
+            <a:spLocks noGrp="1"/>
+          </p:cNvSpPr>
           <p:nvPr>
-            <p:ph idx="1" type="body"/>
+            <p:ph type="body" idx="1"/>
           </p:nvPr>
         </p:nvSpPr>
         <p:spPr>
@@ -1271,23 +1319,20 @@
           </a:prstGeom>
         </p:spPr>
         <p:txBody>
-          <a:bodyPr anchorCtr="0" anchor="t" bIns="91425" lIns="91425" spcFirstLastPara="1" rIns="91425" wrap="square" tIns="91425">
+          <a:bodyPr spcFirstLastPara="1" wrap="square" lIns="91425" tIns="91425" rIns="91425" bIns="91425" anchor="t" anchorCtr="0">
             <a:noAutofit/>
           </a:bodyPr>
           <a:lstStyle/>
           <a:p>
-            <a:pPr indent="0" lvl="0" marL="0" rtl="0" algn="l">
-              <a:spcBef>
-                <a:spcPts val="0"/>
-              </a:spcBef>
-              <a:spcAft>
-                <a:spcPts val="0"/>
-              </a:spcAft>
-              <a:buNone/>
-            </a:pPr>
-            <a:r>
-              <a:t/>
-            </a:r>
+            <a:pPr marL="0" lvl="0" indent="0" algn="l" rtl="0">
+              <a:spcBef>
+                <a:spcPts val="0"/>
+              </a:spcBef>
+              <a:spcAft>
+                <a:spcPts val="0"/>
+              </a:spcAft>
+              <a:buNone/>
+            </a:pPr>
             <a:endParaRPr/>
           </a:p>
         </p:txBody>
@@ -1301,11 +1346,11 @@
 </file>
 
 <file path=ppt/notesSlides/notesSlide15.xml><?xml version="1.0" encoding="utf-8"?>
-<p:notes xmlns:a="http://schemas.openxmlformats.org/drawingml/2006/main" xmlns:r="http://schemas.openxmlformats.org/officeDocument/2006/relationships" xmlns:mc="http://schemas.openxmlformats.org/markup-compatibility/2006" xmlns:mv="urn:schemas-microsoft-com:mac:vml" xmlns:p="http://schemas.openxmlformats.org/presentationml/2006/main" xmlns:c="http://schemas.openxmlformats.org/drawingml/2006/chart" xmlns:dgm="http://schemas.openxmlformats.org/drawingml/2006/diagram" xmlns:o="urn:schemas-microsoft-com:office:office" xmlns:v="urn:schemas-microsoft-com:vml" xmlns:pvml="urn:schemas-microsoft-com:office:powerpoint" xmlns:com="http://schemas.openxmlformats.org/drawingml/2006/compatibility" xmlns:p14="http://schemas.microsoft.com/office/powerpoint/2010/main" xmlns:p15="http://schemas.microsoft.com/office/powerpoint/2012/main" showMasterPhAnim="0" showMasterSp="0">
+<p:notes xmlns:a="http://schemas.openxmlformats.org/drawingml/2006/main" xmlns:r="http://schemas.openxmlformats.org/officeDocument/2006/relationships" xmlns:p="http://schemas.openxmlformats.org/presentationml/2006/main" showMasterSp="0" showMasterPhAnim="0">
   <p:cSld>
     <p:spTree>
       <p:nvGrpSpPr>
-        <p:cNvPr id="151" name="Shape 151"/>
+        <p:cNvPr id="1" name="Shape 151"/>
         <p:cNvGrpSpPr/>
         <p:nvPr/>
       </p:nvGrpSpPr>
@@ -1320,9 +1365,11 @@
       <p:sp>
         <p:nvSpPr>
           <p:cNvPr id="152" name="Google Shape;152;g7537ca99b8_0_0:notes"/>
-          <p:cNvSpPr/>
+          <p:cNvSpPr>
+            <a:spLocks noGrp="1" noRot="1" noChangeAspect="1"/>
+          </p:cNvSpPr>
           <p:nvPr>
-            <p:ph idx="2" type="sldImg"/>
+            <p:ph type="sldImg" idx="2"/>
           </p:nvPr>
         </p:nvSpPr>
         <p:spPr>
@@ -1331,9 +1378,13 @@
             <a:ext cx="6096000" cy="3429000"/>
           </a:xfrm>
           <a:custGeom>
-            <a:rect b="b" l="l" r="r" t="t"/>
+            <a:avLst/>
+            <a:gdLst/>
+            <a:ahLst/>
+            <a:cxnLst/>
+            <a:rect l="l" t="t" r="r" b="b"/>
             <a:pathLst>
-              <a:path extrusionOk="0" h="120000" w="120000">
+              <a:path w="120000" h="120000" extrusionOk="0">
                 <a:moveTo>
                   <a:pt x="0" y="0"/>
                 </a:moveTo>
@@ -1355,9 +1406,11 @@
       <p:sp>
         <p:nvSpPr>
           <p:cNvPr id="153" name="Google Shape;153;g7537ca99b8_0_0:notes"/>
-          <p:cNvSpPr txBox="1"/>
+          <p:cNvSpPr txBox="1">
+            <a:spLocks noGrp="1"/>
+          </p:cNvSpPr>
           <p:nvPr>
-            <p:ph idx="1" type="body"/>
+            <p:ph type="body" idx="1"/>
           </p:nvPr>
         </p:nvSpPr>
         <p:spPr>
@@ -1370,23 +1423,20 @@
           </a:prstGeom>
         </p:spPr>
         <p:txBody>
-          <a:bodyPr anchorCtr="0" anchor="t" bIns="91425" lIns="91425" spcFirstLastPara="1" rIns="91425" wrap="square" tIns="91425">
+          <a:bodyPr spcFirstLastPara="1" wrap="square" lIns="91425" tIns="91425" rIns="91425" bIns="91425" anchor="t" anchorCtr="0">
             <a:noAutofit/>
           </a:bodyPr>
           <a:lstStyle/>
           <a:p>
-            <a:pPr indent="0" lvl="0" marL="0" rtl="0" algn="l">
-              <a:spcBef>
-                <a:spcPts val="0"/>
-              </a:spcBef>
-              <a:spcAft>
-                <a:spcPts val="0"/>
-              </a:spcAft>
-              <a:buNone/>
-            </a:pPr>
-            <a:r>
-              <a:t/>
-            </a:r>
+            <a:pPr marL="0" lvl="0" indent="0" algn="l" rtl="0">
+              <a:spcBef>
+                <a:spcPts val="0"/>
+              </a:spcBef>
+              <a:spcAft>
+                <a:spcPts val="0"/>
+              </a:spcAft>
+              <a:buNone/>
+            </a:pPr>
             <a:endParaRPr/>
           </a:p>
         </p:txBody>
@@ -1400,11 +1450,11 @@
 </file>
 
 <file path=ppt/notesSlides/notesSlide16.xml><?xml version="1.0" encoding="utf-8"?>
-<p:notes xmlns:a="http://schemas.openxmlformats.org/drawingml/2006/main" xmlns:r="http://schemas.openxmlformats.org/officeDocument/2006/relationships" xmlns:mc="http://schemas.openxmlformats.org/markup-compatibility/2006" xmlns:mv="urn:schemas-microsoft-com:mac:vml" xmlns:p="http://schemas.openxmlformats.org/presentationml/2006/main" xmlns:c="http://schemas.openxmlformats.org/drawingml/2006/chart" xmlns:dgm="http://schemas.openxmlformats.org/drawingml/2006/diagram" xmlns:o="urn:schemas-microsoft-com:office:office" xmlns:v="urn:schemas-microsoft-com:vml" xmlns:pvml="urn:schemas-microsoft-com:office:powerpoint" xmlns:com="http://schemas.openxmlformats.org/drawingml/2006/compatibility" xmlns:p14="http://schemas.microsoft.com/office/powerpoint/2010/main" xmlns:p15="http://schemas.microsoft.com/office/powerpoint/2012/main" showMasterPhAnim="0" showMasterSp="0">
+<p:notes xmlns:a="http://schemas.openxmlformats.org/drawingml/2006/main" xmlns:r="http://schemas.openxmlformats.org/officeDocument/2006/relationships" xmlns:p="http://schemas.openxmlformats.org/presentationml/2006/main" showMasterSp="0" showMasterPhAnim="0">
   <p:cSld>
     <p:spTree>
       <p:nvGrpSpPr>
-        <p:cNvPr id="157" name="Shape 157"/>
+        <p:cNvPr id="1" name="Shape 157"/>
         <p:cNvGrpSpPr/>
         <p:nvPr/>
       </p:nvGrpSpPr>
@@ -1419,9 +1469,11 @@
       <p:sp>
         <p:nvSpPr>
           <p:cNvPr id="158" name="Google Shape;158;g752f2b5a61_0_0:notes"/>
-          <p:cNvSpPr/>
+          <p:cNvSpPr>
+            <a:spLocks noGrp="1" noRot="1" noChangeAspect="1"/>
+          </p:cNvSpPr>
           <p:nvPr>
-            <p:ph idx="2" type="sldImg"/>
+            <p:ph type="sldImg" idx="2"/>
           </p:nvPr>
         </p:nvSpPr>
         <p:spPr>
@@ -1430,9 +1482,13 @@
             <a:ext cx="6096000" cy="3429000"/>
           </a:xfrm>
           <a:custGeom>
-            <a:rect b="b" l="l" r="r" t="t"/>
+            <a:avLst/>
+            <a:gdLst/>
+            <a:ahLst/>
+            <a:cxnLst/>
+            <a:rect l="l" t="t" r="r" b="b"/>
             <a:pathLst>
-              <a:path extrusionOk="0" h="120000" w="120000">
+              <a:path w="120000" h="120000" extrusionOk="0">
                 <a:moveTo>
                   <a:pt x="0" y="0"/>
                 </a:moveTo>
@@ -1454,9 +1510,11 @@
       <p:sp>
         <p:nvSpPr>
           <p:cNvPr id="159" name="Google Shape;159;g752f2b5a61_0_0:notes"/>
-          <p:cNvSpPr txBox="1"/>
+          <p:cNvSpPr txBox="1">
+            <a:spLocks noGrp="1"/>
+          </p:cNvSpPr>
           <p:nvPr>
-            <p:ph idx="1" type="body"/>
+            <p:ph type="body" idx="1"/>
           </p:nvPr>
         </p:nvSpPr>
         <p:spPr>
@@ -1469,23 +1527,20 @@
           </a:prstGeom>
         </p:spPr>
         <p:txBody>
-          <a:bodyPr anchorCtr="0" anchor="t" bIns="91425" lIns="91425" spcFirstLastPara="1" rIns="91425" wrap="square" tIns="91425">
+          <a:bodyPr spcFirstLastPara="1" wrap="square" lIns="91425" tIns="91425" rIns="91425" bIns="91425" anchor="t" anchorCtr="0">
             <a:noAutofit/>
           </a:bodyPr>
           <a:lstStyle/>
           <a:p>
-            <a:pPr indent="0" lvl="0" marL="0" rtl="0" algn="l">
-              <a:spcBef>
-                <a:spcPts val="0"/>
-              </a:spcBef>
-              <a:spcAft>
-                <a:spcPts val="0"/>
-              </a:spcAft>
-              <a:buNone/>
-            </a:pPr>
-            <a:r>
-              <a:t/>
-            </a:r>
+            <a:pPr marL="0" lvl="0" indent="0" algn="l" rtl="0">
+              <a:spcBef>
+                <a:spcPts val="0"/>
+              </a:spcBef>
+              <a:spcAft>
+                <a:spcPts val="0"/>
+              </a:spcAft>
+              <a:buNone/>
+            </a:pPr>
             <a:endParaRPr/>
           </a:p>
         </p:txBody>
@@ -1499,11 +1554,11 @@
 </file>
 
 <file path=ppt/notesSlides/notesSlide17.xml><?xml version="1.0" encoding="utf-8"?>
-<p:notes xmlns:a="http://schemas.openxmlformats.org/drawingml/2006/main" xmlns:r="http://schemas.openxmlformats.org/officeDocument/2006/relationships" xmlns:mc="http://schemas.openxmlformats.org/markup-compatibility/2006" xmlns:mv="urn:schemas-microsoft-com:mac:vml" xmlns:p="http://schemas.openxmlformats.org/presentationml/2006/main" xmlns:c="http://schemas.openxmlformats.org/drawingml/2006/chart" xmlns:dgm="http://schemas.openxmlformats.org/drawingml/2006/diagram" xmlns:o="urn:schemas-microsoft-com:office:office" xmlns:v="urn:schemas-microsoft-com:vml" xmlns:pvml="urn:schemas-microsoft-com:office:powerpoint" xmlns:com="http://schemas.openxmlformats.org/drawingml/2006/compatibility" xmlns:p14="http://schemas.microsoft.com/office/powerpoint/2010/main" xmlns:p15="http://schemas.microsoft.com/office/powerpoint/2012/main" showMasterPhAnim="0" showMasterSp="0">
+<p:notes xmlns:a="http://schemas.openxmlformats.org/drawingml/2006/main" xmlns:r="http://schemas.openxmlformats.org/officeDocument/2006/relationships" xmlns:p="http://schemas.openxmlformats.org/presentationml/2006/main" showMasterSp="0" showMasterPhAnim="0">
   <p:cSld>
     <p:spTree>
       <p:nvGrpSpPr>
-        <p:cNvPr id="163" name="Shape 163"/>
+        <p:cNvPr id="1" name="Shape 163"/>
         <p:cNvGrpSpPr/>
         <p:nvPr/>
       </p:nvGrpSpPr>
@@ -1518,9 +1573,11 @@
       <p:sp>
         <p:nvSpPr>
           <p:cNvPr id="164" name="Google Shape;164;g752f2b5a61_4_72:notes"/>
-          <p:cNvSpPr/>
+          <p:cNvSpPr>
+            <a:spLocks noGrp="1" noRot="1" noChangeAspect="1"/>
+          </p:cNvSpPr>
           <p:nvPr>
-            <p:ph idx="2" type="sldImg"/>
+            <p:ph type="sldImg" idx="2"/>
           </p:nvPr>
         </p:nvSpPr>
         <p:spPr>
@@ -1529,9 +1586,13 @@
             <a:ext cx="6096000" cy="3429000"/>
           </a:xfrm>
           <a:custGeom>
-            <a:rect b="b" l="l" r="r" t="t"/>
+            <a:avLst/>
+            <a:gdLst/>
+            <a:ahLst/>
+            <a:cxnLst/>
+            <a:rect l="l" t="t" r="r" b="b"/>
             <a:pathLst>
-              <a:path extrusionOk="0" h="120000" w="120000">
+              <a:path w="120000" h="120000" extrusionOk="0">
                 <a:moveTo>
                   <a:pt x="0" y="0"/>
                 </a:moveTo>
@@ -1553,9 +1614,11 @@
       <p:sp>
         <p:nvSpPr>
           <p:cNvPr id="165" name="Google Shape;165;g752f2b5a61_4_72:notes"/>
-          <p:cNvSpPr txBox="1"/>
+          <p:cNvSpPr txBox="1">
+            <a:spLocks noGrp="1"/>
+          </p:cNvSpPr>
           <p:nvPr>
-            <p:ph idx="1" type="body"/>
+            <p:ph type="body" idx="1"/>
           </p:nvPr>
         </p:nvSpPr>
         <p:spPr>
@@ -1568,23 +1631,20 @@
           </a:prstGeom>
         </p:spPr>
         <p:txBody>
-          <a:bodyPr anchorCtr="0" anchor="t" bIns="91425" lIns="91425" spcFirstLastPara="1" rIns="91425" wrap="square" tIns="91425">
+          <a:bodyPr spcFirstLastPara="1" wrap="square" lIns="91425" tIns="91425" rIns="91425" bIns="91425" anchor="t" anchorCtr="0">
             <a:noAutofit/>
           </a:bodyPr>
           <a:lstStyle/>
           <a:p>
-            <a:pPr indent="0" lvl="0" marL="0" rtl="0" algn="l">
-              <a:spcBef>
-                <a:spcPts val="0"/>
-              </a:spcBef>
-              <a:spcAft>
-                <a:spcPts val="0"/>
-              </a:spcAft>
-              <a:buNone/>
-            </a:pPr>
-            <a:r>
-              <a:t/>
-            </a:r>
+            <a:pPr marL="0" lvl="0" indent="0" algn="l" rtl="0">
+              <a:spcBef>
+                <a:spcPts val="0"/>
+              </a:spcBef>
+              <a:spcAft>
+                <a:spcPts val="0"/>
+              </a:spcAft>
+              <a:buNone/>
+            </a:pPr>
             <a:endParaRPr/>
           </a:p>
         </p:txBody>
@@ -1598,11 +1658,11 @@
 </file>
 
 <file path=ppt/notesSlides/notesSlide18.xml><?xml version="1.0" encoding="utf-8"?>
-<p:notes xmlns:a="http://schemas.openxmlformats.org/drawingml/2006/main" xmlns:r="http://schemas.openxmlformats.org/officeDocument/2006/relationships" xmlns:mc="http://schemas.openxmlformats.org/markup-compatibility/2006" xmlns:mv="urn:schemas-microsoft-com:mac:vml" xmlns:p="http://schemas.openxmlformats.org/presentationml/2006/main" xmlns:c="http://schemas.openxmlformats.org/drawingml/2006/chart" xmlns:dgm="http://schemas.openxmlformats.org/drawingml/2006/diagram" xmlns:o="urn:schemas-microsoft-com:office:office" xmlns:v="urn:schemas-microsoft-com:vml" xmlns:pvml="urn:schemas-microsoft-com:office:powerpoint" xmlns:com="http://schemas.openxmlformats.org/drawingml/2006/compatibility" xmlns:p14="http://schemas.microsoft.com/office/powerpoint/2010/main" xmlns:p15="http://schemas.microsoft.com/office/powerpoint/2012/main" showMasterPhAnim="0" showMasterSp="0">
+<p:notes xmlns:a="http://schemas.openxmlformats.org/drawingml/2006/main" xmlns:r="http://schemas.openxmlformats.org/officeDocument/2006/relationships" xmlns:p="http://schemas.openxmlformats.org/presentationml/2006/main" showMasterSp="0" showMasterPhAnim="0">
   <p:cSld>
     <p:spTree>
       <p:nvGrpSpPr>
-        <p:cNvPr id="169" name="Shape 169"/>
+        <p:cNvPr id="1" name="Shape 169"/>
         <p:cNvGrpSpPr/>
         <p:nvPr/>
       </p:nvGrpSpPr>
@@ -1617,9 +1677,11 @@
       <p:sp>
         <p:nvSpPr>
           <p:cNvPr id="170" name="Google Shape;170;g752f2b5a61_4_78:notes"/>
-          <p:cNvSpPr/>
+          <p:cNvSpPr>
+            <a:spLocks noGrp="1" noRot="1" noChangeAspect="1"/>
+          </p:cNvSpPr>
           <p:nvPr>
-            <p:ph idx="2" type="sldImg"/>
+            <p:ph type="sldImg" idx="2"/>
           </p:nvPr>
         </p:nvSpPr>
         <p:spPr>
@@ -1628,9 +1690,13 @@
             <a:ext cx="6096000" cy="3429000"/>
           </a:xfrm>
           <a:custGeom>
-            <a:rect b="b" l="l" r="r" t="t"/>
+            <a:avLst/>
+            <a:gdLst/>
+            <a:ahLst/>
+            <a:cxnLst/>
+            <a:rect l="l" t="t" r="r" b="b"/>
             <a:pathLst>
-              <a:path extrusionOk="0" h="120000" w="120000">
+              <a:path w="120000" h="120000" extrusionOk="0">
                 <a:moveTo>
                   <a:pt x="0" y="0"/>
                 </a:moveTo>
@@ -1652,9 +1718,11 @@
       <p:sp>
         <p:nvSpPr>
           <p:cNvPr id="171" name="Google Shape;171;g752f2b5a61_4_78:notes"/>
-          <p:cNvSpPr txBox="1"/>
+          <p:cNvSpPr txBox="1">
+            <a:spLocks noGrp="1"/>
+          </p:cNvSpPr>
           <p:nvPr>
-            <p:ph idx="1" type="body"/>
+            <p:ph type="body" idx="1"/>
           </p:nvPr>
         </p:nvSpPr>
         <p:spPr>
@@ -1667,23 +1735,20 @@
           </a:prstGeom>
         </p:spPr>
         <p:txBody>
-          <a:bodyPr anchorCtr="0" anchor="t" bIns="91425" lIns="91425" spcFirstLastPara="1" rIns="91425" wrap="square" tIns="91425">
+          <a:bodyPr spcFirstLastPara="1" wrap="square" lIns="91425" tIns="91425" rIns="91425" bIns="91425" anchor="t" anchorCtr="0">
             <a:noAutofit/>
           </a:bodyPr>
           <a:lstStyle/>
           <a:p>
-            <a:pPr indent="0" lvl="0" marL="0" rtl="0" algn="l">
-              <a:spcBef>
-                <a:spcPts val="0"/>
-              </a:spcBef>
-              <a:spcAft>
-                <a:spcPts val="0"/>
-              </a:spcAft>
-              <a:buNone/>
-            </a:pPr>
-            <a:r>
-              <a:t/>
-            </a:r>
+            <a:pPr marL="0" lvl="0" indent="0" algn="l" rtl="0">
+              <a:spcBef>
+                <a:spcPts val="0"/>
+              </a:spcBef>
+              <a:spcAft>
+                <a:spcPts val="0"/>
+              </a:spcAft>
+              <a:buNone/>
+            </a:pPr>
             <a:endParaRPr/>
           </a:p>
         </p:txBody>
@@ -1697,11 +1762,11 @@
 </file>
 
 <file path=ppt/notesSlides/notesSlide19.xml><?xml version="1.0" encoding="utf-8"?>
-<p:notes xmlns:a="http://schemas.openxmlformats.org/drawingml/2006/main" xmlns:r="http://schemas.openxmlformats.org/officeDocument/2006/relationships" xmlns:mc="http://schemas.openxmlformats.org/markup-compatibility/2006" xmlns:mv="urn:schemas-microsoft-com:mac:vml" xmlns:p="http://schemas.openxmlformats.org/presentationml/2006/main" xmlns:c="http://schemas.openxmlformats.org/drawingml/2006/chart" xmlns:dgm="http://schemas.openxmlformats.org/drawingml/2006/diagram" xmlns:o="urn:schemas-microsoft-com:office:office" xmlns:v="urn:schemas-microsoft-com:vml" xmlns:pvml="urn:schemas-microsoft-com:office:powerpoint" xmlns:com="http://schemas.openxmlformats.org/drawingml/2006/compatibility" xmlns:p14="http://schemas.microsoft.com/office/powerpoint/2010/main" xmlns:p15="http://schemas.microsoft.com/office/powerpoint/2012/main" showMasterPhAnim="0" showMasterSp="0">
+<p:notes xmlns:a="http://schemas.openxmlformats.org/drawingml/2006/main" xmlns:r="http://schemas.openxmlformats.org/officeDocument/2006/relationships" xmlns:p="http://schemas.openxmlformats.org/presentationml/2006/main" showMasterSp="0" showMasterPhAnim="0">
   <p:cSld>
     <p:spTree>
       <p:nvGrpSpPr>
-        <p:cNvPr id="175" name="Shape 175"/>
+        <p:cNvPr id="1" name="Shape 175"/>
         <p:cNvGrpSpPr/>
         <p:nvPr/>
       </p:nvGrpSpPr>
@@ -1716,9 +1781,11 @@
       <p:sp>
         <p:nvSpPr>
           <p:cNvPr id="176" name="Google Shape;176;g752f2b5a61_4_83:notes"/>
-          <p:cNvSpPr/>
+          <p:cNvSpPr>
+            <a:spLocks noGrp="1" noRot="1" noChangeAspect="1"/>
+          </p:cNvSpPr>
           <p:nvPr>
-            <p:ph idx="2" type="sldImg"/>
+            <p:ph type="sldImg" idx="2"/>
           </p:nvPr>
         </p:nvSpPr>
         <p:spPr>
@@ -1727,9 +1794,13 @@
             <a:ext cx="6096000" cy="3429000"/>
           </a:xfrm>
           <a:custGeom>
-            <a:rect b="b" l="l" r="r" t="t"/>
+            <a:avLst/>
+            <a:gdLst/>
+            <a:ahLst/>
+            <a:cxnLst/>
+            <a:rect l="l" t="t" r="r" b="b"/>
             <a:pathLst>
-              <a:path extrusionOk="0" h="120000" w="120000">
+              <a:path w="120000" h="120000" extrusionOk="0">
                 <a:moveTo>
                   <a:pt x="0" y="0"/>
                 </a:moveTo>
@@ -1751,9 +1822,11 @@
       <p:sp>
         <p:nvSpPr>
           <p:cNvPr id="177" name="Google Shape;177;g752f2b5a61_4_83:notes"/>
-          <p:cNvSpPr txBox="1"/>
+          <p:cNvSpPr txBox="1">
+            <a:spLocks noGrp="1"/>
+          </p:cNvSpPr>
           <p:nvPr>
-            <p:ph idx="1" type="body"/>
+            <p:ph type="body" idx="1"/>
           </p:nvPr>
         </p:nvSpPr>
         <p:spPr>
@@ -1766,23 +1839,20 @@
           </a:prstGeom>
         </p:spPr>
         <p:txBody>
-          <a:bodyPr anchorCtr="0" anchor="t" bIns="91425" lIns="91425" spcFirstLastPara="1" rIns="91425" wrap="square" tIns="91425">
+          <a:bodyPr spcFirstLastPara="1" wrap="square" lIns="91425" tIns="91425" rIns="91425" bIns="91425" anchor="t" anchorCtr="0">
             <a:noAutofit/>
           </a:bodyPr>
           <a:lstStyle/>
           <a:p>
-            <a:pPr indent="0" lvl="0" marL="0" rtl="0" algn="l">
-              <a:spcBef>
-                <a:spcPts val="0"/>
-              </a:spcBef>
-              <a:spcAft>
-                <a:spcPts val="0"/>
-              </a:spcAft>
-              <a:buNone/>
-            </a:pPr>
-            <a:r>
-              <a:t/>
-            </a:r>
+            <a:pPr marL="0" lvl="0" indent="0" algn="l" rtl="0">
+              <a:spcBef>
+                <a:spcPts val="0"/>
+              </a:spcBef>
+              <a:spcAft>
+                <a:spcPts val="0"/>
+              </a:spcAft>
+              <a:buNone/>
+            </a:pPr>
             <a:endParaRPr/>
           </a:p>
         </p:txBody>
@@ -1796,11 +1866,11 @@
 </file>
 
 <file path=ppt/notesSlides/notesSlide2.xml><?xml version="1.0" encoding="utf-8"?>
-<p:notes xmlns:a="http://schemas.openxmlformats.org/drawingml/2006/main" xmlns:r="http://schemas.openxmlformats.org/officeDocument/2006/relationships" xmlns:mc="http://schemas.openxmlformats.org/markup-compatibility/2006" xmlns:mv="urn:schemas-microsoft-com:mac:vml" xmlns:p="http://schemas.openxmlformats.org/presentationml/2006/main" xmlns:c="http://schemas.openxmlformats.org/drawingml/2006/chart" xmlns:dgm="http://schemas.openxmlformats.org/drawingml/2006/diagram" xmlns:o="urn:schemas-microsoft-com:office:office" xmlns:v="urn:schemas-microsoft-com:vml" xmlns:pvml="urn:schemas-microsoft-com:office:powerpoint" xmlns:com="http://schemas.openxmlformats.org/drawingml/2006/compatibility" xmlns:p14="http://schemas.microsoft.com/office/powerpoint/2010/main" xmlns:p15="http://schemas.microsoft.com/office/powerpoint/2012/main" showMasterPhAnim="0" showMasterSp="0">
+<p:notes xmlns:a="http://schemas.openxmlformats.org/drawingml/2006/main" xmlns:r="http://schemas.openxmlformats.org/officeDocument/2006/relationships" xmlns:p="http://schemas.openxmlformats.org/presentationml/2006/main" showMasterSp="0" showMasterPhAnim="0">
   <p:cSld>
     <p:spTree>
       <p:nvGrpSpPr>
-        <p:cNvPr id="56" name="Shape 56"/>
+        <p:cNvPr id="1" name="Shape 56"/>
         <p:cNvGrpSpPr/>
         <p:nvPr/>
       </p:nvGrpSpPr>
@@ -1815,9 +1885,11 @@
       <p:sp>
         <p:nvSpPr>
           <p:cNvPr id="57" name="Google Shape;57;g7537ca99b8_0_10:notes"/>
-          <p:cNvSpPr/>
+          <p:cNvSpPr>
+            <a:spLocks noGrp="1" noRot="1" noChangeAspect="1"/>
+          </p:cNvSpPr>
           <p:nvPr>
-            <p:ph idx="2" type="sldImg"/>
+            <p:ph type="sldImg" idx="2"/>
           </p:nvPr>
         </p:nvSpPr>
         <p:spPr>
@@ -1826,9 +1898,13 @@
             <a:ext cx="6096000" cy="3429000"/>
           </a:xfrm>
           <a:custGeom>
-            <a:rect b="b" l="l" r="r" t="t"/>
+            <a:avLst/>
+            <a:gdLst/>
+            <a:ahLst/>
+            <a:cxnLst/>
+            <a:rect l="l" t="t" r="r" b="b"/>
             <a:pathLst>
-              <a:path extrusionOk="0" h="120000" w="120000">
+              <a:path w="120000" h="120000" extrusionOk="0">
                 <a:moveTo>
                   <a:pt x="0" y="0"/>
                 </a:moveTo>
@@ -1850,9 +1926,11 @@
       <p:sp>
         <p:nvSpPr>
           <p:cNvPr id="58" name="Google Shape;58;g7537ca99b8_0_10:notes"/>
-          <p:cNvSpPr txBox="1"/>
+          <p:cNvSpPr txBox="1">
+            <a:spLocks noGrp="1"/>
+          </p:cNvSpPr>
           <p:nvPr>
-            <p:ph idx="1" type="body"/>
+            <p:ph type="body" idx="1"/>
           </p:nvPr>
         </p:nvSpPr>
         <p:spPr>
@@ -1865,23 +1943,20 @@
           </a:prstGeom>
         </p:spPr>
         <p:txBody>
-          <a:bodyPr anchorCtr="0" anchor="t" bIns="91425" lIns="91425" spcFirstLastPara="1" rIns="91425" wrap="square" tIns="91425">
+          <a:bodyPr spcFirstLastPara="1" wrap="square" lIns="91425" tIns="91425" rIns="91425" bIns="91425" anchor="t" anchorCtr="0">
             <a:noAutofit/>
           </a:bodyPr>
           <a:lstStyle/>
           <a:p>
-            <a:pPr indent="0" lvl="0" marL="0" rtl="0" algn="l">
-              <a:spcBef>
-                <a:spcPts val="0"/>
-              </a:spcBef>
-              <a:spcAft>
-                <a:spcPts val="0"/>
-              </a:spcAft>
-              <a:buNone/>
-            </a:pPr>
-            <a:r>
-              <a:t/>
-            </a:r>
+            <a:pPr marL="0" lvl="0" indent="0" algn="l" rtl="0">
+              <a:spcBef>
+                <a:spcPts val="0"/>
+              </a:spcBef>
+              <a:spcAft>
+                <a:spcPts val="0"/>
+              </a:spcAft>
+              <a:buNone/>
+            </a:pPr>
             <a:endParaRPr/>
           </a:p>
         </p:txBody>
@@ -1895,11 +1970,11 @@
 </file>
 
 <file path=ppt/notesSlides/notesSlide20.xml><?xml version="1.0" encoding="utf-8"?>
-<p:notes xmlns:a="http://schemas.openxmlformats.org/drawingml/2006/main" xmlns:r="http://schemas.openxmlformats.org/officeDocument/2006/relationships" xmlns:mc="http://schemas.openxmlformats.org/markup-compatibility/2006" xmlns:mv="urn:schemas-microsoft-com:mac:vml" xmlns:p="http://schemas.openxmlformats.org/presentationml/2006/main" xmlns:c="http://schemas.openxmlformats.org/drawingml/2006/chart" xmlns:dgm="http://schemas.openxmlformats.org/drawingml/2006/diagram" xmlns:o="urn:schemas-microsoft-com:office:office" xmlns:v="urn:schemas-microsoft-com:vml" xmlns:pvml="urn:schemas-microsoft-com:office:powerpoint" xmlns:com="http://schemas.openxmlformats.org/drawingml/2006/compatibility" xmlns:p14="http://schemas.microsoft.com/office/powerpoint/2010/main" xmlns:p15="http://schemas.microsoft.com/office/powerpoint/2012/main" showMasterPhAnim="0" showMasterSp="0">
+<p:notes xmlns:a="http://schemas.openxmlformats.org/drawingml/2006/main" xmlns:r="http://schemas.openxmlformats.org/officeDocument/2006/relationships" xmlns:p="http://schemas.openxmlformats.org/presentationml/2006/main" showMasterSp="0" showMasterPhAnim="0">
   <p:cSld>
     <p:spTree>
       <p:nvGrpSpPr>
-        <p:cNvPr id="181" name="Shape 181"/>
+        <p:cNvPr id="1" name="Shape 181"/>
         <p:cNvGrpSpPr/>
         <p:nvPr/>
       </p:nvGrpSpPr>
@@ -1914,20 +1989,26 @@
       <p:sp>
         <p:nvSpPr>
           <p:cNvPr id="182" name="Google Shape;182;g752f2b5a61_3_26:notes"/>
-          <p:cNvSpPr/>
+          <p:cNvSpPr>
+            <a:spLocks noGrp="1" noRot="1" noChangeAspect="1"/>
+          </p:cNvSpPr>
           <p:nvPr>
-            <p:ph idx="2" type="sldImg"/>
+            <p:ph type="sldImg" idx="2"/>
           </p:nvPr>
         </p:nvSpPr>
         <p:spPr>
           <a:xfrm>
-            <a:off x="381300" y="685800"/>
+            <a:off x="381000" y="685800"/>
             <a:ext cx="6096000" cy="3429000"/>
           </a:xfrm>
           <a:custGeom>
-            <a:rect b="b" l="l" r="r" t="t"/>
+            <a:avLst/>
+            <a:gdLst/>
+            <a:ahLst/>
+            <a:cxnLst/>
+            <a:rect l="l" t="t" r="r" b="b"/>
             <a:pathLst>
-              <a:path extrusionOk="0" h="120000" w="120000">
+              <a:path w="120000" h="120000" extrusionOk="0">
                 <a:moveTo>
                   <a:pt x="0" y="0"/>
                 </a:moveTo>
@@ -1949,9 +2030,11 @@
       <p:sp>
         <p:nvSpPr>
           <p:cNvPr id="183" name="Google Shape;183;g752f2b5a61_3_26:notes"/>
-          <p:cNvSpPr txBox="1"/>
+          <p:cNvSpPr txBox="1">
+            <a:spLocks noGrp="1"/>
+          </p:cNvSpPr>
           <p:nvPr>
-            <p:ph idx="1" type="body"/>
+            <p:ph type="body" idx="1"/>
           </p:nvPr>
         </p:nvSpPr>
         <p:spPr>
@@ -1964,23 +2047,20 @@
           </a:prstGeom>
         </p:spPr>
         <p:txBody>
-          <a:bodyPr anchorCtr="0" anchor="t" bIns="91425" lIns="91425" spcFirstLastPara="1" rIns="91425" wrap="square" tIns="91425">
+          <a:bodyPr spcFirstLastPara="1" wrap="square" lIns="91425" tIns="91425" rIns="91425" bIns="91425" anchor="t" anchorCtr="0">
             <a:noAutofit/>
           </a:bodyPr>
           <a:lstStyle/>
           <a:p>
-            <a:pPr indent="0" lvl="0" marL="0" rtl="0" algn="l">
-              <a:spcBef>
-                <a:spcPts val="0"/>
-              </a:spcBef>
-              <a:spcAft>
-                <a:spcPts val="0"/>
-              </a:spcAft>
-              <a:buNone/>
-            </a:pPr>
-            <a:r>
-              <a:t/>
-            </a:r>
+            <a:pPr marL="0" lvl="0" indent="0" algn="l" rtl="0">
+              <a:spcBef>
+                <a:spcPts val="0"/>
+              </a:spcBef>
+              <a:spcAft>
+                <a:spcPts val="0"/>
+              </a:spcAft>
+              <a:buNone/>
+            </a:pPr>
             <a:endParaRPr/>
           </a:p>
         </p:txBody>
@@ -1994,11 +2074,11 @@
 </file>
 
 <file path=ppt/notesSlides/notesSlide21.xml><?xml version="1.0" encoding="utf-8"?>
-<p:notes xmlns:a="http://schemas.openxmlformats.org/drawingml/2006/main" xmlns:r="http://schemas.openxmlformats.org/officeDocument/2006/relationships" xmlns:mc="http://schemas.openxmlformats.org/markup-compatibility/2006" xmlns:mv="urn:schemas-microsoft-com:mac:vml" xmlns:p="http://schemas.openxmlformats.org/presentationml/2006/main" xmlns:c="http://schemas.openxmlformats.org/drawingml/2006/chart" xmlns:dgm="http://schemas.openxmlformats.org/drawingml/2006/diagram" xmlns:o="urn:schemas-microsoft-com:office:office" xmlns:v="urn:schemas-microsoft-com:vml" xmlns:pvml="urn:schemas-microsoft-com:office:powerpoint" xmlns:com="http://schemas.openxmlformats.org/drawingml/2006/compatibility" xmlns:p14="http://schemas.microsoft.com/office/powerpoint/2010/main" xmlns:p15="http://schemas.microsoft.com/office/powerpoint/2012/main" showMasterPhAnim="0" showMasterSp="0">
+<p:notes xmlns:a="http://schemas.openxmlformats.org/drawingml/2006/main" xmlns:r="http://schemas.openxmlformats.org/officeDocument/2006/relationships" xmlns:p="http://schemas.openxmlformats.org/presentationml/2006/main" showMasterSp="0" showMasterPhAnim="0">
   <p:cSld>
     <p:spTree>
       <p:nvGrpSpPr>
-        <p:cNvPr id="187" name="Shape 187"/>
+        <p:cNvPr id="1" name="Shape 187"/>
         <p:cNvGrpSpPr/>
         <p:nvPr/>
       </p:nvGrpSpPr>
@@ -2013,9 +2093,11 @@
       <p:sp>
         <p:nvSpPr>
           <p:cNvPr id="188" name="Google Shape;188;g752f2b5a61_4_88:notes"/>
-          <p:cNvSpPr/>
+          <p:cNvSpPr>
+            <a:spLocks noGrp="1" noRot="1" noChangeAspect="1"/>
+          </p:cNvSpPr>
           <p:nvPr>
-            <p:ph idx="2" type="sldImg"/>
+            <p:ph type="sldImg" idx="2"/>
           </p:nvPr>
         </p:nvSpPr>
         <p:spPr>
@@ -2024,9 +2106,13 @@
             <a:ext cx="6096000" cy="3429000"/>
           </a:xfrm>
           <a:custGeom>
-            <a:rect b="b" l="l" r="r" t="t"/>
+            <a:avLst/>
+            <a:gdLst/>
+            <a:ahLst/>
+            <a:cxnLst/>
+            <a:rect l="l" t="t" r="r" b="b"/>
             <a:pathLst>
-              <a:path extrusionOk="0" h="120000" w="120000">
+              <a:path w="120000" h="120000" extrusionOk="0">
                 <a:moveTo>
                   <a:pt x="0" y="0"/>
                 </a:moveTo>
@@ -2048,9 +2134,11 @@
       <p:sp>
         <p:nvSpPr>
           <p:cNvPr id="189" name="Google Shape;189;g752f2b5a61_4_88:notes"/>
-          <p:cNvSpPr txBox="1"/>
+          <p:cNvSpPr txBox="1">
+            <a:spLocks noGrp="1"/>
+          </p:cNvSpPr>
           <p:nvPr>
-            <p:ph idx="1" type="body"/>
+            <p:ph type="body" idx="1"/>
           </p:nvPr>
         </p:nvSpPr>
         <p:spPr>
@@ -2063,23 +2151,20 @@
           </a:prstGeom>
         </p:spPr>
         <p:txBody>
-          <a:bodyPr anchorCtr="0" anchor="t" bIns="91425" lIns="91425" spcFirstLastPara="1" rIns="91425" wrap="square" tIns="91425">
+          <a:bodyPr spcFirstLastPara="1" wrap="square" lIns="91425" tIns="91425" rIns="91425" bIns="91425" anchor="t" anchorCtr="0">
             <a:noAutofit/>
           </a:bodyPr>
           <a:lstStyle/>
           <a:p>
-            <a:pPr indent="0" lvl="0" marL="0" rtl="0" algn="l">
-              <a:spcBef>
-                <a:spcPts val="0"/>
-              </a:spcBef>
-              <a:spcAft>
-                <a:spcPts val="0"/>
-              </a:spcAft>
-              <a:buNone/>
-            </a:pPr>
-            <a:r>
-              <a:t/>
-            </a:r>
+            <a:pPr marL="0" lvl="0" indent="0" algn="l" rtl="0">
+              <a:spcBef>
+                <a:spcPts val="0"/>
+              </a:spcBef>
+              <a:spcAft>
+                <a:spcPts val="0"/>
+              </a:spcAft>
+              <a:buNone/>
+            </a:pPr>
             <a:endParaRPr/>
           </a:p>
         </p:txBody>
@@ -2093,11 +2178,11 @@
 </file>
 
 <file path=ppt/notesSlides/notesSlide3.xml><?xml version="1.0" encoding="utf-8"?>
-<p:notes xmlns:a="http://schemas.openxmlformats.org/drawingml/2006/main" xmlns:r="http://schemas.openxmlformats.org/officeDocument/2006/relationships" xmlns:mc="http://schemas.openxmlformats.org/markup-compatibility/2006" xmlns:mv="urn:schemas-microsoft-com:mac:vml" xmlns:p="http://schemas.openxmlformats.org/presentationml/2006/main" xmlns:c="http://schemas.openxmlformats.org/drawingml/2006/chart" xmlns:dgm="http://schemas.openxmlformats.org/drawingml/2006/diagram" xmlns:o="urn:schemas-microsoft-com:office:office" xmlns:v="urn:schemas-microsoft-com:vml" xmlns:pvml="urn:schemas-microsoft-com:office:powerpoint" xmlns:com="http://schemas.openxmlformats.org/drawingml/2006/compatibility" xmlns:p14="http://schemas.microsoft.com/office/powerpoint/2010/main" xmlns:p15="http://schemas.microsoft.com/office/powerpoint/2012/main" showMasterPhAnim="0" showMasterSp="0">
+<p:notes xmlns:a="http://schemas.openxmlformats.org/drawingml/2006/main" xmlns:r="http://schemas.openxmlformats.org/officeDocument/2006/relationships" xmlns:p="http://schemas.openxmlformats.org/presentationml/2006/main" showMasterSp="0" showMasterPhAnim="0">
   <p:cSld>
     <p:spTree>
       <p:nvGrpSpPr>
-        <p:cNvPr id="62" name="Shape 62"/>
+        <p:cNvPr id="1" name="Shape 62"/>
         <p:cNvGrpSpPr/>
         <p:nvPr/>
       </p:nvGrpSpPr>
@@ -2112,9 +2197,11 @@
       <p:sp>
         <p:nvSpPr>
           <p:cNvPr id="63" name="Google Shape;63;g7537ca99b8_0_85:notes"/>
-          <p:cNvSpPr/>
+          <p:cNvSpPr>
+            <a:spLocks noGrp="1" noRot="1" noChangeAspect="1"/>
+          </p:cNvSpPr>
           <p:nvPr>
-            <p:ph idx="2" type="sldImg"/>
+            <p:ph type="sldImg" idx="2"/>
           </p:nvPr>
         </p:nvSpPr>
         <p:spPr>
@@ -2123,9 +2210,13 @@
             <a:ext cx="6096000" cy="3429000"/>
           </a:xfrm>
           <a:custGeom>
-            <a:rect b="b" l="l" r="r" t="t"/>
+            <a:avLst/>
+            <a:gdLst/>
+            <a:ahLst/>
+            <a:cxnLst/>
+            <a:rect l="l" t="t" r="r" b="b"/>
             <a:pathLst>
-              <a:path extrusionOk="0" h="120000" w="120000">
+              <a:path w="120000" h="120000" extrusionOk="0">
                 <a:moveTo>
                   <a:pt x="0" y="0"/>
                 </a:moveTo>
@@ -2147,9 +2238,11 @@
       <p:sp>
         <p:nvSpPr>
           <p:cNvPr id="64" name="Google Shape;64;g7537ca99b8_0_85:notes"/>
-          <p:cNvSpPr txBox="1"/>
+          <p:cNvSpPr txBox="1">
+            <a:spLocks noGrp="1"/>
+          </p:cNvSpPr>
           <p:nvPr>
-            <p:ph idx="1" type="body"/>
+            <p:ph type="body" idx="1"/>
           </p:nvPr>
         </p:nvSpPr>
         <p:spPr>
@@ -2162,23 +2255,20 @@
           </a:prstGeom>
         </p:spPr>
         <p:txBody>
-          <a:bodyPr anchorCtr="0" anchor="t" bIns="91425" lIns="91425" spcFirstLastPara="1" rIns="91425" wrap="square" tIns="91425">
+          <a:bodyPr spcFirstLastPara="1" wrap="square" lIns="91425" tIns="91425" rIns="91425" bIns="91425" anchor="t" anchorCtr="0">
             <a:noAutofit/>
           </a:bodyPr>
           <a:lstStyle/>
           <a:p>
-            <a:pPr indent="0" lvl="0" marL="0" rtl="0" algn="l">
-              <a:spcBef>
-                <a:spcPts val="0"/>
-              </a:spcBef>
-              <a:spcAft>
-                <a:spcPts val="0"/>
-              </a:spcAft>
-              <a:buNone/>
-            </a:pPr>
-            <a:r>
-              <a:t/>
-            </a:r>
+            <a:pPr marL="0" lvl="0" indent="0" algn="l" rtl="0">
+              <a:spcBef>
+                <a:spcPts val="0"/>
+              </a:spcBef>
+              <a:spcAft>
+                <a:spcPts val="0"/>
+              </a:spcAft>
+              <a:buNone/>
+            </a:pPr>
             <a:endParaRPr/>
           </a:p>
         </p:txBody>
@@ -2192,11 +2282,11 @@
 </file>
 
 <file path=ppt/notesSlides/notesSlide4.xml><?xml version="1.0" encoding="utf-8"?>
-<p:notes xmlns:a="http://schemas.openxmlformats.org/drawingml/2006/main" xmlns:r="http://schemas.openxmlformats.org/officeDocument/2006/relationships" xmlns:mc="http://schemas.openxmlformats.org/markup-compatibility/2006" xmlns:mv="urn:schemas-microsoft-com:mac:vml" xmlns:p="http://schemas.openxmlformats.org/presentationml/2006/main" xmlns:c="http://schemas.openxmlformats.org/drawingml/2006/chart" xmlns:dgm="http://schemas.openxmlformats.org/drawingml/2006/diagram" xmlns:o="urn:schemas-microsoft-com:office:office" xmlns:v="urn:schemas-microsoft-com:vml" xmlns:pvml="urn:schemas-microsoft-com:office:powerpoint" xmlns:com="http://schemas.openxmlformats.org/drawingml/2006/compatibility" xmlns:p14="http://schemas.microsoft.com/office/powerpoint/2010/main" xmlns:p15="http://schemas.microsoft.com/office/powerpoint/2012/main" showMasterPhAnim="0" showMasterSp="0">
+<p:notes xmlns:a="http://schemas.openxmlformats.org/drawingml/2006/main" xmlns:r="http://schemas.openxmlformats.org/officeDocument/2006/relationships" xmlns:p="http://schemas.openxmlformats.org/presentationml/2006/main" showMasterSp="0" showMasterPhAnim="0">
   <p:cSld>
     <p:spTree>
       <p:nvGrpSpPr>
-        <p:cNvPr id="68" name="Shape 68"/>
+        <p:cNvPr id="1" name="Shape 68"/>
         <p:cNvGrpSpPr/>
         <p:nvPr/>
       </p:nvGrpSpPr>
@@ -2211,9 +2301,11 @@
       <p:sp>
         <p:nvSpPr>
           <p:cNvPr id="69" name="Google Shape;69;g752f2b5a61_0_9:notes"/>
-          <p:cNvSpPr/>
+          <p:cNvSpPr>
+            <a:spLocks noGrp="1" noRot="1" noChangeAspect="1"/>
+          </p:cNvSpPr>
           <p:nvPr>
-            <p:ph idx="2" type="sldImg"/>
+            <p:ph type="sldImg" idx="2"/>
           </p:nvPr>
         </p:nvSpPr>
         <p:spPr>
@@ -2222,9 +2314,13 @@
             <a:ext cx="6096000" cy="3429000"/>
           </a:xfrm>
           <a:custGeom>
-            <a:rect b="b" l="l" r="r" t="t"/>
+            <a:avLst/>
+            <a:gdLst/>
+            <a:ahLst/>
+            <a:cxnLst/>
+            <a:rect l="l" t="t" r="r" b="b"/>
             <a:pathLst>
-              <a:path extrusionOk="0" h="120000" w="120000">
+              <a:path w="120000" h="120000" extrusionOk="0">
                 <a:moveTo>
                   <a:pt x="0" y="0"/>
                 </a:moveTo>
@@ -2246,9 +2342,11 @@
       <p:sp>
         <p:nvSpPr>
           <p:cNvPr id="70" name="Google Shape;70;g752f2b5a61_0_9:notes"/>
-          <p:cNvSpPr txBox="1"/>
+          <p:cNvSpPr txBox="1">
+            <a:spLocks noGrp="1"/>
+          </p:cNvSpPr>
           <p:nvPr>
-            <p:ph idx="1" type="body"/>
+            <p:ph type="body" idx="1"/>
           </p:nvPr>
         </p:nvSpPr>
         <p:spPr>
@@ -2261,23 +2359,20 @@
           </a:prstGeom>
         </p:spPr>
         <p:txBody>
-          <a:bodyPr anchorCtr="0" anchor="t" bIns="91425" lIns="91425" spcFirstLastPara="1" rIns="91425" wrap="square" tIns="91425">
+          <a:bodyPr spcFirstLastPara="1" wrap="square" lIns="91425" tIns="91425" rIns="91425" bIns="91425" anchor="t" anchorCtr="0">
             <a:noAutofit/>
           </a:bodyPr>
           <a:lstStyle/>
           <a:p>
-            <a:pPr indent="0" lvl="0" marL="0" rtl="0" algn="l">
-              <a:spcBef>
-                <a:spcPts val="0"/>
-              </a:spcBef>
-              <a:spcAft>
-                <a:spcPts val="0"/>
-              </a:spcAft>
-              <a:buNone/>
-            </a:pPr>
-            <a:r>
-              <a:t/>
-            </a:r>
+            <a:pPr marL="0" lvl="0" indent="0" algn="l" rtl="0">
+              <a:spcBef>
+                <a:spcPts val="0"/>
+              </a:spcBef>
+              <a:spcAft>
+                <a:spcPts val="0"/>
+              </a:spcAft>
+              <a:buNone/>
+            </a:pPr>
             <a:endParaRPr/>
           </a:p>
         </p:txBody>
@@ -2291,11 +2386,11 @@
 </file>
 
 <file path=ppt/notesSlides/notesSlide5.xml><?xml version="1.0" encoding="utf-8"?>
-<p:notes xmlns:a="http://schemas.openxmlformats.org/drawingml/2006/main" xmlns:r="http://schemas.openxmlformats.org/officeDocument/2006/relationships" xmlns:mc="http://schemas.openxmlformats.org/markup-compatibility/2006" xmlns:mv="urn:schemas-microsoft-com:mac:vml" xmlns:p="http://schemas.openxmlformats.org/presentationml/2006/main" xmlns:c="http://schemas.openxmlformats.org/drawingml/2006/chart" xmlns:dgm="http://schemas.openxmlformats.org/drawingml/2006/diagram" xmlns:o="urn:schemas-microsoft-com:office:office" xmlns:v="urn:schemas-microsoft-com:vml" xmlns:pvml="urn:schemas-microsoft-com:office:powerpoint" xmlns:com="http://schemas.openxmlformats.org/drawingml/2006/compatibility" xmlns:p14="http://schemas.microsoft.com/office/powerpoint/2010/main" xmlns:p15="http://schemas.microsoft.com/office/powerpoint/2012/main" showMasterPhAnim="0" showMasterSp="0">
+<p:notes xmlns:a="http://schemas.openxmlformats.org/drawingml/2006/main" xmlns:r="http://schemas.openxmlformats.org/officeDocument/2006/relationships" xmlns:p="http://schemas.openxmlformats.org/presentationml/2006/main" showMasterSp="0" showMasterPhAnim="0">
   <p:cSld>
     <p:spTree>
       <p:nvGrpSpPr>
-        <p:cNvPr id="80" name="Shape 80"/>
+        <p:cNvPr id="1" name="Shape 80"/>
         <p:cNvGrpSpPr/>
         <p:nvPr/>
       </p:nvGrpSpPr>
@@ -2310,9 +2405,11 @@
       <p:sp>
         <p:nvSpPr>
           <p:cNvPr id="81" name="Google Shape;81;g7537ca99b8_0_5:notes"/>
-          <p:cNvSpPr/>
+          <p:cNvSpPr>
+            <a:spLocks noGrp="1" noRot="1" noChangeAspect="1"/>
+          </p:cNvSpPr>
           <p:nvPr>
-            <p:ph idx="2" type="sldImg"/>
+            <p:ph type="sldImg" idx="2"/>
           </p:nvPr>
         </p:nvSpPr>
         <p:spPr>
@@ -2321,9 +2418,13 @@
             <a:ext cx="6096000" cy="3429000"/>
           </a:xfrm>
           <a:custGeom>
-            <a:rect b="b" l="l" r="r" t="t"/>
+            <a:avLst/>
+            <a:gdLst/>
+            <a:ahLst/>
+            <a:cxnLst/>
+            <a:rect l="l" t="t" r="r" b="b"/>
             <a:pathLst>
-              <a:path extrusionOk="0" h="120000" w="120000">
+              <a:path w="120000" h="120000" extrusionOk="0">
                 <a:moveTo>
                   <a:pt x="0" y="0"/>
                 </a:moveTo>
@@ -2345,9 +2446,11 @@
       <p:sp>
         <p:nvSpPr>
           <p:cNvPr id="82" name="Google Shape;82;g7537ca99b8_0_5:notes"/>
-          <p:cNvSpPr txBox="1"/>
+          <p:cNvSpPr txBox="1">
+            <a:spLocks noGrp="1"/>
+          </p:cNvSpPr>
           <p:nvPr>
-            <p:ph idx="1" type="body"/>
+            <p:ph type="body" idx="1"/>
           </p:nvPr>
         </p:nvSpPr>
         <p:spPr>
@@ -2360,23 +2463,20 @@
           </a:prstGeom>
         </p:spPr>
         <p:txBody>
-          <a:bodyPr anchorCtr="0" anchor="t" bIns="91425" lIns="91425" spcFirstLastPara="1" rIns="91425" wrap="square" tIns="91425">
+          <a:bodyPr spcFirstLastPara="1" wrap="square" lIns="91425" tIns="91425" rIns="91425" bIns="91425" anchor="t" anchorCtr="0">
             <a:noAutofit/>
           </a:bodyPr>
           <a:lstStyle/>
           <a:p>
-            <a:pPr indent="0" lvl="0" marL="0" rtl="0" algn="l">
-              <a:spcBef>
-                <a:spcPts val="0"/>
-              </a:spcBef>
-              <a:spcAft>
-                <a:spcPts val="0"/>
-              </a:spcAft>
-              <a:buNone/>
-            </a:pPr>
-            <a:r>
-              <a:t/>
-            </a:r>
+            <a:pPr marL="0" lvl="0" indent="0" algn="l" rtl="0">
+              <a:spcBef>
+                <a:spcPts val="0"/>
+              </a:spcBef>
+              <a:spcAft>
+                <a:spcPts val="0"/>
+              </a:spcAft>
+              <a:buNone/>
+            </a:pPr>
             <a:endParaRPr/>
           </a:p>
         </p:txBody>
@@ -2390,11 +2490,11 @@
 </file>
 
 <file path=ppt/notesSlides/notesSlide6.xml><?xml version="1.0" encoding="utf-8"?>
-<p:notes xmlns:a="http://schemas.openxmlformats.org/drawingml/2006/main" xmlns:r="http://schemas.openxmlformats.org/officeDocument/2006/relationships" xmlns:mc="http://schemas.openxmlformats.org/markup-compatibility/2006" xmlns:mv="urn:schemas-microsoft-com:mac:vml" xmlns:p="http://schemas.openxmlformats.org/presentationml/2006/main" xmlns:c="http://schemas.openxmlformats.org/drawingml/2006/chart" xmlns:dgm="http://schemas.openxmlformats.org/drawingml/2006/diagram" xmlns:o="urn:schemas-microsoft-com:office:office" xmlns:v="urn:schemas-microsoft-com:vml" xmlns:pvml="urn:schemas-microsoft-com:office:powerpoint" xmlns:com="http://schemas.openxmlformats.org/drawingml/2006/compatibility" xmlns:p14="http://schemas.microsoft.com/office/powerpoint/2010/main" xmlns:p15="http://schemas.microsoft.com/office/powerpoint/2012/main" showMasterPhAnim="0" showMasterSp="0">
+<p:notes xmlns:a="http://schemas.openxmlformats.org/drawingml/2006/main" xmlns:r="http://schemas.openxmlformats.org/officeDocument/2006/relationships" xmlns:p="http://schemas.openxmlformats.org/presentationml/2006/main" showMasterSp="0" showMasterPhAnim="0">
   <p:cSld>
     <p:spTree>
       <p:nvGrpSpPr>
-        <p:cNvPr id="86" name="Shape 86"/>
+        <p:cNvPr id="1" name="Shape 86"/>
         <p:cNvGrpSpPr/>
         <p:nvPr/>
       </p:nvGrpSpPr>
@@ -2409,9 +2509,11 @@
       <p:sp>
         <p:nvSpPr>
           <p:cNvPr id="87" name="Google Shape;87;g7537ca99b8_0_100:notes"/>
-          <p:cNvSpPr/>
+          <p:cNvSpPr>
+            <a:spLocks noGrp="1" noRot="1" noChangeAspect="1"/>
+          </p:cNvSpPr>
           <p:nvPr>
-            <p:ph idx="2" type="sldImg"/>
+            <p:ph type="sldImg" idx="2"/>
           </p:nvPr>
         </p:nvSpPr>
         <p:spPr>
@@ -2420,9 +2522,13 @@
             <a:ext cx="6096000" cy="3429000"/>
           </a:xfrm>
           <a:custGeom>
-            <a:rect b="b" l="l" r="r" t="t"/>
+            <a:avLst/>
+            <a:gdLst/>
+            <a:ahLst/>
+            <a:cxnLst/>
+            <a:rect l="l" t="t" r="r" b="b"/>
             <a:pathLst>
-              <a:path extrusionOk="0" h="120000" w="120000">
+              <a:path w="120000" h="120000" extrusionOk="0">
                 <a:moveTo>
                   <a:pt x="0" y="0"/>
                 </a:moveTo>
@@ -2444,9 +2550,11 @@
       <p:sp>
         <p:nvSpPr>
           <p:cNvPr id="88" name="Google Shape;88;g7537ca99b8_0_100:notes"/>
-          <p:cNvSpPr txBox="1"/>
+          <p:cNvSpPr txBox="1">
+            <a:spLocks noGrp="1"/>
+          </p:cNvSpPr>
           <p:nvPr>
-            <p:ph idx="1" type="body"/>
+            <p:ph type="body" idx="1"/>
           </p:nvPr>
         </p:nvSpPr>
         <p:spPr>
@@ -2459,23 +2567,20 @@
           </a:prstGeom>
         </p:spPr>
         <p:txBody>
-          <a:bodyPr anchorCtr="0" anchor="t" bIns="91425" lIns="91425" spcFirstLastPara="1" rIns="91425" wrap="square" tIns="91425">
+          <a:bodyPr spcFirstLastPara="1" wrap="square" lIns="91425" tIns="91425" rIns="91425" bIns="91425" anchor="t" anchorCtr="0">
             <a:noAutofit/>
           </a:bodyPr>
           <a:lstStyle/>
           <a:p>
-            <a:pPr indent="0" lvl="0" marL="0" rtl="0" algn="l">
-              <a:spcBef>
-                <a:spcPts val="0"/>
-              </a:spcBef>
-              <a:spcAft>
-                <a:spcPts val="0"/>
-              </a:spcAft>
-              <a:buNone/>
-            </a:pPr>
-            <a:r>
-              <a:t/>
-            </a:r>
+            <a:pPr marL="0" lvl="0" indent="0" algn="l" rtl="0">
+              <a:spcBef>
+                <a:spcPts val="0"/>
+              </a:spcBef>
+              <a:spcAft>
+                <a:spcPts val="0"/>
+              </a:spcAft>
+              <a:buNone/>
+            </a:pPr>
             <a:endParaRPr/>
           </a:p>
         </p:txBody>
@@ -2489,11 +2594,11 @@
 </file>
 
 <file path=ppt/notesSlides/notesSlide7.xml><?xml version="1.0" encoding="utf-8"?>
-<p:notes xmlns:a="http://schemas.openxmlformats.org/drawingml/2006/main" xmlns:r="http://schemas.openxmlformats.org/officeDocument/2006/relationships" xmlns:mc="http://schemas.openxmlformats.org/markup-compatibility/2006" xmlns:mv="urn:schemas-microsoft-com:mac:vml" xmlns:p="http://schemas.openxmlformats.org/presentationml/2006/main" xmlns:c="http://schemas.openxmlformats.org/drawingml/2006/chart" xmlns:dgm="http://schemas.openxmlformats.org/drawingml/2006/diagram" xmlns:o="urn:schemas-microsoft-com:office:office" xmlns:v="urn:schemas-microsoft-com:vml" xmlns:pvml="urn:schemas-microsoft-com:office:powerpoint" xmlns:com="http://schemas.openxmlformats.org/drawingml/2006/compatibility" xmlns:p14="http://schemas.microsoft.com/office/powerpoint/2010/main" xmlns:p15="http://schemas.microsoft.com/office/powerpoint/2012/main" showMasterPhAnim="0" showMasterSp="0">
+<p:notes xmlns:a="http://schemas.openxmlformats.org/drawingml/2006/main" xmlns:r="http://schemas.openxmlformats.org/officeDocument/2006/relationships" xmlns:p="http://schemas.openxmlformats.org/presentationml/2006/main" showMasterSp="0" showMasterPhAnim="0">
   <p:cSld>
     <p:spTree>
       <p:nvGrpSpPr>
-        <p:cNvPr id="98" name="Shape 98"/>
+        <p:cNvPr id="1" name="Shape 98"/>
         <p:cNvGrpSpPr/>
         <p:nvPr/>
       </p:nvGrpSpPr>
@@ -2508,9 +2613,11 @@
       <p:sp>
         <p:nvSpPr>
           <p:cNvPr id="99" name="Google Shape;99;g752f2b5a61_0_29:notes"/>
-          <p:cNvSpPr/>
+          <p:cNvSpPr>
+            <a:spLocks noGrp="1" noRot="1" noChangeAspect="1"/>
+          </p:cNvSpPr>
           <p:nvPr>
-            <p:ph idx="2" type="sldImg"/>
+            <p:ph type="sldImg" idx="2"/>
           </p:nvPr>
         </p:nvSpPr>
         <p:spPr>
@@ -2519,9 +2626,13 @@
             <a:ext cx="6096000" cy="3429000"/>
           </a:xfrm>
           <a:custGeom>
-            <a:rect b="b" l="l" r="r" t="t"/>
+            <a:avLst/>
+            <a:gdLst/>
+            <a:ahLst/>
+            <a:cxnLst/>
+            <a:rect l="l" t="t" r="r" b="b"/>
             <a:pathLst>
-              <a:path extrusionOk="0" h="120000" w="120000">
+              <a:path w="120000" h="120000" extrusionOk="0">
                 <a:moveTo>
                   <a:pt x="0" y="0"/>
                 </a:moveTo>
@@ -2543,9 +2654,11 @@
       <p:sp>
         <p:nvSpPr>
           <p:cNvPr id="100" name="Google Shape;100;g752f2b5a61_0_29:notes"/>
-          <p:cNvSpPr txBox="1"/>
+          <p:cNvSpPr txBox="1">
+            <a:spLocks noGrp="1"/>
+          </p:cNvSpPr>
           <p:nvPr>
-            <p:ph idx="1" type="body"/>
+            <p:ph type="body" idx="1"/>
           </p:nvPr>
         </p:nvSpPr>
         <p:spPr>
@@ -2558,23 +2671,20 @@
           </a:prstGeom>
         </p:spPr>
         <p:txBody>
-          <a:bodyPr anchorCtr="0" anchor="t" bIns="91425" lIns="91425" spcFirstLastPara="1" rIns="91425" wrap="square" tIns="91425">
+          <a:bodyPr spcFirstLastPara="1" wrap="square" lIns="91425" tIns="91425" rIns="91425" bIns="91425" anchor="t" anchorCtr="0">
             <a:noAutofit/>
           </a:bodyPr>
           <a:lstStyle/>
           <a:p>
-            <a:pPr indent="0" lvl="0" marL="0" rtl="0" algn="l">
-              <a:spcBef>
-                <a:spcPts val="0"/>
-              </a:spcBef>
-              <a:spcAft>
-                <a:spcPts val="0"/>
-              </a:spcAft>
-              <a:buNone/>
-            </a:pPr>
-            <a:r>
-              <a:t/>
-            </a:r>
+            <a:pPr marL="0" lvl="0" indent="0" algn="l" rtl="0">
+              <a:spcBef>
+                <a:spcPts val="0"/>
+              </a:spcBef>
+              <a:spcAft>
+                <a:spcPts val="0"/>
+              </a:spcAft>
+              <a:buNone/>
+            </a:pPr>
             <a:endParaRPr/>
           </a:p>
         </p:txBody>
@@ -2588,11 +2698,11 @@
 </file>
 
 <file path=ppt/notesSlides/notesSlide8.xml><?xml version="1.0" encoding="utf-8"?>
-<p:notes xmlns:a="http://schemas.openxmlformats.org/drawingml/2006/main" xmlns:r="http://schemas.openxmlformats.org/officeDocument/2006/relationships" xmlns:mc="http://schemas.openxmlformats.org/markup-compatibility/2006" xmlns:mv="urn:schemas-microsoft-com:mac:vml" xmlns:p="http://schemas.openxmlformats.org/presentationml/2006/main" xmlns:c="http://schemas.openxmlformats.org/drawingml/2006/chart" xmlns:dgm="http://schemas.openxmlformats.org/drawingml/2006/diagram" xmlns:o="urn:schemas-microsoft-com:office:office" xmlns:v="urn:schemas-microsoft-com:vml" xmlns:pvml="urn:schemas-microsoft-com:office:powerpoint" xmlns:com="http://schemas.openxmlformats.org/drawingml/2006/compatibility" xmlns:p14="http://schemas.microsoft.com/office/powerpoint/2010/main" xmlns:p15="http://schemas.microsoft.com/office/powerpoint/2012/main" showMasterPhAnim="0" showMasterSp="0">
+<p:notes xmlns:a="http://schemas.openxmlformats.org/drawingml/2006/main" xmlns:r="http://schemas.openxmlformats.org/officeDocument/2006/relationships" xmlns:p="http://schemas.openxmlformats.org/presentationml/2006/main" showMasterSp="0" showMasterPhAnim="0">
   <p:cSld>
     <p:spTree>
       <p:nvGrpSpPr>
-        <p:cNvPr id="103" name="Shape 103"/>
+        <p:cNvPr id="1" name="Shape 103"/>
         <p:cNvGrpSpPr/>
         <p:nvPr/>
       </p:nvGrpSpPr>
@@ -2607,9 +2717,11 @@
       <p:sp>
         <p:nvSpPr>
           <p:cNvPr id="104" name="Google Shape;104;g7537ca99b8_0_105:notes"/>
-          <p:cNvSpPr/>
+          <p:cNvSpPr>
+            <a:spLocks noGrp="1" noRot="1" noChangeAspect="1"/>
+          </p:cNvSpPr>
           <p:nvPr>
-            <p:ph idx="2" type="sldImg"/>
+            <p:ph type="sldImg" idx="2"/>
           </p:nvPr>
         </p:nvSpPr>
         <p:spPr>
@@ -2618,9 +2730,13 @@
             <a:ext cx="6096000" cy="3429000"/>
           </a:xfrm>
           <a:custGeom>
-            <a:rect b="b" l="l" r="r" t="t"/>
+            <a:avLst/>
+            <a:gdLst/>
+            <a:ahLst/>
+            <a:cxnLst/>
+            <a:rect l="l" t="t" r="r" b="b"/>
             <a:pathLst>
-              <a:path extrusionOk="0" h="120000" w="120000">
+              <a:path w="120000" h="120000" extrusionOk="0">
                 <a:moveTo>
                   <a:pt x="0" y="0"/>
                 </a:moveTo>
@@ -2642,9 +2758,11 @@
       <p:sp>
         <p:nvSpPr>
           <p:cNvPr id="105" name="Google Shape;105;g7537ca99b8_0_105:notes"/>
-          <p:cNvSpPr txBox="1"/>
+          <p:cNvSpPr txBox="1">
+            <a:spLocks noGrp="1"/>
+          </p:cNvSpPr>
           <p:nvPr>
-            <p:ph idx="1" type="body"/>
+            <p:ph type="body" idx="1"/>
           </p:nvPr>
         </p:nvSpPr>
         <p:spPr>
@@ -2657,23 +2775,20 @@
           </a:prstGeom>
         </p:spPr>
         <p:txBody>
-          <a:bodyPr anchorCtr="0" anchor="t" bIns="91425" lIns="91425" spcFirstLastPara="1" rIns="91425" wrap="square" tIns="91425">
+          <a:bodyPr spcFirstLastPara="1" wrap="square" lIns="91425" tIns="91425" rIns="91425" bIns="91425" anchor="t" anchorCtr="0">
             <a:noAutofit/>
           </a:bodyPr>
           <a:lstStyle/>
           <a:p>
-            <a:pPr indent="0" lvl="0" marL="0" rtl="0" algn="l">
-              <a:spcBef>
-                <a:spcPts val="0"/>
-              </a:spcBef>
-              <a:spcAft>
-                <a:spcPts val="0"/>
-              </a:spcAft>
-              <a:buNone/>
-            </a:pPr>
-            <a:r>
-              <a:t/>
-            </a:r>
+            <a:pPr marL="0" lvl="0" indent="0" algn="l" rtl="0">
+              <a:spcBef>
+                <a:spcPts val="0"/>
+              </a:spcBef>
+              <a:spcAft>
+                <a:spcPts val="0"/>
+              </a:spcAft>
+              <a:buNone/>
+            </a:pPr>
             <a:endParaRPr/>
           </a:p>
         </p:txBody>
@@ -2687,11 +2802,11 @@
 </file>
 
 <file path=ppt/notesSlides/notesSlide9.xml><?xml version="1.0" encoding="utf-8"?>
-<p:notes xmlns:a="http://schemas.openxmlformats.org/drawingml/2006/main" xmlns:r="http://schemas.openxmlformats.org/officeDocument/2006/relationships" xmlns:mc="http://schemas.openxmlformats.org/markup-compatibility/2006" xmlns:mv="urn:schemas-microsoft-com:mac:vml" xmlns:p="http://schemas.openxmlformats.org/presentationml/2006/main" xmlns:c="http://schemas.openxmlformats.org/drawingml/2006/chart" xmlns:dgm="http://schemas.openxmlformats.org/drawingml/2006/diagram" xmlns:o="urn:schemas-microsoft-com:office:office" xmlns:v="urn:schemas-microsoft-com:vml" xmlns:pvml="urn:schemas-microsoft-com:office:powerpoint" xmlns:com="http://schemas.openxmlformats.org/drawingml/2006/compatibility" xmlns:p14="http://schemas.microsoft.com/office/powerpoint/2010/main" xmlns:p15="http://schemas.microsoft.com/office/powerpoint/2012/main" showMasterPhAnim="0" showMasterSp="0">
+<p:notes xmlns:a="http://schemas.openxmlformats.org/drawingml/2006/main" xmlns:r="http://schemas.openxmlformats.org/officeDocument/2006/relationships" xmlns:p="http://schemas.openxmlformats.org/presentationml/2006/main" showMasterSp="0" showMasterPhAnim="0">
   <p:cSld>
     <p:spTree>
       <p:nvGrpSpPr>
-        <p:cNvPr id="111" name="Shape 111"/>
+        <p:cNvPr id="1" name="Shape 111"/>
         <p:cNvGrpSpPr/>
         <p:nvPr/>
       </p:nvGrpSpPr>
@@ -2706,9 +2821,11 @@
       <p:sp>
         <p:nvSpPr>
           <p:cNvPr id="112" name="Google Shape;112;g752f2b5a61_3_11:notes"/>
-          <p:cNvSpPr/>
+          <p:cNvSpPr>
+            <a:spLocks noGrp="1" noRot="1" noChangeAspect="1"/>
+          </p:cNvSpPr>
           <p:nvPr>
-            <p:ph idx="2" type="sldImg"/>
+            <p:ph type="sldImg" idx="2"/>
           </p:nvPr>
         </p:nvSpPr>
         <p:spPr>
@@ -2717,9 +2834,13 @@
             <a:ext cx="6096000" cy="3429000"/>
           </a:xfrm>
           <a:custGeom>
-            <a:rect b="b" l="l" r="r" t="t"/>
+            <a:avLst/>
+            <a:gdLst/>
+            <a:ahLst/>
+            <a:cxnLst/>
+            <a:rect l="l" t="t" r="r" b="b"/>
             <a:pathLst>
-              <a:path extrusionOk="0" h="120000" w="120000">
+              <a:path w="120000" h="120000" extrusionOk="0">
                 <a:moveTo>
                   <a:pt x="0" y="0"/>
                 </a:moveTo>
@@ -2741,9 +2862,11 @@
       <p:sp>
         <p:nvSpPr>
           <p:cNvPr id="113" name="Google Shape;113;g752f2b5a61_3_11:notes"/>
-          <p:cNvSpPr txBox="1"/>
+          <p:cNvSpPr txBox="1">
+            <a:spLocks noGrp="1"/>
+          </p:cNvSpPr>
           <p:nvPr>
-            <p:ph idx="1" type="body"/>
+            <p:ph type="body" idx="1"/>
           </p:nvPr>
         </p:nvSpPr>
         <p:spPr>
@@ -2756,23 +2879,20 @@
           </a:prstGeom>
         </p:spPr>
         <p:txBody>
-          <a:bodyPr anchorCtr="0" anchor="t" bIns="91425" lIns="91425" spcFirstLastPara="1" rIns="91425" wrap="square" tIns="91425">
+          <a:bodyPr spcFirstLastPara="1" wrap="square" lIns="91425" tIns="91425" rIns="91425" bIns="91425" anchor="t" anchorCtr="0">
             <a:noAutofit/>
           </a:bodyPr>
           <a:lstStyle/>
           <a:p>
-            <a:pPr indent="0" lvl="0" marL="0" rtl="0" algn="l">
-              <a:spcBef>
-                <a:spcPts val="0"/>
-              </a:spcBef>
-              <a:spcAft>
-                <a:spcPts val="0"/>
-              </a:spcAft>
-              <a:buNone/>
-            </a:pPr>
-            <a:r>
-              <a:t/>
-            </a:r>
+            <a:pPr marL="0" lvl="0" indent="0" algn="l" rtl="0">
+              <a:spcBef>
+                <a:spcPts val="0"/>
+              </a:spcBef>
+              <a:spcAft>
+                <a:spcPts val="0"/>
+              </a:spcAft>
+              <a:buNone/>
+            </a:pPr>
             <a:endParaRPr/>
           </a:p>
         </p:txBody>
@@ -2786,11 +2906,11 @@
 </file>
 
 <file path=ppt/slideLayouts/slideLayout1.xml><?xml version="1.0" encoding="utf-8"?>
-<p:sldLayout xmlns:a="http://schemas.openxmlformats.org/drawingml/2006/main" xmlns:r="http://schemas.openxmlformats.org/officeDocument/2006/relationships" xmlns:mc="http://schemas.openxmlformats.org/markup-compatibility/2006" xmlns:mv="urn:schemas-microsoft-com:mac:vml" xmlns:p="http://schemas.openxmlformats.org/presentationml/2006/main" xmlns:c="http://schemas.openxmlformats.org/drawingml/2006/chart" xmlns:dgm="http://schemas.openxmlformats.org/drawingml/2006/diagram" xmlns:o="urn:schemas-microsoft-com:office:office" xmlns:v="urn:schemas-microsoft-com:vml" xmlns:pvml="urn:schemas-microsoft-com:office:powerpoint" xmlns:com="http://schemas.openxmlformats.org/drawingml/2006/compatibility" xmlns:p14="http://schemas.microsoft.com/office/powerpoint/2010/main" xmlns:p15="http://schemas.microsoft.com/office/powerpoint/2012/main" matchingName="Title slide" type="title">
+<p:sldLayout xmlns:a="http://schemas.openxmlformats.org/drawingml/2006/main" xmlns:r="http://schemas.openxmlformats.org/officeDocument/2006/relationships" xmlns:p="http://schemas.openxmlformats.org/presentationml/2006/main" matchingName="Title slide" type="title">
   <p:cSld name="TITLE">
     <p:spTree>
       <p:nvGrpSpPr>
-        <p:cNvPr id="9" name="Shape 9"/>
+        <p:cNvPr id="1" name="Shape 9"/>
         <p:cNvGrpSpPr/>
         <p:nvPr/>
       </p:nvGrpSpPr>
@@ -2805,7 +2925,9 @@
       <p:sp>
         <p:nvSpPr>
           <p:cNvPr id="10" name="Google Shape;10;p2"/>
-          <p:cNvSpPr txBox="1"/>
+          <p:cNvSpPr txBox="1">
+            <a:spLocks noGrp="1"/>
+          </p:cNvSpPr>
           <p:nvPr>
             <p:ph type="ctrTitle"/>
           </p:nvPr>
@@ -2820,7 +2942,7 @@
           </a:prstGeom>
         </p:spPr>
         <p:txBody>
-          <a:bodyPr anchorCtr="0" anchor="b" bIns="91425" lIns="91425" spcFirstLastPara="1" rIns="91425" wrap="square" tIns="91425">
+          <a:bodyPr spcFirstLastPara="1" wrap="square" lIns="91425" tIns="91425" rIns="91425" bIns="91425" anchor="b" anchorCtr="0">
             <a:noAutofit/>
           </a:bodyPr>
           <a:lstStyle>
@@ -2924,15 +3046,19 @@
               <a:defRPr sz="5200"/>
             </a:lvl9pPr>
           </a:lstStyle>
-          <a:p/>
+          <a:p>
+            <a:endParaRPr/>
+          </a:p>
         </p:txBody>
       </p:sp>
       <p:sp>
         <p:nvSpPr>
           <p:cNvPr id="11" name="Google Shape;11;p2"/>
-          <p:cNvSpPr txBox="1"/>
+          <p:cNvSpPr txBox="1">
+            <a:spLocks noGrp="1"/>
+          </p:cNvSpPr>
           <p:nvPr>
-            <p:ph idx="1" type="subTitle"/>
+            <p:ph type="subTitle" idx="1"/>
           </p:nvPr>
         </p:nvSpPr>
         <p:spPr>
@@ -2945,7 +3071,7 @@
           </a:prstGeom>
         </p:spPr>
         <p:txBody>
-          <a:bodyPr anchorCtr="0" anchor="t" bIns="91425" lIns="91425" spcFirstLastPara="1" rIns="91425" wrap="square" tIns="91425">
+          <a:bodyPr spcFirstLastPara="1" wrap="square" lIns="91425" tIns="91425" rIns="91425" bIns="91425" anchor="t" anchorCtr="0">
             <a:noAutofit/>
           </a:bodyPr>
           <a:lstStyle>
@@ -3076,15 +3202,19 @@
               <a:defRPr sz="2800"/>
             </a:lvl9pPr>
           </a:lstStyle>
-          <a:p/>
+          <a:p>
+            <a:endParaRPr/>
+          </a:p>
         </p:txBody>
       </p:sp>
       <p:sp>
         <p:nvSpPr>
           <p:cNvPr id="12" name="Google Shape;12;p2"/>
-          <p:cNvSpPr txBox="1"/>
+          <p:cNvSpPr txBox="1">
+            <a:spLocks noGrp="1"/>
+          </p:cNvSpPr>
           <p:nvPr>
-            <p:ph idx="12" type="sldNum"/>
+            <p:ph type="sldNum" idx="12"/>
           </p:nvPr>
         </p:nvSpPr>
         <p:spPr>
@@ -3097,7 +3227,7 @@
           </a:prstGeom>
         </p:spPr>
         <p:txBody>
-          <a:bodyPr anchorCtr="0" anchor="ctr" bIns="91425" lIns="91425" spcFirstLastPara="1" rIns="91425" wrap="square" tIns="91425">
+          <a:bodyPr spcFirstLastPara="1" wrap="square" lIns="91425" tIns="91425" rIns="91425" bIns="91425" anchor="ctr" anchorCtr="0">
             <a:noAutofit/>
           </a:bodyPr>
           <a:lstStyle>
@@ -3139,7 +3269,7 @@
             </a:lvl9pPr>
           </a:lstStyle>
           <a:p>
-            <a:pPr indent="0" lvl="0" marL="0" rtl="0" algn="r">
+            <a:pPr marL="0" lvl="0" indent="0" algn="r" rtl="0">
               <a:spcBef>
                 <a:spcPts val="0"/>
               </a:spcBef>
@@ -3165,11 +3295,11 @@
 </file>
 
 <file path=ppt/slideLayouts/slideLayout10.xml><?xml version="1.0" encoding="utf-8"?>
-<p:sldLayout xmlns:a="http://schemas.openxmlformats.org/drawingml/2006/main" xmlns:r="http://schemas.openxmlformats.org/officeDocument/2006/relationships" xmlns:mc="http://schemas.openxmlformats.org/markup-compatibility/2006" xmlns:mv="urn:schemas-microsoft-com:mac:vml" xmlns:p="http://schemas.openxmlformats.org/presentationml/2006/main" xmlns:c="http://schemas.openxmlformats.org/drawingml/2006/chart" xmlns:dgm="http://schemas.openxmlformats.org/drawingml/2006/diagram" xmlns:o="urn:schemas-microsoft-com:office:office" xmlns:v="urn:schemas-microsoft-com:vml" xmlns:pvml="urn:schemas-microsoft-com:office:powerpoint" xmlns:com="http://schemas.openxmlformats.org/drawingml/2006/compatibility" xmlns:p14="http://schemas.microsoft.com/office/powerpoint/2010/main" xmlns:p15="http://schemas.microsoft.com/office/powerpoint/2012/main" matchingName="Big number">
+<p:sldLayout xmlns:a="http://schemas.openxmlformats.org/drawingml/2006/main" xmlns:r="http://schemas.openxmlformats.org/officeDocument/2006/relationships" xmlns:p="http://schemas.openxmlformats.org/presentationml/2006/main" matchingName="Big number">
   <p:cSld name="BIG_NUMBER">
     <p:spTree>
       <p:nvGrpSpPr>
-        <p:cNvPr id="44" name="Shape 44"/>
+        <p:cNvPr id="1" name="Shape 44"/>
         <p:cNvGrpSpPr/>
         <p:nvPr/>
       </p:nvGrpSpPr>
@@ -3184,9 +3314,11 @@
       <p:sp>
         <p:nvSpPr>
           <p:cNvPr id="45" name="Google Shape;45;p11"/>
-          <p:cNvSpPr txBox="1"/>
+          <p:cNvSpPr txBox="1">
+            <a:spLocks noGrp="1"/>
+          </p:cNvSpPr>
           <p:nvPr>
-            <p:ph hasCustomPrompt="1" type="title"/>
+            <p:ph type="title" hasCustomPrompt="1"/>
           </p:nvPr>
         </p:nvSpPr>
         <p:spPr>
@@ -3199,7 +3331,7 @@
           </a:prstGeom>
         </p:spPr>
         <p:txBody>
-          <a:bodyPr anchorCtr="0" anchor="b" bIns="91425" lIns="91425" spcFirstLastPara="1" rIns="91425" wrap="square" tIns="91425">
+          <a:bodyPr spcFirstLastPara="1" wrap="square" lIns="91425" tIns="91425" rIns="91425" bIns="91425" anchor="b" anchorCtr="0">
             <a:noAutofit/>
           </a:bodyPr>
           <a:lstStyle>
@@ -3313,9 +3445,11 @@
       <p:sp>
         <p:nvSpPr>
           <p:cNvPr id="46" name="Google Shape;46;p11"/>
-          <p:cNvSpPr txBox="1"/>
+          <p:cNvSpPr txBox="1">
+            <a:spLocks noGrp="1"/>
+          </p:cNvSpPr>
           <p:nvPr>
-            <p:ph idx="1" type="body"/>
+            <p:ph type="body" idx="1"/>
           </p:nvPr>
         </p:nvSpPr>
         <p:spPr>
@@ -3328,11 +3462,11 @@
           </a:prstGeom>
         </p:spPr>
         <p:txBody>
-          <a:bodyPr anchorCtr="0" anchor="t" bIns="91425" lIns="91425" spcFirstLastPara="1" rIns="91425" wrap="square" tIns="91425">
+          <a:bodyPr spcFirstLastPara="1" wrap="square" lIns="91425" tIns="91425" rIns="91425" bIns="91425" anchor="t" anchorCtr="0">
             <a:noAutofit/>
           </a:bodyPr>
           <a:lstStyle>
-            <a:lvl1pPr indent="-342900" lvl="0" marL="457200" algn="ctr">
+            <a:lvl1pPr marL="457200" lvl="0" indent="-342900" algn="ctr">
               <a:spcBef>
                 <a:spcPts val="0"/>
               </a:spcBef>
@@ -3343,7 +3477,7 @@
               <a:buChar char="●"/>
               <a:defRPr/>
             </a:lvl1pPr>
-            <a:lvl2pPr indent="-317500" lvl="1" marL="914400" algn="ctr">
+            <a:lvl2pPr marL="914400" lvl="1" indent="-317500" algn="ctr">
               <a:spcBef>
                 <a:spcPts val="1600"/>
               </a:spcBef>
@@ -3354,7 +3488,7 @@
               <a:buChar char="○"/>
               <a:defRPr/>
             </a:lvl2pPr>
-            <a:lvl3pPr indent="-317500" lvl="2" marL="1371600" algn="ctr">
+            <a:lvl3pPr marL="1371600" lvl="2" indent="-317500" algn="ctr">
               <a:spcBef>
                 <a:spcPts val="1600"/>
               </a:spcBef>
@@ -3365,7 +3499,7 @@
               <a:buChar char="■"/>
               <a:defRPr/>
             </a:lvl3pPr>
-            <a:lvl4pPr indent="-317500" lvl="3" marL="1828800" algn="ctr">
+            <a:lvl4pPr marL="1828800" lvl="3" indent="-317500" algn="ctr">
               <a:spcBef>
                 <a:spcPts val="1600"/>
               </a:spcBef>
@@ -3376,7 +3510,7 @@
               <a:buChar char="●"/>
               <a:defRPr/>
             </a:lvl4pPr>
-            <a:lvl5pPr indent="-317500" lvl="4" marL="2286000" algn="ctr">
+            <a:lvl5pPr marL="2286000" lvl="4" indent="-317500" algn="ctr">
               <a:spcBef>
                 <a:spcPts val="1600"/>
               </a:spcBef>
@@ -3387,7 +3521,7 @@
               <a:buChar char="○"/>
               <a:defRPr/>
             </a:lvl5pPr>
-            <a:lvl6pPr indent="-317500" lvl="5" marL="2743200" algn="ctr">
+            <a:lvl6pPr marL="2743200" lvl="5" indent="-317500" algn="ctr">
               <a:spcBef>
                 <a:spcPts val="1600"/>
               </a:spcBef>
@@ -3398,7 +3532,7 @@
               <a:buChar char="■"/>
               <a:defRPr/>
             </a:lvl6pPr>
-            <a:lvl7pPr indent="-317500" lvl="6" marL="3200400" algn="ctr">
+            <a:lvl7pPr marL="3200400" lvl="6" indent="-317500" algn="ctr">
               <a:spcBef>
                 <a:spcPts val="1600"/>
               </a:spcBef>
@@ -3409,7 +3543,7 @@
               <a:buChar char="●"/>
               <a:defRPr/>
             </a:lvl7pPr>
-            <a:lvl8pPr indent="-317500" lvl="7" marL="3657600" algn="ctr">
+            <a:lvl8pPr marL="3657600" lvl="7" indent="-317500" algn="ctr">
               <a:spcBef>
                 <a:spcPts val="1600"/>
               </a:spcBef>
@@ -3420,7 +3554,7 @@
               <a:buChar char="○"/>
               <a:defRPr/>
             </a:lvl8pPr>
-            <a:lvl9pPr indent="-317500" lvl="8" marL="4114800" algn="ctr">
+            <a:lvl9pPr marL="4114800" lvl="8" indent="-317500" algn="ctr">
               <a:spcBef>
                 <a:spcPts val="1600"/>
               </a:spcBef>
@@ -3432,15 +3566,19 @@
               <a:defRPr/>
             </a:lvl9pPr>
           </a:lstStyle>
-          <a:p/>
+          <a:p>
+            <a:endParaRPr/>
+          </a:p>
         </p:txBody>
       </p:sp>
       <p:sp>
         <p:nvSpPr>
           <p:cNvPr id="47" name="Google Shape;47;p11"/>
-          <p:cNvSpPr txBox="1"/>
+          <p:cNvSpPr txBox="1">
+            <a:spLocks noGrp="1"/>
+          </p:cNvSpPr>
           <p:nvPr>
-            <p:ph idx="12" type="sldNum"/>
+            <p:ph type="sldNum" idx="12"/>
           </p:nvPr>
         </p:nvSpPr>
         <p:spPr>
@@ -3453,7 +3591,7 @@
           </a:prstGeom>
         </p:spPr>
         <p:txBody>
-          <a:bodyPr anchorCtr="0" anchor="ctr" bIns="91425" lIns="91425" spcFirstLastPara="1" rIns="91425" wrap="square" tIns="91425">
+          <a:bodyPr spcFirstLastPara="1" wrap="square" lIns="91425" tIns="91425" rIns="91425" bIns="91425" anchor="ctr" anchorCtr="0">
             <a:noAutofit/>
           </a:bodyPr>
           <a:lstStyle>
@@ -3495,7 +3633,7 @@
             </a:lvl9pPr>
           </a:lstStyle>
           <a:p>
-            <a:pPr indent="0" lvl="0" marL="0" rtl="0" algn="r">
+            <a:pPr marL="0" lvl="0" indent="0" algn="r" rtl="0">
               <a:spcBef>
                 <a:spcPts val="0"/>
               </a:spcBef>
@@ -3521,11 +3659,11 @@
 </file>
 
 <file path=ppt/slideLayouts/slideLayout11.xml><?xml version="1.0" encoding="utf-8"?>
-<p:sldLayout xmlns:a="http://schemas.openxmlformats.org/drawingml/2006/main" xmlns:r="http://schemas.openxmlformats.org/officeDocument/2006/relationships" xmlns:mc="http://schemas.openxmlformats.org/markup-compatibility/2006" xmlns:mv="urn:schemas-microsoft-com:mac:vml" xmlns:p="http://schemas.openxmlformats.org/presentationml/2006/main" xmlns:c="http://schemas.openxmlformats.org/drawingml/2006/chart" xmlns:dgm="http://schemas.openxmlformats.org/drawingml/2006/diagram" xmlns:o="urn:schemas-microsoft-com:office:office" xmlns:v="urn:schemas-microsoft-com:vml" xmlns:pvml="urn:schemas-microsoft-com:office:powerpoint" xmlns:com="http://schemas.openxmlformats.org/drawingml/2006/compatibility" xmlns:p14="http://schemas.microsoft.com/office/powerpoint/2010/main" xmlns:p15="http://schemas.microsoft.com/office/powerpoint/2012/main" matchingName="Blank" type="blank">
+<p:sldLayout xmlns:a="http://schemas.openxmlformats.org/drawingml/2006/main" xmlns:r="http://schemas.openxmlformats.org/officeDocument/2006/relationships" xmlns:p="http://schemas.openxmlformats.org/presentationml/2006/main" matchingName="Blank" type="blank">
   <p:cSld name="BLANK">
     <p:spTree>
       <p:nvGrpSpPr>
-        <p:cNvPr id="48" name="Shape 48"/>
+        <p:cNvPr id="1" name="Shape 48"/>
         <p:cNvGrpSpPr/>
         <p:nvPr/>
       </p:nvGrpSpPr>
@@ -3540,9 +3678,11 @@
       <p:sp>
         <p:nvSpPr>
           <p:cNvPr id="49" name="Google Shape;49;p12"/>
-          <p:cNvSpPr txBox="1"/>
+          <p:cNvSpPr txBox="1">
+            <a:spLocks noGrp="1"/>
+          </p:cNvSpPr>
           <p:nvPr>
-            <p:ph idx="12" type="sldNum"/>
+            <p:ph type="sldNum" idx="12"/>
           </p:nvPr>
         </p:nvSpPr>
         <p:spPr>
@@ -3555,7 +3695,7 @@
           </a:prstGeom>
         </p:spPr>
         <p:txBody>
-          <a:bodyPr anchorCtr="0" anchor="ctr" bIns="91425" lIns="91425" spcFirstLastPara="1" rIns="91425" wrap="square" tIns="91425">
+          <a:bodyPr spcFirstLastPara="1" wrap="square" lIns="91425" tIns="91425" rIns="91425" bIns="91425" anchor="ctr" anchorCtr="0">
             <a:noAutofit/>
           </a:bodyPr>
           <a:lstStyle>
@@ -3597,7 +3737,7 @@
             </a:lvl9pPr>
           </a:lstStyle>
           <a:p>
-            <a:pPr indent="0" lvl="0" marL="0" rtl="0" algn="r">
+            <a:pPr marL="0" lvl="0" indent="0" algn="r" rtl="0">
               <a:spcBef>
                 <a:spcPts val="0"/>
               </a:spcBef>
@@ -3623,11 +3763,11 @@
 </file>
 
 <file path=ppt/slideLayouts/slideLayout2.xml><?xml version="1.0" encoding="utf-8"?>
-<p:sldLayout xmlns:a="http://schemas.openxmlformats.org/drawingml/2006/main" xmlns:r="http://schemas.openxmlformats.org/officeDocument/2006/relationships" xmlns:mc="http://schemas.openxmlformats.org/markup-compatibility/2006" xmlns:mv="urn:schemas-microsoft-com:mac:vml" xmlns:p="http://schemas.openxmlformats.org/presentationml/2006/main" xmlns:c="http://schemas.openxmlformats.org/drawingml/2006/chart" xmlns:dgm="http://schemas.openxmlformats.org/drawingml/2006/diagram" xmlns:o="urn:schemas-microsoft-com:office:office" xmlns:v="urn:schemas-microsoft-com:vml" xmlns:pvml="urn:schemas-microsoft-com:office:powerpoint" xmlns:com="http://schemas.openxmlformats.org/drawingml/2006/compatibility" xmlns:p14="http://schemas.microsoft.com/office/powerpoint/2010/main" xmlns:p15="http://schemas.microsoft.com/office/powerpoint/2012/main" matchingName="Section header" type="secHead">
+<p:sldLayout xmlns:a="http://schemas.openxmlformats.org/drawingml/2006/main" xmlns:r="http://schemas.openxmlformats.org/officeDocument/2006/relationships" xmlns:p="http://schemas.openxmlformats.org/presentationml/2006/main" matchingName="Section header" type="secHead">
   <p:cSld name="SECTION_HEADER">
     <p:spTree>
       <p:nvGrpSpPr>
-        <p:cNvPr id="13" name="Shape 13"/>
+        <p:cNvPr id="1" name="Shape 13"/>
         <p:cNvGrpSpPr/>
         <p:nvPr/>
       </p:nvGrpSpPr>
@@ -3642,7 +3782,9 @@
       <p:sp>
         <p:nvSpPr>
           <p:cNvPr id="14" name="Google Shape;14;p3"/>
-          <p:cNvSpPr txBox="1"/>
+          <p:cNvSpPr txBox="1">
+            <a:spLocks noGrp="1"/>
+          </p:cNvSpPr>
           <p:nvPr>
             <p:ph type="title"/>
           </p:nvPr>
@@ -3657,7 +3799,7 @@
           </a:prstGeom>
         </p:spPr>
         <p:txBody>
-          <a:bodyPr anchorCtr="0" anchor="ctr" bIns="91425" lIns="91425" spcFirstLastPara="1" rIns="91425" wrap="square" tIns="91425">
+          <a:bodyPr spcFirstLastPara="1" wrap="square" lIns="91425" tIns="91425" rIns="91425" bIns="91425" anchor="ctr" anchorCtr="0">
             <a:noAutofit/>
           </a:bodyPr>
           <a:lstStyle>
@@ -3761,15 +3903,19 @@
               <a:defRPr sz="3600"/>
             </a:lvl9pPr>
           </a:lstStyle>
-          <a:p/>
+          <a:p>
+            <a:endParaRPr/>
+          </a:p>
         </p:txBody>
       </p:sp>
       <p:sp>
         <p:nvSpPr>
           <p:cNvPr id="15" name="Google Shape;15;p3"/>
-          <p:cNvSpPr txBox="1"/>
+          <p:cNvSpPr txBox="1">
+            <a:spLocks noGrp="1"/>
+          </p:cNvSpPr>
           <p:nvPr>
-            <p:ph idx="12" type="sldNum"/>
+            <p:ph type="sldNum" idx="12"/>
           </p:nvPr>
         </p:nvSpPr>
         <p:spPr>
@@ -3782,7 +3928,7 @@
           </a:prstGeom>
         </p:spPr>
         <p:txBody>
-          <a:bodyPr anchorCtr="0" anchor="ctr" bIns="91425" lIns="91425" spcFirstLastPara="1" rIns="91425" wrap="square" tIns="91425">
+          <a:bodyPr spcFirstLastPara="1" wrap="square" lIns="91425" tIns="91425" rIns="91425" bIns="91425" anchor="ctr" anchorCtr="0">
             <a:noAutofit/>
           </a:bodyPr>
           <a:lstStyle>
@@ -3824,7 +3970,7 @@
             </a:lvl9pPr>
           </a:lstStyle>
           <a:p>
-            <a:pPr indent="0" lvl="0" marL="0" rtl="0" algn="r">
+            <a:pPr marL="0" lvl="0" indent="0" algn="r" rtl="0">
               <a:spcBef>
                 <a:spcPts val="0"/>
               </a:spcBef>
@@ -3850,11 +3996,11 @@
 </file>
 
 <file path=ppt/slideLayouts/slideLayout3.xml><?xml version="1.0" encoding="utf-8"?>
-<p:sldLayout xmlns:a="http://schemas.openxmlformats.org/drawingml/2006/main" xmlns:r="http://schemas.openxmlformats.org/officeDocument/2006/relationships" xmlns:mc="http://schemas.openxmlformats.org/markup-compatibility/2006" xmlns:mv="urn:schemas-microsoft-com:mac:vml" xmlns:p="http://schemas.openxmlformats.org/presentationml/2006/main" xmlns:c="http://schemas.openxmlformats.org/drawingml/2006/chart" xmlns:dgm="http://schemas.openxmlformats.org/drawingml/2006/diagram" xmlns:o="urn:schemas-microsoft-com:office:office" xmlns:v="urn:schemas-microsoft-com:vml" xmlns:pvml="urn:schemas-microsoft-com:office:powerpoint" xmlns:com="http://schemas.openxmlformats.org/drawingml/2006/compatibility" xmlns:p14="http://schemas.microsoft.com/office/powerpoint/2010/main" xmlns:p15="http://schemas.microsoft.com/office/powerpoint/2012/main" matchingName="Title and body" type="tx">
+<p:sldLayout xmlns:a="http://schemas.openxmlformats.org/drawingml/2006/main" xmlns:r="http://schemas.openxmlformats.org/officeDocument/2006/relationships" xmlns:p="http://schemas.openxmlformats.org/presentationml/2006/main" matchingName="Title and body" type="tx">
   <p:cSld name="TITLE_AND_BODY">
     <p:spTree>
       <p:nvGrpSpPr>
-        <p:cNvPr id="16" name="Shape 16"/>
+        <p:cNvPr id="1" name="Shape 16"/>
         <p:cNvGrpSpPr/>
         <p:nvPr/>
       </p:nvGrpSpPr>
@@ -3869,7 +4015,9 @@
       <p:sp>
         <p:nvSpPr>
           <p:cNvPr id="17" name="Google Shape;17;p4"/>
-          <p:cNvSpPr txBox="1"/>
+          <p:cNvSpPr txBox="1">
+            <a:spLocks noGrp="1"/>
+          </p:cNvSpPr>
           <p:nvPr>
             <p:ph type="title"/>
           </p:nvPr>
@@ -3884,7 +4032,7 @@
           </a:prstGeom>
         </p:spPr>
         <p:txBody>
-          <a:bodyPr anchorCtr="0" anchor="t" bIns="91425" lIns="91425" spcFirstLastPara="1" rIns="91425" wrap="square" tIns="91425">
+          <a:bodyPr spcFirstLastPara="1" wrap="square" lIns="91425" tIns="91425" rIns="91425" bIns="91425" anchor="t" anchorCtr="0">
             <a:noAutofit/>
           </a:bodyPr>
           <a:lstStyle>
@@ -3988,15 +4136,19 @@
               <a:defRPr/>
             </a:lvl9pPr>
           </a:lstStyle>
-          <a:p/>
+          <a:p>
+            <a:endParaRPr/>
+          </a:p>
         </p:txBody>
       </p:sp>
       <p:sp>
         <p:nvSpPr>
           <p:cNvPr id="18" name="Google Shape;18;p4"/>
-          <p:cNvSpPr txBox="1"/>
+          <p:cNvSpPr txBox="1">
+            <a:spLocks noGrp="1"/>
+          </p:cNvSpPr>
           <p:nvPr>
-            <p:ph idx="1" type="body"/>
+            <p:ph type="body" idx="1"/>
           </p:nvPr>
         </p:nvSpPr>
         <p:spPr>
@@ -4009,11 +4161,11 @@
           </a:prstGeom>
         </p:spPr>
         <p:txBody>
-          <a:bodyPr anchorCtr="0" anchor="t" bIns="91425" lIns="91425" spcFirstLastPara="1" rIns="91425" wrap="square" tIns="91425">
+          <a:bodyPr spcFirstLastPara="1" wrap="square" lIns="91425" tIns="91425" rIns="91425" bIns="91425" anchor="t" anchorCtr="0">
             <a:noAutofit/>
           </a:bodyPr>
           <a:lstStyle>
-            <a:lvl1pPr indent="-342900" lvl="0" marL="457200">
+            <a:lvl1pPr marL="457200" lvl="0" indent="-342900">
               <a:spcBef>
                 <a:spcPts val="0"/>
               </a:spcBef>
@@ -4024,7 +4176,7 @@
               <a:buChar char="●"/>
               <a:defRPr/>
             </a:lvl1pPr>
-            <a:lvl2pPr indent="-317500" lvl="1" marL="914400">
+            <a:lvl2pPr marL="914400" lvl="1" indent="-317500">
               <a:spcBef>
                 <a:spcPts val="1600"/>
               </a:spcBef>
@@ -4035,7 +4187,7 @@
               <a:buChar char="○"/>
               <a:defRPr/>
             </a:lvl2pPr>
-            <a:lvl3pPr indent="-317500" lvl="2" marL="1371600">
+            <a:lvl3pPr marL="1371600" lvl="2" indent="-317500">
               <a:spcBef>
                 <a:spcPts val="1600"/>
               </a:spcBef>
@@ -4046,7 +4198,7 @@
               <a:buChar char="■"/>
               <a:defRPr/>
             </a:lvl3pPr>
-            <a:lvl4pPr indent="-317500" lvl="3" marL="1828800">
+            <a:lvl4pPr marL="1828800" lvl="3" indent="-317500">
               <a:spcBef>
                 <a:spcPts val="1600"/>
               </a:spcBef>
@@ -4057,7 +4209,7 @@
               <a:buChar char="●"/>
               <a:defRPr/>
             </a:lvl4pPr>
-            <a:lvl5pPr indent="-317500" lvl="4" marL="2286000">
+            <a:lvl5pPr marL="2286000" lvl="4" indent="-317500">
               <a:spcBef>
                 <a:spcPts val="1600"/>
               </a:spcBef>
@@ -4068,7 +4220,7 @@
               <a:buChar char="○"/>
               <a:defRPr/>
             </a:lvl5pPr>
-            <a:lvl6pPr indent="-317500" lvl="5" marL="2743200">
+            <a:lvl6pPr marL="2743200" lvl="5" indent="-317500">
               <a:spcBef>
                 <a:spcPts val="1600"/>
               </a:spcBef>
@@ -4079,7 +4231,7 @@
               <a:buChar char="■"/>
               <a:defRPr/>
             </a:lvl6pPr>
-            <a:lvl7pPr indent="-317500" lvl="6" marL="3200400">
+            <a:lvl7pPr marL="3200400" lvl="6" indent="-317500">
               <a:spcBef>
                 <a:spcPts val="1600"/>
               </a:spcBef>
@@ -4090,7 +4242,7 @@
               <a:buChar char="●"/>
               <a:defRPr/>
             </a:lvl7pPr>
-            <a:lvl8pPr indent="-317500" lvl="7" marL="3657600">
+            <a:lvl8pPr marL="3657600" lvl="7" indent="-317500">
               <a:spcBef>
                 <a:spcPts val="1600"/>
               </a:spcBef>
@@ -4101,7 +4253,7 @@
               <a:buChar char="○"/>
               <a:defRPr/>
             </a:lvl8pPr>
-            <a:lvl9pPr indent="-317500" lvl="8" marL="4114800">
+            <a:lvl9pPr marL="4114800" lvl="8" indent="-317500">
               <a:spcBef>
                 <a:spcPts val="1600"/>
               </a:spcBef>
@@ -4113,15 +4265,19 @@
               <a:defRPr/>
             </a:lvl9pPr>
           </a:lstStyle>
-          <a:p/>
+          <a:p>
+            <a:endParaRPr/>
+          </a:p>
         </p:txBody>
       </p:sp>
       <p:sp>
         <p:nvSpPr>
           <p:cNvPr id="19" name="Google Shape;19;p4"/>
-          <p:cNvSpPr txBox="1"/>
+          <p:cNvSpPr txBox="1">
+            <a:spLocks noGrp="1"/>
+          </p:cNvSpPr>
           <p:nvPr>
-            <p:ph idx="12" type="sldNum"/>
+            <p:ph type="sldNum" idx="12"/>
           </p:nvPr>
         </p:nvSpPr>
         <p:spPr>
@@ -4134,7 +4290,7 @@
           </a:prstGeom>
         </p:spPr>
         <p:txBody>
-          <a:bodyPr anchorCtr="0" anchor="ctr" bIns="91425" lIns="91425" spcFirstLastPara="1" rIns="91425" wrap="square" tIns="91425">
+          <a:bodyPr spcFirstLastPara="1" wrap="square" lIns="91425" tIns="91425" rIns="91425" bIns="91425" anchor="ctr" anchorCtr="0">
             <a:noAutofit/>
           </a:bodyPr>
           <a:lstStyle>
@@ -4176,7 +4332,7 @@
             </a:lvl9pPr>
           </a:lstStyle>
           <a:p>
-            <a:pPr indent="0" lvl="0" marL="0" rtl="0" algn="r">
+            <a:pPr marL="0" lvl="0" indent="0" algn="r" rtl="0">
               <a:spcBef>
                 <a:spcPts val="0"/>
               </a:spcBef>
@@ -4202,11 +4358,11 @@
 </file>
 
 <file path=ppt/slideLayouts/slideLayout4.xml><?xml version="1.0" encoding="utf-8"?>
-<p:sldLayout xmlns:a="http://schemas.openxmlformats.org/drawingml/2006/main" xmlns:r="http://schemas.openxmlformats.org/officeDocument/2006/relationships" xmlns:mc="http://schemas.openxmlformats.org/markup-compatibility/2006" xmlns:mv="urn:schemas-microsoft-com:mac:vml" xmlns:p="http://schemas.openxmlformats.org/presentationml/2006/main" xmlns:c="http://schemas.openxmlformats.org/drawingml/2006/chart" xmlns:dgm="http://schemas.openxmlformats.org/drawingml/2006/diagram" xmlns:o="urn:schemas-microsoft-com:office:office" xmlns:v="urn:schemas-microsoft-com:vml" xmlns:pvml="urn:schemas-microsoft-com:office:powerpoint" xmlns:com="http://schemas.openxmlformats.org/drawingml/2006/compatibility" xmlns:p14="http://schemas.microsoft.com/office/powerpoint/2010/main" xmlns:p15="http://schemas.microsoft.com/office/powerpoint/2012/main" matchingName="Title and two columns" type="twoColTx">
+<p:sldLayout xmlns:a="http://schemas.openxmlformats.org/drawingml/2006/main" xmlns:r="http://schemas.openxmlformats.org/officeDocument/2006/relationships" xmlns:p="http://schemas.openxmlformats.org/presentationml/2006/main" matchingName="Title and two columns" type="twoColTx">
   <p:cSld name="TITLE_AND_TWO_COLUMNS">
     <p:spTree>
       <p:nvGrpSpPr>
-        <p:cNvPr id="20" name="Shape 20"/>
+        <p:cNvPr id="1" name="Shape 20"/>
         <p:cNvGrpSpPr/>
         <p:nvPr/>
       </p:nvGrpSpPr>
@@ -4221,7 +4377,9 @@
       <p:sp>
         <p:nvSpPr>
           <p:cNvPr id="21" name="Google Shape;21;p5"/>
-          <p:cNvSpPr txBox="1"/>
+          <p:cNvSpPr txBox="1">
+            <a:spLocks noGrp="1"/>
+          </p:cNvSpPr>
           <p:nvPr>
             <p:ph type="title"/>
           </p:nvPr>
@@ -4236,7 +4394,7 @@
           </a:prstGeom>
         </p:spPr>
         <p:txBody>
-          <a:bodyPr anchorCtr="0" anchor="t" bIns="91425" lIns="91425" spcFirstLastPara="1" rIns="91425" wrap="square" tIns="91425">
+          <a:bodyPr spcFirstLastPara="1" wrap="square" lIns="91425" tIns="91425" rIns="91425" bIns="91425" anchor="t" anchorCtr="0">
             <a:noAutofit/>
           </a:bodyPr>
           <a:lstStyle>
@@ -4340,15 +4498,19 @@
               <a:defRPr/>
             </a:lvl9pPr>
           </a:lstStyle>
-          <a:p/>
+          <a:p>
+            <a:endParaRPr/>
+          </a:p>
         </p:txBody>
       </p:sp>
       <p:sp>
         <p:nvSpPr>
           <p:cNvPr id="22" name="Google Shape;22;p5"/>
-          <p:cNvSpPr txBox="1"/>
+          <p:cNvSpPr txBox="1">
+            <a:spLocks noGrp="1"/>
+          </p:cNvSpPr>
           <p:nvPr>
-            <p:ph idx="1" type="body"/>
+            <p:ph type="body" idx="1"/>
           </p:nvPr>
         </p:nvSpPr>
         <p:spPr>
@@ -4361,11 +4523,11 @@
           </a:prstGeom>
         </p:spPr>
         <p:txBody>
-          <a:bodyPr anchorCtr="0" anchor="t" bIns="91425" lIns="91425" spcFirstLastPara="1" rIns="91425" wrap="square" tIns="91425">
+          <a:bodyPr spcFirstLastPara="1" wrap="square" lIns="91425" tIns="91425" rIns="91425" bIns="91425" anchor="t" anchorCtr="0">
             <a:noAutofit/>
           </a:bodyPr>
           <a:lstStyle>
-            <a:lvl1pPr indent="-317500" lvl="0" marL="457200">
+            <a:lvl1pPr marL="457200" lvl="0" indent="-317500">
               <a:spcBef>
                 <a:spcPts val="0"/>
               </a:spcBef>
@@ -4376,7 +4538,7 @@
               <a:buChar char="●"/>
               <a:defRPr sz="1400"/>
             </a:lvl1pPr>
-            <a:lvl2pPr indent="-304800" lvl="1" marL="914400">
+            <a:lvl2pPr marL="914400" lvl="1" indent="-304800">
               <a:spcBef>
                 <a:spcPts val="1600"/>
               </a:spcBef>
@@ -4387,7 +4549,7 @@
               <a:buChar char="○"/>
               <a:defRPr sz="1200"/>
             </a:lvl2pPr>
-            <a:lvl3pPr indent="-304800" lvl="2" marL="1371600">
+            <a:lvl3pPr marL="1371600" lvl="2" indent="-304800">
               <a:spcBef>
                 <a:spcPts val="1600"/>
               </a:spcBef>
@@ -4398,7 +4560,7 @@
               <a:buChar char="■"/>
               <a:defRPr sz="1200"/>
             </a:lvl3pPr>
-            <a:lvl4pPr indent="-304800" lvl="3" marL="1828800">
+            <a:lvl4pPr marL="1828800" lvl="3" indent="-304800">
               <a:spcBef>
                 <a:spcPts val="1600"/>
               </a:spcBef>
@@ -4409,7 +4571,7 @@
               <a:buChar char="●"/>
               <a:defRPr sz="1200"/>
             </a:lvl4pPr>
-            <a:lvl5pPr indent="-304800" lvl="4" marL="2286000">
+            <a:lvl5pPr marL="2286000" lvl="4" indent="-304800">
               <a:spcBef>
                 <a:spcPts val="1600"/>
               </a:spcBef>
@@ -4420,7 +4582,7 @@
               <a:buChar char="○"/>
               <a:defRPr sz="1200"/>
             </a:lvl5pPr>
-            <a:lvl6pPr indent="-304800" lvl="5" marL="2743200">
+            <a:lvl6pPr marL="2743200" lvl="5" indent="-304800">
               <a:spcBef>
                 <a:spcPts val="1600"/>
               </a:spcBef>
@@ -4431,7 +4593,7 @@
               <a:buChar char="■"/>
               <a:defRPr sz="1200"/>
             </a:lvl6pPr>
-            <a:lvl7pPr indent="-304800" lvl="6" marL="3200400">
+            <a:lvl7pPr marL="3200400" lvl="6" indent="-304800">
               <a:spcBef>
                 <a:spcPts val="1600"/>
               </a:spcBef>
@@ -4442,7 +4604,7 @@
               <a:buChar char="●"/>
               <a:defRPr sz="1200"/>
             </a:lvl7pPr>
-            <a:lvl8pPr indent="-304800" lvl="7" marL="3657600">
+            <a:lvl8pPr marL="3657600" lvl="7" indent="-304800">
               <a:spcBef>
                 <a:spcPts val="1600"/>
               </a:spcBef>
@@ -4453,7 +4615,7 @@
               <a:buChar char="○"/>
               <a:defRPr sz="1200"/>
             </a:lvl8pPr>
-            <a:lvl9pPr indent="-304800" lvl="8" marL="4114800">
+            <a:lvl9pPr marL="4114800" lvl="8" indent="-304800">
               <a:spcBef>
                 <a:spcPts val="1600"/>
               </a:spcBef>
@@ -4465,15 +4627,19 @@
               <a:defRPr sz="1200"/>
             </a:lvl9pPr>
           </a:lstStyle>
-          <a:p/>
+          <a:p>
+            <a:endParaRPr/>
+          </a:p>
         </p:txBody>
       </p:sp>
       <p:sp>
         <p:nvSpPr>
           <p:cNvPr id="23" name="Google Shape;23;p5"/>
-          <p:cNvSpPr txBox="1"/>
+          <p:cNvSpPr txBox="1">
+            <a:spLocks noGrp="1"/>
+          </p:cNvSpPr>
           <p:nvPr>
-            <p:ph idx="2" type="body"/>
+            <p:ph type="body" idx="2"/>
           </p:nvPr>
         </p:nvSpPr>
         <p:spPr>
@@ -4486,11 +4652,11 @@
           </a:prstGeom>
         </p:spPr>
         <p:txBody>
-          <a:bodyPr anchorCtr="0" anchor="t" bIns="91425" lIns="91425" spcFirstLastPara="1" rIns="91425" wrap="square" tIns="91425">
+          <a:bodyPr spcFirstLastPara="1" wrap="square" lIns="91425" tIns="91425" rIns="91425" bIns="91425" anchor="t" anchorCtr="0">
             <a:noAutofit/>
           </a:bodyPr>
           <a:lstStyle>
-            <a:lvl1pPr indent="-317500" lvl="0" marL="457200">
+            <a:lvl1pPr marL="457200" lvl="0" indent="-317500">
               <a:spcBef>
                 <a:spcPts val="0"/>
               </a:spcBef>
@@ -4501,7 +4667,7 @@
               <a:buChar char="●"/>
               <a:defRPr sz="1400"/>
             </a:lvl1pPr>
-            <a:lvl2pPr indent="-304800" lvl="1" marL="914400">
+            <a:lvl2pPr marL="914400" lvl="1" indent="-304800">
               <a:spcBef>
                 <a:spcPts val="1600"/>
               </a:spcBef>
@@ -4512,7 +4678,7 @@
               <a:buChar char="○"/>
               <a:defRPr sz="1200"/>
             </a:lvl2pPr>
-            <a:lvl3pPr indent="-304800" lvl="2" marL="1371600">
+            <a:lvl3pPr marL="1371600" lvl="2" indent="-304800">
               <a:spcBef>
                 <a:spcPts val="1600"/>
               </a:spcBef>
@@ -4523,7 +4689,7 @@
               <a:buChar char="■"/>
               <a:defRPr sz="1200"/>
             </a:lvl3pPr>
-            <a:lvl4pPr indent="-304800" lvl="3" marL="1828800">
+            <a:lvl4pPr marL="1828800" lvl="3" indent="-304800">
               <a:spcBef>
                 <a:spcPts val="1600"/>
               </a:spcBef>
@@ -4534,7 +4700,7 @@
               <a:buChar char="●"/>
               <a:defRPr sz="1200"/>
             </a:lvl4pPr>
-            <a:lvl5pPr indent="-304800" lvl="4" marL="2286000">
+            <a:lvl5pPr marL="2286000" lvl="4" indent="-304800">
               <a:spcBef>
                 <a:spcPts val="1600"/>
               </a:spcBef>
@@ -4545,7 +4711,7 @@
               <a:buChar char="○"/>
               <a:defRPr sz="1200"/>
             </a:lvl5pPr>
-            <a:lvl6pPr indent="-304800" lvl="5" marL="2743200">
+            <a:lvl6pPr marL="2743200" lvl="5" indent="-304800">
               <a:spcBef>
                 <a:spcPts val="1600"/>
               </a:spcBef>
@@ -4556,7 +4722,7 @@
               <a:buChar char="■"/>
               <a:defRPr sz="1200"/>
             </a:lvl6pPr>
-            <a:lvl7pPr indent="-304800" lvl="6" marL="3200400">
+            <a:lvl7pPr marL="3200400" lvl="6" indent="-304800">
               <a:spcBef>
                 <a:spcPts val="1600"/>
               </a:spcBef>
@@ -4567,7 +4733,7 @@
               <a:buChar char="●"/>
               <a:defRPr sz="1200"/>
             </a:lvl7pPr>
-            <a:lvl8pPr indent="-304800" lvl="7" marL="3657600">
+            <a:lvl8pPr marL="3657600" lvl="7" indent="-304800">
               <a:spcBef>
                 <a:spcPts val="1600"/>
               </a:spcBef>
@@ -4578,7 +4744,7 @@
               <a:buChar char="○"/>
               <a:defRPr sz="1200"/>
             </a:lvl8pPr>
-            <a:lvl9pPr indent="-304800" lvl="8" marL="4114800">
+            <a:lvl9pPr marL="4114800" lvl="8" indent="-304800">
               <a:spcBef>
                 <a:spcPts val="1600"/>
               </a:spcBef>
@@ -4590,15 +4756,19 @@
               <a:defRPr sz="1200"/>
             </a:lvl9pPr>
           </a:lstStyle>
-          <a:p/>
+          <a:p>
+            <a:endParaRPr/>
+          </a:p>
         </p:txBody>
       </p:sp>
       <p:sp>
         <p:nvSpPr>
           <p:cNvPr id="24" name="Google Shape;24;p5"/>
-          <p:cNvSpPr txBox="1"/>
+          <p:cNvSpPr txBox="1">
+            <a:spLocks noGrp="1"/>
+          </p:cNvSpPr>
           <p:nvPr>
-            <p:ph idx="12" type="sldNum"/>
+            <p:ph type="sldNum" idx="12"/>
           </p:nvPr>
         </p:nvSpPr>
         <p:spPr>
@@ -4611,7 +4781,7 @@
           </a:prstGeom>
         </p:spPr>
         <p:txBody>
-          <a:bodyPr anchorCtr="0" anchor="ctr" bIns="91425" lIns="91425" spcFirstLastPara="1" rIns="91425" wrap="square" tIns="91425">
+          <a:bodyPr spcFirstLastPara="1" wrap="square" lIns="91425" tIns="91425" rIns="91425" bIns="91425" anchor="ctr" anchorCtr="0">
             <a:noAutofit/>
           </a:bodyPr>
           <a:lstStyle>
@@ -4653,7 +4823,7 @@
             </a:lvl9pPr>
           </a:lstStyle>
           <a:p>
-            <a:pPr indent="0" lvl="0" marL="0" rtl="0" algn="r">
+            <a:pPr marL="0" lvl="0" indent="0" algn="r" rtl="0">
               <a:spcBef>
                 <a:spcPts val="0"/>
               </a:spcBef>
@@ -4679,11 +4849,11 @@
 </file>
 
 <file path=ppt/slideLayouts/slideLayout5.xml><?xml version="1.0" encoding="utf-8"?>
-<p:sldLayout xmlns:a="http://schemas.openxmlformats.org/drawingml/2006/main" xmlns:r="http://schemas.openxmlformats.org/officeDocument/2006/relationships" xmlns:mc="http://schemas.openxmlformats.org/markup-compatibility/2006" xmlns:mv="urn:schemas-microsoft-com:mac:vml" xmlns:p="http://schemas.openxmlformats.org/presentationml/2006/main" xmlns:c="http://schemas.openxmlformats.org/drawingml/2006/chart" xmlns:dgm="http://schemas.openxmlformats.org/drawingml/2006/diagram" xmlns:o="urn:schemas-microsoft-com:office:office" xmlns:v="urn:schemas-microsoft-com:vml" xmlns:pvml="urn:schemas-microsoft-com:office:powerpoint" xmlns:com="http://schemas.openxmlformats.org/drawingml/2006/compatibility" xmlns:p14="http://schemas.microsoft.com/office/powerpoint/2010/main" xmlns:p15="http://schemas.microsoft.com/office/powerpoint/2012/main" matchingName="Title only" type="titleOnly">
+<p:sldLayout xmlns:a="http://schemas.openxmlformats.org/drawingml/2006/main" xmlns:r="http://schemas.openxmlformats.org/officeDocument/2006/relationships" xmlns:p="http://schemas.openxmlformats.org/presentationml/2006/main" matchingName="Title only" type="titleOnly">
   <p:cSld name="TITLE_ONLY">
     <p:spTree>
       <p:nvGrpSpPr>
-        <p:cNvPr id="25" name="Shape 25"/>
+        <p:cNvPr id="1" name="Shape 25"/>
         <p:cNvGrpSpPr/>
         <p:nvPr/>
       </p:nvGrpSpPr>
@@ -4698,7 +4868,9 @@
       <p:sp>
         <p:nvSpPr>
           <p:cNvPr id="26" name="Google Shape;26;p6"/>
-          <p:cNvSpPr txBox="1"/>
+          <p:cNvSpPr txBox="1">
+            <a:spLocks noGrp="1"/>
+          </p:cNvSpPr>
           <p:nvPr>
             <p:ph type="title"/>
           </p:nvPr>
@@ -4713,7 +4885,7 @@
           </a:prstGeom>
         </p:spPr>
         <p:txBody>
-          <a:bodyPr anchorCtr="0" anchor="t" bIns="91425" lIns="91425" spcFirstLastPara="1" rIns="91425" wrap="square" tIns="91425">
+          <a:bodyPr spcFirstLastPara="1" wrap="square" lIns="91425" tIns="91425" rIns="91425" bIns="91425" anchor="t" anchorCtr="0">
             <a:noAutofit/>
           </a:bodyPr>
           <a:lstStyle>
@@ -4817,15 +4989,19 @@
               <a:defRPr/>
             </a:lvl9pPr>
           </a:lstStyle>
-          <a:p/>
+          <a:p>
+            <a:endParaRPr/>
+          </a:p>
         </p:txBody>
       </p:sp>
       <p:sp>
         <p:nvSpPr>
           <p:cNvPr id="27" name="Google Shape;27;p6"/>
-          <p:cNvSpPr txBox="1"/>
+          <p:cNvSpPr txBox="1">
+            <a:spLocks noGrp="1"/>
+          </p:cNvSpPr>
           <p:nvPr>
-            <p:ph idx="12" type="sldNum"/>
+            <p:ph type="sldNum" idx="12"/>
           </p:nvPr>
         </p:nvSpPr>
         <p:spPr>
@@ -4838,7 +5014,7 @@
           </a:prstGeom>
         </p:spPr>
         <p:txBody>
-          <a:bodyPr anchorCtr="0" anchor="ctr" bIns="91425" lIns="91425" spcFirstLastPara="1" rIns="91425" wrap="square" tIns="91425">
+          <a:bodyPr spcFirstLastPara="1" wrap="square" lIns="91425" tIns="91425" rIns="91425" bIns="91425" anchor="ctr" anchorCtr="0">
             <a:noAutofit/>
           </a:bodyPr>
           <a:lstStyle>
@@ -4880,7 +5056,7 @@
             </a:lvl9pPr>
           </a:lstStyle>
           <a:p>
-            <a:pPr indent="0" lvl="0" marL="0" rtl="0" algn="r">
+            <a:pPr marL="0" lvl="0" indent="0" algn="r" rtl="0">
               <a:spcBef>
                 <a:spcPts val="0"/>
               </a:spcBef>
@@ -4906,11 +5082,11 @@
 </file>
 
 <file path=ppt/slideLayouts/slideLayout6.xml><?xml version="1.0" encoding="utf-8"?>
-<p:sldLayout xmlns:a="http://schemas.openxmlformats.org/drawingml/2006/main" xmlns:r="http://schemas.openxmlformats.org/officeDocument/2006/relationships" xmlns:mc="http://schemas.openxmlformats.org/markup-compatibility/2006" xmlns:mv="urn:schemas-microsoft-com:mac:vml" xmlns:p="http://schemas.openxmlformats.org/presentationml/2006/main" xmlns:c="http://schemas.openxmlformats.org/drawingml/2006/chart" xmlns:dgm="http://schemas.openxmlformats.org/drawingml/2006/diagram" xmlns:o="urn:schemas-microsoft-com:office:office" xmlns:v="urn:schemas-microsoft-com:vml" xmlns:pvml="urn:schemas-microsoft-com:office:powerpoint" xmlns:com="http://schemas.openxmlformats.org/drawingml/2006/compatibility" xmlns:p14="http://schemas.microsoft.com/office/powerpoint/2010/main" xmlns:p15="http://schemas.microsoft.com/office/powerpoint/2012/main" matchingName="One column text">
+<p:sldLayout xmlns:a="http://schemas.openxmlformats.org/drawingml/2006/main" xmlns:r="http://schemas.openxmlformats.org/officeDocument/2006/relationships" xmlns:p="http://schemas.openxmlformats.org/presentationml/2006/main" matchingName="One column text">
   <p:cSld name="ONE_COLUMN_TEXT">
     <p:spTree>
       <p:nvGrpSpPr>
-        <p:cNvPr id="28" name="Shape 28"/>
+        <p:cNvPr id="1" name="Shape 28"/>
         <p:cNvGrpSpPr/>
         <p:nvPr/>
       </p:nvGrpSpPr>
@@ -4925,7 +5101,9 @@
       <p:sp>
         <p:nvSpPr>
           <p:cNvPr id="29" name="Google Shape;29;p7"/>
-          <p:cNvSpPr txBox="1"/>
+          <p:cNvSpPr txBox="1">
+            <a:spLocks noGrp="1"/>
+          </p:cNvSpPr>
           <p:nvPr>
             <p:ph type="title"/>
           </p:nvPr>
@@ -4940,7 +5118,7 @@
           </a:prstGeom>
         </p:spPr>
         <p:txBody>
-          <a:bodyPr anchorCtr="0" anchor="b" bIns="91425" lIns="91425" spcFirstLastPara="1" rIns="91425" wrap="square" tIns="91425">
+          <a:bodyPr spcFirstLastPara="1" wrap="square" lIns="91425" tIns="91425" rIns="91425" bIns="91425" anchor="b" anchorCtr="0">
             <a:noAutofit/>
           </a:bodyPr>
           <a:lstStyle>
@@ -5044,15 +5222,19 @@
               <a:defRPr sz="2400"/>
             </a:lvl9pPr>
           </a:lstStyle>
-          <a:p/>
+          <a:p>
+            <a:endParaRPr/>
+          </a:p>
         </p:txBody>
       </p:sp>
       <p:sp>
         <p:nvSpPr>
           <p:cNvPr id="30" name="Google Shape;30;p7"/>
-          <p:cNvSpPr txBox="1"/>
+          <p:cNvSpPr txBox="1">
+            <a:spLocks noGrp="1"/>
+          </p:cNvSpPr>
           <p:nvPr>
-            <p:ph idx="1" type="body"/>
+            <p:ph type="body" idx="1"/>
           </p:nvPr>
         </p:nvSpPr>
         <p:spPr>
@@ -5065,11 +5247,11 @@
           </a:prstGeom>
         </p:spPr>
         <p:txBody>
-          <a:bodyPr anchorCtr="0" anchor="t" bIns="91425" lIns="91425" spcFirstLastPara="1" rIns="91425" wrap="square" tIns="91425">
+          <a:bodyPr spcFirstLastPara="1" wrap="square" lIns="91425" tIns="91425" rIns="91425" bIns="91425" anchor="t" anchorCtr="0">
             <a:noAutofit/>
           </a:bodyPr>
           <a:lstStyle>
-            <a:lvl1pPr indent="-304800" lvl="0" marL="457200">
+            <a:lvl1pPr marL="457200" lvl="0" indent="-304800">
               <a:spcBef>
                 <a:spcPts val="0"/>
               </a:spcBef>
@@ -5080,7 +5262,7 @@
               <a:buChar char="●"/>
               <a:defRPr sz="1200"/>
             </a:lvl1pPr>
-            <a:lvl2pPr indent="-304800" lvl="1" marL="914400">
+            <a:lvl2pPr marL="914400" lvl="1" indent="-304800">
               <a:spcBef>
                 <a:spcPts val="1600"/>
               </a:spcBef>
@@ -5091,7 +5273,7 @@
               <a:buChar char="○"/>
               <a:defRPr sz="1200"/>
             </a:lvl2pPr>
-            <a:lvl3pPr indent="-304800" lvl="2" marL="1371600">
+            <a:lvl3pPr marL="1371600" lvl="2" indent="-304800">
               <a:spcBef>
                 <a:spcPts val="1600"/>
               </a:spcBef>
@@ -5102,7 +5284,7 @@
               <a:buChar char="■"/>
               <a:defRPr sz="1200"/>
             </a:lvl3pPr>
-            <a:lvl4pPr indent="-304800" lvl="3" marL="1828800">
+            <a:lvl4pPr marL="1828800" lvl="3" indent="-304800">
               <a:spcBef>
                 <a:spcPts val="1600"/>
               </a:spcBef>
@@ -5113,7 +5295,7 @@
               <a:buChar char="●"/>
               <a:defRPr sz="1200"/>
             </a:lvl4pPr>
-            <a:lvl5pPr indent="-304800" lvl="4" marL="2286000">
+            <a:lvl5pPr marL="2286000" lvl="4" indent="-304800">
               <a:spcBef>
                 <a:spcPts val="1600"/>
               </a:spcBef>
@@ -5124,7 +5306,7 @@
               <a:buChar char="○"/>
               <a:defRPr sz="1200"/>
             </a:lvl5pPr>
-            <a:lvl6pPr indent="-304800" lvl="5" marL="2743200">
+            <a:lvl6pPr marL="2743200" lvl="5" indent="-304800">
               <a:spcBef>
                 <a:spcPts val="1600"/>
               </a:spcBef>
@@ -5135,7 +5317,7 @@
               <a:buChar char="■"/>
               <a:defRPr sz="1200"/>
             </a:lvl6pPr>
-            <a:lvl7pPr indent="-304800" lvl="6" marL="3200400">
+            <a:lvl7pPr marL="3200400" lvl="6" indent="-304800">
               <a:spcBef>
                 <a:spcPts val="1600"/>
               </a:spcBef>
@@ -5146,7 +5328,7 @@
               <a:buChar char="●"/>
               <a:defRPr sz="1200"/>
             </a:lvl7pPr>
-            <a:lvl8pPr indent="-304800" lvl="7" marL="3657600">
+            <a:lvl8pPr marL="3657600" lvl="7" indent="-304800">
               <a:spcBef>
                 <a:spcPts val="1600"/>
               </a:spcBef>
@@ -5157,7 +5339,7 @@
               <a:buChar char="○"/>
               <a:defRPr sz="1200"/>
             </a:lvl8pPr>
-            <a:lvl9pPr indent="-304800" lvl="8" marL="4114800">
+            <a:lvl9pPr marL="4114800" lvl="8" indent="-304800">
               <a:spcBef>
                 <a:spcPts val="1600"/>
               </a:spcBef>
@@ -5169,15 +5351,19 @@
               <a:defRPr sz="1200"/>
             </a:lvl9pPr>
           </a:lstStyle>
-          <a:p/>
+          <a:p>
+            <a:endParaRPr/>
+          </a:p>
         </p:txBody>
       </p:sp>
       <p:sp>
         <p:nvSpPr>
           <p:cNvPr id="31" name="Google Shape;31;p7"/>
-          <p:cNvSpPr txBox="1"/>
+          <p:cNvSpPr txBox="1">
+            <a:spLocks noGrp="1"/>
+          </p:cNvSpPr>
           <p:nvPr>
-            <p:ph idx="12" type="sldNum"/>
+            <p:ph type="sldNum" idx="12"/>
           </p:nvPr>
         </p:nvSpPr>
         <p:spPr>
@@ -5190,7 +5376,7 @@
           </a:prstGeom>
         </p:spPr>
         <p:txBody>
-          <a:bodyPr anchorCtr="0" anchor="ctr" bIns="91425" lIns="91425" spcFirstLastPara="1" rIns="91425" wrap="square" tIns="91425">
+          <a:bodyPr spcFirstLastPara="1" wrap="square" lIns="91425" tIns="91425" rIns="91425" bIns="91425" anchor="ctr" anchorCtr="0">
             <a:noAutofit/>
           </a:bodyPr>
           <a:lstStyle>
@@ -5232,7 +5418,7 @@
             </a:lvl9pPr>
           </a:lstStyle>
           <a:p>
-            <a:pPr indent="0" lvl="0" marL="0" rtl="0" algn="r">
+            <a:pPr marL="0" lvl="0" indent="0" algn="r" rtl="0">
               <a:spcBef>
                 <a:spcPts val="0"/>
               </a:spcBef>
@@ -5258,11 +5444,11 @@
 </file>
 
 <file path=ppt/slideLayouts/slideLayout7.xml><?xml version="1.0" encoding="utf-8"?>
-<p:sldLayout xmlns:a="http://schemas.openxmlformats.org/drawingml/2006/main" xmlns:r="http://schemas.openxmlformats.org/officeDocument/2006/relationships" xmlns:mc="http://schemas.openxmlformats.org/markup-compatibility/2006" xmlns:mv="urn:schemas-microsoft-com:mac:vml" xmlns:p="http://schemas.openxmlformats.org/presentationml/2006/main" xmlns:c="http://schemas.openxmlformats.org/drawingml/2006/chart" xmlns:dgm="http://schemas.openxmlformats.org/drawingml/2006/diagram" xmlns:o="urn:schemas-microsoft-com:office:office" xmlns:v="urn:schemas-microsoft-com:vml" xmlns:pvml="urn:schemas-microsoft-com:office:powerpoint" xmlns:com="http://schemas.openxmlformats.org/drawingml/2006/compatibility" xmlns:p14="http://schemas.microsoft.com/office/powerpoint/2010/main" xmlns:p15="http://schemas.microsoft.com/office/powerpoint/2012/main" matchingName="Main point">
+<p:sldLayout xmlns:a="http://schemas.openxmlformats.org/drawingml/2006/main" xmlns:r="http://schemas.openxmlformats.org/officeDocument/2006/relationships" xmlns:p="http://schemas.openxmlformats.org/presentationml/2006/main" matchingName="Main point">
   <p:cSld name="MAIN_POINT">
     <p:spTree>
       <p:nvGrpSpPr>
-        <p:cNvPr id="32" name="Shape 32"/>
+        <p:cNvPr id="1" name="Shape 32"/>
         <p:cNvGrpSpPr/>
         <p:nvPr/>
       </p:nvGrpSpPr>
@@ -5277,7 +5463,9 @@
       <p:sp>
         <p:nvSpPr>
           <p:cNvPr id="33" name="Google Shape;33;p8"/>
-          <p:cNvSpPr txBox="1"/>
+          <p:cNvSpPr txBox="1">
+            <a:spLocks noGrp="1"/>
+          </p:cNvSpPr>
           <p:nvPr>
             <p:ph type="title"/>
           </p:nvPr>
@@ -5292,7 +5480,7 @@
           </a:prstGeom>
         </p:spPr>
         <p:txBody>
-          <a:bodyPr anchorCtr="0" anchor="ctr" bIns="91425" lIns="91425" spcFirstLastPara="1" rIns="91425" wrap="square" tIns="91425">
+          <a:bodyPr spcFirstLastPara="1" wrap="square" lIns="91425" tIns="91425" rIns="91425" bIns="91425" anchor="ctr" anchorCtr="0">
             <a:noAutofit/>
           </a:bodyPr>
           <a:lstStyle>
@@ -5396,15 +5584,19 @@
               <a:defRPr sz="4800"/>
             </a:lvl9pPr>
           </a:lstStyle>
-          <a:p/>
+          <a:p>
+            <a:endParaRPr/>
+          </a:p>
         </p:txBody>
       </p:sp>
       <p:sp>
         <p:nvSpPr>
           <p:cNvPr id="34" name="Google Shape;34;p8"/>
-          <p:cNvSpPr txBox="1"/>
+          <p:cNvSpPr txBox="1">
+            <a:spLocks noGrp="1"/>
+          </p:cNvSpPr>
           <p:nvPr>
-            <p:ph idx="12" type="sldNum"/>
+            <p:ph type="sldNum" idx="12"/>
           </p:nvPr>
         </p:nvSpPr>
         <p:spPr>
@@ -5417,7 +5609,7 @@
           </a:prstGeom>
         </p:spPr>
         <p:txBody>
-          <a:bodyPr anchorCtr="0" anchor="ctr" bIns="91425" lIns="91425" spcFirstLastPara="1" rIns="91425" wrap="square" tIns="91425">
+          <a:bodyPr spcFirstLastPara="1" wrap="square" lIns="91425" tIns="91425" rIns="91425" bIns="91425" anchor="ctr" anchorCtr="0">
             <a:noAutofit/>
           </a:bodyPr>
           <a:lstStyle>
@@ -5459,7 +5651,7 @@
             </a:lvl9pPr>
           </a:lstStyle>
           <a:p>
-            <a:pPr indent="0" lvl="0" marL="0" rtl="0" algn="r">
+            <a:pPr marL="0" lvl="0" indent="0" algn="r" rtl="0">
               <a:spcBef>
                 <a:spcPts val="0"/>
               </a:spcBef>
@@ -5485,11 +5677,11 @@
 </file>
 
 <file path=ppt/slideLayouts/slideLayout8.xml><?xml version="1.0" encoding="utf-8"?>
-<p:sldLayout xmlns:a="http://schemas.openxmlformats.org/drawingml/2006/main" xmlns:r="http://schemas.openxmlformats.org/officeDocument/2006/relationships" xmlns:mc="http://schemas.openxmlformats.org/markup-compatibility/2006" xmlns:mv="urn:schemas-microsoft-com:mac:vml" xmlns:p="http://schemas.openxmlformats.org/presentationml/2006/main" xmlns:c="http://schemas.openxmlformats.org/drawingml/2006/chart" xmlns:dgm="http://schemas.openxmlformats.org/drawingml/2006/diagram" xmlns:o="urn:schemas-microsoft-com:office:office" xmlns:v="urn:schemas-microsoft-com:vml" xmlns:pvml="urn:schemas-microsoft-com:office:powerpoint" xmlns:com="http://schemas.openxmlformats.org/drawingml/2006/compatibility" xmlns:p14="http://schemas.microsoft.com/office/powerpoint/2010/main" xmlns:p15="http://schemas.microsoft.com/office/powerpoint/2012/main" matchingName="Section title and description">
+<p:sldLayout xmlns:a="http://schemas.openxmlformats.org/drawingml/2006/main" xmlns:r="http://schemas.openxmlformats.org/officeDocument/2006/relationships" xmlns:p="http://schemas.openxmlformats.org/presentationml/2006/main" matchingName="Section title and description">
   <p:cSld name="SECTION_TITLE_AND_DESCRIPTION">
     <p:spTree>
       <p:nvGrpSpPr>
-        <p:cNvPr id="35" name="Shape 35"/>
+        <p:cNvPr id="1" name="Shape 35"/>
         <p:cNvGrpSpPr/>
         <p:nvPr/>
       </p:nvGrpSpPr>
@@ -5523,23 +5715,20 @@
           </a:ln>
         </p:spPr>
         <p:txBody>
-          <a:bodyPr anchorCtr="0" anchor="ctr" bIns="91425" lIns="91425" spcFirstLastPara="1" rIns="91425" wrap="square" tIns="91425">
+          <a:bodyPr spcFirstLastPara="1" wrap="square" lIns="91425" tIns="91425" rIns="91425" bIns="91425" anchor="ctr" anchorCtr="0">
             <a:noAutofit/>
           </a:bodyPr>
           <a:lstStyle/>
           <a:p>
-            <a:pPr indent="0" lvl="0" marL="0" rtl="0" algn="l">
-              <a:spcBef>
-                <a:spcPts val="0"/>
-              </a:spcBef>
-              <a:spcAft>
-                <a:spcPts val="0"/>
-              </a:spcAft>
-              <a:buNone/>
-            </a:pPr>
-            <a:r>
-              <a:t/>
-            </a:r>
+            <a:pPr marL="0" lvl="0" indent="0" algn="l" rtl="0">
+              <a:spcBef>
+                <a:spcPts val="0"/>
+              </a:spcBef>
+              <a:spcAft>
+                <a:spcPts val="0"/>
+              </a:spcAft>
+              <a:buNone/>
+            </a:pPr>
             <a:endParaRPr/>
           </a:p>
         </p:txBody>
@@ -5547,7 +5736,9 @@
       <p:sp>
         <p:nvSpPr>
           <p:cNvPr id="37" name="Google Shape;37;p9"/>
-          <p:cNvSpPr txBox="1"/>
+          <p:cNvSpPr txBox="1">
+            <a:spLocks noGrp="1"/>
+          </p:cNvSpPr>
           <p:nvPr>
             <p:ph type="title"/>
           </p:nvPr>
@@ -5562,7 +5753,7 @@
           </a:prstGeom>
         </p:spPr>
         <p:txBody>
-          <a:bodyPr anchorCtr="0" anchor="b" bIns="91425" lIns="91425" spcFirstLastPara="1" rIns="91425" wrap="square" tIns="91425">
+          <a:bodyPr spcFirstLastPara="1" wrap="square" lIns="91425" tIns="91425" rIns="91425" bIns="91425" anchor="b" anchorCtr="0">
             <a:noAutofit/>
           </a:bodyPr>
           <a:lstStyle>
@@ -5666,15 +5857,19 @@
               <a:defRPr sz="4200"/>
             </a:lvl9pPr>
           </a:lstStyle>
-          <a:p/>
+          <a:p>
+            <a:endParaRPr/>
+          </a:p>
         </p:txBody>
       </p:sp>
       <p:sp>
         <p:nvSpPr>
           <p:cNvPr id="38" name="Google Shape;38;p9"/>
-          <p:cNvSpPr txBox="1"/>
+          <p:cNvSpPr txBox="1">
+            <a:spLocks noGrp="1"/>
+          </p:cNvSpPr>
           <p:nvPr>
-            <p:ph idx="1" type="subTitle"/>
+            <p:ph type="subTitle" idx="1"/>
           </p:nvPr>
         </p:nvSpPr>
         <p:spPr>
@@ -5687,7 +5882,7 @@
           </a:prstGeom>
         </p:spPr>
         <p:txBody>
-          <a:bodyPr anchorCtr="0" anchor="t" bIns="91425" lIns="91425" spcFirstLastPara="1" rIns="91425" wrap="square" tIns="91425">
+          <a:bodyPr spcFirstLastPara="1" wrap="square" lIns="91425" tIns="91425" rIns="91425" bIns="91425" anchor="t" anchorCtr="0">
             <a:noAutofit/>
           </a:bodyPr>
           <a:lstStyle>
@@ -5818,15 +6013,19 @@
               <a:defRPr sz="2100"/>
             </a:lvl9pPr>
           </a:lstStyle>
-          <a:p/>
+          <a:p>
+            <a:endParaRPr/>
+          </a:p>
         </p:txBody>
       </p:sp>
       <p:sp>
         <p:nvSpPr>
           <p:cNvPr id="39" name="Google Shape;39;p9"/>
-          <p:cNvSpPr txBox="1"/>
+          <p:cNvSpPr txBox="1">
+            <a:spLocks noGrp="1"/>
+          </p:cNvSpPr>
           <p:nvPr>
-            <p:ph idx="2" type="body"/>
+            <p:ph type="body" idx="2"/>
           </p:nvPr>
         </p:nvSpPr>
         <p:spPr>
@@ -5839,11 +6038,11 @@
           </a:prstGeom>
         </p:spPr>
         <p:txBody>
-          <a:bodyPr anchorCtr="0" anchor="ctr" bIns="91425" lIns="91425" spcFirstLastPara="1" rIns="91425" wrap="square" tIns="91425">
+          <a:bodyPr spcFirstLastPara="1" wrap="square" lIns="91425" tIns="91425" rIns="91425" bIns="91425" anchor="ctr" anchorCtr="0">
             <a:noAutofit/>
           </a:bodyPr>
           <a:lstStyle>
-            <a:lvl1pPr indent="-342900" lvl="0" marL="457200">
+            <a:lvl1pPr marL="457200" lvl="0" indent="-342900">
               <a:spcBef>
                 <a:spcPts val="0"/>
               </a:spcBef>
@@ -5854,7 +6053,7 @@
               <a:buChar char="●"/>
               <a:defRPr/>
             </a:lvl1pPr>
-            <a:lvl2pPr indent="-317500" lvl="1" marL="914400">
+            <a:lvl2pPr marL="914400" lvl="1" indent="-317500">
               <a:spcBef>
                 <a:spcPts val="1600"/>
               </a:spcBef>
@@ -5865,7 +6064,7 @@
               <a:buChar char="○"/>
               <a:defRPr/>
             </a:lvl2pPr>
-            <a:lvl3pPr indent="-317500" lvl="2" marL="1371600">
+            <a:lvl3pPr marL="1371600" lvl="2" indent="-317500">
               <a:spcBef>
                 <a:spcPts val="1600"/>
               </a:spcBef>
@@ -5876,7 +6075,7 @@
               <a:buChar char="■"/>
               <a:defRPr/>
             </a:lvl3pPr>
-            <a:lvl4pPr indent="-317500" lvl="3" marL="1828800">
+            <a:lvl4pPr marL="1828800" lvl="3" indent="-317500">
               <a:spcBef>
                 <a:spcPts val="1600"/>
               </a:spcBef>
@@ -5887,7 +6086,7 @@
               <a:buChar char="●"/>
               <a:defRPr/>
             </a:lvl4pPr>
-            <a:lvl5pPr indent="-317500" lvl="4" marL="2286000">
+            <a:lvl5pPr marL="2286000" lvl="4" indent="-317500">
               <a:spcBef>
                 <a:spcPts val="1600"/>
               </a:spcBef>
@@ -5898,7 +6097,7 @@
               <a:buChar char="○"/>
               <a:defRPr/>
             </a:lvl5pPr>
-            <a:lvl6pPr indent="-317500" lvl="5" marL="2743200">
+            <a:lvl6pPr marL="2743200" lvl="5" indent="-317500">
               <a:spcBef>
                 <a:spcPts val="1600"/>
               </a:spcBef>
@@ -5909,7 +6108,7 @@
               <a:buChar char="■"/>
               <a:defRPr/>
             </a:lvl6pPr>
-            <a:lvl7pPr indent="-317500" lvl="6" marL="3200400">
+            <a:lvl7pPr marL="3200400" lvl="6" indent="-317500">
               <a:spcBef>
                 <a:spcPts val="1600"/>
               </a:spcBef>
@@ -5920,7 +6119,7 @@
               <a:buChar char="●"/>
               <a:defRPr/>
             </a:lvl7pPr>
-            <a:lvl8pPr indent="-317500" lvl="7" marL="3657600">
+            <a:lvl8pPr marL="3657600" lvl="7" indent="-317500">
               <a:spcBef>
                 <a:spcPts val="1600"/>
               </a:spcBef>
@@ -5931,7 +6130,7 @@
               <a:buChar char="○"/>
               <a:defRPr/>
             </a:lvl8pPr>
-            <a:lvl9pPr indent="-317500" lvl="8" marL="4114800">
+            <a:lvl9pPr marL="4114800" lvl="8" indent="-317500">
               <a:spcBef>
                 <a:spcPts val="1600"/>
               </a:spcBef>
@@ -5943,15 +6142,19 @@
               <a:defRPr/>
             </a:lvl9pPr>
           </a:lstStyle>
-          <a:p/>
+          <a:p>
+            <a:endParaRPr/>
+          </a:p>
         </p:txBody>
       </p:sp>
       <p:sp>
         <p:nvSpPr>
           <p:cNvPr id="40" name="Google Shape;40;p9"/>
-          <p:cNvSpPr txBox="1"/>
+          <p:cNvSpPr txBox="1">
+            <a:spLocks noGrp="1"/>
+          </p:cNvSpPr>
           <p:nvPr>
-            <p:ph idx="12" type="sldNum"/>
+            <p:ph type="sldNum" idx="12"/>
           </p:nvPr>
         </p:nvSpPr>
         <p:spPr>
@@ -5964,7 +6167,7 @@
           </a:prstGeom>
         </p:spPr>
         <p:txBody>
-          <a:bodyPr anchorCtr="0" anchor="ctr" bIns="91425" lIns="91425" spcFirstLastPara="1" rIns="91425" wrap="square" tIns="91425">
+          <a:bodyPr spcFirstLastPara="1" wrap="square" lIns="91425" tIns="91425" rIns="91425" bIns="91425" anchor="ctr" anchorCtr="0">
             <a:noAutofit/>
           </a:bodyPr>
           <a:lstStyle>
@@ -6006,7 +6209,7 @@
             </a:lvl9pPr>
           </a:lstStyle>
           <a:p>
-            <a:pPr indent="0" lvl="0" marL="0" rtl="0" algn="r">
+            <a:pPr marL="0" lvl="0" indent="0" algn="r" rtl="0">
               <a:spcBef>
                 <a:spcPts val="0"/>
               </a:spcBef>
@@ -6032,11 +6235,11 @@
 </file>
 
 <file path=ppt/slideLayouts/slideLayout9.xml><?xml version="1.0" encoding="utf-8"?>
-<p:sldLayout xmlns:a="http://schemas.openxmlformats.org/drawingml/2006/main" xmlns:r="http://schemas.openxmlformats.org/officeDocument/2006/relationships" xmlns:mc="http://schemas.openxmlformats.org/markup-compatibility/2006" xmlns:mv="urn:schemas-microsoft-com:mac:vml" xmlns:p="http://schemas.openxmlformats.org/presentationml/2006/main" xmlns:c="http://schemas.openxmlformats.org/drawingml/2006/chart" xmlns:dgm="http://schemas.openxmlformats.org/drawingml/2006/diagram" xmlns:o="urn:schemas-microsoft-com:office:office" xmlns:v="urn:schemas-microsoft-com:vml" xmlns:pvml="urn:schemas-microsoft-com:office:powerpoint" xmlns:com="http://schemas.openxmlformats.org/drawingml/2006/compatibility" xmlns:p14="http://schemas.microsoft.com/office/powerpoint/2010/main" xmlns:p15="http://schemas.microsoft.com/office/powerpoint/2012/main" matchingName="Caption">
+<p:sldLayout xmlns:a="http://schemas.openxmlformats.org/drawingml/2006/main" xmlns:r="http://schemas.openxmlformats.org/officeDocument/2006/relationships" xmlns:p="http://schemas.openxmlformats.org/presentationml/2006/main" matchingName="Caption">
   <p:cSld name="CAPTION_ONLY">
     <p:spTree>
       <p:nvGrpSpPr>
-        <p:cNvPr id="41" name="Shape 41"/>
+        <p:cNvPr id="1" name="Shape 41"/>
         <p:cNvGrpSpPr/>
         <p:nvPr/>
       </p:nvGrpSpPr>
@@ -6051,9 +6254,11 @@
       <p:sp>
         <p:nvSpPr>
           <p:cNvPr id="42" name="Google Shape;42;p10"/>
-          <p:cNvSpPr txBox="1"/>
+          <p:cNvSpPr txBox="1">
+            <a:spLocks noGrp="1"/>
+          </p:cNvSpPr>
           <p:nvPr>
-            <p:ph idx="1" type="body"/>
+            <p:ph type="body" idx="1"/>
           </p:nvPr>
         </p:nvSpPr>
         <p:spPr>
@@ -6066,11 +6271,11 @@
           </a:prstGeom>
         </p:spPr>
         <p:txBody>
-          <a:bodyPr anchorCtr="0" anchor="ctr" bIns="91425" lIns="91425" spcFirstLastPara="1" rIns="91425" wrap="square" tIns="91425">
+          <a:bodyPr spcFirstLastPara="1" wrap="square" lIns="91425" tIns="91425" rIns="91425" bIns="91425" anchor="ctr" anchorCtr="0">
             <a:noAutofit/>
           </a:bodyPr>
           <a:lstStyle>
-            <a:lvl1pPr indent="-228600" lvl="0" marL="457200">
+            <a:lvl1pPr marL="457200" lvl="0" indent="-228600">
               <a:lnSpc>
                 <a:spcPct val="100000"/>
               </a:lnSpc>
@@ -6085,15 +6290,19 @@
               <a:defRPr/>
             </a:lvl1pPr>
           </a:lstStyle>
-          <a:p/>
+          <a:p>
+            <a:endParaRPr/>
+          </a:p>
         </p:txBody>
       </p:sp>
       <p:sp>
         <p:nvSpPr>
           <p:cNvPr id="43" name="Google Shape;43;p10"/>
-          <p:cNvSpPr txBox="1"/>
+          <p:cNvSpPr txBox="1">
+            <a:spLocks noGrp="1"/>
+          </p:cNvSpPr>
           <p:nvPr>
-            <p:ph idx="12" type="sldNum"/>
+            <p:ph type="sldNum" idx="12"/>
           </p:nvPr>
         </p:nvSpPr>
         <p:spPr>
@@ -6106,7 +6315,7 @@
           </a:prstGeom>
         </p:spPr>
         <p:txBody>
-          <a:bodyPr anchorCtr="0" anchor="ctr" bIns="91425" lIns="91425" spcFirstLastPara="1" rIns="91425" wrap="square" tIns="91425">
+          <a:bodyPr spcFirstLastPara="1" wrap="square" lIns="91425" tIns="91425" rIns="91425" bIns="91425" anchor="ctr" anchorCtr="0">
             <a:noAutofit/>
           </a:bodyPr>
           <a:lstStyle>
@@ -6148,7 +6357,7 @@
             </a:lvl9pPr>
           </a:lstStyle>
           <a:p>
-            <a:pPr indent="0" lvl="0" marL="0" rtl="0" algn="r">
+            <a:pPr marL="0" lvl="0" indent="0" algn="r" rtl="0">
               <a:spcBef>
                 <a:spcPts val="0"/>
               </a:spcBef>
@@ -6174,18 +6383,19 @@
 </file>
 
 <file path=ppt/slideMasters/slideMaster1.xml><?xml version="1.0" encoding="utf-8"?>
-<p:sldMaster xmlns:a="http://schemas.openxmlformats.org/drawingml/2006/main" xmlns:r="http://schemas.openxmlformats.org/officeDocument/2006/relationships" xmlns:mc="http://schemas.openxmlformats.org/markup-compatibility/2006" xmlns:mv="urn:schemas-microsoft-com:mac:vml" xmlns:p="http://schemas.openxmlformats.org/presentationml/2006/main" xmlns:c="http://schemas.openxmlformats.org/drawingml/2006/chart" xmlns:dgm="http://schemas.openxmlformats.org/drawingml/2006/diagram" xmlns:o="urn:schemas-microsoft-com:office:office" xmlns:v="urn:schemas-microsoft-com:vml" xmlns:pvml="urn:schemas-microsoft-com:office:powerpoint" xmlns:com="http://schemas.openxmlformats.org/drawingml/2006/compatibility" xmlns:p14="http://schemas.microsoft.com/office/powerpoint/2010/main" xmlns:p15="http://schemas.microsoft.com/office/powerpoint/2012/main">
+<p:sldMaster xmlns:a="http://schemas.openxmlformats.org/drawingml/2006/main" xmlns:r="http://schemas.openxmlformats.org/officeDocument/2006/relationships" xmlns:p="http://schemas.openxmlformats.org/presentationml/2006/main">
   <p:cSld name="simple-light-2">
     <p:bg>
       <p:bgPr>
         <a:solidFill>
           <a:schemeClr val="lt1"/>
         </a:solidFill>
+        <a:effectLst/>
       </p:bgPr>
     </p:bg>
     <p:spTree>
       <p:nvGrpSpPr>
-        <p:cNvPr id="5" name="Shape 5"/>
+        <p:cNvPr id="1" name="Shape 5"/>
         <p:cNvGrpSpPr/>
         <p:nvPr/>
       </p:nvGrpSpPr>
@@ -6200,7 +6410,9 @@
       <p:sp>
         <p:nvSpPr>
           <p:cNvPr id="6" name="Google Shape;6;p1"/>
-          <p:cNvSpPr txBox="1"/>
+          <p:cNvSpPr txBox="1">
+            <a:spLocks noGrp="1"/>
+          </p:cNvSpPr>
           <p:nvPr>
             <p:ph type="title"/>
           </p:nvPr>
@@ -6219,7 +6431,7 @@
           </a:ln>
         </p:spPr>
         <p:txBody>
-          <a:bodyPr anchorCtr="0" anchor="t" bIns="91425" lIns="91425" spcFirstLastPara="1" rIns="91425" wrap="square" tIns="91425">
+          <a:bodyPr spcFirstLastPara="1" wrap="square" lIns="91425" tIns="91425" rIns="91425" bIns="91425" anchor="t" anchorCtr="0">
             <a:noAutofit/>
           </a:bodyPr>
           <a:lstStyle>
@@ -6386,15 +6598,19 @@
               </a:defRPr>
             </a:lvl9pPr>
           </a:lstStyle>
-          <a:p/>
+          <a:p>
+            <a:endParaRPr/>
+          </a:p>
         </p:txBody>
       </p:sp>
       <p:sp>
         <p:nvSpPr>
           <p:cNvPr id="7" name="Google Shape;7;p1"/>
-          <p:cNvSpPr txBox="1"/>
+          <p:cNvSpPr txBox="1">
+            <a:spLocks noGrp="1"/>
+          </p:cNvSpPr>
           <p:nvPr>
-            <p:ph idx="1" type="body"/>
+            <p:ph type="body" idx="1"/>
           </p:nvPr>
         </p:nvSpPr>
         <p:spPr>
@@ -6411,11 +6627,11 @@
           </a:ln>
         </p:spPr>
         <p:txBody>
-          <a:bodyPr anchorCtr="0" anchor="t" bIns="91425" lIns="91425" spcFirstLastPara="1" rIns="91425" wrap="square" tIns="91425">
+          <a:bodyPr spcFirstLastPara="1" wrap="square" lIns="91425" tIns="91425" rIns="91425" bIns="91425" anchor="t" anchorCtr="0">
             <a:noAutofit/>
           </a:bodyPr>
           <a:lstStyle>
-            <a:lvl1pPr indent="-342900" lvl="0" marL="457200">
+            <a:lvl1pPr marL="457200" lvl="0" indent="-342900">
               <a:lnSpc>
                 <a:spcPct val="115000"/>
               </a:lnSpc>
@@ -6436,7 +6652,7 @@
                 </a:solidFill>
               </a:defRPr>
             </a:lvl1pPr>
-            <a:lvl2pPr indent="-317500" lvl="1" marL="914400">
+            <a:lvl2pPr marL="914400" lvl="1" indent="-317500">
               <a:lnSpc>
                 <a:spcPct val="115000"/>
               </a:lnSpc>
@@ -6457,7 +6673,7 @@
                 </a:solidFill>
               </a:defRPr>
             </a:lvl2pPr>
-            <a:lvl3pPr indent="-317500" lvl="2" marL="1371600">
+            <a:lvl3pPr marL="1371600" lvl="2" indent="-317500">
               <a:lnSpc>
                 <a:spcPct val="115000"/>
               </a:lnSpc>
@@ -6478,7 +6694,7 @@
                 </a:solidFill>
               </a:defRPr>
             </a:lvl3pPr>
-            <a:lvl4pPr indent="-317500" lvl="3" marL="1828800">
+            <a:lvl4pPr marL="1828800" lvl="3" indent="-317500">
               <a:lnSpc>
                 <a:spcPct val="115000"/>
               </a:lnSpc>
@@ -6499,7 +6715,7 @@
                 </a:solidFill>
               </a:defRPr>
             </a:lvl4pPr>
-            <a:lvl5pPr indent="-317500" lvl="4" marL="2286000">
+            <a:lvl5pPr marL="2286000" lvl="4" indent="-317500">
               <a:lnSpc>
                 <a:spcPct val="115000"/>
               </a:lnSpc>
@@ -6520,7 +6736,7 @@
                 </a:solidFill>
               </a:defRPr>
             </a:lvl5pPr>
-            <a:lvl6pPr indent="-317500" lvl="5" marL="2743200">
+            <a:lvl6pPr marL="2743200" lvl="5" indent="-317500">
               <a:lnSpc>
                 <a:spcPct val="115000"/>
               </a:lnSpc>
@@ -6541,7 +6757,7 @@
                 </a:solidFill>
               </a:defRPr>
             </a:lvl6pPr>
-            <a:lvl7pPr indent="-317500" lvl="6" marL="3200400">
+            <a:lvl7pPr marL="3200400" lvl="6" indent="-317500">
               <a:lnSpc>
                 <a:spcPct val="115000"/>
               </a:lnSpc>
@@ -6562,7 +6778,7 @@
                 </a:solidFill>
               </a:defRPr>
             </a:lvl7pPr>
-            <a:lvl8pPr indent="-317500" lvl="7" marL="3657600">
+            <a:lvl8pPr marL="3657600" lvl="7" indent="-317500">
               <a:lnSpc>
                 <a:spcPct val="115000"/>
               </a:lnSpc>
@@ -6583,7 +6799,7 @@
                 </a:solidFill>
               </a:defRPr>
             </a:lvl8pPr>
-            <a:lvl9pPr indent="-317500" lvl="8" marL="4114800">
+            <a:lvl9pPr marL="4114800" lvl="8" indent="-317500">
               <a:lnSpc>
                 <a:spcPct val="115000"/>
               </a:lnSpc>
@@ -6605,15 +6821,19 @@
               </a:defRPr>
             </a:lvl9pPr>
           </a:lstStyle>
-          <a:p/>
+          <a:p>
+            <a:endParaRPr/>
+          </a:p>
         </p:txBody>
       </p:sp>
       <p:sp>
         <p:nvSpPr>
           <p:cNvPr id="8" name="Google Shape;8;p1"/>
-          <p:cNvSpPr txBox="1"/>
+          <p:cNvSpPr txBox="1">
+            <a:spLocks noGrp="1"/>
+          </p:cNvSpPr>
           <p:nvPr>
-            <p:ph idx="12" type="sldNum"/>
+            <p:ph type="sldNum" idx="12"/>
           </p:nvPr>
         </p:nvSpPr>
         <p:spPr>
@@ -6630,7 +6850,7 @@
           </a:ln>
         </p:spPr>
         <p:txBody>
-          <a:bodyPr anchorCtr="0" anchor="ctr" bIns="91425" lIns="91425" spcFirstLastPara="1" rIns="91425" wrap="square" tIns="91425">
+          <a:bodyPr spcFirstLastPara="1" wrap="square" lIns="91425" tIns="91425" rIns="91425" bIns="91425" anchor="ctr" anchorCtr="0">
             <a:noAutofit/>
           </a:bodyPr>
           <a:lstStyle>
@@ -6708,7 +6928,7 @@
             </a:lvl9pPr>
           </a:lstStyle>
           <a:p>
-            <a:pPr indent="0" lvl="0" marL="0" rtl="0" algn="r">
+            <a:pPr marL="0" lvl="0" indent="0" algn="r" rtl="0">
               <a:spcBef>
                 <a:spcPts val="0"/>
               </a:spcBef>
@@ -6727,7 +6947,7 @@
       </p:sp>
     </p:spTree>
   </p:cSld>
-  <p:clrMap accent1="accent1" accent2="accent2" accent3="accent3" accent4="accent4" accent5="accent5" accent6="accent6" bg1="lt1" bg2="dk2" tx1="dk1" tx2="lt2" folHlink="folHlink" hlink="hlink"/>
+  <p:clrMap bg1="lt1" tx1="dk1" bg2="dk2" tx2="lt2" accent1="accent1" accent2="accent2" accent3="accent3" accent4="accent4" accent5="accent5" accent6="accent6" hlink="hlink" folHlink="folHlink"/>
   <p:sldLayoutIdLst>
     <p:sldLayoutId id="2147483648" r:id="rId1"/>
     <p:sldLayoutId id="2147483649" r:id="rId2"/>
@@ -6741,10 +6961,10 @@
     <p:sldLayoutId id="2147483657" r:id="rId10"/>
     <p:sldLayoutId id="2147483658" r:id="rId11"/>
   </p:sldLayoutIdLst>
-  <p:hf dt="0" ftr="0" hdr="0" sldNum="0"/>
+  <p:hf sldNum="0" hdr="0" ftr="0" dt="0"/>
   <p:txStyles>
     <p:titleStyle>
-      <a:defPPr lvl="0" marR="0" rtl="0" algn="l">
+      <a:defPPr marR="0" lvl="0" algn="l" rtl="0">
         <a:lnSpc>
           <a:spcPct val="100000"/>
         </a:lnSpc>
@@ -6755,7 +6975,7 @@
           <a:spcPts val="0"/>
         </a:spcAft>
       </a:defPPr>
-      <a:lvl1pPr lvl="0" marR="0" rtl="0" algn="l">
+      <a:lvl1pPr marR="0" lvl="0" algn="l" rtl="0">
         <a:lnSpc>
           <a:spcPct val="100000"/>
         </a:lnSpc>
@@ -6769,7 +6989,7 @@
           <a:srgbClr val="000000"/>
         </a:buClr>
         <a:buFont typeface="Arial"/>
-        <a:defRPr b="0" i="0" sz="1400" u="none" cap="none" strike="noStrike">
+        <a:defRPr sz="1400" b="0" i="0" u="none" strike="noStrike" cap="none">
           <a:solidFill>
             <a:srgbClr val="000000"/>
           </a:solidFill>
@@ -6779,7 +6999,7 @@
           <a:sym typeface="Arial"/>
         </a:defRPr>
       </a:lvl1pPr>
-      <a:lvl2pPr lvl="1" marR="0" rtl="0" algn="l">
+      <a:lvl2pPr marR="0" lvl="1" algn="l" rtl="0">
         <a:lnSpc>
           <a:spcPct val="100000"/>
         </a:lnSpc>
@@ -6793,7 +7013,7 @@
           <a:srgbClr val="000000"/>
         </a:buClr>
         <a:buFont typeface="Arial"/>
-        <a:defRPr b="0" i="0" sz="1400" u="none" cap="none" strike="noStrike">
+        <a:defRPr sz="1400" b="0" i="0" u="none" strike="noStrike" cap="none">
           <a:solidFill>
             <a:srgbClr val="000000"/>
           </a:solidFill>
@@ -6803,7 +7023,7 @@
           <a:sym typeface="Arial"/>
         </a:defRPr>
       </a:lvl2pPr>
-      <a:lvl3pPr lvl="2" marR="0" rtl="0" algn="l">
+      <a:lvl3pPr marR="0" lvl="2" algn="l" rtl="0">
         <a:lnSpc>
           <a:spcPct val="100000"/>
         </a:lnSpc>
@@ -6817,7 +7037,7 @@
           <a:srgbClr val="000000"/>
         </a:buClr>
         <a:buFont typeface="Arial"/>
-        <a:defRPr b="0" i="0" sz="1400" u="none" cap="none" strike="noStrike">
+        <a:defRPr sz="1400" b="0" i="0" u="none" strike="noStrike" cap="none">
           <a:solidFill>
             <a:srgbClr val="000000"/>
           </a:solidFill>
@@ -6827,7 +7047,7 @@
           <a:sym typeface="Arial"/>
         </a:defRPr>
       </a:lvl3pPr>
-      <a:lvl4pPr lvl="3" marR="0" rtl="0" algn="l">
+      <a:lvl4pPr marR="0" lvl="3" algn="l" rtl="0">
         <a:lnSpc>
           <a:spcPct val="100000"/>
         </a:lnSpc>
@@ -6841,7 +7061,7 @@
           <a:srgbClr val="000000"/>
         </a:buClr>
         <a:buFont typeface="Arial"/>
-        <a:defRPr b="0" i="0" sz="1400" u="none" cap="none" strike="noStrike">
+        <a:defRPr sz="1400" b="0" i="0" u="none" strike="noStrike" cap="none">
           <a:solidFill>
             <a:srgbClr val="000000"/>
           </a:solidFill>
@@ -6851,7 +7071,7 @@
           <a:sym typeface="Arial"/>
         </a:defRPr>
       </a:lvl4pPr>
-      <a:lvl5pPr lvl="4" marR="0" rtl="0" algn="l">
+      <a:lvl5pPr marR="0" lvl="4" algn="l" rtl="0">
         <a:lnSpc>
           <a:spcPct val="100000"/>
         </a:lnSpc>
@@ -6865,7 +7085,7 @@
           <a:srgbClr val="000000"/>
         </a:buClr>
         <a:buFont typeface="Arial"/>
-        <a:defRPr b="0" i="0" sz="1400" u="none" cap="none" strike="noStrike">
+        <a:defRPr sz="1400" b="0" i="0" u="none" strike="noStrike" cap="none">
           <a:solidFill>
             <a:srgbClr val="000000"/>
           </a:solidFill>
@@ -6875,7 +7095,7 @@
           <a:sym typeface="Arial"/>
         </a:defRPr>
       </a:lvl5pPr>
-      <a:lvl6pPr lvl="5" marR="0" rtl="0" algn="l">
+      <a:lvl6pPr marR="0" lvl="5" algn="l" rtl="0">
         <a:lnSpc>
           <a:spcPct val="100000"/>
         </a:lnSpc>
@@ -6889,7 +7109,7 @@
           <a:srgbClr val="000000"/>
         </a:buClr>
         <a:buFont typeface="Arial"/>
-        <a:defRPr b="0" i="0" sz="1400" u="none" cap="none" strike="noStrike">
+        <a:defRPr sz="1400" b="0" i="0" u="none" strike="noStrike" cap="none">
           <a:solidFill>
             <a:srgbClr val="000000"/>
           </a:solidFill>
@@ -6899,7 +7119,7 @@
           <a:sym typeface="Arial"/>
         </a:defRPr>
       </a:lvl6pPr>
-      <a:lvl7pPr lvl="6" marR="0" rtl="0" algn="l">
+      <a:lvl7pPr marR="0" lvl="6" algn="l" rtl="0">
         <a:lnSpc>
           <a:spcPct val="100000"/>
         </a:lnSpc>
@@ -6913,7 +7133,7 @@
           <a:srgbClr val="000000"/>
         </a:buClr>
         <a:buFont typeface="Arial"/>
-        <a:defRPr b="0" i="0" sz="1400" u="none" cap="none" strike="noStrike">
+        <a:defRPr sz="1400" b="0" i="0" u="none" strike="noStrike" cap="none">
           <a:solidFill>
             <a:srgbClr val="000000"/>
           </a:solidFill>
@@ -6923,7 +7143,7 @@
           <a:sym typeface="Arial"/>
         </a:defRPr>
       </a:lvl7pPr>
-      <a:lvl8pPr lvl="7" marR="0" rtl="0" algn="l">
+      <a:lvl8pPr marR="0" lvl="7" algn="l" rtl="0">
         <a:lnSpc>
           <a:spcPct val="100000"/>
         </a:lnSpc>
@@ -6937,7 +7157,7 @@
           <a:srgbClr val="000000"/>
         </a:buClr>
         <a:buFont typeface="Arial"/>
-        <a:defRPr b="0" i="0" sz="1400" u="none" cap="none" strike="noStrike">
+        <a:defRPr sz="1400" b="0" i="0" u="none" strike="noStrike" cap="none">
           <a:solidFill>
             <a:srgbClr val="000000"/>
           </a:solidFill>
@@ -6947,7 +7167,7 @@
           <a:sym typeface="Arial"/>
         </a:defRPr>
       </a:lvl8pPr>
-      <a:lvl9pPr lvl="8" marR="0" rtl="0" algn="l">
+      <a:lvl9pPr marR="0" lvl="8" algn="l" rtl="0">
         <a:lnSpc>
           <a:spcPct val="100000"/>
         </a:lnSpc>
@@ -6961,7 +7181,7 @@
           <a:srgbClr val="000000"/>
         </a:buClr>
         <a:buFont typeface="Arial"/>
-        <a:defRPr b="0" i="0" sz="1400" u="none" cap="none" strike="noStrike">
+        <a:defRPr sz="1400" b="0" i="0" u="none" strike="noStrike" cap="none">
           <a:solidFill>
             <a:srgbClr val="000000"/>
           </a:solidFill>
@@ -6973,7 +7193,7 @@
       </a:lvl9pPr>
     </p:titleStyle>
     <p:bodyStyle>
-      <a:defPPr lvl="0" marR="0" rtl="0" algn="l">
+      <a:defPPr marR="0" lvl="0" algn="l" rtl="0">
         <a:lnSpc>
           <a:spcPct val="100000"/>
         </a:lnSpc>
@@ -6984,7 +7204,7 @@
           <a:spcPts val="0"/>
         </a:spcAft>
       </a:defPPr>
-      <a:lvl1pPr lvl="0" marR="0" rtl="0" algn="l">
+      <a:lvl1pPr marR="0" lvl="0" algn="l" rtl="0">
         <a:lnSpc>
           <a:spcPct val="100000"/>
         </a:lnSpc>
@@ -6998,7 +7218,7 @@
           <a:srgbClr val="000000"/>
         </a:buClr>
         <a:buFont typeface="Arial"/>
-        <a:defRPr b="0" i="0" sz="1400" u="none" cap="none" strike="noStrike">
+        <a:defRPr sz="1400" b="0" i="0" u="none" strike="noStrike" cap="none">
           <a:solidFill>
             <a:srgbClr val="000000"/>
           </a:solidFill>
@@ -7008,7 +7228,7 @@
           <a:sym typeface="Arial"/>
         </a:defRPr>
       </a:lvl1pPr>
-      <a:lvl2pPr lvl="1" marR="0" rtl="0" algn="l">
+      <a:lvl2pPr marR="0" lvl="1" algn="l" rtl="0">
         <a:lnSpc>
           <a:spcPct val="100000"/>
         </a:lnSpc>
@@ -7022,7 +7242,7 @@
           <a:srgbClr val="000000"/>
         </a:buClr>
         <a:buFont typeface="Arial"/>
-        <a:defRPr b="0" i="0" sz="1400" u="none" cap="none" strike="noStrike">
+        <a:defRPr sz="1400" b="0" i="0" u="none" strike="noStrike" cap="none">
           <a:solidFill>
             <a:srgbClr val="000000"/>
           </a:solidFill>
@@ -7032,7 +7252,7 @@
           <a:sym typeface="Arial"/>
         </a:defRPr>
       </a:lvl2pPr>
-      <a:lvl3pPr lvl="2" marR="0" rtl="0" algn="l">
+      <a:lvl3pPr marR="0" lvl="2" algn="l" rtl="0">
         <a:lnSpc>
           <a:spcPct val="100000"/>
         </a:lnSpc>
@@ -7046,7 +7266,7 @@
           <a:srgbClr val="000000"/>
         </a:buClr>
         <a:buFont typeface="Arial"/>
-        <a:defRPr b="0" i="0" sz="1400" u="none" cap="none" strike="noStrike">
+        <a:defRPr sz="1400" b="0" i="0" u="none" strike="noStrike" cap="none">
           <a:solidFill>
             <a:srgbClr val="000000"/>
           </a:solidFill>
@@ -7056,7 +7276,7 @@
           <a:sym typeface="Arial"/>
         </a:defRPr>
       </a:lvl3pPr>
-      <a:lvl4pPr lvl="3" marR="0" rtl="0" algn="l">
+      <a:lvl4pPr marR="0" lvl="3" algn="l" rtl="0">
         <a:lnSpc>
           <a:spcPct val="100000"/>
         </a:lnSpc>
@@ -7070,7 +7290,7 @@
           <a:srgbClr val="000000"/>
         </a:buClr>
         <a:buFont typeface="Arial"/>
-        <a:defRPr b="0" i="0" sz="1400" u="none" cap="none" strike="noStrike">
+        <a:defRPr sz="1400" b="0" i="0" u="none" strike="noStrike" cap="none">
           <a:solidFill>
             <a:srgbClr val="000000"/>
           </a:solidFill>
@@ -7080,7 +7300,7 @@
           <a:sym typeface="Arial"/>
         </a:defRPr>
       </a:lvl4pPr>
-      <a:lvl5pPr lvl="4" marR="0" rtl="0" algn="l">
+      <a:lvl5pPr marR="0" lvl="4" algn="l" rtl="0">
         <a:lnSpc>
           <a:spcPct val="100000"/>
         </a:lnSpc>
@@ -7094,7 +7314,7 @@
           <a:srgbClr val="000000"/>
         </a:buClr>
         <a:buFont typeface="Arial"/>
-        <a:defRPr b="0" i="0" sz="1400" u="none" cap="none" strike="noStrike">
+        <a:defRPr sz="1400" b="0" i="0" u="none" strike="noStrike" cap="none">
           <a:solidFill>
             <a:srgbClr val="000000"/>
           </a:solidFill>
@@ -7104,7 +7324,7 @@
           <a:sym typeface="Arial"/>
         </a:defRPr>
       </a:lvl5pPr>
-      <a:lvl6pPr lvl="5" marR="0" rtl="0" algn="l">
+      <a:lvl6pPr marR="0" lvl="5" algn="l" rtl="0">
         <a:lnSpc>
           <a:spcPct val="100000"/>
         </a:lnSpc>
@@ -7118,7 +7338,7 @@
           <a:srgbClr val="000000"/>
         </a:buClr>
         <a:buFont typeface="Arial"/>
-        <a:defRPr b="0" i="0" sz="1400" u="none" cap="none" strike="noStrike">
+        <a:defRPr sz="1400" b="0" i="0" u="none" strike="noStrike" cap="none">
           <a:solidFill>
             <a:srgbClr val="000000"/>
           </a:solidFill>
@@ -7128,7 +7348,7 @@
           <a:sym typeface="Arial"/>
         </a:defRPr>
       </a:lvl6pPr>
-      <a:lvl7pPr lvl="6" marR="0" rtl="0" algn="l">
+      <a:lvl7pPr marR="0" lvl="6" algn="l" rtl="0">
         <a:lnSpc>
           <a:spcPct val="100000"/>
         </a:lnSpc>
@@ -7142,7 +7362,7 @@
           <a:srgbClr val="000000"/>
         </a:buClr>
         <a:buFont typeface="Arial"/>
-        <a:defRPr b="0" i="0" sz="1400" u="none" cap="none" strike="noStrike">
+        <a:defRPr sz="1400" b="0" i="0" u="none" strike="noStrike" cap="none">
           <a:solidFill>
             <a:srgbClr val="000000"/>
           </a:solidFill>
@@ -7152,7 +7372,7 @@
           <a:sym typeface="Arial"/>
         </a:defRPr>
       </a:lvl7pPr>
-      <a:lvl8pPr lvl="7" marR="0" rtl="0" algn="l">
+      <a:lvl8pPr marR="0" lvl="7" algn="l" rtl="0">
         <a:lnSpc>
           <a:spcPct val="100000"/>
         </a:lnSpc>
@@ -7166,7 +7386,7 @@
           <a:srgbClr val="000000"/>
         </a:buClr>
         <a:buFont typeface="Arial"/>
-        <a:defRPr b="0" i="0" sz="1400" u="none" cap="none" strike="noStrike">
+        <a:defRPr sz="1400" b="0" i="0" u="none" strike="noStrike" cap="none">
           <a:solidFill>
             <a:srgbClr val="000000"/>
           </a:solidFill>
@@ -7176,7 +7396,7 @@
           <a:sym typeface="Arial"/>
         </a:defRPr>
       </a:lvl8pPr>
-      <a:lvl9pPr lvl="8" marR="0" rtl="0" algn="l">
+      <a:lvl9pPr marR="0" lvl="8" algn="l" rtl="0">
         <a:lnSpc>
           <a:spcPct val="100000"/>
         </a:lnSpc>
@@ -7190,7 +7410,7 @@
           <a:srgbClr val="000000"/>
         </a:buClr>
         <a:buFont typeface="Arial"/>
-        <a:defRPr b="0" i="0" sz="1400" u="none" cap="none" strike="noStrike">
+        <a:defRPr sz="1400" b="0" i="0" u="none" strike="noStrike" cap="none">
           <a:solidFill>
             <a:srgbClr val="000000"/>
           </a:solidFill>
@@ -7202,7 +7422,7 @@
       </a:lvl9pPr>
     </p:bodyStyle>
     <p:otherStyle>
-      <a:defPPr lvl="0" marR="0" rtl="0" algn="l">
+      <a:defPPr marR="0" lvl="0" algn="l" rtl="0">
         <a:lnSpc>
           <a:spcPct val="100000"/>
         </a:lnSpc>
@@ -7213,7 +7433,7 @@
           <a:spcPts val="0"/>
         </a:spcAft>
       </a:defPPr>
-      <a:lvl1pPr lvl="0" marR="0" rtl="0" algn="l">
+      <a:lvl1pPr marR="0" lvl="0" algn="l" rtl="0">
         <a:lnSpc>
           <a:spcPct val="100000"/>
         </a:lnSpc>
@@ -7227,7 +7447,7 @@
           <a:srgbClr val="000000"/>
         </a:buClr>
         <a:buFont typeface="Arial"/>
-        <a:defRPr b="0" i="0" sz="1400" u="none" cap="none" strike="noStrike">
+        <a:defRPr sz="1400" b="0" i="0" u="none" strike="noStrike" cap="none">
           <a:solidFill>
             <a:srgbClr val="000000"/>
           </a:solidFill>
@@ -7237,7 +7457,7 @@
           <a:sym typeface="Arial"/>
         </a:defRPr>
       </a:lvl1pPr>
-      <a:lvl2pPr lvl="1" marR="0" rtl="0" algn="l">
+      <a:lvl2pPr marR="0" lvl="1" algn="l" rtl="0">
         <a:lnSpc>
           <a:spcPct val="100000"/>
         </a:lnSpc>
@@ -7251,7 +7471,7 @@
           <a:srgbClr val="000000"/>
         </a:buClr>
         <a:buFont typeface="Arial"/>
-        <a:defRPr b="0" i="0" sz="1400" u="none" cap="none" strike="noStrike">
+        <a:defRPr sz="1400" b="0" i="0" u="none" strike="noStrike" cap="none">
           <a:solidFill>
             <a:srgbClr val="000000"/>
           </a:solidFill>
@@ -7261,7 +7481,7 @@
           <a:sym typeface="Arial"/>
         </a:defRPr>
       </a:lvl2pPr>
-      <a:lvl3pPr lvl="2" marR="0" rtl="0" algn="l">
+      <a:lvl3pPr marR="0" lvl="2" algn="l" rtl="0">
         <a:lnSpc>
           <a:spcPct val="100000"/>
         </a:lnSpc>
@@ -7275,7 +7495,7 @@
           <a:srgbClr val="000000"/>
         </a:buClr>
         <a:buFont typeface="Arial"/>
-        <a:defRPr b="0" i="0" sz="1400" u="none" cap="none" strike="noStrike">
+        <a:defRPr sz="1400" b="0" i="0" u="none" strike="noStrike" cap="none">
           <a:solidFill>
             <a:srgbClr val="000000"/>
           </a:solidFill>
@@ -7285,7 +7505,7 @@
           <a:sym typeface="Arial"/>
         </a:defRPr>
       </a:lvl3pPr>
-      <a:lvl4pPr lvl="3" marR="0" rtl="0" algn="l">
+      <a:lvl4pPr marR="0" lvl="3" algn="l" rtl="0">
         <a:lnSpc>
           <a:spcPct val="100000"/>
         </a:lnSpc>
@@ -7299,7 +7519,7 @@
           <a:srgbClr val="000000"/>
         </a:buClr>
         <a:buFont typeface="Arial"/>
-        <a:defRPr b="0" i="0" sz="1400" u="none" cap="none" strike="noStrike">
+        <a:defRPr sz="1400" b="0" i="0" u="none" strike="noStrike" cap="none">
           <a:solidFill>
             <a:srgbClr val="000000"/>
           </a:solidFill>
@@ -7309,7 +7529,7 @@
           <a:sym typeface="Arial"/>
         </a:defRPr>
       </a:lvl4pPr>
-      <a:lvl5pPr lvl="4" marR="0" rtl="0" algn="l">
+      <a:lvl5pPr marR="0" lvl="4" algn="l" rtl="0">
         <a:lnSpc>
           <a:spcPct val="100000"/>
         </a:lnSpc>
@@ -7323,7 +7543,7 @@
           <a:srgbClr val="000000"/>
         </a:buClr>
         <a:buFont typeface="Arial"/>
-        <a:defRPr b="0" i="0" sz="1400" u="none" cap="none" strike="noStrike">
+        <a:defRPr sz="1400" b="0" i="0" u="none" strike="noStrike" cap="none">
           <a:solidFill>
             <a:srgbClr val="000000"/>
           </a:solidFill>
@@ -7333,7 +7553,7 @@
           <a:sym typeface="Arial"/>
         </a:defRPr>
       </a:lvl5pPr>
-      <a:lvl6pPr lvl="5" marR="0" rtl="0" algn="l">
+      <a:lvl6pPr marR="0" lvl="5" algn="l" rtl="0">
         <a:lnSpc>
           <a:spcPct val="100000"/>
         </a:lnSpc>
@@ -7347,7 +7567,7 @@
           <a:srgbClr val="000000"/>
         </a:buClr>
         <a:buFont typeface="Arial"/>
-        <a:defRPr b="0" i="0" sz="1400" u="none" cap="none" strike="noStrike">
+        <a:defRPr sz="1400" b="0" i="0" u="none" strike="noStrike" cap="none">
           <a:solidFill>
             <a:srgbClr val="000000"/>
           </a:solidFill>
@@ -7357,7 +7577,7 @@
           <a:sym typeface="Arial"/>
         </a:defRPr>
       </a:lvl6pPr>
-      <a:lvl7pPr lvl="6" marR="0" rtl="0" algn="l">
+      <a:lvl7pPr marR="0" lvl="6" algn="l" rtl="0">
         <a:lnSpc>
           <a:spcPct val="100000"/>
         </a:lnSpc>
@@ -7371,7 +7591,7 @@
           <a:srgbClr val="000000"/>
         </a:buClr>
         <a:buFont typeface="Arial"/>
-        <a:defRPr b="0" i="0" sz="1400" u="none" cap="none" strike="noStrike">
+        <a:defRPr sz="1400" b="0" i="0" u="none" strike="noStrike" cap="none">
           <a:solidFill>
             <a:srgbClr val="000000"/>
           </a:solidFill>
@@ -7381,7 +7601,7 @@
           <a:sym typeface="Arial"/>
         </a:defRPr>
       </a:lvl7pPr>
-      <a:lvl8pPr lvl="7" marR="0" rtl="0" algn="l">
+      <a:lvl8pPr marR="0" lvl="7" algn="l" rtl="0">
         <a:lnSpc>
           <a:spcPct val="100000"/>
         </a:lnSpc>
@@ -7395,7 +7615,7 @@
           <a:srgbClr val="000000"/>
         </a:buClr>
         <a:buFont typeface="Arial"/>
-        <a:defRPr b="0" i="0" sz="1400" u="none" cap="none" strike="noStrike">
+        <a:defRPr sz="1400" b="0" i="0" u="none" strike="noStrike" cap="none">
           <a:solidFill>
             <a:srgbClr val="000000"/>
           </a:solidFill>
@@ -7405,7 +7625,7 @@
           <a:sym typeface="Arial"/>
         </a:defRPr>
       </a:lvl8pPr>
-      <a:lvl9pPr lvl="8" marR="0" rtl="0" algn="l">
+      <a:lvl9pPr marR="0" lvl="8" algn="l" rtl="0">
         <a:lnSpc>
           <a:spcPct val="100000"/>
         </a:lnSpc>
@@ -7419,7 +7639,7 @@
           <a:srgbClr val="000000"/>
         </a:buClr>
         <a:buFont typeface="Arial"/>
-        <a:defRPr b="0" i="0" sz="1400" u="none" cap="none" strike="noStrike">
+        <a:defRPr sz="1400" b="0" i="0" u="none" strike="noStrike" cap="none">
           <a:solidFill>
             <a:srgbClr val="000000"/>
           </a:solidFill>
@@ -7435,11 +7655,11 @@
 </file>
 
 <file path=ppt/slides/slide1.xml><?xml version="1.0" encoding="utf-8"?>
-<p:sld xmlns:a="http://schemas.openxmlformats.org/drawingml/2006/main" xmlns:r="http://schemas.openxmlformats.org/officeDocument/2006/relationships" xmlns:mc="http://schemas.openxmlformats.org/markup-compatibility/2006" xmlns:mv="urn:schemas-microsoft-com:mac:vml" xmlns:p="http://schemas.openxmlformats.org/presentationml/2006/main" xmlns:c="http://schemas.openxmlformats.org/drawingml/2006/chart" xmlns:dgm="http://schemas.openxmlformats.org/drawingml/2006/diagram" xmlns:o="urn:schemas-microsoft-com:office:office" xmlns:v="urn:schemas-microsoft-com:vml" xmlns:pvml="urn:schemas-microsoft-com:office:powerpoint" xmlns:com="http://schemas.openxmlformats.org/drawingml/2006/compatibility" xmlns:p14="http://schemas.microsoft.com/office/powerpoint/2010/main" xmlns:p15="http://schemas.microsoft.com/office/powerpoint/2012/main">
+<p:sld xmlns:a="http://schemas.openxmlformats.org/drawingml/2006/main" xmlns:r="http://schemas.openxmlformats.org/officeDocument/2006/relationships" xmlns:p="http://schemas.openxmlformats.org/presentationml/2006/main">
   <p:cSld>
     <p:spTree>
       <p:nvGrpSpPr>
-        <p:cNvPr id="53" name="Shape 53"/>
+        <p:cNvPr id="1" name="Shape 53"/>
         <p:cNvGrpSpPr/>
         <p:nvPr/>
       </p:nvGrpSpPr>
@@ -7454,7 +7674,9 @@
       <p:sp>
         <p:nvSpPr>
           <p:cNvPr id="54" name="Google Shape;54;p13"/>
-          <p:cNvSpPr txBox="1"/>
+          <p:cNvSpPr txBox="1">
+            <a:spLocks noGrp="1"/>
+          </p:cNvSpPr>
           <p:nvPr>
             <p:ph type="ctrTitle"/>
           </p:nvPr>
@@ -7469,12 +7691,12 @@
           </a:prstGeom>
         </p:spPr>
         <p:txBody>
-          <a:bodyPr anchorCtr="0" anchor="b" bIns="91425" lIns="91425" spcFirstLastPara="1" rIns="91425" wrap="square" tIns="91425">
+          <a:bodyPr spcFirstLastPara="1" wrap="square" lIns="91425" tIns="91425" rIns="91425" bIns="91425" anchor="b" anchorCtr="0">
             <a:noAutofit/>
           </a:bodyPr>
           <a:lstStyle/>
           <a:p>
-            <a:pPr indent="0" lvl="0" marL="0" rtl="0" algn="ctr">
+            <a:pPr marL="0" lvl="0" indent="0" algn="ctr" rtl="0">
               <a:lnSpc>
                 <a:spcPct val="115000"/>
               </a:lnSpc>
@@ -7497,9 +7719,11 @@
       <p:sp>
         <p:nvSpPr>
           <p:cNvPr id="55" name="Google Shape;55;p13"/>
-          <p:cNvSpPr txBox="1"/>
+          <p:cNvSpPr txBox="1">
+            <a:spLocks noGrp="1"/>
+          </p:cNvSpPr>
           <p:nvPr>
-            <p:ph idx="1" type="subTitle"/>
+            <p:ph type="subTitle" idx="1"/>
           </p:nvPr>
         </p:nvSpPr>
         <p:spPr>
@@ -7512,12 +7736,12 @@
           </a:prstGeom>
         </p:spPr>
         <p:txBody>
-          <a:bodyPr anchorCtr="0" anchor="t" bIns="91425" lIns="91425" spcFirstLastPara="1" rIns="91425" wrap="square" tIns="91425">
+          <a:bodyPr spcFirstLastPara="1" wrap="square" lIns="91425" tIns="91425" rIns="91425" bIns="91425" anchor="t" anchorCtr="0">
             <a:noAutofit/>
           </a:bodyPr>
           <a:lstStyle/>
           <a:p>
-            <a:pPr indent="0" lvl="0" marL="0" rtl="0" algn="ctr">
+            <a:pPr marL="0" lvl="0" indent="0" algn="ctr" rtl="0">
               <a:spcBef>
                 <a:spcPts val="0"/>
               </a:spcBef>
@@ -7541,7 +7765,7 @@
             </a:endParaRPr>
           </a:p>
           <a:p>
-            <a:pPr indent="0" lvl="0" marL="0" rtl="0" algn="ctr">
+            <a:pPr marL="0" lvl="0" indent="0" algn="ctr" rtl="0">
               <a:spcBef>
                 <a:spcPts val="0"/>
               </a:spcBef>
@@ -7555,9 +7779,6 @@
               <a:buFont typeface="Trebuchet MS"/>
               <a:buNone/>
             </a:pPr>
-            <a:r>
-              <a:t/>
-            </a:r>
             <a:endParaRPr sz="1800">
               <a:solidFill>
                 <a:srgbClr val="FFFFFF"/>
@@ -7565,26 +7786,23 @@
             </a:endParaRPr>
           </a:p>
           <a:p>
-            <a:pPr indent="0" lvl="0" marL="0" rtl="0" algn="ctr">
-              <a:spcBef>
-                <a:spcPts val="0"/>
-              </a:spcBef>
-              <a:spcAft>
-                <a:spcPts val="0"/>
-              </a:spcAft>
-              <a:buNone/>
-            </a:pPr>
-            <a:r>
-              <a:t/>
-            </a:r>
-            <a:endParaRPr b="1" sz="1350">
+            <a:pPr marL="0" lvl="0" indent="0" algn="ctr" rtl="0">
+              <a:spcBef>
+                <a:spcPts val="0"/>
+              </a:spcBef>
+              <a:spcAft>
+                <a:spcPts val="0"/>
+              </a:spcAft>
+              <a:buNone/>
+            </a:pPr>
+            <a:endParaRPr sz="1350" b="1">
               <a:solidFill>
                 <a:schemeClr val="dk1"/>
               </a:solidFill>
             </a:endParaRPr>
           </a:p>
           <a:p>
-            <a:pPr indent="0" lvl="0" marL="0" rtl="0" algn="ctr">
+            <a:pPr marL="0" lvl="0" indent="0" algn="ctr" rtl="0">
               <a:spcBef>
                 <a:spcPts val="0"/>
               </a:spcBef>
@@ -7598,17 +7816,14 @@
               <a:buFont typeface="Arial"/>
               <a:buNone/>
             </a:pPr>
-            <a:r>
-              <a:t/>
-            </a:r>
-            <a:endParaRPr b="1" sz="1350">
+            <a:endParaRPr sz="1350" b="1">
               <a:solidFill>
                 <a:schemeClr val="dk1"/>
               </a:solidFill>
             </a:endParaRPr>
           </a:p>
           <a:p>
-            <a:pPr indent="0" lvl="0" marL="0" rtl="0" algn="ctr">
+            <a:pPr marL="0" lvl="0" indent="0" algn="ctr" rtl="0">
               <a:spcBef>
                 <a:spcPts val="0"/>
               </a:spcBef>
@@ -7623,7 +7838,7 @@
               <a:buNone/>
             </a:pPr>
             <a:r>
-              <a:rPr b="1" lang="en" sz="1350">
+              <a:rPr lang="en" sz="1350" b="1">
                 <a:solidFill>
                   <a:schemeClr val="dk1"/>
                 </a:solidFill>
@@ -7636,15 +7851,7 @@
                   <a:schemeClr val="dk1"/>
                 </a:solidFill>
               </a:rPr>
-              <a:t>Krishna Garg, </a:t>
-            </a:r>
-            <a:r>
-              <a:rPr lang="en" sz="1350">
-                <a:solidFill>
-                  <a:schemeClr val="dk1"/>
-                </a:solidFill>
-              </a:rPr>
-              <a:t>Nitya Mula, Ramana Rao Akula</a:t>
+              <a:t>Krishna Garg, Nitya Mula, Ramana Rao Akula</a:t>
             </a:r>
             <a:endParaRPr sz="1350">
               <a:solidFill>
@@ -7653,7 +7860,7 @@
             </a:endParaRPr>
           </a:p>
           <a:p>
-            <a:pPr indent="0" lvl="0" marL="0" rtl="0" algn="ctr">
+            <a:pPr marL="0" lvl="0" indent="0" algn="ctr" rtl="0">
               <a:spcBef>
                 <a:spcPts val="0"/>
               </a:spcBef>
@@ -7667,9 +7874,6 @@
               <a:buFont typeface="Arial"/>
               <a:buNone/>
             </a:pPr>
-            <a:r>
-              <a:t/>
-            </a:r>
             <a:endParaRPr sz="1350">
               <a:solidFill>
                 <a:schemeClr val="dk1"/>
@@ -7677,18 +7881,15 @@
             </a:endParaRPr>
           </a:p>
           <a:p>
-            <a:pPr indent="0" lvl="0" marL="0" rtl="0" algn="ctr">
-              <a:spcBef>
-                <a:spcPts val="0"/>
-              </a:spcBef>
-              <a:spcAft>
-                <a:spcPts val="0"/>
-              </a:spcAft>
-              <a:buNone/>
-            </a:pPr>
-            <a:r>
-              <a:t/>
-            </a:r>
+            <a:pPr marL="0" lvl="0" indent="0" algn="ctr" rtl="0">
+              <a:spcBef>
+                <a:spcPts val="0"/>
+              </a:spcBef>
+              <a:spcAft>
+                <a:spcPts val="0"/>
+              </a:spcAft>
+              <a:buNone/>
+            </a:pPr>
             <a:endParaRPr/>
           </a:p>
         </p:txBody>
@@ -7702,11 +7903,11 @@
 </file>
 
 <file path=ppt/slides/slide10.xml><?xml version="1.0" encoding="utf-8"?>
-<p:sld xmlns:a="http://schemas.openxmlformats.org/drawingml/2006/main" xmlns:r="http://schemas.openxmlformats.org/officeDocument/2006/relationships" xmlns:mc="http://schemas.openxmlformats.org/markup-compatibility/2006" xmlns:mv="urn:schemas-microsoft-com:mac:vml" xmlns:p="http://schemas.openxmlformats.org/presentationml/2006/main" xmlns:c="http://schemas.openxmlformats.org/drawingml/2006/chart" xmlns:dgm="http://schemas.openxmlformats.org/drawingml/2006/diagram" xmlns:o="urn:schemas-microsoft-com:office:office" xmlns:v="urn:schemas-microsoft-com:vml" xmlns:pvml="urn:schemas-microsoft-com:office:powerpoint" xmlns:com="http://schemas.openxmlformats.org/drawingml/2006/compatibility" xmlns:p14="http://schemas.microsoft.com/office/powerpoint/2010/main" xmlns:p15="http://schemas.microsoft.com/office/powerpoint/2012/main">
+<p:sld xmlns:a="http://schemas.openxmlformats.org/drawingml/2006/main" xmlns:r="http://schemas.openxmlformats.org/officeDocument/2006/relationships" xmlns:p="http://schemas.openxmlformats.org/presentationml/2006/main">
   <p:cSld>
     <p:spTree>
       <p:nvGrpSpPr>
-        <p:cNvPr id="122" name="Shape 122"/>
+        <p:cNvPr id="1" name="Shape 122"/>
         <p:cNvGrpSpPr/>
         <p:nvPr/>
       </p:nvGrpSpPr>
@@ -7721,7 +7922,9 @@
       <p:sp>
         <p:nvSpPr>
           <p:cNvPr id="123" name="Google Shape;123;p22"/>
-          <p:cNvSpPr txBox="1"/>
+          <p:cNvSpPr txBox="1">
+            <a:spLocks noGrp="1"/>
+          </p:cNvSpPr>
           <p:nvPr>
             <p:ph type="ctrTitle"/>
           </p:nvPr>
@@ -7736,12 +7939,12 @@
           </a:prstGeom>
         </p:spPr>
         <p:txBody>
-          <a:bodyPr anchorCtr="0" anchor="b" bIns="91425" lIns="91425" spcFirstLastPara="1" rIns="91425" wrap="square" tIns="91425">
+          <a:bodyPr spcFirstLastPara="1" wrap="square" lIns="91425" tIns="91425" rIns="91425" bIns="91425" anchor="b" anchorCtr="0">
             <a:noAutofit/>
           </a:bodyPr>
           <a:lstStyle/>
           <a:p>
-            <a:pPr indent="0" lvl="0" marL="0" rtl="0" algn="ctr">
+            <a:pPr marL="0" lvl="0" indent="0" algn="ctr" rtl="0">
               <a:spcBef>
                 <a:spcPts val="0"/>
               </a:spcBef>
@@ -7761,9 +7964,11 @@
       <p:sp>
         <p:nvSpPr>
           <p:cNvPr id="124" name="Google Shape;124;p22"/>
-          <p:cNvSpPr txBox="1"/>
+          <p:cNvSpPr txBox="1">
+            <a:spLocks noGrp="1"/>
+          </p:cNvSpPr>
           <p:nvPr>
-            <p:ph idx="1" type="subTitle"/>
+            <p:ph type="subTitle" idx="1"/>
           </p:nvPr>
         </p:nvSpPr>
         <p:spPr>
@@ -7776,12 +7981,12 @@
           </a:prstGeom>
         </p:spPr>
         <p:txBody>
-          <a:bodyPr anchorCtr="0" anchor="t" bIns="91425" lIns="91425" spcFirstLastPara="1" rIns="91425" wrap="square" tIns="91425">
+          <a:bodyPr spcFirstLastPara="1" wrap="square" lIns="91425" tIns="91425" rIns="91425" bIns="91425" anchor="t" anchorCtr="0">
             <a:noAutofit/>
           </a:bodyPr>
           <a:lstStyle/>
           <a:p>
-            <a:pPr indent="0" lvl="0" marL="914400" rtl="0" algn="just">
+            <a:pPr marL="914400" lvl="0" indent="0" algn="just" rtl="0">
               <a:lnSpc>
                 <a:spcPct val="115000"/>
               </a:lnSpc>
@@ -7793,13 +7998,10 @@
               </a:spcAft>
               <a:buNone/>
             </a:pPr>
-            <a:r>
-              <a:t/>
-            </a:r>
             <a:endParaRPr sz="1800"/>
           </a:p>
           <a:p>
-            <a:pPr indent="-342900" lvl="0" marL="457200" rtl="0" algn="just">
+            <a:pPr marL="457200" lvl="0" indent="-342900" algn="just" rtl="0">
               <a:lnSpc>
                 <a:spcPct val="115000"/>
               </a:lnSpc>
@@ -7819,7 +8021,7 @@
             <a:endParaRPr sz="1800"/>
           </a:p>
           <a:p>
-            <a:pPr indent="0" lvl="0" marL="457200" rtl="0" algn="just">
+            <a:pPr marL="457200" lvl="0" indent="0" algn="just" rtl="0">
               <a:lnSpc>
                 <a:spcPct val="115000"/>
               </a:lnSpc>
@@ -7831,9 +8033,6 @@
               </a:spcAft>
               <a:buNone/>
             </a:pPr>
-            <a:r>
-              <a:t/>
-            </a:r>
             <a:endParaRPr sz="1800">
               <a:highlight>
                 <a:schemeClr val="lt1"/>
@@ -7841,7 +8040,7 @@
             </a:endParaRPr>
           </a:p>
           <a:p>
-            <a:pPr indent="-342900" lvl="0" marL="457200" rtl="0" algn="just">
+            <a:pPr marL="457200" lvl="0" indent="-342900" algn="just" rtl="0">
               <a:lnSpc>
                 <a:spcPct val="115000"/>
               </a:lnSpc>
@@ -7865,7 +8064,7 @@
             <a:endParaRPr sz="1800"/>
           </a:p>
           <a:p>
-            <a:pPr indent="0" lvl="0" marL="457200" rtl="0" algn="just">
+            <a:pPr marL="457200" lvl="0" indent="0" algn="just" rtl="0">
               <a:lnSpc>
                 <a:spcPct val="115000"/>
               </a:lnSpc>
@@ -7877,13 +8076,10 @@
               </a:spcAft>
               <a:buNone/>
             </a:pPr>
-            <a:r>
-              <a:t/>
-            </a:r>
             <a:endParaRPr sz="1800"/>
           </a:p>
           <a:p>
-            <a:pPr indent="-342900" lvl="0" marL="457200" rtl="0" algn="just">
+            <a:pPr marL="457200" lvl="0" indent="-342900" algn="just" rtl="0">
               <a:lnSpc>
                 <a:spcPct val="115000"/>
               </a:lnSpc>
@@ -7911,7 +8107,7 @@
             </a:endParaRPr>
           </a:p>
           <a:p>
-            <a:pPr indent="0" lvl="0" marL="457200" rtl="0" algn="just">
+            <a:pPr marL="457200" lvl="0" indent="0" algn="just" rtl="0">
               <a:lnSpc>
                 <a:spcPct val="115000"/>
               </a:lnSpc>
@@ -7923,9 +8119,6 @@
               </a:spcAft>
               <a:buNone/>
             </a:pPr>
-            <a:r>
-              <a:t/>
-            </a:r>
             <a:endParaRPr sz="1800">
               <a:highlight>
                 <a:srgbClr val="FFFFFF"/>
@@ -7933,7 +8126,7 @@
             </a:endParaRPr>
           </a:p>
           <a:p>
-            <a:pPr indent="-342900" lvl="0" marL="457200" rtl="0" algn="just">
+            <a:pPr marL="457200" lvl="0" indent="-342900" algn="just" rtl="0">
               <a:lnSpc>
                 <a:spcPct val="115000"/>
               </a:lnSpc>
@@ -7961,7 +8154,7 @@
             </a:endParaRPr>
           </a:p>
           <a:p>
-            <a:pPr indent="0" lvl="0" marL="457200" rtl="0" algn="just">
+            <a:pPr marL="457200" lvl="0" indent="0" algn="just" rtl="0">
               <a:lnSpc>
                 <a:spcPct val="115000"/>
               </a:lnSpc>
@@ -7973,9 +8166,6 @@
               </a:spcAft>
               <a:buNone/>
             </a:pPr>
-            <a:r>
-              <a:t/>
-            </a:r>
             <a:endParaRPr sz="1800">
               <a:highlight>
                 <a:srgbClr val="FFFFFF"/>
@@ -7983,18 +8173,15 @@
             </a:endParaRPr>
           </a:p>
           <a:p>
-            <a:pPr indent="0" lvl="0" marL="457200" rtl="0" algn="l">
-              <a:spcBef>
-                <a:spcPts val="0"/>
-              </a:spcBef>
-              <a:spcAft>
-                <a:spcPts val="0"/>
-              </a:spcAft>
-              <a:buNone/>
-            </a:pPr>
-            <a:r>
-              <a:t/>
-            </a:r>
+            <a:pPr marL="457200" lvl="0" indent="0" algn="l" rtl="0">
+              <a:spcBef>
+                <a:spcPts val="0"/>
+              </a:spcBef>
+              <a:spcAft>
+                <a:spcPts val="0"/>
+              </a:spcAft>
+              <a:buNone/>
+            </a:pPr>
             <a:endParaRPr sz="1800"/>
           </a:p>
         </p:txBody>
@@ -8008,18 +8195,19 @@
 </file>
 
 <file path=ppt/slides/slide11.xml><?xml version="1.0" encoding="utf-8"?>
-<p:sld xmlns:a="http://schemas.openxmlformats.org/drawingml/2006/main" xmlns:r="http://schemas.openxmlformats.org/officeDocument/2006/relationships" xmlns:mc="http://schemas.openxmlformats.org/markup-compatibility/2006" xmlns:mv="urn:schemas-microsoft-com:mac:vml" xmlns:p="http://schemas.openxmlformats.org/presentationml/2006/main" xmlns:c="http://schemas.openxmlformats.org/drawingml/2006/chart" xmlns:dgm="http://schemas.openxmlformats.org/drawingml/2006/diagram" xmlns:o="urn:schemas-microsoft-com:office:office" xmlns:v="urn:schemas-microsoft-com:vml" xmlns:pvml="urn:schemas-microsoft-com:office:powerpoint" xmlns:com="http://schemas.openxmlformats.org/drawingml/2006/compatibility" xmlns:p14="http://schemas.microsoft.com/office/powerpoint/2010/main" xmlns:p15="http://schemas.microsoft.com/office/powerpoint/2012/main">
+<p:sld xmlns:a="http://schemas.openxmlformats.org/drawingml/2006/main" xmlns:r="http://schemas.openxmlformats.org/officeDocument/2006/relationships" xmlns:p="http://schemas.openxmlformats.org/presentationml/2006/main">
   <p:cSld>
     <p:bg>
       <p:bgPr>
         <a:solidFill>
           <a:srgbClr val="FFFFFF"/>
         </a:solidFill>
+        <a:effectLst/>
       </p:bgPr>
     </p:bg>
     <p:spTree>
       <p:nvGrpSpPr>
-        <p:cNvPr id="128" name="Shape 128"/>
+        <p:cNvPr id="1" name="Shape 128"/>
         <p:cNvGrpSpPr/>
         <p:nvPr/>
       </p:nvGrpSpPr>
@@ -8051,12 +8239,12 @@
           </a:ln>
         </p:spPr>
         <p:txBody>
-          <a:bodyPr anchorCtr="0" anchor="t" bIns="91425" lIns="91425" spcFirstLastPara="1" rIns="91425" wrap="square" tIns="91425">
+          <a:bodyPr spcFirstLastPara="1" wrap="square" lIns="91425" tIns="91425" rIns="91425" bIns="91425" anchor="t" anchorCtr="0">
             <a:noAutofit/>
           </a:bodyPr>
           <a:lstStyle/>
           <a:p>
-            <a:pPr indent="0" lvl="0" marL="0" rtl="0" algn="ctr">
+            <a:pPr marL="0" lvl="0" indent="0" algn="ctr" rtl="0">
               <a:spcBef>
                 <a:spcPts val="0"/>
               </a:spcBef>
@@ -8082,11 +8270,11 @@
 </file>
 
 <file path=ppt/slides/slide12.xml><?xml version="1.0" encoding="utf-8"?>
-<p:sld xmlns:a="http://schemas.openxmlformats.org/drawingml/2006/main" xmlns:r="http://schemas.openxmlformats.org/officeDocument/2006/relationships" xmlns:mc="http://schemas.openxmlformats.org/markup-compatibility/2006" xmlns:mv="urn:schemas-microsoft-com:mac:vml" xmlns:p="http://schemas.openxmlformats.org/presentationml/2006/main" xmlns:c="http://schemas.openxmlformats.org/drawingml/2006/chart" xmlns:dgm="http://schemas.openxmlformats.org/drawingml/2006/diagram" xmlns:o="urn:schemas-microsoft-com:office:office" xmlns:v="urn:schemas-microsoft-com:vml" xmlns:pvml="urn:schemas-microsoft-com:office:powerpoint" xmlns:com="http://schemas.openxmlformats.org/drawingml/2006/compatibility" xmlns:p14="http://schemas.microsoft.com/office/powerpoint/2010/main" xmlns:p15="http://schemas.microsoft.com/office/powerpoint/2012/main">
+<p:sld xmlns:a="http://schemas.openxmlformats.org/drawingml/2006/main" xmlns:r="http://schemas.openxmlformats.org/officeDocument/2006/relationships" xmlns:p="http://schemas.openxmlformats.org/presentationml/2006/main">
   <p:cSld>
     <p:spTree>
       <p:nvGrpSpPr>
-        <p:cNvPr id="133" name="Shape 133"/>
+        <p:cNvPr id="1" name="Shape 133"/>
         <p:cNvGrpSpPr/>
         <p:nvPr/>
       </p:nvGrpSpPr>
@@ -8101,7 +8289,9 @@
       <p:sp>
         <p:nvSpPr>
           <p:cNvPr id="134" name="Google Shape;134;p24"/>
-          <p:cNvSpPr txBox="1"/>
+          <p:cNvSpPr txBox="1">
+            <a:spLocks noGrp="1"/>
+          </p:cNvSpPr>
           <p:nvPr>
             <p:ph type="ctrTitle"/>
           </p:nvPr>
@@ -8116,12 +8306,12 @@
           </a:prstGeom>
         </p:spPr>
         <p:txBody>
-          <a:bodyPr anchorCtr="0" anchor="b" bIns="91425" lIns="91425" spcFirstLastPara="1" rIns="91425" wrap="square" tIns="91425">
+          <a:bodyPr spcFirstLastPara="1" wrap="square" lIns="91425" tIns="91425" rIns="91425" bIns="91425" anchor="b" anchorCtr="0">
             <a:noAutofit/>
           </a:bodyPr>
           <a:lstStyle/>
           <a:p>
-            <a:pPr indent="0" lvl="0" marL="0" rtl="0" algn="l">
+            <a:pPr marL="0" lvl="0" indent="0" algn="l" rtl="0">
               <a:spcBef>
                 <a:spcPts val="0"/>
               </a:spcBef>
@@ -8132,11 +8322,7 @@
             </a:pPr>
             <a:r>
               <a:rPr lang="en" sz="3000"/>
-              <a:t>Sign Language Digits </a:t>
-            </a:r>
-            <a:r>
-              <a:rPr lang="en" sz="3000"/>
-              <a:t>Dataset</a:t>
+              <a:t>Sign Language Digits Dataset</a:t>
             </a:r>
             <a:endParaRPr sz="3000"/>
           </a:p>
@@ -8190,12 +8376,12 @@
           </a:ln>
         </p:spPr>
         <p:txBody>
-          <a:bodyPr anchorCtr="0" anchor="t" bIns="91425" lIns="91425" spcFirstLastPara="1" rIns="91425" wrap="square" tIns="91425">
+          <a:bodyPr spcFirstLastPara="1" wrap="square" lIns="91425" tIns="91425" rIns="91425" bIns="91425" anchor="t" anchorCtr="0">
             <a:noAutofit/>
           </a:bodyPr>
           <a:lstStyle/>
           <a:p>
-            <a:pPr indent="0" lvl="0" marL="0" rtl="0" algn="l">
+            <a:pPr marL="0" lvl="0" indent="0" algn="l" rtl="0">
               <a:spcBef>
                 <a:spcPts val="0"/>
               </a:spcBef>
@@ -8211,7 +8397,7 @@
             <a:endParaRPr/>
           </a:p>
           <a:p>
-            <a:pPr indent="0" lvl="0" marL="0" rtl="0" algn="l">
+            <a:pPr marL="0" lvl="0" indent="0" algn="l" rtl="0">
               <a:spcBef>
                 <a:spcPts val="0"/>
               </a:spcBef>
@@ -8227,22 +8413,19 @@
             <a:endParaRPr/>
           </a:p>
           <a:p>
-            <a:pPr indent="0" lvl="0" marL="0" rtl="0" algn="l">
-              <a:spcBef>
-                <a:spcPts val="0"/>
-              </a:spcBef>
-              <a:spcAft>
-                <a:spcPts val="0"/>
-              </a:spcAft>
-              <a:buNone/>
-            </a:pPr>
-            <a:r>
-              <a:t/>
-            </a:r>
+            <a:pPr marL="0" lvl="0" indent="0" algn="l" rtl="0">
+              <a:spcBef>
+                <a:spcPts val="0"/>
+              </a:spcBef>
+              <a:spcAft>
+                <a:spcPts val="0"/>
+              </a:spcAft>
+              <a:buNone/>
+            </a:pPr>
             <a:endParaRPr/>
           </a:p>
           <a:p>
-            <a:pPr indent="0" lvl="0" marL="0" rtl="0" algn="l">
+            <a:pPr marL="0" lvl="0" indent="0" algn="l" rtl="0">
               <a:spcBef>
                 <a:spcPts val="0"/>
               </a:spcBef>
@@ -8258,7 +8441,7 @@
             <a:endParaRPr/>
           </a:p>
           <a:p>
-            <a:pPr indent="0" lvl="0" marL="0" rtl="0" algn="l">
+            <a:pPr marL="0" lvl="0" indent="0" algn="l" rtl="0">
               <a:spcBef>
                 <a:spcPts val="0"/>
               </a:spcBef>
@@ -8274,22 +8457,19 @@
             <a:endParaRPr/>
           </a:p>
           <a:p>
-            <a:pPr indent="0" lvl="0" marL="0" rtl="0" algn="l">
-              <a:spcBef>
-                <a:spcPts val="0"/>
-              </a:spcBef>
-              <a:spcAft>
-                <a:spcPts val="0"/>
-              </a:spcAft>
-              <a:buNone/>
-            </a:pPr>
-            <a:r>
-              <a:t/>
-            </a:r>
+            <a:pPr marL="0" lvl="0" indent="0" algn="l" rtl="0">
+              <a:spcBef>
+                <a:spcPts val="0"/>
+              </a:spcBef>
+              <a:spcAft>
+                <a:spcPts val="0"/>
+              </a:spcAft>
+              <a:buNone/>
+            </a:pPr>
             <a:endParaRPr/>
           </a:p>
           <a:p>
-            <a:pPr indent="0" lvl="0" marL="0" rtl="0" algn="l">
+            <a:pPr marL="0" lvl="0" indent="0" algn="l" rtl="0">
               <a:spcBef>
                 <a:spcPts val="0"/>
               </a:spcBef>
@@ -8305,78 +8485,63 @@
             <a:endParaRPr/>
           </a:p>
           <a:p>
-            <a:pPr indent="0" lvl="0" marL="0" rtl="0" algn="l">
-              <a:spcBef>
-                <a:spcPts val="0"/>
-              </a:spcBef>
-              <a:spcAft>
-                <a:spcPts val="0"/>
-              </a:spcAft>
-              <a:buNone/>
-            </a:pPr>
-            <a:r>
-              <a:t/>
-            </a:r>
+            <a:pPr marL="0" lvl="0" indent="0" algn="l" rtl="0">
+              <a:spcBef>
+                <a:spcPts val="0"/>
+              </a:spcBef>
+              <a:spcAft>
+                <a:spcPts val="0"/>
+              </a:spcAft>
+              <a:buNone/>
+            </a:pPr>
             <a:endParaRPr/>
           </a:p>
           <a:p>
-            <a:pPr indent="0" lvl="0" marL="0" rtl="0" algn="l">
-              <a:spcBef>
-                <a:spcPts val="0"/>
-              </a:spcBef>
-              <a:spcAft>
-                <a:spcPts val="0"/>
-              </a:spcAft>
-              <a:buNone/>
-            </a:pPr>
-            <a:r>
-              <a:t/>
-            </a:r>
+            <a:pPr marL="0" lvl="0" indent="0" algn="l" rtl="0">
+              <a:spcBef>
+                <a:spcPts val="0"/>
+              </a:spcBef>
+              <a:spcAft>
+                <a:spcPts val="0"/>
+              </a:spcAft>
+              <a:buNone/>
+            </a:pPr>
             <a:endParaRPr/>
           </a:p>
           <a:p>
-            <a:pPr indent="0" lvl="0" marL="0" rtl="0" algn="l">
-              <a:spcBef>
-                <a:spcPts val="0"/>
-              </a:spcBef>
-              <a:spcAft>
-                <a:spcPts val="0"/>
-              </a:spcAft>
-              <a:buNone/>
-            </a:pPr>
-            <a:r>
-              <a:t/>
-            </a:r>
+            <a:pPr marL="0" lvl="0" indent="0" algn="l" rtl="0">
+              <a:spcBef>
+                <a:spcPts val="0"/>
+              </a:spcBef>
+              <a:spcAft>
+                <a:spcPts val="0"/>
+              </a:spcAft>
+              <a:buNone/>
+            </a:pPr>
             <a:endParaRPr/>
           </a:p>
           <a:p>
-            <a:pPr indent="0" lvl="0" marL="0" rtl="0" algn="l">
-              <a:spcBef>
-                <a:spcPts val="0"/>
-              </a:spcBef>
-              <a:spcAft>
-                <a:spcPts val="0"/>
-              </a:spcAft>
-              <a:buNone/>
-            </a:pPr>
-            <a:r>
-              <a:t/>
-            </a:r>
+            <a:pPr marL="0" lvl="0" indent="0" algn="l" rtl="0">
+              <a:spcBef>
+                <a:spcPts val="0"/>
+              </a:spcBef>
+              <a:spcAft>
+                <a:spcPts val="0"/>
+              </a:spcAft>
+              <a:buNone/>
+            </a:pPr>
             <a:endParaRPr/>
           </a:p>
           <a:p>
-            <a:pPr indent="0" lvl="0" marL="0" rtl="0" algn="l">
-              <a:spcBef>
-                <a:spcPts val="0"/>
-              </a:spcBef>
-              <a:spcAft>
-                <a:spcPts val="0"/>
-              </a:spcAft>
-              <a:buNone/>
-            </a:pPr>
-            <a:r>
-              <a:t/>
-            </a:r>
+            <a:pPr marL="0" lvl="0" indent="0" algn="l" rtl="0">
+              <a:spcBef>
+                <a:spcPts val="0"/>
+              </a:spcBef>
+              <a:spcAft>
+                <a:spcPts val="0"/>
+              </a:spcAft>
+              <a:buNone/>
+            </a:pPr>
             <a:endParaRPr/>
           </a:p>
         </p:txBody>
@@ -8401,12 +8566,12 @@
           </a:ln>
         </p:spPr>
         <p:txBody>
-          <a:bodyPr anchorCtr="0" anchor="t" bIns="91425" lIns="91425" spcFirstLastPara="1" rIns="91425" wrap="square" tIns="91425">
+          <a:bodyPr spcFirstLastPara="1" wrap="square" lIns="91425" tIns="91425" rIns="91425" bIns="91425" anchor="t" anchorCtr="0">
             <a:noAutofit/>
           </a:bodyPr>
           <a:lstStyle/>
           <a:p>
-            <a:pPr indent="0" lvl="0" marL="0" rtl="0" algn="l">
+            <a:pPr marL="0" lvl="0" indent="0" algn="l" rtl="0">
               <a:spcBef>
                 <a:spcPts val="0"/>
               </a:spcBef>
@@ -8417,11 +8582,7 @@
             </a:pPr>
             <a:r>
               <a:rPr lang="en" sz="1050"/>
-              <a:t>Dataset source: </a:t>
-            </a:r>
-            <a:r>
-              <a:rPr lang="en" sz="1050"/>
-              <a:t>github.com/ardamavi/Sign-Language-Digits-Dataset</a:t>
+              <a:t>Dataset source: github.com/ardamavi/Sign-Language-Digits-Dataset</a:t>
             </a:r>
             <a:endParaRPr/>
           </a:p>
@@ -8436,11 +8597,11 @@
 </file>
 
 <file path=ppt/slides/slide13.xml><?xml version="1.0" encoding="utf-8"?>
-<p:sld xmlns:a="http://schemas.openxmlformats.org/drawingml/2006/main" xmlns:r="http://schemas.openxmlformats.org/officeDocument/2006/relationships" xmlns:mc="http://schemas.openxmlformats.org/markup-compatibility/2006" xmlns:mv="urn:schemas-microsoft-com:mac:vml" xmlns:p="http://schemas.openxmlformats.org/presentationml/2006/main" xmlns:c="http://schemas.openxmlformats.org/drawingml/2006/chart" xmlns:dgm="http://schemas.openxmlformats.org/drawingml/2006/diagram" xmlns:o="urn:schemas-microsoft-com:office:office" xmlns:v="urn:schemas-microsoft-com:vml" xmlns:pvml="urn:schemas-microsoft-com:office:powerpoint" xmlns:com="http://schemas.openxmlformats.org/drawingml/2006/compatibility" xmlns:p14="http://schemas.microsoft.com/office/powerpoint/2010/main" xmlns:p15="http://schemas.microsoft.com/office/powerpoint/2012/main">
+<p:sld xmlns:a="http://schemas.openxmlformats.org/drawingml/2006/main" xmlns:r="http://schemas.openxmlformats.org/officeDocument/2006/relationships" xmlns:p="http://schemas.openxmlformats.org/presentationml/2006/main">
   <p:cSld>
     <p:spTree>
       <p:nvGrpSpPr>
-        <p:cNvPr id="141" name="Shape 141"/>
+        <p:cNvPr id="1" name="Shape 141"/>
         <p:cNvGrpSpPr/>
         <p:nvPr/>
       </p:nvGrpSpPr>
@@ -8455,7 +8616,9 @@
       <p:sp>
         <p:nvSpPr>
           <p:cNvPr id="142" name="Google Shape;142;p25"/>
-          <p:cNvSpPr txBox="1"/>
+          <p:cNvSpPr txBox="1">
+            <a:spLocks noGrp="1"/>
+          </p:cNvSpPr>
           <p:nvPr>
             <p:ph type="ctrTitle"/>
           </p:nvPr>
@@ -8470,12 +8633,12 @@
           </a:prstGeom>
         </p:spPr>
         <p:txBody>
-          <a:bodyPr anchorCtr="0" anchor="b" bIns="91425" lIns="91425" spcFirstLastPara="1" rIns="91425" wrap="square" tIns="91425">
+          <a:bodyPr spcFirstLastPara="1" wrap="square" lIns="91425" tIns="91425" rIns="91425" bIns="91425" anchor="b" anchorCtr="0">
             <a:noAutofit/>
           </a:bodyPr>
           <a:lstStyle/>
           <a:p>
-            <a:pPr indent="0" lvl="0" marL="0" rtl="0" algn="l">
+            <a:pPr marL="0" lvl="0" indent="0" algn="l" rtl="0">
               <a:spcBef>
                 <a:spcPts val="0"/>
               </a:spcBef>
@@ -8500,7 +8663,7 @@
         </p:nvGraphicFramePr>
         <p:xfrm>
           <a:off x="1521200" y="1423725"/>
-          <a:ext cx="3000000" cy="3000000"/>
+          <a:ext cx="4826000" cy="792600"/>
         </p:xfrm>
         <a:graphic>
           <a:graphicData uri="http://schemas.openxmlformats.org/drawingml/2006/table">
@@ -8510,8 +8673,20 @@
                 <a:tableStyleId>{7225D14A-34A2-411E-9D7E-104864050C19}</a:tableStyleId>
               </a:tblPr>
               <a:tblGrid>
-                <a:gridCol w="2413000"/>
-                <a:gridCol w="2413000"/>
+                <a:gridCol w="2413000">
+                  <a:extLst>
+                    <a:ext uri="{9D8B030D-6E8A-4147-A177-3AD203B41FA5}">
+                      <a16:colId xmlns:a16="http://schemas.microsoft.com/office/drawing/2014/main" val="20000"/>
+                    </a:ext>
+                  </a:extLst>
+                </a:gridCol>
+                <a:gridCol w="2413000">
+                  <a:extLst>
+                    <a:ext uri="{9D8B030D-6E8A-4147-A177-3AD203B41FA5}">
+                      <a16:colId xmlns:a16="http://schemas.microsoft.com/office/drawing/2014/main" val="20001"/>
+                    </a:ext>
+                  </a:extLst>
+                </a:gridCol>
               </a:tblGrid>
               <a:tr h="396300">
                 <a:tc>
@@ -8519,7 +8694,7 @@
                     <a:bodyPr/>
                     <a:lstStyle/>
                     <a:p>
-                      <a:pPr indent="0" lvl="0" marL="0" rtl="0" algn="l">
+                      <a:pPr marL="0" lvl="0" indent="0" algn="l" rtl="0">
                         <a:spcBef>
                           <a:spcPts val="0"/>
                         </a:spcBef>
@@ -8535,14 +8710,14 @@
                       <a:endParaRPr/>
                     </a:p>
                   </a:txBody>
-                  <a:tcPr marT="91425" marB="91425" marR="91425" marL="91425"/>
+                  <a:tcPr marL="91425" marR="91425" marT="91425" marB="91425"/>
                 </a:tc>
                 <a:tc>
                   <a:txBody>
                     <a:bodyPr/>
                     <a:lstStyle/>
                     <a:p>
-                      <a:pPr indent="0" lvl="0" marL="0" rtl="0" algn="l">
+                      <a:pPr marL="0" lvl="0" indent="0" algn="l" rtl="0">
                         <a:spcBef>
                           <a:spcPts val="0"/>
                         </a:spcBef>
@@ -8558,8 +8733,13 @@
                       <a:endParaRPr/>
                     </a:p>
                   </a:txBody>
-                  <a:tcPr marT="91425" marB="91425" marR="91425" marL="91425"/>
+                  <a:tcPr marL="91425" marR="91425" marT="91425" marB="91425"/>
                 </a:tc>
+                <a:extLst>
+                  <a:ext uri="{0D108BD9-81ED-4DB2-BD59-A6C34878D82A}">
+                    <a16:rowId xmlns:a16="http://schemas.microsoft.com/office/drawing/2014/main" val="10000"/>
+                  </a:ext>
+                </a:extLst>
               </a:tr>
               <a:tr h="396300">
                 <a:tc>
@@ -8567,7 +8747,7 @@
                     <a:bodyPr/>
                     <a:lstStyle/>
                     <a:p>
-                      <a:pPr indent="0" lvl="0" marL="0" rtl="0" algn="l">
+                      <a:pPr marL="0" lvl="0" indent="0" algn="l" rtl="0">
                         <a:spcBef>
                           <a:spcPts val="0"/>
                         </a:spcBef>
@@ -8583,14 +8763,14 @@
                       <a:endParaRPr/>
                     </a:p>
                   </a:txBody>
-                  <a:tcPr marT="91425" marB="91425" marR="91425" marL="91425"/>
+                  <a:tcPr marL="91425" marR="91425" marT="91425" marB="91425"/>
                 </a:tc>
                 <a:tc>
                   <a:txBody>
                     <a:bodyPr/>
                     <a:lstStyle/>
                     <a:p>
-                      <a:pPr indent="0" lvl="0" marL="0" rtl="0" algn="l">
+                      <a:pPr marL="0" lvl="0" indent="0" algn="l" rtl="0">
                         <a:spcBef>
                           <a:spcPts val="0"/>
                         </a:spcBef>
@@ -8606,8 +8786,13 @@
                       <a:endParaRPr/>
                     </a:p>
                   </a:txBody>
-                  <a:tcPr marT="91425" marB="91425" marR="91425" marL="91425"/>
+                  <a:tcPr marL="91425" marR="91425" marT="91425" marB="91425"/>
                 </a:tc>
+                <a:extLst>
+                  <a:ext uri="{0D108BD9-81ED-4DB2-BD59-A6C34878D82A}">
+                    <a16:rowId xmlns:a16="http://schemas.microsoft.com/office/drawing/2014/main" val="10001"/>
+                  </a:ext>
+                </a:extLst>
               </a:tr>
             </a:tbl>
           </a:graphicData>
@@ -8633,12 +8818,12 @@
           </a:ln>
         </p:spPr>
         <p:txBody>
-          <a:bodyPr anchorCtr="0" anchor="t" bIns="91425" lIns="91425" spcFirstLastPara="1" rIns="91425" wrap="square" tIns="91425">
+          <a:bodyPr spcFirstLastPara="1" wrap="square" lIns="91425" tIns="91425" rIns="91425" bIns="91425" anchor="t" anchorCtr="0">
             <a:noAutofit/>
           </a:bodyPr>
           <a:lstStyle/>
           <a:p>
-            <a:pPr indent="0" lvl="0" marL="0" rtl="0" algn="l">
+            <a:pPr marL="0" lvl="0" indent="0" algn="l" rtl="0">
               <a:spcBef>
                 <a:spcPts val="0"/>
               </a:spcBef>
@@ -8648,13 +8833,13 @@
               <a:buNone/>
             </a:pPr>
             <a:r>
-              <a:rPr b="1" lang="en"/>
+              <a:rPr lang="en" b="1"/>
               <a:t>Preprocessing</a:t>
             </a:r>
             <a:endParaRPr b="1"/>
           </a:p>
           <a:p>
-            <a:pPr indent="-317500" lvl="0" marL="457200" rtl="0" algn="l">
+            <a:pPr marL="457200" lvl="0" indent="-317500" algn="l" rtl="0">
               <a:spcBef>
                 <a:spcPts val="0"/>
               </a:spcBef>
@@ -8671,7 +8856,19 @@
             <a:endParaRPr/>
           </a:p>
           <a:p>
-            <a:pPr indent="0" lvl="0" marL="0" rtl="0" algn="l">
+            <a:pPr marL="0" lvl="0" indent="0" algn="l" rtl="0">
+              <a:spcBef>
+                <a:spcPts val="0"/>
+              </a:spcBef>
+              <a:spcAft>
+                <a:spcPts val="0"/>
+              </a:spcAft>
+              <a:buNone/>
+            </a:pPr>
+            <a:endParaRPr b="1"/>
+          </a:p>
+          <a:p>
+            <a:pPr marL="0" lvl="0" indent="0" algn="l" rtl="0">
               <a:spcBef>
                 <a:spcPts val="0"/>
               </a:spcBef>
@@ -8681,22 +8878,7 @@
               <a:buNone/>
             </a:pPr>
             <a:r>
-              <a:t/>
-            </a:r>
-            <a:endParaRPr b="1"/>
-          </a:p>
-          <a:p>
-            <a:pPr indent="0" lvl="0" marL="0" rtl="0" algn="l">
-              <a:spcBef>
-                <a:spcPts val="0"/>
-              </a:spcBef>
-              <a:spcAft>
-                <a:spcPts val="0"/>
-              </a:spcAft>
-              <a:buNone/>
-            </a:pPr>
-            <a:r>
-              <a:rPr b="1" lang="en"/>
+              <a:rPr lang="en" b="1"/>
               <a:t>Transformations</a:t>
             </a:r>
             <a:r>
@@ -8706,7 +8888,7 @@
             <a:endParaRPr/>
           </a:p>
           <a:p>
-            <a:pPr indent="0" lvl="0" marL="0" rtl="0" algn="l">
+            <a:pPr marL="0" lvl="0" indent="0" algn="l" rtl="0">
               <a:spcBef>
                 <a:spcPts val="0"/>
               </a:spcBef>
@@ -8720,9 +8902,6 @@
               <a:buFont typeface="Arial"/>
               <a:buNone/>
             </a:pPr>
-            <a:r>
-              <a:t/>
-            </a:r>
             <a:endParaRPr>
               <a:solidFill>
                 <a:schemeClr val="dk1"/>
@@ -8730,7 +8909,7 @@
             </a:endParaRPr>
           </a:p>
           <a:p>
-            <a:pPr indent="-317500" lvl="0" marL="457200" rtl="0" algn="l">
+            <a:pPr marL="457200" lvl="0" indent="-317500" algn="l" rtl="0">
               <a:spcBef>
                 <a:spcPts val="0"/>
               </a:spcBef>
@@ -8758,7 +8937,7 @@
             </a:endParaRPr>
           </a:p>
           <a:p>
-            <a:pPr indent="-317500" lvl="0" marL="457200" rtl="0" algn="l">
+            <a:pPr marL="457200" lvl="0" indent="-317500" algn="l" rtl="0">
               <a:spcBef>
                 <a:spcPts val="0"/>
               </a:spcBef>
@@ -8786,7 +8965,7 @@
             </a:endParaRPr>
           </a:p>
           <a:p>
-            <a:pPr indent="-317500" lvl="0" marL="457200" rtl="0" algn="l">
+            <a:pPr marL="457200" lvl="0" indent="-317500" algn="l" rtl="0">
               <a:spcBef>
                 <a:spcPts val="0"/>
               </a:spcBef>
@@ -8820,11 +8999,11 @@
 </file>
 
 <file path=ppt/slides/slide14.xml><?xml version="1.0" encoding="utf-8"?>
-<p:sld xmlns:a="http://schemas.openxmlformats.org/drawingml/2006/main" xmlns:r="http://schemas.openxmlformats.org/officeDocument/2006/relationships" xmlns:mc="http://schemas.openxmlformats.org/markup-compatibility/2006" xmlns:mv="urn:schemas-microsoft-com:mac:vml" xmlns:p="http://schemas.openxmlformats.org/presentationml/2006/main" xmlns:c="http://schemas.openxmlformats.org/drawingml/2006/chart" xmlns:dgm="http://schemas.openxmlformats.org/drawingml/2006/diagram" xmlns:o="urn:schemas-microsoft-com:office:office" xmlns:v="urn:schemas-microsoft-com:vml" xmlns:pvml="urn:schemas-microsoft-com:office:powerpoint" xmlns:com="http://schemas.openxmlformats.org/drawingml/2006/compatibility" xmlns:p14="http://schemas.microsoft.com/office/powerpoint/2010/main" xmlns:p15="http://schemas.microsoft.com/office/powerpoint/2012/main">
+<p:sld xmlns:a="http://schemas.openxmlformats.org/drawingml/2006/main" xmlns:r="http://schemas.openxmlformats.org/officeDocument/2006/relationships" xmlns:p="http://schemas.openxmlformats.org/presentationml/2006/main">
   <p:cSld>
     <p:spTree>
       <p:nvGrpSpPr>
-        <p:cNvPr id="148" name="Shape 148"/>
+        <p:cNvPr id="1" name="Shape 148"/>
         <p:cNvGrpSpPr/>
         <p:nvPr/>
       </p:nvGrpSpPr>
@@ -8839,7 +9018,9 @@
       <p:sp>
         <p:nvSpPr>
           <p:cNvPr id="149" name="Google Shape;149;p26"/>
-          <p:cNvSpPr txBox="1"/>
+          <p:cNvSpPr txBox="1">
+            <a:spLocks noGrp="1"/>
+          </p:cNvSpPr>
           <p:nvPr>
             <p:ph type="ctrTitle"/>
           </p:nvPr>
@@ -8854,12 +9035,12 @@
           </a:prstGeom>
         </p:spPr>
         <p:txBody>
-          <a:bodyPr anchorCtr="0" anchor="b" bIns="91425" lIns="91425" spcFirstLastPara="1" rIns="91425" wrap="square" tIns="91425">
+          <a:bodyPr spcFirstLastPara="1" wrap="square" lIns="91425" tIns="91425" rIns="91425" bIns="91425" anchor="b" anchorCtr="0">
             <a:noAutofit/>
           </a:bodyPr>
           <a:lstStyle/>
           <a:p>
-            <a:pPr indent="0" lvl="0" marL="0" rtl="0" algn="ctr">
+            <a:pPr marL="0" lvl="0" indent="0" algn="ctr" rtl="0">
               <a:spcBef>
                 <a:spcPts val="0"/>
               </a:spcBef>
@@ -8913,11 +9094,11 @@
 </file>
 
 <file path=ppt/slides/slide15.xml><?xml version="1.0" encoding="utf-8"?>
-<p:sld xmlns:a="http://schemas.openxmlformats.org/drawingml/2006/main" xmlns:r="http://schemas.openxmlformats.org/officeDocument/2006/relationships" xmlns:mc="http://schemas.openxmlformats.org/markup-compatibility/2006" xmlns:mv="urn:schemas-microsoft-com:mac:vml" xmlns:p="http://schemas.openxmlformats.org/presentationml/2006/main" xmlns:c="http://schemas.openxmlformats.org/drawingml/2006/chart" xmlns:dgm="http://schemas.openxmlformats.org/drawingml/2006/diagram" xmlns:o="urn:schemas-microsoft-com:office:office" xmlns:v="urn:schemas-microsoft-com:vml" xmlns:pvml="urn:schemas-microsoft-com:office:powerpoint" xmlns:com="http://schemas.openxmlformats.org/drawingml/2006/compatibility" xmlns:p14="http://schemas.microsoft.com/office/powerpoint/2010/main" xmlns:p15="http://schemas.microsoft.com/office/powerpoint/2012/main">
+<p:sld xmlns:a="http://schemas.openxmlformats.org/drawingml/2006/main" xmlns:r="http://schemas.openxmlformats.org/officeDocument/2006/relationships" xmlns:p="http://schemas.openxmlformats.org/presentationml/2006/main">
   <p:cSld>
     <p:spTree>
       <p:nvGrpSpPr>
-        <p:cNvPr id="154" name="Shape 154"/>
+        <p:cNvPr id="1" name="Shape 154"/>
         <p:cNvGrpSpPr/>
         <p:nvPr/>
       </p:nvGrpSpPr>
@@ -8932,7 +9113,9 @@
       <p:sp>
         <p:nvSpPr>
           <p:cNvPr id="155" name="Google Shape;155;p27"/>
-          <p:cNvSpPr txBox="1"/>
+          <p:cNvSpPr txBox="1">
+            <a:spLocks noGrp="1"/>
+          </p:cNvSpPr>
           <p:nvPr>
             <p:ph type="title"/>
           </p:nvPr>
@@ -8947,12 +9130,12 @@
           </a:prstGeom>
         </p:spPr>
         <p:txBody>
-          <a:bodyPr anchorCtr="0" anchor="t" bIns="91425" lIns="91425" spcFirstLastPara="1" rIns="91425" wrap="square" tIns="91425">
+          <a:bodyPr spcFirstLastPara="1" wrap="square" lIns="91425" tIns="91425" rIns="91425" bIns="91425" anchor="t" anchorCtr="0">
             <a:noAutofit/>
           </a:bodyPr>
           <a:lstStyle/>
           <a:p>
-            <a:pPr indent="0" lvl="0" marL="0" rtl="0" algn="l">
+            <a:pPr marL="0" lvl="0" indent="0" algn="l" rtl="0">
               <a:spcBef>
                 <a:spcPts val="0"/>
               </a:spcBef>
@@ -8972,9 +9155,11 @@
       <p:sp>
         <p:nvSpPr>
           <p:cNvPr id="156" name="Google Shape;156;p27"/>
-          <p:cNvSpPr txBox="1"/>
+          <p:cNvSpPr txBox="1">
+            <a:spLocks noGrp="1"/>
+          </p:cNvSpPr>
           <p:nvPr>
-            <p:ph idx="1" type="body"/>
+            <p:ph type="body" idx="1"/>
           </p:nvPr>
         </p:nvSpPr>
         <p:spPr>
@@ -8987,12 +9172,12 @@
           </a:prstGeom>
         </p:spPr>
         <p:txBody>
-          <a:bodyPr anchorCtr="0" anchor="t" bIns="91425" lIns="91425" spcFirstLastPara="1" rIns="91425" wrap="square" tIns="91425">
+          <a:bodyPr spcFirstLastPara="1" wrap="square" lIns="91425" tIns="91425" rIns="91425" bIns="91425" anchor="t" anchorCtr="0">
             <a:noAutofit/>
           </a:bodyPr>
           <a:lstStyle/>
           <a:p>
-            <a:pPr indent="0" lvl="0" marL="0" rtl="0" algn="l">
+            <a:pPr marL="0" lvl="0" indent="0" algn="l" rtl="0">
               <a:spcBef>
                 <a:spcPts val="0"/>
               </a:spcBef>
@@ -9008,7 +9193,7 @@
             <a:endParaRPr/>
           </a:p>
           <a:p>
-            <a:pPr indent="0" lvl="0" marL="0" rtl="0" algn="l">
+            <a:pPr marL="0" lvl="0" indent="0" algn="l" rtl="0">
               <a:spcBef>
                 <a:spcPts val="1600"/>
               </a:spcBef>
@@ -9024,7 +9209,7 @@
             <a:endParaRPr/>
           </a:p>
           <a:p>
-            <a:pPr indent="0" lvl="0" marL="0" rtl="0" algn="l">
+            <a:pPr marL="0" lvl="0" indent="0" algn="l" rtl="0">
               <a:spcBef>
                 <a:spcPts val="1600"/>
               </a:spcBef>
@@ -9040,7 +9225,7 @@
             <a:endParaRPr/>
           </a:p>
           <a:p>
-            <a:pPr indent="0" lvl="0" marL="0" rtl="0" algn="l">
+            <a:pPr marL="0" lvl="0" indent="0" algn="l" rtl="0">
               <a:spcBef>
                 <a:spcPts val="1600"/>
               </a:spcBef>
@@ -9056,7 +9241,7 @@
             <a:endParaRPr/>
           </a:p>
           <a:p>
-            <a:pPr indent="0" lvl="0" marL="0" rtl="0" algn="l">
+            <a:pPr marL="0" lvl="0" indent="0" algn="l" rtl="0">
               <a:spcBef>
                 <a:spcPts val="1600"/>
               </a:spcBef>
@@ -9072,7 +9257,7 @@
             <a:endParaRPr/>
           </a:p>
           <a:p>
-            <a:pPr indent="0" lvl="0" marL="0" rtl="0" algn="l">
+            <a:pPr marL="0" lvl="0" indent="0" algn="l" rtl="0">
               <a:spcBef>
                 <a:spcPts val="1600"/>
               </a:spcBef>
@@ -9081,13 +9266,10 @@
               </a:spcAft>
               <a:buNone/>
             </a:pPr>
-            <a:r>
-              <a:t/>
-            </a:r>
             <a:endParaRPr/>
           </a:p>
           <a:p>
-            <a:pPr indent="0" lvl="0" marL="0" rtl="0" algn="l">
+            <a:pPr marL="0" lvl="0" indent="0" algn="l" rtl="0">
               <a:spcBef>
                 <a:spcPts val="1600"/>
               </a:spcBef>
@@ -9096,9 +9278,6 @@
               </a:spcAft>
               <a:buNone/>
             </a:pPr>
-            <a:r>
-              <a:t/>
-            </a:r>
             <a:endParaRPr/>
           </a:p>
         </p:txBody>
@@ -9112,11 +9291,11 @@
 </file>
 
 <file path=ppt/slides/slide16.xml><?xml version="1.0" encoding="utf-8"?>
-<p:sld xmlns:a="http://schemas.openxmlformats.org/drawingml/2006/main" xmlns:r="http://schemas.openxmlformats.org/officeDocument/2006/relationships" xmlns:mc="http://schemas.openxmlformats.org/markup-compatibility/2006" xmlns:mv="urn:schemas-microsoft-com:mac:vml" xmlns:p="http://schemas.openxmlformats.org/presentationml/2006/main" xmlns:c="http://schemas.openxmlformats.org/drawingml/2006/chart" xmlns:dgm="http://schemas.openxmlformats.org/drawingml/2006/diagram" xmlns:o="urn:schemas-microsoft-com:office:office" xmlns:v="urn:schemas-microsoft-com:vml" xmlns:pvml="urn:schemas-microsoft-com:office:powerpoint" xmlns:com="http://schemas.openxmlformats.org/drawingml/2006/compatibility" xmlns:p14="http://schemas.microsoft.com/office/powerpoint/2010/main" xmlns:p15="http://schemas.microsoft.com/office/powerpoint/2012/main">
+<p:sld xmlns:a="http://schemas.openxmlformats.org/drawingml/2006/main" xmlns:r="http://schemas.openxmlformats.org/officeDocument/2006/relationships" xmlns:p="http://schemas.openxmlformats.org/presentationml/2006/main">
   <p:cSld>
     <p:spTree>
       <p:nvGrpSpPr>
-        <p:cNvPr id="160" name="Shape 160"/>
+        <p:cNvPr id="1" name="Shape 160"/>
         <p:cNvGrpSpPr/>
         <p:nvPr/>
       </p:nvGrpSpPr>
@@ -9131,7 +9310,9 @@
       <p:sp>
         <p:nvSpPr>
           <p:cNvPr id="161" name="Google Shape;161;p28"/>
-          <p:cNvSpPr txBox="1"/>
+          <p:cNvSpPr txBox="1">
+            <a:spLocks noGrp="1"/>
+          </p:cNvSpPr>
           <p:nvPr>
             <p:ph type="title"/>
           </p:nvPr>
@@ -9146,12 +9327,12 @@
           </a:prstGeom>
         </p:spPr>
         <p:txBody>
-          <a:bodyPr anchorCtr="0" anchor="t" bIns="91425" lIns="91425" spcFirstLastPara="1" rIns="91425" wrap="square" tIns="91425">
+          <a:bodyPr spcFirstLastPara="1" wrap="square" lIns="91425" tIns="91425" rIns="91425" bIns="91425" anchor="t" anchorCtr="0">
             <a:noAutofit/>
           </a:bodyPr>
           <a:lstStyle/>
           <a:p>
-            <a:pPr indent="0" lvl="0" marL="0" rtl="0" algn="l">
+            <a:pPr marL="0" lvl="0" indent="0" algn="l" rtl="0">
               <a:spcBef>
                 <a:spcPts val="0"/>
               </a:spcBef>
@@ -9205,11 +9386,11 @@
 </file>
 
 <file path=ppt/slides/slide17.xml><?xml version="1.0" encoding="utf-8"?>
-<p:sld xmlns:a="http://schemas.openxmlformats.org/drawingml/2006/main" xmlns:r="http://schemas.openxmlformats.org/officeDocument/2006/relationships" xmlns:mc="http://schemas.openxmlformats.org/markup-compatibility/2006" xmlns:mv="urn:schemas-microsoft-com:mac:vml" xmlns:p="http://schemas.openxmlformats.org/presentationml/2006/main" xmlns:c="http://schemas.openxmlformats.org/drawingml/2006/chart" xmlns:dgm="http://schemas.openxmlformats.org/drawingml/2006/diagram" xmlns:o="urn:schemas-microsoft-com:office:office" xmlns:v="urn:schemas-microsoft-com:vml" xmlns:pvml="urn:schemas-microsoft-com:office:powerpoint" xmlns:com="http://schemas.openxmlformats.org/drawingml/2006/compatibility" xmlns:p14="http://schemas.microsoft.com/office/powerpoint/2010/main" xmlns:p15="http://schemas.microsoft.com/office/powerpoint/2012/main">
+<p:sld xmlns:a="http://schemas.openxmlformats.org/drawingml/2006/main" xmlns:r="http://schemas.openxmlformats.org/officeDocument/2006/relationships" xmlns:p="http://schemas.openxmlformats.org/presentationml/2006/main">
   <p:cSld>
     <p:spTree>
       <p:nvGrpSpPr>
-        <p:cNvPr id="166" name="Shape 166"/>
+        <p:cNvPr id="1" name="Shape 166"/>
         <p:cNvGrpSpPr/>
         <p:nvPr/>
       </p:nvGrpSpPr>
@@ -9224,7 +9405,9 @@
       <p:sp>
         <p:nvSpPr>
           <p:cNvPr id="167" name="Google Shape;167;p29"/>
-          <p:cNvSpPr txBox="1"/>
+          <p:cNvSpPr txBox="1">
+            <a:spLocks noGrp="1"/>
+          </p:cNvSpPr>
           <p:nvPr>
             <p:ph type="title"/>
           </p:nvPr>
@@ -9239,12 +9422,12 @@
           </a:prstGeom>
         </p:spPr>
         <p:txBody>
-          <a:bodyPr anchorCtr="0" anchor="t" bIns="91425" lIns="91425" spcFirstLastPara="1" rIns="91425" wrap="square" tIns="91425">
+          <a:bodyPr spcFirstLastPara="1" wrap="square" lIns="91425" tIns="91425" rIns="91425" bIns="91425" anchor="t" anchorCtr="0">
             <a:noAutofit/>
           </a:bodyPr>
           <a:lstStyle/>
           <a:p>
-            <a:pPr indent="0" lvl="0" marL="0" rtl="0" algn="l">
+            <a:pPr marL="0" lvl="0" indent="0" algn="l" rtl="0">
               <a:spcBef>
                 <a:spcPts val="0"/>
               </a:spcBef>
@@ -9298,11 +9481,11 @@
 </file>
 
 <file path=ppt/slides/slide18.xml><?xml version="1.0" encoding="utf-8"?>
-<p:sld xmlns:a="http://schemas.openxmlformats.org/drawingml/2006/main" xmlns:r="http://schemas.openxmlformats.org/officeDocument/2006/relationships" xmlns:mc="http://schemas.openxmlformats.org/markup-compatibility/2006" xmlns:mv="urn:schemas-microsoft-com:mac:vml" xmlns:p="http://schemas.openxmlformats.org/presentationml/2006/main" xmlns:c="http://schemas.openxmlformats.org/drawingml/2006/chart" xmlns:dgm="http://schemas.openxmlformats.org/drawingml/2006/diagram" xmlns:o="urn:schemas-microsoft-com:office:office" xmlns:v="urn:schemas-microsoft-com:vml" xmlns:pvml="urn:schemas-microsoft-com:office:powerpoint" xmlns:com="http://schemas.openxmlformats.org/drawingml/2006/compatibility" xmlns:p14="http://schemas.microsoft.com/office/powerpoint/2010/main" xmlns:p15="http://schemas.microsoft.com/office/powerpoint/2012/main">
+<p:sld xmlns:a="http://schemas.openxmlformats.org/drawingml/2006/main" xmlns:r="http://schemas.openxmlformats.org/officeDocument/2006/relationships" xmlns:p="http://schemas.openxmlformats.org/presentationml/2006/main">
   <p:cSld>
     <p:spTree>
       <p:nvGrpSpPr>
-        <p:cNvPr id="172" name="Shape 172"/>
+        <p:cNvPr id="1" name="Shape 172"/>
         <p:cNvGrpSpPr/>
         <p:nvPr/>
       </p:nvGrpSpPr>
@@ -9317,9 +9500,11 @@
       <p:sp>
         <p:nvSpPr>
           <p:cNvPr id="173" name="Google Shape;173;p30"/>
-          <p:cNvSpPr txBox="1"/>
+          <p:cNvSpPr txBox="1">
+            <a:spLocks noGrp="1"/>
+          </p:cNvSpPr>
           <p:nvPr>
-            <p:ph idx="1" type="body"/>
+            <p:ph type="body" idx="1"/>
           </p:nvPr>
         </p:nvSpPr>
         <p:spPr>
@@ -9332,12 +9517,12 @@
           </a:prstGeom>
         </p:spPr>
         <p:txBody>
-          <a:bodyPr anchorCtr="0" anchor="t" bIns="91425" lIns="91425" spcFirstLastPara="1" rIns="91425" wrap="square" tIns="91425">
+          <a:bodyPr spcFirstLastPara="1" wrap="square" lIns="91425" tIns="91425" rIns="91425" bIns="91425" anchor="t" anchorCtr="0">
             <a:noAutofit/>
           </a:bodyPr>
           <a:lstStyle/>
           <a:p>
-            <a:pPr indent="0" lvl="0" marL="0" rtl="0" algn="l">
+            <a:pPr marL="0" lvl="0" indent="0" algn="l" rtl="0">
               <a:spcBef>
                 <a:spcPts val="0"/>
               </a:spcBef>
@@ -9347,7 +9532,7 @@
               <a:buNone/>
             </a:pPr>
             <a:r>
-              <a:rPr b="1" lang="en"/>
+              <a:rPr lang="en" b="1"/>
               <a:t>Approach 1:</a:t>
             </a:r>
             <a:br>
@@ -9355,16 +9540,12 @@
             </a:br>
             <a:r>
               <a:rPr lang="en"/>
-              <a:t>Mapping</a:t>
-            </a:r>
-            <a:r>
-              <a:rPr lang="en"/>
-              <a:t> gestures to operate video to PLAY, PAUSE, STOP, FAST-FORWARD, SKIP 10 sec, etc.</a:t>
+              <a:t>Mapping gestures to operate video to PLAY, PAUSE, STOP, FAST-FORWARD, SKIP 10 sec, etc.</a:t>
             </a:r>
             <a:endParaRPr/>
           </a:p>
           <a:p>
-            <a:pPr indent="0" lvl="0" marL="0" rtl="0" algn="just">
+            <a:pPr marL="0" lvl="0" indent="0" algn="just" rtl="0">
               <a:spcBef>
                 <a:spcPts val="1600"/>
               </a:spcBef>
@@ -9379,13 +9560,13 @@
               <a:buNone/>
             </a:pPr>
             <a:r>
-              <a:rPr b="1" lang="en"/>
+              <a:rPr lang="en" b="1"/>
               <a:t>Approach 2:</a:t>
             </a:r>
             <a:endParaRPr b="1"/>
           </a:p>
           <a:p>
-            <a:pPr indent="0" lvl="0" marL="0" rtl="0" algn="l">
+            <a:pPr marL="0" lvl="0" indent="0" algn="l" rtl="0">
               <a:spcBef>
                 <a:spcPts val="0"/>
               </a:spcBef>
@@ -9401,7 +9582,7 @@
             <a:endParaRPr/>
           </a:p>
           <a:p>
-            <a:pPr indent="-342900" lvl="0" marL="457200" rtl="0" algn="l">
+            <a:pPr marL="457200" lvl="0" indent="-342900" algn="l" rtl="0">
               <a:spcBef>
                 <a:spcPts val="1600"/>
               </a:spcBef>
@@ -9418,7 +9599,7 @@
             <a:endParaRPr/>
           </a:p>
           <a:p>
-            <a:pPr indent="-342900" lvl="0" marL="457200" rtl="0" algn="l">
+            <a:pPr marL="457200" lvl="0" indent="-342900" algn="l" rtl="0">
               <a:spcBef>
                 <a:spcPts val="0"/>
               </a:spcBef>
@@ -9435,7 +9616,7 @@
             <a:endParaRPr/>
           </a:p>
           <a:p>
-            <a:pPr indent="-342900" lvl="0" marL="457200" rtl="0" algn="l">
+            <a:pPr marL="457200" lvl="0" indent="-342900" algn="l" rtl="0">
               <a:spcBef>
                 <a:spcPts val="0"/>
               </a:spcBef>
@@ -9452,7 +9633,7 @@
             <a:endParaRPr/>
           </a:p>
           <a:p>
-            <a:pPr indent="0" lvl="0" marL="0" rtl="0" algn="just">
+            <a:pPr marL="0" lvl="0" indent="0" algn="just" rtl="0">
               <a:spcBef>
                 <a:spcPts val="1600"/>
               </a:spcBef>
@@ -9461,13 +9642,10 @@
               </a:spcAft>
               <a:buNone/>
             </a:pPr>
-            <a:r>
-              <a:t/>
-            </a:r>
             <a:endParaRPr/>
           </a:p>
           <a:p>
-            <a:pPr indent="0" lvl="0" marL="0" rtl="0" algn="l">
+            <a:pPr marL="0" lvl="0" indent="0" algn="l" rtl="0">
               <a:spcBef>
                 <a:spcPts val="0"/>
               </a:spcBef>
@@ -9476,9 +9654,6 @@
               </a:spcAft>
               <a:buNone/>
             </a:pPr>
-            <a:r>
-              <a:t/>
-            </a:r>
             <a:endParaRPr/>
           </a:p>
         </p:txBody>
@@ -9486,7 +9661,9 @@
       <p:sp>
         <p:nvSpPr>
           <p:cNvPr id="174" name="Google Shape;174;p30"/>
-          <p:cNvSpPr txBox="1"/>
+          <p:cNvSpPr txBox="1">
+            <a:spLocks noGrp="1"/>
+          </p:cNvSpPr>
           <p:nvPr>
             <p:ph type="title"/>
           </p:nvPr>
@@ -9501,12 +9678,12 @@
           </a:prstGeom>
         </p:spPr>
         <p:txBody>
-          <a:bodyPr anchorCtr="0" anchor="t" bIns="91425" lIns="91425" spcFirstLastPara="1" rIns="91425" wrap="square" tIns="91425">
+          <a:bodyPr spcFirstLastPara="1" wrap="square" lIns="91425" tIns="91425" rIns="91425" bIns="91425" anchor="t" anchorCtr="0">
             <a:noAutofit/>
           </a:bodyPr>
           <a:lstStyle/>
           <a:p>
-            <a:pPr indent="0" lvl="0" marL="0" rtl="0" algn="l">
+            <a:pPr marL="0" lvl="0" indent="0" algn="l" rtl="0">
               <a:spcBef>
                 <a:spcPts val="0"/>
               </a:spcBef>
@@ -9532,11 +9709,11 @@
 </file>
 
 <file path=ppt/slides/slide19.xml><?xml version="1.0" encoding="utf-8"?>
-<p:sld xmlns:a="http://schemas.openxmlformats.org/drawingml/2006/main" xmlns:r="http://schemas.openxmlformats.org/officeDocument/2006/relationships" xmlns:mc="http://schemas.openxmlformats.org/markup-compatibility/2006" xmlns:mv="urn:schemas-microsoft-com:mac:vml" xmlns:p="http://schemas.openxmlformats.org/presentationml/2006/main" xmlns:c="http://schemas.openxmlformats.org/drawingml/2006/chart" xmlns:dgm="http://schemas.openxmlformats.org/drawingml/2006/diagram" xmlns:o="urn:schemas-microsoft-com:office:office" xmlns:v="urn:schemas-microsoft-com:vml" xmlns:pvml="urn:schemas-microsoft-com:office:powerpoint" xmlns:com="http://schemas.openxmlformats.org/drawingml/2006/compatibility" xmlns:p14="http://schemas.microsoft.com/office/powerpoint/2010/main" xmlns:p15="http://schemas.microsoft.com/office/powerpoint/2012/main">
+<p:sld xmlns:a="http://schemas.openxmlformats.org/drawingml/2006/main" xmlns:r="http://schemas.openxmlformats.org/officeDocument/2006/relationships" xmlns:p="http://schemas.openxmlformats.org/presentationml/2006/main">
   <p:cSld>
     <p:spTree>
       <p:nvGrpSpPr>
-        <p:cNvPr id="178" name="Shape 178"/>
+        <p:cNvPr id="1" name="Shape 178"/>
         <p:cNvGrpSpPr/>
         <p:nvPr/>
       </p:nvGrpSpPr>
@@ -9551,7 +9728,9 @@
       <p:sp>
         <p:nvSpPr>
           <p:cNvPr id="179" name="Google Shape;179;p31"/>
-          <p:cNvSpPr txBox="1"/>
+          <p:cNvSpPr txBox="1">
+            <a:spLocks noGrp="1"/>
+          </p:cNvSpPr>
           <p:nvPr>
             <p:ph type="title"/>
           </p:nvPr>
@@ -9566,12 +9745,12 @@
           </a:prstGeom>
         </p:spPr>
         <p:txBody>
-          <a:bodyPr anchorCtr="0" anchor="t" bIns="91425" lIns="91425" spcFirstLastPara="1" rIns="91425" wrap="square" tIns="91425">
+          <a:bodyPr spcFirstLastPara="1" wrap="square" lIns="91425" tIns="91425" rIns="91425" bIns="91425" anchor="t" anchorCtr="0">
             <a:noAutofit/>
           </a:bodyPr>
           <a:lstStyle/>
           <a:p>
-            <a:pPr indent="0" lvl="0" marL="0" rtl="0" algn="l">
+            <a:pPr marL="0" lvl="0" indent="0" algn="l" rtl="0">
               <a:spcBef>
                 <a:spcPts val="0"/>
               </a:spcBef>
@@ -9591,9 +9770,11 @@
       <p:sp>
         <p:nvSpPr>
           <p:cNvPr id="180" name="Google Shape;180;p31"/>
-          <p:cNvSpPr txBox="1"/>
+          <p:cNvSpPr txBox="1">
+            <a:spLocks noGrp="1"/>
+          </p:cNvSpPr>
           <p:nvPr>
-            <p:ph idx="1" type="body"/>
+            <p:ph type="body" idx="1"/>
           </p:nvPr>
         </p:nvSpPr>
         <p:spPr>
@@ -9606,12 +9787,12 @@
           </a:prstGeom>
         </p:spPr>
         <p:txBody>
-          <a:bodyPr anchorCtr="0" anchor="t" bIns="91425" lIns="91425" spcFirstLastPara="1" rIns="91425" wrap="square" tIns="91425">
+          <a:bodyPr spcFirstLastPara="1" wrap="square" lIns="91425" tIns="91425" rIns="91425" bIns="91425" anchor="t" anchorCtr="0">
             <a:noAutofit/>
           </a:bodyPr>
           <a:lstStyle/>
           <a:p>
-            <a:pPr indent="-342900" lvl="0" marL="457200" rtl="0" algn="l">
+            <a:pPr marL="457200" lvl="0" indent="-342900" algn="l" rtl="0">
               <a:spcBef>
                 <a:spcPts val="0"/>
               </a:spcBef>
@@ -9628,7 +9809,7 @@
             <a:endParaRPr/>
           </a:p>
           <a:p>
-            <a:pPr indent="-342900" lvl="0" marL="457200" rtl="0" algn="l">
+            <a:pPr marL="457200" lvl="0" indent="-342900" algn="l" rtl="0">
               <a:spcBef>
                 <a:spcPts val="0"/>
               </a:spcBef>
@@ -9655,11 +9836,11 @@
 </file>
 
 <file path=ppt/slides/slide2.xml><?xml version="1.0" encoding="utf-8"?>
-<p:sld xmlns:a="http://schemas.openxmlformats.org/drawingml/2006/main" xmlns:r="http://schemas.openxmlformats.org/officeDocument/2006/relationships" xmlns:mc="http://schemas.openxmlformats.org/markup-compatibility/2006" xmlns:mv="urn:schemas-microsoft-com:mac:vml" xmlns:p="http://schemas.openxmlformats.org/presentationml/2006/main" xmlns:c="http://schemas.openxmlformats.org/drawingml/2006/chart" xmlns:dgm="http://schemas.openxmlformats.org/drawingml/2006/diagram" xmlns:o="urn:schemas-microsoft-com:office:office" xmlns:v="urn:schemas-microsoft-com:vml" xmlns:pvml="urn:schemas-microsoft-com:office:powerpoint" xmlns:com="http://schemas.openxmlformats.org/drawingml/2006/compatibility" xmlns:p14="http://schemas.microsoft.com/office/powerpoint/2010/main" xmlns:p15="http://schemas.microsoft.com/office/powerpoint/2012/main">
+<p:sld xmlns:a="http://schemas.openxmlformats.org/drawingml/2006/main" xmlns:r="http://schemas.openxmlformats.org/officeDocument/2006/relationships" xmlns:p="http://schemas.openxmlformats.org/presentationml/2006/main">
   <p:cSld>
     <p:spTree>
       <p:nvGrpSpPr>
-        <p:cNvPr id="59" name="Shape 59"/>
+        <p:cNvPr id="1" name="Shape 59"/>
         <p:cNvGrpSpPr/>
         <p:nvPr/>
       </p:nvGrpSpPr>
@@ -9674,7 +9855,9 @@
       <p:sp>
         <p:nvSpPr>
           <p:cNvPr id="60" name="Google Shape;60;p14"/>
-          <p:cNvSpPr txBox="1"/>
+          <p:cNvSpPr txBox="1">
+            <a:spLocks noGrp="1"/>
+          </p:cNvSpPr>
           <p:nvPr>
             <p:ph type="ctrTitle"/>
           </p:nvPr>
@@ -9689,12 +9872,12 @@
           </a:prstGeom>
         </p:spPr>
         <p:txBody>
-          <a:bodyPr anchorCtr="0" anchor="b" bIns="91425" lIns="91425" spcFirstLastPara="1" rIns="91425" wrap="square" tIns="91425">
+          <a:bodyPr spcFirstLastPara="1" wrap="square" lIns="91425" tIns="91425" rIns="91425" bIns="91425" anchor="b" anchorCtr="0">
             <a:noAutofit/>
           </a:bodyPr>
           <a:lstStyle/>
           <a:p>
-            <a:pPr indent="0" lvl="0" marL="0" rtl="0" algn="ctr">
+            <a:pPr marL="0" lvl="0" indent="0" algn="ctr" rtl="0">
               <a:spcBef>
                 <a:spcPts val="0"/>
               </a:spcBef>
@@ -9714,9 +9897,11 @@
       <p:sp>
         <p:nvSpPr>
           <p:cNvPr id="61" name="Google Shape;61;p14"/>
-          <p:cNvSpPr txBox="1"/>
+          <p:cNvSpPr txBox="1">
+            <a:spLocks noGrp="1"/>
+          </p:cNvSpPr>
           <p:nvPr>
-            <p:ph idx="1" type="subTitle"/>
+            <p:ph type="subTitle" idx="1"/>
           </p:nvPr>
         </p:nvSpPr>
         <p:spPr>
@@ -9729,27 +9914,24 @@
           </a:prstGeom>
         </p:spPr>
         <p:txBody>
-          <a:bodyPr anchorCtr="0" anchor="t" bIns="91425" lIns="91425" spcFirstLastPara="1" rIns="91425" wrap="square" tIns="91425">
+          <a:bodyPr spcFirstLastPara="1" wrap="square" lIns="91425" tIns="91425" rIns="91425" bIns="91425" anchor="t" anchorCtr="0">
             <a:noAutofit/>
           </a:bodyPr>
           <a:lstStyle/>
           <a:p>
-            <a:pPr indent="0" lvl="0" marL="0" rtl="0" algn="l">
-              <a:spcBef>
-                <a:spcPts val="0"/>
-              </a:spcBef>
-              <a:spcAft>
-                <a:spcPts val="0"/>
-              </a:spcAft>
-              <a:buNone/>
-            </a:pPr>
-            <a:r>
-              <a:t/>
-            </a:r>
+            <a:pPr marL="0" lvl="0" indent="0" algn="l" rtl="0">
+              <a:spcBef>
+                <a:spcPts val="0"/>
+              </a:spcBef>
+              <a:spcAft>
+                <a:spcPts val="0"/>
+              </a:spcAft>
+              <a:buNone/>
+            </a:pPr>
             <a:endParaRPr sz="1800"/>
           </a:p>
           <a:p>
-            <a:pPr indent="-342900" lvl="0" marL="457200" rtl="0" algn="l">
+            <a:pPr marL="457200" lvl="0" indent="-342900" algn="l" rtl="0">
               <a:spcBef>
                 <a:spcPts val="0"/>
               </a:spcBef>
@@ -9766,78 +9948,63 @@
             <a:endParaRPr sz="1800"/>
           </a:p>
           <a:p>
-            <a:pPr indent="0" lvl="0" marL="457200" rtl="0" algn="l">
-              <a:spcBef>
-                <a:spcPts val="0"/>
-              </a:spcBef>
-              <a:spcAft>
-                <a:spcPts val="0"/>
-              </a:spcAft>
-              <a:buNone/>
-            </a:pPr>
-            <a:r>
-              <a:t/>
-            </a:r>
+            <a:pPr marL="457200" lvl="0" indent="0" algn="l" rtl="0">
+              <a:spcBef>
+                <a:spcPts val="0"/>
+              </a:spcBef>
+              <a:spcAft>
+                <a:spcPts val="0"/>
+              </a:spcAft>
+              <a:buNone/>
+            </a:pPr>
             <a:endParaRPr sz="1800"/>
           </a:p>
           <a:p>
-            <a:pPr indent="0" lvl="0" marL="457200" rtl="0" algn="l">
-              <a:spcBef>
-                <a:spcPts val="0"/>
-              </a:spcBef>
-              <a:spcAft>
-                <a:spcPts val="0"/>
-              </a:spcAft>
-              <a:buNone/>
-            </a:pPr>
-            <a:r>
-              <a:t/>
-            </a:r>
+            <a:pPr marL="457200" lvl="0" indent="0" algn="l" rtl="0">
+              <a:spcBef>
+                <a:spcPts val="0"/>
+              </a:spcBef>
+              <a:spcAft>
+                <a:spcPts val="0"/>
+              </a:spcAft>
+              <a:buNone/>
+            </a:pPr>
             <a:endParaRPr sz="1800"/>
           </a:p>
           <a:p>
-            <a:pPr indent="0" lvl="0" marL="457200" rtl="0" algn="l">
-              <a:spcBef>
-                <a:spcPts val="0"/>
-              </a:spcBef>
-              <a:spcAft>
-                <a:spcPts val="0"/>
-              </a:spcAft>
-              <a:buNone/>
-            </a:pPr>
-            <a:r>
-              <a:t/>
-            </a:r>
+            <a:pPr marL="457200" lvl="0" indent="0" algn="l" rtl="0">
+              <a:spcBef>
+                <a:spcPts val="0"/>
+              </a:spcBef>
+              <a:spcAft>
+                <a:spcPts val="0"/>
+              </a:spcAft>
+              <a:buNone/>
+            </a:pPr>
             <a:endParaRPr sz="1800"/>
           </a:p>
           <a:p>
-            <a:pPr indent="0" lvl="0" marL="457200" rtl="0" algn="l">
-              <a:spcBef>
-                <a:spcPts val="0"/>
-              </a:spcBef>
-              <a:spcAft>
-                <a:spcPts val="0"/>
-              </a:spcAft>
-              <a:buNone/>
-            </a:pPr>
-            <a:r>
-              <a:t/>
-            </a:r>
+            <a:pPr marL="457200" lvl="0" indent="0" algn="l" rtl="0">
+              <a:spcBef>
+                <a:spcPts val="0"/>
+              </a:spcBef>
+              <a:spcAft>
+                <a:spcPts val="0"/>
+              </a:spcAft>
+              <a:buNone/>
+            </a:pPr>
             <a:endParaRPr sz="1800"/>
           </a:p>
           <a:p>
-            <a:pPr indent="0" lvl="0" marL="457200" rtl="0" algn="ctr">
-              <a:spcBef>
-                <a:spcPts val="0"/>
-              </a:spcBef>
-              <a:spcAft>
-                <a:spcPts val="0"/>
-              </a:spcAft>
-              <a:buNone/>
-            </a:pPr>
-            <a:r>
-              <a:t/>
-            </a:r>
+            <a:pPr marL="457200" lvl="0" indent="0" algn="ctr" rtl="0">
+              <a:spcBef>
+                <a:spcPts val="0"/>
+              </a:spcBef>
+              <a:spcAft>
+                <a:spcPts val="0"/>
+              </a:spcAft>
+              <a:buNone/>
+            </a:pPr>
             <a:endParaRPr sz="1800"/>
           </a:p>
         </p:txBody>
@@ -9851,11 +10018,11 @@
 </file>
 
 <file path=ppt/slides/slide20.xml><?xml version="1.0" encoding="utf-8"?>
-<p:sld xmlns:a="http://schemas.openxmlformats.org/drawingml/2006/main" xmlns:r="http://schemas.openxmlformats.org/officeDocument/2006/relationships" xmlns:mc="http://schemas.openxmlformats.org/markup-compatibility/2006" xmlns:mv="urn:schemas-microsoft-com:mac:vml" xmlns:p="http://schemas.openxmlformats.org/presentationml/2006/main" xmlns:c="http://schemas.openxmlformats.org/drawingml/2006/chart" xmlns:dgm="http://schemas.openxmlformats.org/drawingml/2006/diagram" xmlns:o="urn:schemas-microsoft-com:office:office" xmlns:v="urn:schemas-microsoft-com:vml" xmlns:pvml="urn:schemas-microsoft-com:office:powerpoint" xmlns:com="http://schemas.openxmlformats.org/drawingml/2006/compatibility" xmlns:p14="http://schemas.microsoft.com/office/powerpoint/2010/main" xmlns:p15="http://schemas.microsoft.com/office/powerpoint/2012/main">
+<p:sld xmlns:a="http://schemas.openxmlformats.org/drawingml/2006/main" xmlns:r="http://schemas.openxmlformats.org/officeDocument/2006/relationships" xmlns:p="http://schemas.openxmlformats.org/presentationml/2006/main">
   <p:cSld>
     <p:spTree>
       <p:nvGrpSpPr>
-        <p:cNvPr id="184" name="Shape 184"/>
+        <p:cNvPr id="1" name="Shape 184"/>
         <p:cNvGrpSpPr/>
         <p:nvPr/>
       </p:nvGrpSpPr>
@@ -9870,7 +10037,9 @@
       <p:sp>
         <p:nvSpPr>
           <p:cNvPr id="185" name="Google Shape;185;p32"/>
-          <p:cNvSpPr txBox="1"/>
+          <p:cNvSpPr txBox="1">
+            <a:spLocks noGrp="1"/>
+          </p:cNvSpPr>
           <p:nvPr>
             <p:ph type="title"/>
           </p:nvPr>
@@ -9885,12 +10054,12 @@
           </a:prstGeom>
         </p:spPr>
         <p:txBody>
-          <a:bodyPr anchorCtr="0" anchor="t" bIns="91425" lIns="91425" spcFirstLastPara="1" rIns="91425" wrap="square" tIns="91425">
+          <a:bodyPr spcFirstLastPara="1" wrap="square" lIns="91425" tIns="91425" rIns="91425" bIns="91425" anchor="t" anchorCtr="0">
             <a:noAutofit/>
           </a:bodyPr>
           <a:lstStyle/>
           <a:p>
-            <a:pPr indent="0" lvl="0" marL="0" rtl="0" algn="l">
+            <a:pPr marL="0" lvl="0" indent="0" algn="l" rtl="0">
               <a:spcBef>
                 <a:spcPts val="0"/>
               </a:spcBef>
@@ -9900,19 +10069,21 @@
               <a:buNone/>
             </a:pPr>
             <a:r>
-              <a:rPr lang="en"/>
+              <a:rPr lang="en" dirty="0"/>
               <a:t>Contributions of team members </a:t>
             </a:r>
-            <a:endParaRPr/>
+            <a:endParaRPr dirty="0"/>
           </a:p>
         </p:txBody>
       </p:sp>
       <p:sp>
         <p:nvSpPr>
           <p:cNvPr id="186" name="Google Shape;186;p32"/>
-          <p:cNvSpPr txBox="1"/>
+          <p:cNvSpPr txBox="1">
+            <a:spLocks noGrp="1"/>
+          </p:cNvSpPr>
           <p:nvPr>
-            <p:ph idx="1" type="body"/>
+            <p:ph type="body" idx="1"/>
           </p:nvPr>
         </p:nvSpPr>
         <p:spPr>
@@ -9925,12 +10096,12 @@
           </a:prstGeom>
         </p:spPr>
         <p:txBody>
-          <a:bodyPr anchorCtr="0" anchor="t" bIns="91425" lIns="91425" spcFirstLastPara="1" rIns="91425" wrap="square" tIns="91425">
+          <a:bodyPr spcFirstLastPara="1" wrap="square" lIns="91425" tIns="91425" rIns="91425" bIns="91425" anchor="t" anchorCtr="0">
             <a:noAutofit/>
           </a:bodyPr>
           <a:lstStyle/>
           <a:p>
-            <a:pPr indent="0" lvl="0" marL="0" rtl="0" algn="l">
+            <a:pPr marL="0" lvl="0" indent="0" algn="l" rtl="0">
               <a:spcBef>
                 <a:spcPts val="0"/>
               </a:spcBef>
@@ -9940,29 +10111,29 @@
               <a:buNone/>
             </a:pPr>
             <a:r>
-              <a:rPr b="1" lang="en"/>
-              <a:t>Ramana Rao Akula, </a:t>
+              <a:rPr lang="en" b="1" dirty="0"/>
+              <a:t>Ramana Rao Akula </a:t>
             </a:r>
             <a:r>
-              <a:rPr b="1" lang="en"/>
-              <a:t>Nitya Mula </a:t>
+              <a:rPr lang="en-US"/>
+              <a:t>and</a:t>
+            </a:r>
+            <a:r>
+              <a:rPr lang="en" b="1"/>
+              <a:t> Nitya Mula</a:t>
             </a:r>
             <a:r>
               <a:rPr lang="en"/>
-              <a:t>and </a:t>
+              <a:t>: </a:t>
             </a:r>
             <a:r>
-              <a:rPr b="1" lang="en"/>
-              <a:t>Krishna Garg</a:t>
+              <a:rPr lang="en" dirty="0"/>
+              <a:t>Approach 1 using contours</a:t>
             </a:r>
-            <a:r>
-              <a:rPr lang="en"/>
-              <a:t>: Approach 1 using contours</a:t>
-            </a:r>
-            <a:endParaRPr/>
-          </a:p>
-          <a:p>
-            <a:pPr indent="0" lvl="0" marL="0" rtl="0" algn="l">
+            <a:endParaRPr dirty="0"/>
+          </a:p>
+          <a:p>
+            <a:pPr marL="0" lvl="0" indent="0" algn="l" rtl="0">
               <a:spcBef>
                 <a:spcPts val="1600"/>
               </a:spcBef>
@@ -9977,25 +10148,25 @@
               <a:buNone/>
             </a:pPr>
             <a:r>
-              <a:rPr b="1" lang="en"/>
+              <a:rPr lang="en" b="1" dirty="0"/>
               <a:t>Krishna Garg, Nitya Mula </a:t>
             </a:r>
             <a:r>
-              <a:rPr lang="en"/>
+              <a:rPr lang="en" dirty="0"/>
               <a:t>and</a:t>
             </a:r>
             <a:r>
-              <a:rPr b="1" lang="en"/>
+              <a:rPr lang="en" b="1" dirty="0"/>
               <a:t> Ramana Rao Akula</a:t>
             </a:r>
             <a:r>
-              <a:rPr lang="en"/>
+              <a:rPr lang="en" dirty="0"/>
               <a:t>: Approach 2 using Deep Learning</a:t>
             </a:r>
-            <a:endParaRPr/>
-          </a:p>
-          <a:p>
-            <a:pPr indent="0" lvl="0" marL="0" rtl="0" algn="l">
+            <a:endParaRPr dirty="0"/>
+          </a:p>
+          <a:p>
+            <a:pPr marL="0" lvl="0" indent="0" algn="l" rtl="0">
               <a:spcBef>
                 <a:spcPts val="1600"/>
               </a:spcBef>
@@ -10004,10 +10175,7 @@
               </a:spcAft>
               <a:buNone/>
             </a:pPr>
-            <a:r>
-              <a:t/>
-            </a:r>
-            <a:endParaRPr/>
+            <a:endParaRPr dirty="0"/>
           </a:p>
         </p:txBody>
       </p:sp>
@@ -10020,11 +10188,11 @@
 </file>
 
 <file path=ppt/slides/slide21.xml><?xml version="1.0" encoding="utf-8"?>
-<p:sld xmlns:a="http://schemas.openxmlformats.org/drawingml/2006/main" xmlns:r="http://schemas.openxmlformats.org/officeDocument/2006/relationships" xmlns:mc="http://schemas.openxmlformats.org/markup-compatibility/2006" xmlns:mv="urn:schemas-microsoft-com:mac:vml" xmlns:p="http://schemas.openxmlformats.org/presentationml/2006/main" xmlns:c="http://schemas.openxmlformats.org/drawingml/2006/chart" xmlns:dgm="http://schemas.openxmlformats.org/drawingml/2006/diagram" xmlns:o="urn:schemas-microsoft-com:office:office" xmlns:v="urn:schemas-microsoft-com:vml" xmlns:pvml="urn:schemas-microsoft-com:office:powerpoint" xmlns:com="http://schemas.openxmlformats.org/drawingml/2006/compatibility" xmlns:p14="http://schemas.microsoft.com/office/powerpoint/2010/main" xmlns:p15="http://schemas.microsoft.com/office/powerpoint/2012/main">
+<p:sld xmlns:a="http://schemas.openxmlformats.org/drawingml/2006/main" xmlns:r="http://schemas.openxmlformats.org/officeDocument/2006/relationships" xmlns:p="http://schemas.openxmlformats.org/presentationml/2006/main">
   <p:cSld>
     <p:spTree>
       <p:nvGrpSpPr>
-        <p:cNvPr id="190" name="Shape 190"/>
+        <p:cNvPr id="1" name="Shape 190"/>
         <p:cNvGrpSpPr/>
         <p:nvPr/>
       </p:nvGrpSpPr>
@@ -10039,7 +10207,9 @@
       <p:sp>
         <p:nvSpPr>
           <p:cNvPr id="191" name="Google Shape;191;p33"/>
-          <p:cNvSpPr txBox="1"/>
+          <p:cNvSpPr txBox="1">
+            <a:spLocks noGrp="1"/>
+          </p:cNvSpPr>
           <p:nvPr>
             <p:ph type="title"/>
           </p:nvPr>
@@ -10054,12 +10224,12 @@
           </a:prstGeom>
         </p:spPr>
         <p:txBody>
-          <a:bodyPr anchorCtr="0" anchor="t" bIns="91425" lIns="91425" spcFirstLastPara="1" rIns="91425" wrap="square" tIns="91425">
+          <a:bodyPr spcFirstLastPara="1" wrap="square" lIns="91425" tIns="91425" rIns="91425" bIns="91425" anchor="t" anchorCtr="0">
             <a:noAutofit/>
           </a:bodyPr>
           <a:lstStyle/>
           <a:p>
-            <a:pPr indent="0" lvl="0" marL="0" rtl="0" algn="ctr">
+            <a:pPr marL="0" lvl="0" indent="0" algn="ctr" rtl="0">
               <a:spcBef>
                 <a:spcPts val="0"/>
               </a:spcBef>
@@ -10075,7 +10245,7 @@
             <a:endParaRPr/>
           </a:p>
           <a:p>
-            <a:pPr indent="0" lvl="0" marL="0" rtl="0" algn="ctr">
+            <a:pPr marL="0" lvl="0" indent="0" algn="ctr" rtl="0">
               <a:spcBef>
                 <a:spcPts val="0"/>
               </a:spcBef>
@@ -10101,11 +10271,11 @@
 </file>
 
 <file path=ppt/slides/slide3.xml><?xml version="1.0" encoding="utf-8"?>
-<p:sld xmlns:a="http://schemas.openxmlformats.org/drawingml/2006/main" xmlns:r="http://schemas.openxmlformats.org/officeDocument/2006/relationships" xmlns:mc="http://schemas.openxmlformats.org/markup-compatibility/2006" xmlns:mv="urn:schemas-microsoft-com:mac:vml" xmlns:p="http://schemas.openxmlformats.org/presentationml/2006/main" xmlns:c="http://schemas.openxmlformats.org/drawingml/2006/chart" xmlns:dgm="http://schemas.openxmlformats.org/drawingml/2006/diagram" xmlns:o="urn:schemas-microsoft-com:office:office" xmlns:v="urn:schemas-microsoft-com:vml" xmlns:pvml="urn:schemas-microsoft-com:office:powerpoint" xmlns:com="http://schemas.openxmlformats.org/drawingml/2006/compatibility" xmlns:p14="http://schemas.microsoft.com/office/powerpoint/2010/main" xmlns:p15="http://schemas.microsoft.com/office/powerpoint/2012/main">
+<p:sld xmlns:a="http://schemas.openxmlformats.org/drawingml/2006/main" xmlns:r="http://schemas.openxmlformats.org/officeDocument/2006/relationships" xmlns:p="http://schemas.openxmlformats.org/presentationml/2006/main">
   <p:cSld>
     <p:spTree>
       <p:nvGrpSpPr>
-        <p:cNvPr id="65" name="Shape 65"/>
+        <p:cNvPr id="1" name="Shape 65"/>
         <p:cNvGrpSpPr/>
         <p:nvPr/>
       </p:nvGrpSpPr>
@@ -10120,7 +10290,9 @@
       <p:sp>
         <p:nvSpPr>
           <p:cNvPr id="66" name="Google Shape;66;p15"/>
-          <p:cNvSpPr txBox="1"/>
+          <p:cNvSpPr txBox="1">
+            <a:spLocks noGrp="1"/>
+          </p:cNvSpPr>
           <p:nvPr>
             <p:ph type="ctrTitle"/>
           </p:nvPr>
@@ -10135,12 +10307,12 @@
           </a:prstGeom>
         </p:spPr>
         <p:txBody>
-          <a:bodyPr anchorCtr="0" anchor="b" bIns="91425" lIns="91425" spcFirstLastPara="1" rIns="91425" wrap="square" tIns="91425">
+          <a:bodyPr spcFirstLastPara="1" wrap="square" lIns="91425" tIns="91425" rIns="91425" bIns="91425" anchor="b" anchorCtr="0">
             <a:noAutofit/>
           </a:bodyPr>
           <a:lstStyle/>
           <a:p>
-            <a:pPr indent="0" lvl="0" marL="0" rtl="0" algn="ctr">
+            <a:pPr marL="0" lvl="0" indent="0" algn="ctr" rtl="0">
               <a:spcBef>
                 <a:spcPts val="0"/>
               </a:spcBef>
@@ -10160,9 +10332,11 @@
       <p:sp>
         <p:nvSpPr>
           <p:cNvPr id="67" name="Google Shape;67;p15"/>
-          <p:cNvSpPr txBox="1"/>
+          <p:cNvSpPr txBox="1">
+            <a:spLocks noGrp="1"/>
+          </p:cNvSpPr>
           <p:nvPr>
-            <p:ph idx="1" type="subTitle"/>
+            <p:ph type="subTitle" idx="1"/>
           </p:nvPr>
         </p:nvSpPr>
         <p:spPr>
@@ -10175,12 +10349,12 @@
           </a:prstGeom>
         </p:spPr>
         <p:txBody>
-          <a:bodyPr anchorCtr="0" anchor="t" bIns="91425" lIns="91425" spcFirstLastPara="1" rIns="91425" wrap="square" tIns="91425">
+          <a:bodyPr spcFirstLastPara="1" wrap="square" lIns="91425" tIns="91425" rIns="91425" bIns="91425" anchor="t" anchorCtr="0">
             <a:noAutofit/>
           </a:bodyPr>
           <a:lstStyle/>
           <a:p>
-            <a:pPr indent="-342900" lvl="0" marL="457200" rtl="0" algn="l">
+            <a:pPr marL="457200" lvl="0" indent="-342900" algn="l" rtl="0">
               <a:spcBef>
                 <a:spcPts val="0"/>
               </a:spcBef>
@@ -10197,22 +10371,19 @@
             <a:endParaRPr sz="1800"/>
           </a:p>
           <a:p>
-            <a:pPr indent="0" lvl="0" marL="914400" rtl="0" algn="l">
-              <a:spcBef>
-                <a:spcPts val="0"/>
-              </a:spcBef>
-              <a:spcAft>
-                <a:spcPts val="0"/>
-              </a:spcAft>
-              <a:buNone/>
-            </a:pPr>
-            <a:r>
-              <a:t/>
-            </a:r>
+            <a:pPr marL="914400" lvl="0" indent="0" algn="l" rtl="0">
+              <a:spcBef>
+                <a:spcPts val="0"/>
+              </a:spcBef>
+              <a:spcAft>
+                <a:spcPts val="0"/>
+              </a:spcAft>
+              <a:buNone/>
+            </a:pPr>
             <a:endParaRPr sz="1800"/>
           </a:p>
           <a:p>
-            <a:pPr indent="-342900" lvl="0" marL="457200" rtl="0" algn="l">
+            <a:pPr marL="457200" lvl="0" indent="-342900" algn="l" rtl="0">
               <a:spcBef>
                 <a:spcPts val="0"/>
               </a:spcBef>
@@ -10229,7 +10400,19 @@
             <a:endParaRPr sz="1800"/>
           </a:p>
           <a:p>
-            <a:pPr indent="0" lvl="0" marL="0" rtl="0" algn="l">
+            <a:pPr marL="0" lvl="0" indent="0" algn="l" rtl="0">
+              <a:spcBef>
+                <a:spcPts val="0"/>
+              </a:spcBef>
+              <a:spcAft>
+                <a:spcPts val="0"/>
+              </a:spcAft>
+              <a:buNone/>
+            </a:pPr>
+            <a:endParaRPr sz="1800"/>
+          </a:p>
+          <a:p>
+            <a:pPr marL="0" lvl="0" indent="0" algn="l" rtl="0">
               <a:spcBef>
                 <a:spcPts val="0"/>
               </a:spcBef>
@@ -10239,55 +10422,37 @@
               <a:buNone/>
             </a:pPr>
             <a:r>
-              <a:t/>
-            </a:r>
-            <a:endParaRPr sz="1800"/>
-          </a:p>
-          <a:p>
-            <a:pPr indent="0" lvl="0" marL="0" rtl="0" algn="l">
-              <a:spcBef>
-                <a:spcPts val="0"/>
-              </a:spcBef>
-              <a:spcAft>
-                <a:spcPts val="0"/>
-              </a:spcAft>
-              <a:buNone/>
-            </a:pPr>
-            <a:r>
-              <a:rPr b="1" lang="en" sz="1800">
+              <a:rPr lang="en" sz="1800" b="1">
                 <a:solidFill>
                   <a:schemeClr val="dk1"/>
                 </a:solidFill>
               </a:rPr>
               <a:t>Applications</a:t>
             </a:r>
-            <a:endParaRPr b="1" sz="1800">
+            <a:endParaRPr sz="1800" b="1">
               <a:solidFill>
                 <a:schemeClr val="dk1"/>
               </a:solidFill>
             </a:endParaRPr>
           </a:p>
           <a:p>
-            <a:pPr indent="0" lvl="0" marL="0" rtl="0" algn="l">
-              <a:spcBef>
-                <a:spcPts val="0"/>
-              </a:spcBef>
-              <a:spcAft>
-                <a:spcPts val="0"/>
-              </a:spcAft>
-              <a:buNone/>
-            </a:pPr>
-            <a:r>
-              <a:t/>
-            </a:r>
-            <a:endParaRPr b="1" sz="1800">
+            <a:pPr marL="0" lvl="0" indent="0" algn="l" rtl="0">
+              <a:spcBef>
+                <a:spcPts val="0"/>
+              </a:spcBef>
+              <a:spcAft>
+                <a:spcPts val="0"/>
+              </a:spcAft>
+              <a:buNone/>
+            </a:pPr>
+            <a:endParaRPr sz="1800" b="1">
               <a:solidFill>
                 <a:schemeClr val="dk1"/>
               </a:solidFill>
             </a:endParaRPr>
           </a:p>
           <a:p>
-            <a:pPr indent="-342900" lvl="0" marL="457200" rtl="0" algn="l">
+            <a:pPr marL="457200" lvl="0" indent="-342900" algn="l" rtl="0">
               <a:spcBef>
                 <a:spcPts val="0"/>
               </a:spcBef>
@@ -10301,14 +10466,14 @@
               <a:rPr lang="en" sz="1800"/>
               <a:t>Gesture based video/audio controls</a:t>
             </a:r>
-            <a:endParaRPr b="1" sz="1800">
+            <a:endParaRPr sz="1800" b="1">
               <a:solidFill>
                 <a:schemeClr val="dk1"/>
               </a:solidFill>
             </a:endParaRPr>
           </a:p>
           <a:p>
-            <a:pPr indent="-342900" lvl="0" marL="457200" rtl="0" algn="l">
+            <a:pPr marL="457200" lvl="0" indent="-342900" algn="l" rtl="0">
               <a:spcBef>
                 <a:spcPts val="0"/>
               </a:spcBef>
@@ -10325,7 +10490,7 @@
             <a:endParaRPr sz="1800"/>
           </a:p>
           <a:p>
-            <a:pPr indent="-342900" lvl="0" marL="457200" rtl="0" algn="l">
+            <a:pPr marL="457200" lvl="0" indent="-342900" algn="l" rtl="0">
               <a:spcBef>
                 <a:spcPts val="0"/>
               </a:spcBef>
@@ -10342,18 +10507,15 @@
             <a:endParaRPr sz="1800"/>
           </a:p>
           <a:p>
-            <a:pPr indent="0" lvl="0" marL="0" rtl="0" algn="l">
-              <a:spcBef>
-                <a:spcPts val="0"/>
-              </a:spcBef>
-              <a:spcAft>
-                <a:spcPts val="0"/>
-              </a:spcAft>
-              <a:buNone/>
-            </a:pPr>
-            <a:r>
-              <a:t/>
-            </a:r>
+            <a:pPr marL="0" lvl="0" indent="0" algn="l" rtl="0">
+              <a:spcBef>
+                <a:spcPts val="0"/>
+              </a:spcBef>
+              <a:spcAft>
+                <a:spcPts val="0"/>
+              </a:spcAft>
+              <a:buNone/>
+            </a:pPr>
             <a:endParaRPr sz="1800"/>
           </a:p>
         </p:txBody>
@@ -10367,11 +10529,11 @@
 </file>
 
 <file path=ppt/slides/slide4.xml><?xml version="1.0" encoding="utf-8"?>
-<p:sld xmlns:a="http://schemas.openxmlformats.org/drawingml/2006/main" xmlns:r="http://schemas.openxmlformats.org/officeDocument/2006/relationships" xmlns:mc="http://schemas.openxmlformats.org/markup-compatibility/2006" xmlns:mv="urn:schemas-microsoft-com:mac:vml" xmlns:p="http://schemas.openxmlformats.org/presentationml/2006/main" xmlns:c="http://schemas.openxmlformats.org/drawingml/2006/chart" xmlns:dgm="http://schemas.openxmlformats.org/drawingml/2006/diagram" xmlns:o="urn:schemas-microsoft-com:office:office" xmlns:v="urn:schemas-microsoft-com:vml" xmlns:pvml="urn:schemas-microsoft-com:office:powerpoint" xmlns:com="http://schemas.openxmlformats.org/drawingml/2006/compatibility" xmlns:p14="http://schemas.microsoft.com/office/powerpoint/2010/main" xmlns:p15="http://schemas.microsoft.com/office/powerpoint/2012/main">
+<p:sld xmlns:a="http://schemas.openxmlformats.org/drawingml/2006/main" xmlns:r="http://schemas.openxmlformats.org/officeDocument/2006/relationships" xmlns:p="http://schemas.openxmlformats.org/presentationml/2006/main">
   <p:cSld>
     <p:spTree>
       <p:nvGrpSpPr>
-        <p:cNvPr id="71" name="Shape 71"/>
+        <p:cNvPr id="1" name="Shape 71"/>
         <p:cNvGrpSpPr/>
         <p:nvPr/>
       </p:nvGrpSpPr>
@@ -10487,23 +10649,20 @@
           </a:ln>
         </p:spPr>
         <p:txBody>
-          <a:bodyPr anchorCtr="0" anchor="t" bIns="91425" lIns="91425" spcFirstLastPara="1" rIns="91425" wrap="square" tIns="91425">
+          <a:bodyPr spcFirstLastPara="1" wrap="square" lIns="91425" tIns="91425" rIns="91425" bIns="91425" anchor="t" anchorCtr="0">
             <a:noAutofit/>
           </a:bodyPr>
           <a:lstStyle/>
           <a:p>
-            <a:pPr indent="0" lvl="0" marL="0" rtl="0" algn="l">
-              <a:spcBef>
-                <a:spcPts val="0"/>
-              </a:spcBef>
-              <a:spcAft>
-                <a:spcPts val="0"/>
-              </a:spcAft>
-              <a:buNone/>
-            </a:pPr>
-            <a:r>
-              <a:t/>
-            </a:r>
+            <a:pPr marL="0" lvl="0" indent="0" algn="l" rtl="0">
+              <a:spcBef>
+                <a:spcPts val="0"/>
+              </a:spcBef>
+              <a:spcAft>
+                <a:spcPts val="0"/>
+              </a:spcAft>
+              <a:buNone/>
+            </a:pPr>
             <a:endParaRPr/>
           </a:p>
         </p:txBody>
@@ -10528,12 +10687,12 @@
           </a:ln>
         </p:spPr>
         <p:txBody>
-          <a:bodyPr anchorCtr="0" anchor="t" bIns="91425" lIns="91425" spcFirstLastPara="1" rIns="91425" wrap="square" tIns="91425">
+          <a:bodyPr spcFirstLastPara="1" wrap="square" lIns="91425" tIns="91425" rIns="91425" bIns="91425" anchor="t" anchorCtr="0">
             <a:noAutofit/>
           </a:bodyPr>
           <a:lstStyle/>
           <a:p>
-            <a:pPr indent="0" lvl="0" marL="0" rtl="0" algn="l">
+            <a:pPr marL="0" lvl="0" indent="0" algn="l" rtl="0">
               <a:spcBef>
                 <a:spcPts val="0"/>
               </a:spcBef>
@@ -10570,12 +10729,12 @@
           </a:ln>
         </p:spPr>
         <p:txBody>
-          <a:bodyPr anchorCtr="0" anchor="t" bIns="91425" lIns="91425" spcFirstLastPara="1" rIns="91425" wrap="square" tIns="91425">
+          <a:bodyPr spcFirstLastPara="1" wrap="square" lIns="91425" tIns="91425" rIns="91425" bIns="91425" anchor="t" anchorCtr="0">
             <a:noAutofit/>
           </a:bodyPr>
           <a:lstStyle/>
           <a:p>
-            <a:pPr indent="0" lvl="0" marL="0" rtl="0" algn="l">
+            <a:pPr marL="0" lvl="0" indent="0" algn="l" rtl="0">
               <a:spcBef>
                 <a:spcPts val="0"/>
               </a:spcBef>
@@ -10612,12 +10771,12 @@
           </a:ln>
         </p:spPr>
         <p:txBody>
-          <a:bodyPr anchorCtr="0" anchor="t" bIns="91425" lIns="91425" spcFirstLastPara="1" rIns="91425" wrap="square" tIns="91425">
+          <a:bodyPr spcFirstLastPara="1" wrap="square" lIns="91425" tIns="91425" rIns="91425" bIns="91425" anchor="t" anchorCtr="0">
             <a:noAutofit/>
           </a:bodyPr>
           <a:lstStyle/>
           <a:p>
-            <a:pPr indent="0" lvl="0" marL="0" rtl="0" algn="l">
+            <a:pPr marL="0" lvl="0" indent="0" algn="l" rtl="0">
               <a:spcBef>
                 <a:spcPts val="0"/>
               </a:spcBef>
@@ -10671,11 +10830,11 @@
 </file>
 
 <file path=ppt/slides/slide5.xml><?xml version="1.0" encoding="utf-8"?>
-<p:sld xmlns:a="http://schemas.openxmlformats.org/drawingml/2006/main" xmlns:r="http://schemas.openxmlformats.org/officeDocument/2006/relationships" xmlns:mc="http://schemas.openxmlformats.org/markup-compatibility/2006" xmlns:mv="urn:schemas-microsoft-com:mac:vml" xmlns:p="http://schemas.openxmlformats.org/presentationml/2006/main" xmlns:c="http://schemas.openxmlformats.org/drawingml/2006/chart" xmlns:dgm="http://schemas.openxmlformats.org/drawingml/2006/diagram" xmlns:o="urn:schemas-microsoft-com:office:office" xmlns:v="urn:schemas-microsoft-com:vml" xmlns:pvml="urn:schemas-microsoft-com:office:powerpoint" xmlns:com="http://schemas.openxmlformats.org/drawingml/2006/compatibility" xmlns:p14="http://schemas.microsoft.com/office/powerpoint/2010/main" xmlns:p15="http://schemas.microsoft.com/office/powerpoint/2012/main">
+<p:sld xmlns:a="http://schemas.openxmlformats.org/drawingml/2006/main" xmlns:r="http://schemas.openxmlformats.org/officeDocument/2006/relationships" xmlns:p="http://schemas.openxmlformats.org/presentationml/2006/main">
   <p:cSld>
     <p:spTree>
       <p:nvGrpSpPr>
-        <p:cNvPr id="83" name="Shape 83"/>
+        <p:cNvPr id="1" name="Shape 83"/>
         <p:cNvGrpSpPr/>
         <p:nvPr/>
       </p:nvGrpSpPr>
@@ -10690,7 +10849,9 @@
       <p:sp>
         <p:nvSpPr>
           <p:cNvPr id="84" name="Google Shape;84;p17"/>
-          <p:cNvSpPr txBox="1"/>
+          <p:cNvSpPr txBox="1">
+            <a:spLocks noGrp="1"/>
+          </p:cNvSpPr>
           <p:nvPr>
             <p:ph type="ctrTitle"/>
           </p:nvPr>
@@ -10705,12 +10866,12 @@
           </a:prstGeom>
         </p:spPr>
         <p:txBody>
-          <a:bodyPr anchorCtr="0" anchor="b" bIns="91425" lIns="91425" spcFirstLastPara="1" rIns="91425" wrap="square" tIns="91425">
+          <a:bodyPr spcFirstLastPara="1" wrap="square" lIns="91425" tIns="91425" rIns="91425" bIns="91425" anchor="b" anchorCtr="0">
             <a:noAutofit/>
           </a:bodyPr>
           <a:lstStyle/>
           <a:p>
-            <a:pPr indent="0" lvl="0" marL="0" rtl="0" algn="ctr">
+            <a:pPr marL="0" lvl="0" indent="0" algn="ctr" rtl="0">
               <a:spcBef>
                 <a:spcPts val="0"/>
               </a:spcBef>
@@ -10730,9 +10891,11 @@
       <p:sp>
         <p:nvSpPr>
           <p:cNvPr id="85" name="Google Shape;85;p17"/>
-          <p:cNvSpPr txBox="1"/>
+          <p:cNvSpPr txBox="1">
+            <a:spLocks noGrp="1"/>
+          </p:cNvSpPr>
           <p:nvPr>
-            <p:ph idx="1" type="subTitle"/>
+            <p:ph type="subTitle" idx="1"/>
           </p:nvPr>
         </p:nvSpPr>
         <p:spPr>
@@ -10745,12 +10908,12 @@
           </a:prstGeom>
         </p:spPr>
         <p:txBody>
-          <a:bodyPr anchorCtr="0" anchor="t" bIns="91425" lIns="91425" spcFirstLastPara="1" rIns="91425" wrap="square" tIns="91425">
+          <a:bodyPr spcFirstLastPara="1" wrap="square" lIns="91425" tIns="91425" rIns="91425" bIns="91425" anchor="t" anchorCtr="0">
             <a:noAutofit/>
           </a:bodyPr>
           <a:lstStyle/>
           <a:p>
-            <a:pPr indent="-342900" lvl="0" marL="457200" rtl="0" algn="l">
+            <a:pPr marL="457200" lvl="0" indent="-342900" algn="l" rtl="0">
               <a:spcBef>
                 <a:spcPts val="0"/>
               </a:spcBef>
@@ -10762,31 +10925,24 @@
             </a:pPr>
             <a:r>
               <a:rPr lang="en" sz="1800"/>
-              <a:t>Another important motivation is to</a:t>
-            </a:r>
-            <a:r>
-              <a:rPr lang="en" sz="1800"/>
-              <a:t> assist the impaired using hand gesture recognition.</a:t>
+              <a:t>Another important motivation is to assist the impaired using hand gesture recognition.</a:t>
             </a:r>
             <a:endParaRPr sz="1800"/>
           </a:p>
           <a:p>
-            <a:pPr indent="0" lvl="0" marL="457200" rtl="0" algn="l">
-              <a:spcBef>
-                <a:spcPts val="0"/>
-              </a:spcBef>
-              <a:spcAft>
-                <a:spcPts val="0"/>
-              </a:spcAft>
-              <a:buNone/>
-            </a:pPr>
-            <a:r>
-              <a:t/>
-            </a:r>
+            <a:pPr marL="457200" lvl="0" indent="0" algn="l" rtl="0">
+              <a:spcBef>
+                <a:spcPts val="0"/>
+              </a:spcBef>
+              <a:spcAft>
+                <a:spcPts val="0"/>
+              </a:spcAft>
+              <a:buNone/>
+            </a:pPr>
             <a:endParaRPr sz="1800"/>
           </a:p>
           <a:p>
-            <a:pPr indent="-342900" lvl="0" marL="457200" rtl="0" algn="l">
+            <a:pPr marL="457200" lvl="0" indent="-342900" algn="l" rtl="0">
               <a:spcBef>
                 <a:spcPts val="0"/>
               </a:spcBef>
@@ -10803,104 +10959,68 @@
             <a:endParaRPr sz="1800"/>
           </a:p>
           <a:p>
-            <a:pPr indent="0" lvl="0" marL="457200" rtl="0" algn="l">
-              <a:spcBef>
-                <a:spcPts val="0"/>
-              </a:spcBef>
-              <a:spcAft>
-                <a:spcPts val="0"/>
-              </a:spcAft>
-              <a:buNone/>
+            <a:pPr marL="457200" lvl="0" indent="0" algn="l" rtl="0">
+              <a:spcBef>
+                <a:spcPts val="0"/>
+              </a:spcBef>
+              <a:spcAft>
+                <a:spcPts val="0"/>
+              </a:spcAft>
+              <a:buNone/>
+            </a:pPr>
+            <a:endParaRPr sz="1800"/>
+          </a:p>
+          <a:p>
+            <a:pPr marL="457200" lvl="0" indent="-342900" algn="l" rtl="0">
+              <a:spcBef>
+                <a:spcPts val="0"/>
+              </a:spcBef>
+              <a:spcAft>
+                <a:spcPts val="0"/>
+              </a:spcAft>
+              <a:buSzPts val="1800"/>
+              <a:buChar char="●"/>
             </a:pPr>
             <a:r>
-              <a:t/>
+              <a:rPr lang="en" sz="1800"/>
+              <a:t>The communication for visually impaired and blind people focuses mostly upon speech or keyboard interfaces which may not be efficient enough in everyday environments.</a:t>
             </a:r>
             <a:endParaRPr sz="1800"/>
           </a:p>
           <a:p>
-            <a:pPr indent="-342900" lvl="0" marL="457200" rtl="0" algn="l">
-              <a:spcBef>
-                <a:spcPts val="0"/>
-              </a:spcBef>
-              <a:spcAft>
-                <a:spcPts val="0"/>
-              </a:spcAft>
-              <a:buSzPts val="1800"/>
-              <a:buChar char="●"/>
-            </a:pPr>
-            <a:r>
-              <a:rPr lang="en" sz="1800"/>
-              <a:t>The communication for v</a:t>
-            </a:r>
-            <a:r>
-              <a:rPr lang="en" sz="1800"/>
-              <a:t>isually impaired and </a:t>
-            </a:r>
-            <a:r>
-              <a:rPr lang="en" sz="1800"/>
-              <a:t>blind people </a:t>
-            </a:r>
-            <a:r>
-              <a:rPr lang="en" sz="1800"/>
-              <a:t>focuses</a:t>
-            </a:r>
-            <a:r>
-              <a:rPr lang="en" sz="1800"/>
-              <a:t> mostly upon speech or keyboard interfaces which may</a:t>
-            </a:r>
-            <a:r>
-              <a:rPr lang="en" sz="1800"/>
-              <a:t> </a:t>
-            </a:r>
-            <a:r>
-              <a:rPr lang="en" sz="1800"/>
-              <a:t>not be efficient enough in everyday environments.</a:t>
-            </a:r>
+            <a:pPr marL="457200" lvl="0" indent="0" algn="l" rtl="0">
+              <a:spcBef>
+                <a:spcPts val="0"/>
+              </a:spcBef>
+              <a:spcAft>
+                <a:spcPts val="0"/>
+              </a:spcAft>
+              <a:buNone/>
+            </a:pPr>
             <a:endParaRPr sz="1800"/>
           </a:p>
           <a:p>
-            <a:pPr indent="0" lvl="0" marL="457200" rtl="0" algn="l">
-              <a:spcBef>
-                <a:spcPts val="0"/>
-              </a:spcBef>
-              <a:spcAft>
-                <a:spcPts val="0"/>
-              </a:spcAft>
-              <a:buNone/>
-            </a:pPr>
-            <a:r>
-              <a:t/>
-            </a:r>
+            <a:pPr marL="457200" lvl="0" indent="0" algn="l" rtl="0">
+              <a:spcBef>
+                <a:spcPts val="0"/>
+              </a:spcBef>
+              <a:spcAft>
+                <a:spcPts val="0"/>
+              </a:spcAft>
+              <a:buNone/>
+            </a:pPr>
             <a:endParaRPr sz="1800"/>
           </a:p>
           <a:p>
-            <a:pPr indent="0" lvl="0" marL="457200" rtl="0" algn="l">
-              <a:spcBef>
-                <a:spcPts val="0"/>
-              </a:spcBef>
-              <a:spcAft>
-                <a:spcPts val="0"/>
-              </a:spcAft>
-              <a:buNone/>
-            </a:pPr>
-            <a:r>
-              <a:t/>
-            </a:r>
-            <a:endParaRPr sz="1800"/>
-          </a:p>
-          <a:p>
-            <a:pPr indent="0" lvl="0" marL="457200" rtl="0" algn="l">
-              <a:spcBef>
-                <a:spcPts val="0"/>
-              </a:spcBef>
-              <a:spcAft>
-                <a:spcPts val="0"/>
-              </a:spcAft>
-              <a:buNone/>
-            </a:pPr>
-            <a:r>
-              <a:t/>
-            </a:r>
+            <a:pPr marL="457200" lvl="0" indent="0" algn="l" rtl="0">
+              <a:spcBef>
+                <a:spcPts val="0"/>
+              </a:spcBef>
+              <a:spcAft>
+                <a:spcPts val="0"/>
+              </a:spcAft>
+              <a:buNone/>
+            </a:pPr>
             <a:endParaRPr sz="1800"/>
           </a:p>
         </p:txBody>
@@ -10914,11 +11034,11 @@
 </file>
 
 <file path=ppt/slides/slide6.xml><?xml version="1.0" encoding="utf-8"?>
-<p:sld xmlns:a="http://schemas.openxmlformats.org/drawingml/2006/main" xmlns:r="http://schemas.openxmlformats.org/officeDocument/2006/relationships" xmlns:mc="http://schemas.openxmlformats.org/markup-compatibility/2006" xmlns:mv="urn:schemas-microsoft-com:mac:vml" xmlns:p="http://schemas.openxmlformats.org/presentationml/2006/main" xmlns:c="http://schemas.openxmlformats.org/drawingml/2006/chart" xmlns:dgm="http://schemas.openxmlformats.org/drawingml/2006/diagram" xmlns:o="urn:schemas-microsoft-com:office:office" xmlns:v="urn:schemas-microsoft-com:vml" xmlns:pvml="urn:schemas-microsoft-com:office:powerpoint" xmlns:com="http://schemas.openxmlformats.org/drawingml/2006/compatibility" xmlns:p14="http://schemas.microsoft.com/office/powerpoint/2010/main" xmlns:p15="http://schemas.microsoft.com/office/powerpoint/2012/main">
+<p:sld xmlns:a="http://schemas.openxmlformats.org/drawingml/2006/main" xmlns:r="http://schemas.openxmlformats.org/officeDocument/2006/relationships" xmlns:p="http://schemas.openxmlformats.org/presentationml/2006/main">
   <p:cSld>
     <p:spTree>
       <p:nvGrpSpPr>
-        <p:cNvPr id="89" name="Shape 89"/>
+        <p:cNvPr id="1" name="Shape 89"/>
         <p:cNvGrpSpPr/>
         <p:nvPr/>
       </p:nvGrpSpPr>
@@ -10933,7 +11053,9 @@
       <p:sp>
         <p:nvSpPr>
           <p:cNvPr id="90" name="Google Shape;90;p18"/>
-          <p:cNvSpPr txBox="1"/>
+          <p:cNvSpPr txBox="1">
+            <a:spLocks noGrp="1"/>
+          </p:cNvSpPr>
           <p:nvPr>
             <p:ph type="ctrTitle"/>
           </p:nvPr>
@@ -10948,12 +11070,12 @@
           </a:prstGeom>
         </p:spPr>
         <p:txBody>
-          <a:bodyPr anchorCtr="0" anchor="b" bIns="91425" lIns="91425" spcFirstLastPara="1" rIns="91425" wrap="square" tIns="91425">
+          <a:bodyPr spcFirstLastPara="1" wrap="square" lIns="91425" tIns="91425" rIns="91425" bIns="91425" anchor="b" anchorCtr="0">
             <a:noAutofit/>
           </a:bodyPr>
           <a:lstStyle/>
           <a:p>
-            <a:pPr indent="0" lvl="0" marL="0" rtl="0" algn="ctr">
+            <a:pPr marL="0" lvl="0" indent="0" algn="ctr" rtl="0">
               <a:spcBef>
                 <a:spcPts val="0"/>
               </a:spcBef>
@@ -10973,9 +11095,11 @@
       <p:sp>
         <p:nvSpPr>
           <p:cNvPr id="91" name="Google Shape;91;p18"/>
-          <p:cNvSpPr txBox="1"/>
+          <p:cNvSpPr txBox="1">
+            <a:spLocks noGrp="1"/>
+          </p:cNvSpPr>
           <p:nvPr>
-            <p:ph idx="1" type="subTitle"/>
+            <p:ph type="subTitle" idx="1"/>
           </p:nvPr>
         </p:nvSpPr>
         <p:spPr>
@@ -10988,12 +11112,12 @@
           </a:prstGeom>
         </p:spPr>
         <p:txBody>
-          <a:bodyPr anchorCtr="0" anchor="t" bIns="91425" lIns="91425" spcFirstLastPara="1" rIns="91425" wrap="square" tIns="91425">
+          <a:bodyPr spcFirstLastPara="1" wrap="square" lIns="91425" tIns="91425" rIns="91425" bIns="91425" anchor="t" anchorCtr="0">
             <a:noAutofit/>
           </a:bodyPr>
           <a:lstStyle/>
           <a:p>
-            <a:pPr indent="-342900" lvl="0" marL="457200" rtl="0" algn="l">
+            <a:pPr marL="457200" lvl="0" indent="-342900" algn="l" rtl="0">
               <a:spcBef>
                 <a:spcPts val="0"/>
               </a:spcBef>
@@ -11010,108 +11134,87 @@
             <a:endParaRPr sz="1800"/>
           </a:p>
           <a:p>
-            <a:pPr indent="0" lvl="0" marL="457200" rtl="0" algn="l">
-              <a:spcBef>
-                <a:spcPts val="0"/>
-              </a:spcBef>
-              <a:spcAft>
-                <a:spcPts val="0"/>
-              </a:spcAft>
-              <a:buNone/>
-            </a:pPr>
-            <a:r>
-              <a:t/>
-            </a:r>
+            <a:pPr marL="457200" lvl="0" indent="0" algn="l" rtl="0">
+              <a:spcBef>
+                <a:spcPts val="0"/>
+              </a:spcBef>
+              <a:spcAft>
+                <a:spcPts val="0"/>
+              </a:spcAft>
+              <a:buNone/>
+            </a:pPr>
             <a:endParaRPr sz="1800"/>
           </a:p>
           <a:p>
-            <a:pPr indent="0" lvl="0" marL="457200" rtl="0" algn="l">
-              <a:spcBef>
-                <a:spcPts val="0"/>
-              </a:spcBef>
-              <a:spcAft>
-                <a:spcPts val="0"/>
-              </a:spcAft>
-              <a:buNone/>
-            </a:pPr>
-            <a:r>
-              <a:t/>
-            </a:r>
+            <a:pPr marL="457200" lvl="0" indent="0" algn="l" rtl="0">
+              <a:spcBef>
+                <a:spcPts val="0"/>
+              </a:spcBef>
+              <a:spcAft>
+                <a:spcPts val="0"/>
+              </a:spcAft>
+              <a:buNone/>
+            </a:pPr>
             <a:endParaRPr sz="1800"/>
           </a:p>
           <a:p>
-            <a:pPr indent="0" lvl="0" marL="457200" rtl="0" algn="l">
-              <a:spcBef>
-                <a:spcPts val="0"/>
-              </a:spcBef>
-              <a:spcAft>
-                <a:spcPts val="0"/>
-              </a:spcAft>
-              <a:buNone/>
-            </a:pPr>
-            <a:r>
-              <a:t/>
-            </a:r>
+            <a:pPr marL="457200" lvl="0" indent="0" algn="l" rtl="0">
+              <a:spcBef>
+                <a:spcPts val="0"/>
+              </a:spcBef>
+              <a:spcAft>
+                <a:spcPts val="0"/>
+              </a:spcAft>
+              <a:buNone/>
+            </a:pPr>
             <a:endParaRPr sz="1800"/>
           </a:p>
           <a:p>
-            <a:pPr indent="0" lvl="0" marL="457200" rtl="0" algn="l">
-              <a:spcBef>
-                <a:spcPts val="0"/>
-              </a:spcBef>
-              <a:spcAft>
-                <a:spcPts val="0"/>
-              </a:spcAft>
-              <a:buNone/>
-            </a:pPr>
-            <a:r>
-              <a:t/>
-            </a:r>
+            <a:pPr marL="457200" lvl="0" indent="0" algn="l" rtl="0">
+              <a:spcBef>
+                <a:spcPts val="0"/>
+              </a:spcBef>
+              <a:spcAft>
+                <a:spcPts val="0"/>
+              </a:spcAft>
+              <a:buNone/>
+            </a:pPr>
             <a:endParaRPr sz="1800"/>
           </a:p>
           <a:p>
-            <a:pPr indent="0" lvl="0" marL="457200" rtl="0" algn="l">
-              <a:spcBef>
-                <a:spcPts val="0"/>
-              </a:spcBef>
-              <a:spcAft>
-                <a:spcPts val="0"/>
-              </a:spcAft>
-              <a:buNone/>
-            </a:pPr>
-            <a:r>
-              <a:t/>
-            </a:r>
+            <a:pPr marL="457200" lvl="0" indent="0" algn="l" rtl="0">
+              <a:spcBef>
+                <a:spcPts val="0"/>
+              </a:spcBef>
+              <a:spcAft>
+                <a:spcPts val="0"/>
+              </a:spcAft>
+              <a:buNone/>
+            </a:pPr>
             <a:endParaRPr sz="1800"/>
           </a:p>
           <a:p>
-            <a:pPr indent="0" lvl="0" marL="0" rtl="0" algn="l">
-              <a:spcBef>
-                <a:spcPts val="0"/>
-              </a:spcBef>
-              <a:spcAft>
-                <a:spcPts val="0"/>
-              </a:spcAft>
-              <a:buNone/>
-            </a:pPr>
-            <a:r>
-              <a:t/>
-            </a:r>
+            <a:pPr marL="0" lvl="0" indent="0" algn="l" rtl="0">
+              <a:spcBef>
+                <a:spcPts val="0"/>
+              </a:spcBef>
+              <a:spcAft>
+                <a:spcPts val="0"/>
+              </a:spcAft>
+              <a:buNone/>
+            </a:pPr>
             <a:endParaRPr sz="1800"/>
           </a:p>
           <a:p>
-            <a:pPr indent="0" lvl="0" marL="457200" rtl="0" algn="l">
-              <a:spcBef>
-                <a:spcPts val="0"/>
-              </a:spcBef>
-              <a:spcAft>
-                <a:spcPts val="0"/>
-              </a:spcAft>
-              <a:buNone/>
-            </a:pPr>
-            <a:r>
-              <a:t/>
-            </a:r>
+            <a:pPr marL="457200" lvl="0" indent="0" algn="l" rtl="0">
+              <a:spcBef>
+                <a:spcPts val="0"/>
+              </a:spcBef>
+              <a:spcAft>
+                <a:spcPts val="0"/>
+              </a:spcAft>
+              <a:buNone/>
+            </a:pPr>
             <a:endParaRPr sz="1800"/>
           </a:p>
         </p:txBody>
@@ -11136,12 +11239,12 @@
           </a:ln>
         </p:spPr>
         <p:txBody>
-          <a:bodyPr anchorCtr="0" anchor="t" bIns="91425" lIns="91425" spcFirstLastPara="1" rIns="91425" wrap="square" tIns="91425">
+          <a:bodyPr spcFirstLastPara="1" wrap="square" lIns="91425" tIns="91425" rIns="91425" bIns="91425" anchor="t" anchorCtr="0">
             <a:noAutofit/>
           </a:bodyPr>
           <a:lstStyle/>
           <a:p>
-            <a:pPr indent="0" lvl="0" marL="0" rtl="0" algn="l">
+            <a:pPr marL="0" lvl="0" indent="0" algn="l" rtl="0">
               <a:spcBef>
                 <a:spcPts val="0"/>
               </a:spcBef>
@@ -11206,12 +11309,12 @@
           </a:ln>
         </p:spPr>
         <p:txBody>
-          <a:bodyPr anchorCtr="0" anchor="t" bIns="91425" lIns="91425" spcFirstLastPara="1" rIns="91425" wrap="square" tIns="91425">
+          <a:bodyPr spcFirstLastPara="1" wrap="square" lIns="91425" tIns="91425" rIns="91425" bIns="91425" anchor="t" anchorCtr="0">
             <a:noAutofit/>
           </a:bodyPr>
           <a:lstStyle/>
           <a:p>
-            <a:pPr indent="0" lvl="0" marL="0" rtl="0" algn="l">
+            <a:pPr marL="0" lvl="0" indent="0" algn="l" rtl="0">
               <a:spcBef>
                 <a:spcPts val="0"/>
               </a:spcBef>
@@ -11276,12 +11379,12 @@
           </a:ln>
         </p:spPr>
         <p:txBody>
-          <a:bodyPr anchorCtr="0" anchor="t" bIns="91425" lIns="91425" spcFirstLastPara="1" rIns="91425" wrap="square" tIns="91425">
+          <a:bodyPr spcFirstLastPara="1" wrap="square" lIns="91425" tIns="91425" rIns="91425" bIns="91425" anchor="t" anchorCtr="0">
             <a:noAutofit/>
           </a:bodyPr>
           <a:lstStyle/>
           <a:p>
-            <a:pPr indent="0" lvl="0" marL="0" rtl="0" algn="l">
+            <a:pPr marL="0" lvl="0" indent="0" algn="l" rtl="0">
               <a:spcBef>
                 <a:spcPts val="0"/>
               </a:spcBef>
@@ -11335,18 +11438,19 @@
 </file>
 
 <file path=ppt/slides/slide7.xml><?xml version="1.0" encoding="utf-8"?>
-<p:sld xmlns:a="http://schemas.openxmlformats.org/drawingml/2006/main" xmlns:r="http://schemas.openxmlformats.org/officeDocument/2006/relationships" xmlns:mc="http://schemas.openxmlformats.org/markup-compatibility/2006" xmlns:mv="urn:schemas-microsoft-com:mac:vml" xmlns:p="http://schemas.openxmlformats.org/presentationml/2006/main" xmlns:c="http://schemas.openxmlformats.org/drawingml/2006/chart" xmlns:dgm="http://schemas.openxmlformats.org/drawingml/2006/diagram" xmlns:o="urn:schemas-microsoft-com:office:office" xmlns:v="urn:schemas-microsoft-com:vml" xmlns:pvml="urn:schemas-microsoft-com:office:powerpoint" xmlns:com="http://schemas.openxmlformats.org/drawingml/2006/compatibility" xmlns:p14="http://schemas.microsoft.com/office/powerpoint/2010/main" xmlns:p15="http://schemas.microsoft.com/office/powerpoint/2012/main">
+<p:sld xmlns:a="http://schemas.openxmlformats.org/drawingml/2006/main" xmlns:r="http://schemas.openxmlformats.org/officeDocument/2006/relationships" xmlns:p="http://schemas.openxmlformats.org/presentationml/2006/main">
   <p:cSld>
     <p:bg>
       <p:bgPr>
         <a:solidFill>
           <a:srgbClr val="FFFFFF"/>
         </a:solidFill>
+        <a:effectLst/>
       </p:bgPr>
     </p:bg>
     <p:spTree>
       <p:nvGrpSpPr>
-        <p:cNvPr id="101" name="Shape 101"/>
+        <p:cNvPr id="1" name="Shape 101"/>
         <p:cNvGrpSpPr/>
         <p:nvPr/>
       </p:nvGrpSpPr>
@@ -11378,12 +11482,12 @@
           </a:ln>
         </p:spPr>
         <p:txBody>
-          <a:bodyPr anchorCtr="0" anchor="t" bIns="91425" lIns="91425" spcFirstLastPara="1" rIns="91425" wrap="square" tIns="91425">
+          <a:bodyPr spcFirstLastPara="1" wrap="square" lIns="91425" tIns="91425" rIns="91425" bIns="91425" anchor="t" anchorCtr="0">
             <a:noAutofit/>
           </a:bodyPr>
           <a:lstStyle/>
           <a:p>
-            <a:pPr indent="0" lvl="0" marL="0" rtl="0" algn="ctr">
+            <a:pPr marL="0" lvl="0" indent="0" algn="ctr" rtl="0">
               <a:spcBef>
                 <a:spcPts val="0"/>
               </a:spcBef>
@@ -11409,11 +11513,11 @@
 </file>
 
 <file path=ppt/slides/slide8.xml><?xml version="1.0" encoding="utf-8"?>
-<p:sld xmlns:a="http://schemas.openxmlformats.org/drawingml/2006/main" xmlns:r="http://schemas.openxmlformats.org/officeDocument/2006/relationships" xmlns:mc="http://schemas.openxmlformats.org/markup-compatibility/2006" xmlns:mv="urn:schemas-microsoft-com:mac:vml" xmlns:p="http://schemas.openxmlformats.org/presentationml/2006/main" xmlns:c="http://schemas.openxmlformats.org/drawingml/2006/chart" xmlns:dgm="http://schemas.openxmlformats.org/drawingml/2006/diagram" xmlns:o="urn:schemas-microsoft-com:office:office" xmlns:v="urn:schemas-microsoft-com:vml" xmlns:pvml="urn:schemas-microsoft-com:office:powerpoint" xmlns:com="http://schemas.openxmlformats.org/drawingml/2006/compatibility" xmlns:p14="http://schemas.microsoft.com/office/powerpoint/2010/main" xmlns:p15="http://schemas.microsoft.com/office/powerpoint/2012/main">
+<p:sld xmlns:a="http://schemas.openxmlformats.org/drawingml/2006/main" xmlns:r="http://schemas.openxmlformats.org/officeDocument/2006/relationships" xmlns:p="http://schemas.openxmlformats.org/presentationml/2006/main">
   <p:cSld>
     <p:spTree>
       <p:nvGrpSpPr>
-        <p:cNvPr id="106" name="Shape 106"/>
+        <p:cNvPr id="1" name="Shape 106"/>
         <p:cNvGrpSpPr/>
         <p:nvPr/>
       </p:nvGrpSpPr>
@@ -11428,9 +11532,11 @@
       <p:sp>
         <p:nvSpPr>
           <p:cNvPr id="107" name="Google Shape;107;p20"/>
-          <p:cNvSpPr txBox="1"/>
+          <p:cNvSpPr txBox="1">
+            <a:spLocks noGrp="1"/>
+          </p:cNvSpPr>
           <p:nvPr>
-            <p:ph idx="1" type="subTitle"/>
+            <p:ph type="subTitle" idx="1"/>
           </p:nvPr>
         </p:nvSpPr>
         <p:spPr>
@@ -11443,12 +11549,12 @@
           </a:prstGeom>
         </p:spPr>
         <p:txBody>
-          <a:bodyPr anchorCtr="0" anchor="t" bIns="91425" lIns="91425" spcFirstLastPara="1" rIns="91425" wrap="square" tIns="91425">
+          <a:bodyPr spcFirstLastPara="1" wrap="square" lIns="91425" tIns="91425" rIns="91425" bIns="91425" anchor="t" anchorCtr="0">
             <a:noAutofit/>
           </a:bodyPr>
           <a:lstStyle/>
           <a:p>
-            <a:pPr indent="-317500" lvl="0" marL="457200" rtl="0" algn="l">
+            <a:pPr marL="457200" lvl="0" indent="-317500" algn="l" rtl="0">
               <a:spcBef>
                 <a:spcPts val="0"/>
               </a:spcBef>
@@ -11462,7 +11568,7 @@
               <a:buChar char="●"/>
             </a:pPr>
             <a:r>
-              <a:rPr b="1" lang="en" sz="1400">
+              <a:rPr lang="en" sz="1400" b="1">
                 <a:solidFill>
                   <a:srgbClr val="202124"/>
                 </a:solidFill>
@@ -11472,7 +11578,7 @@
               </a:rPr>
               <a:t>Background Subtraction and Thresholding:</a:t>
             </a:r>
-            <a:endParaRPr b="1" sz="1400">
+            <a:endParaRPr sz="1400" b="1">
               <a:solidFill>
                 <a:srgbClr val="202124"/>
               </a:solidFill>
@@ -11482,7 +11588,7 @@
             </a:endParaRPr>
           </a:p>
           <a:p>
-            <a:pPr indent="0" lvl="0" marL="457200" rtl="0" algn="l">
+            <a:pPr marL="457200" lvl="0" indent="0" algn="l" rtl="0">
               <a:spcBef>
                 <a:spcPts val="0"/>
               </a:spcBef>
@@ -11493,15 +11599,7 @@
             </a:pPr>
             <a:r>
               <a:rPr lang="en" sz="1800"/>
-              <a:t>Segment the hand region based on some background subtraction technique </a:t>
-            </a:r>
-            <a:r>
-              <a:rPr lang="en" sz="1800"/>
-              <a:t>(frame differencing)</a:t>
-            </a:r>
-            <a:r>
-              <a:rPr lang="en" sz="1800"/>
-              <a:t> using a threshold.</a:t>
+              <a:t>Segment the hand region based on some background subtraction technique (frame differencing) using a threshold.</a:t>
             </a:r>
             <a:endParaRPr sz="1800">
               <a:highlight>
@@ -11510,19 +11608,16 @@
             </a:endParaRPr>
           </a:p>
           <a:p>
-            <a:pPr indent="0" lvl="0" marL="0" rtl="0" algn="l">
-              <a:spcBef>
-                <a:spcPts val="0"/>
-              </a:spcBef>
-              <a:spcAft>
-                <a:spcPts val="0"/>
-              </a:spcAft>
-              <a:buNone/>
-            </a:pPr>
-            <a:r>
-              <a:t/>
-            </a:r>
-            <a:endParaRPr b="1" sz="1400">
+            <a:pPr marL="0" lvl="0" indent="0" algn="l" rtl="0">
+              <a:spcBef>
+                <a:spcPts val="0"/>
+              </a:spcBef>
+              <a:spcAft>
+                <a:spcPts val="0"/>
+              </a:spcAft>
+              <a:buNone/>
+            </a:pPr>
+            <a:endParaRPr sz="1400" b="1">
               <a:solidFill>
                 <a:srgbClr val="202124"/>
               </a:solidFill>
@@ -11532,7 +11627,7 @@
             </a:endParaRPr>
           </a:p>
           <a:p>
-            <a:pPr indent="-317500" lvl="0" marL="457200" rtl="0" algn="l">
+            <a:pPr marL="457200" lvl="0" indent="-317500" algn="l" rtl="0">
               <a:spcBef>
                 <a:spcPts val="0"/>
               </a:spcBef>
@@ -11546,7 +11641,7 @@
               <a:buChar char="●"/>
             </a:pPr>
             <a:r>
-              <a:rPr b="1" lang="en" sz="1400">
+              <a:rPr lang="en" sz="1400" b="1">
                 <a:solidFill>
                   <a:srgbClr val="202124"/>
                 </a:solidFill>
@@ -11556,14 +11651,14 @@
               </a:rPr>
               <a:t>Contour Extraction:</a:t>
             </a:r>
-            <a:endParaRPr b="1" sz="2000">
+            <a:endParaRPr sz="2000" b="1">
               <a:highlight>
                 <a:srgbClr val="FFFFFF"/>
               </a:highlight>
             </a:endParaRPr>
           </a:p>
           <a:p>
-            <a:pPr indent="0" lvl="0" marL="457200" rtl="0" algn="l">
+            <a:pPr marL="457200" lvl="0" indent="0" algn="l" rtl="0">
               <a:spcBef>
                 <a:spcPts val="0"/>
               </a:spcBef>
@@ -11583,18 +11678,15 @@
             <a:endParaRPr sz="1800"/>
           </a:p>
           <a:p>
-            <a:pPr indent="0" lvl="0" marL="914400" rtl="0" algn="l">
-              <a:spcBef>
-                <a:spcPts val="0"/>
-              </a:spcBef>
-              <a:spcAft>
-                <a:spcPts val="0"/>
-              </a:spcAft>
-              <a:buNone/>
-            </a:pPr>
-            <a:r>
-              <a:t/>
-            </a:r>
+            <a:pPr marL="914400" lvl="0" indent="0" algn="l" rtl="0">
+              <a:spcBef>
+                <a:spcPts val="0"/>
+              </a:spcBef>
+              <a:spcAft>
+                <a:spcPts val="0"/>
+              </a:spcAft>
+              <a:buNone/>
+            </a:pPr>
             <a:endParaRPr sz="1800"/>
           </a:p>
         </p:txBody>
@@ -11602,7 +11694,9 @@
       <p:sp>
         <p:nvSpPr>
           <p:cNvPr id="108" name="Google Shape;108;p20"/>
-          <p:cNvSpPr txBox="1"/>
+          <p:cNvSpPr txBox="1">
+            <a:spLocks noGrp="1"/>
+          </p:cNvSpPr>
           <p:nvPr>
             <p:ph type="ctrTitle"/>
           </p:nvPr>
@@ -11617,12 +11711,12 @@
           </a:prstGeom>
         </p:spPr>
         <p:txBody>
-          <a:bodyPr anchorCtr="0" anchor="b" bIns="91425" lIns="91425" spcFirstLastPara="1" rIns="91425" wrap="square" tIns="91425">
+          <a:bodyPr spcFirstLastPara="1" wrap="square" lIns="91425" tIns="91425" rIns="91425" bIns="91425" anchor="b" anchorCtr="0">
             <a:noAutofit/>
           </a:bodyPr>
           <a:lstStyle/>
           <a:p>
-            <a:pPr indent="0" lvl="0" marL="0" rtl="0" algn="ctr">
+            <a:pPr marL="0" lvl="0" indent="0" algn="ctr" rtl="0">
               <a:spcBef>
                 <a:spcPts val="0"/>
               </a:spcBef>
@@ -11704,11 +11798,11 @@
 </file>
 
 <file path=ppt/slides/slide9.xml><?xml version="1.0" encoding="utf-8"?>
-<p:sld xmlns:a="http://schemas.openxmlformats.org/drawingml/2006/main" xmlns:r="http://schemas.openxmlformats.org/officeDocument/2006/relationships" xmlns:mc="http://schemas.openxmlformats.org/markup-compatibility/2006" xmlns:mv="urn:schemas-microsoft-com:mac:vml" xmlns:p="http://schemas.openxmlformats.org/presentationml/2006/main" xmlns:c="http://schemas.openxmlformats.org/drawingml/2006/chart" xmlns:dgm="http://schemas.openxmlformats.org/drawingml/2006/diagram" xmlns:o="urn:schemas-microsoft-com:office:office" xmlns:v="urn:schemas-microsoft-com:vml" xmlns:pvml="urn:schemas-microsoft-com:office:powerpoint" xmlns:com="http://schemas.openxmlformats.org/drawingml/2006/compatibility" xmlns:p14="http://schemas.microsoft.com/office/powerpoint/2010/main" xmlns:p15="http://schemas.microsoft.com/office/powerpoint/2012/main">
+<p:sld xmlns:a="http://schemas.openxmlformats.org/drawingml/2006/main" xmlns:r="http://schemas.openxmlformats.org/officeDocument/2006/relationships" xmlns:p="http://schemas.openxmlformats.org/presentationml/2006/main">
   <p:cSld>
     <p:spTree>
       <p:nvGrpSpPr>
-        <p:cNvPr id="114" name="Shape 114"/>
+        <p:cNvPr id="1" name="Shape 114"/>
         <p:cNvGrpSpPr/>
         <p:nvPr/>
       </p:nvGrpSpPr>
@@ -11723,9 +11817,11 @@
       <p:sp>
         <p:nvSpPr>
           <p:cNvPr id="115" name="Google Shape;115;p21"/>
-          <p:cNvSpPr txBox="1"/>
+          <p:cNvSpPr txBox="1">
+            <a:spLocks noGrp="1"/>
+          </p:cNvSpPr>
           <p:nvPr>
-            <p:ph idx="1" type="subTitle"/>
+            <p:ph type="subTitle" idx="1"/>
           </p:nvPr>
         </p:nvSpPr>
         <p:spPr>
@@ -11738,12 +11834,12 @@
           </a:prstGeom>
         </p:spPr>
         <p:txBody>
-          <a:bodyPr anchorCtr="0" anchor="t" bIns="91425" lIns="91425" spcFirstLastPara="1" rIns="91425" wrap="square" tIns="91425">
+          <a:bodyPr spcFirstLastPara="1" wrap="square" lIns="91425" tIns="91425" rIns="91425" bIns="91425" anchor="t" anchorCtr="0">
             <a:noAutofit/>
           </a:bodyPr>
           <a:lstStyle/>
           <a:p>
-            <a:pPr indent="-342900" lvl="0" marL="457200" rtl="0" algn="l">
+            <a:pPr marL="457200" lvl="0" indent="-342900" algn="l" rtl="0">
               <a:spcBef>
                 <a:spcPts val="0"/>
               </a:spcBef>
@@ -11760,22 +11856,19 @@
             <a:endParaRPr sz="1800"/>
           </a:p>
           <a:p>
-            <a:pPr indent="0" lvl="0" marL="914400" rtl="0" algn="l">
-              <a:spcBef>
-                <a:spcPts val="0"/>
-              </a:spcBef>
-              <a:spcAft>
-                <a:spcPts val="0"/>
-              </a:spcAft>
-              <a:buNone/>
-            </a:pPr>
-            <a:r>
-              <a:t/>
-            </a:r>
+            <a:pPr marL="914400" lvl="0" indent="0" algn="l" rtl="0">
+              <a:spcBef>
+                <a:spcPts val="0"/>
+              </a:spcBef>
+              <a:spcAft>
+                <a:spcPts val="0"/>
+              </a:spcAft>
+              <a:buNone/>
+            </a:pPr>
             <a:endParaRPr sz="1800"/>
           </a:p>
           <a:p>
-            <a:pPr indent="-342900" lvl="0" marL="457200" rtl="0" algn="l">
+            <a:pPr marL="457200" lvl="0" indent="-342900" algn="l" rtl="0">
               <a:spcBef>
                 <a:spcPts val="0"/>
               </a:spcBef>
@@ -11796,22 +11889,19 @@
             <a:endParaRPr sz="1800"/>
           </a:p>
           <a:p>
-            <a:pPr indent="0" lvl="0" marL="914400" rtl="0" algn="l">
-              <a:spcBef>
-                <a:spcPts val="0"/>
-              </a:spcBef>
-              <a:spcAft>
-                <a:spcPts val="0"/>
-              </a:spcAft>
-              <a:buNone/>
-            </a:pPr>
-            <a:r>
-              <a:t/>
-            </a:r>
+            <a:pPr marL="914400" lvl="0" indent="0" algn="l" rtl="0">
+              <a:spcBef>
+                <a:spcPts val="0"/>
+              </a:spcBef>
+              <a:spcAft>
+                <a:spcPts val="0"/>
+              </a:spcAft>
+              <a:buNone/>
+            </a:pPr>
             <a:endParaRPr sz="1800"/>
           </a:p>
           <a:p>
-            <a:pPr indent="-342900" lvl="0" marL="457200" rtl="0" algn="l">
+            <a:pPr marL="457200" lvl="0" indent="-342900" algn="l" rtl="0">
               <a:spcBef>
                 <a:spcPts val="0"/>
               </a:spcBef>
@@ -11828,18 +11918,15 @@
             <a:endParaRPr sz="1800"/>
           </a:p>
           <a:p>
-            <a:pPr indent="0" lvl="0" marL="0" rtl="0" algn="ctr">
-              <a:spcBef>
-                <a:spcPts val="0"/>
-              </a:spcBef>
-              <a:spcAft>
-                <a:spcPts val="0"/>
-              </a:spcAft>
-              <a:buNone/>
-            </a:pPr>
-            <a:r>
-              <a:t/>
-            </a:r>
+            <a:pPr marL="0" lvl="0" indent="0" algn="ctr" rtl="0">
+              <a:spcBef>
+                <a:spcPts val="0"/>
+              </a:spcBef>
+              <a:spcAft>
+                <a:spcPts val="0"/>
+              </a:spcAft>
+              <a:buNone/>
+            </a:pPr>
             <a:endParaRPr sz="1800"/>
           </a:p>
         </p:txBody>
@@ -11892,12 +11979,12 @@
           </a:ln>
         </p:spPr>
         <p:txBody>
-          <a:bodyPr anchorCtr="0" anchor="t" bIns="91425" lIns="91425" spcFirstLastPara="1" rIns="91425" wrap="square" tIns="91425">
+          <a:bodyPr spcFirstLastPara="1" wrap="square" lIns="91425" tIns="91425" rIns="91425" bIns="91425" anchor="t" anchorCtr="0">
             <a:noAutofit/>
           </a:bodyPr>
           <a:lstStyle/>
           <a:p>
-            <a:pPr indent="0" lvl="0" marL="0" rtl="0" algn="l">
+            <a:pPr marL="0" lvl="0" indent="0" algn="l" rtl="0">
               <a:spcBef>
                 <a:spcPts val="0"/>
               </a:spcBef>
@@ -11968,7 +12055,288 @@
 </file>
 
 <file path=ppt/theme/theme1.xml><?xml version="1.0" encoding="utf-8"?>
-<a:theme xmlns:a="http://schemas.openxmlformats.org/drawingml/2006/main" xmlns:r="http://schemas.openxmlformats.org/officeDocument/2006/relationships">
+<a:theme xmlns:a="http://schemas.openxmlformats.org/drawingml/2006/main" name="Simple Light">
+  <a:themeElements>
+    <a:clrScheme name="Simple Light">
+      <a:dk1>
+        <a:srgbClr val="000000"/>
+      </a:dk1>
+      <a:lt1>
+        <a:srgbClr val="FFFFFF"/>
+      </a:lt1>
+      <a:dk2>
+        <a:srgbClr val="595959"/>
+      </a:dk2>
+      <a:lt2>
+        <a:srgbClr val="EEEEEE"/>
+      </a:lt2>
+      <a:accent1>
+        <a:srgbClr val="FFAB40"/>
+      </a:accent1>
+      <a:accent2>
+        <a:srgbClr val="212121"/>
+      </a:accent2>
+      <a:accent3>
+        <a:srgbClr val="78909C"/>
+      </a:accent3>
+      <a:accent4>
+        <a:srgbClr val="FFAB40"/>
+      </a:accent4>
+      <a:accent5>
+        <a:srgbClr val="0097A7"/>
+      </a:accent5>
+      <a:accent6>
+        <a:srgbClr val="EEFF41"/>
+      </a:accent6>
+      <a:hlink>
+        <a:srgbClr val="0097A7"/>
+      </a:hlink>
+      <a:folHlink>
+        <a:srgbClr val="0097A7"/>
+      </a:folHlink>
+    </a:clrScheme>
+    <a:fontScheme name="Office">
+      <a:majorFont>
+        <a:latin typeface="Arial"/>
+        <a:ea typeface=""/>
+        <a:cs typeface=""/>
+        <a:font script="Jpan" typeface="ＭＳ Ｐゴシック"/>
+        <a:font script="Hang" typeface="맑은 고딕"/>
+        <a:font script="Hans" typeface="宋体"/>
+        <a:font script="Hant" typeface="新細明體"/>
+        <a:font script="Arab" typeface="Times New Roman"/>
+        <a:font script="Hebr" typeface="Times New Roman"/>
+        <a:font script="Thai" typeface="Angsana New"/>
+        <a:font script="Ethi" typeface="Nyala"/>
+        <a:font script="Beng" typeface="Vrinda"/>
+        <a:font script="Gujr" typeface="Shruti"/>
+        <a:font script="Khmr" typeface="MoolBoran"/>
+        <a:font script="Knda" typeface="Tunga"/>
+        <a:font script="Guru" typeface="Raavi"/>
+        <a:font script="Cans" typeface="Euphemia"/>
+        <a:font script="Cher" typeface="Plantagenet Cherokee"/>
+        <a:font script="Yiii" typeface="Microsoft Yi Baiti"/>
+        <a:font script="Tibt" typeface="Microsoft Himalaya"/>
+        <a:font script="Thaa" typeface="MV Boli"/>
+        <a:font script="Deva" typeface="Mangal"/>
+        <a:font script="Telu" typeface="Gautami"/>
+        <a:font script="Taml" typeface="Latha"/>
+        <a:font script="Syrc" typeface="Estrangelo Edessa"/>
+        <a:font script="Orya" typeface="Kalinga"/>
+        <a:font script="Mlym" typeface="Kartika"/>
+        <a:font script="Laoo" typeface="DokChampa"/>
+        <a:font script="Sinh" typeface="Iskoola Pota"/>
+        <a:font script="Mong" typeface="Mongolian Baiti"/>
+        <a:font script="Viet" typeface="Times New Roman"/>
+        <a:font script="Uigh" typeface="Microsoft Uighur"/>
+        <a:font script="Geor" typeface="Sylfaen"/>
+      </a:majorFont>
+      <a:minorFont>
+        <a:latin typeface="Arial"/>
+        <a:ea typeface=""/>
+        <a:cs typeface=""/>
+        <a:font script="Jpan" typeface="ＭＳ Ｐゴシック"/>
+        <a:font script="Hang" typeface="맑은 고딕"/>
+        <a:font script="Hans" typeface="宋体"/>
+        <a:font script="Hant" typeface="新細明體"/>
+        <a:font script="Arab" typeface="Arial"/>
+        <a:font script="Hebr" typeface="Arial"/>
+        <a:font script="Thai" typeface="Cordia New"/>
+        <a:font script="Ethi" typeface="Nyala"/>
+        <a:font script="Beng" typeface="Vrinda"/>
+        <a:font script="Gujr" typeface="Shruti"/>
+        <a:font script="Khmr" typeface="DaunPenh"/>
+        <a:font script="Knda" typeface="Tunga"/>
+        <a:font script="Guru" typeface="Raavi"/>
+        <a:font script="Cans" typeface="Euphemia"/>
+        <a:font script="Cher" typeface="Plantagenet Cherokee"/>
+        <a:font script="Yiii" typeface="Microsoft Yi Baiti"/>
+        <a:font script="Tibt" typeface="Microsoft Himalaya"/>
+        <a:font script="Thaa" typeface="MV Boli"/>
+        <a:font script="Deva" typeface="Mangal"/>
+        <a:font script="Telu" typeface="Gautami"/>
+        <a:font script="Taml" typeface="Latha"/>
+        <a:font script="Syrc" typeface="Estrangelo Edessa"/>
+        <a:font script="Orya" typeface="Kalinga"/>
+        <a:font script="Mlym" typeface="Kartika"/>
+        <a:font script="Laoo" typeface="DokChampa"/>
+        <a:font script="Sinh" typeface="Iskoola Pota"/>
+        <a:font script="Mong" typeface="Mongolian Baiti"/>
+        <a:font script="Viet" typeface="Arial"/>
+        <a:font script="Uigh" typeface="Microsoft Uighur"/>
+        <a:font script="Geor" typeface="Sylfaen"/>
+      </a:minorFont>
+    </a:fontScheme>
+    <a:fmtScheme name="Office">
+      <a:fillStyleLst>
+        <a:solidFill>
+          <a:schemeClr val="phClr"/>
+        </a:solidFill>
+        <a:gradFill rotWithShape="1">
+          <a:gsLst>
+            <a:gs pos="0">
+              <a:schemeClr val="phClr">
+                <a:tint val="50000"/>
+                <a:satMod val="300000"/>
+              </a:schemeClr>
+            </a:gs>
+            <a:gs pos="35000">
+              <a:schemeClr val="phClr">
+                <a:tint val="37000"/>
+                <a:satMod val="300000"/>
+              </a:schemeClr>
+            </a:gs>
+            <a:gs pos="100000">
+              <a:schemeClr val="phClr">
+                <a:tint val="15000"/>
+                <a:satMod val="350000"/>
+              </a:schemeClr>
+            </a:gs>
+          </a:gsLst>
+          <a:lin ang="16200000" scaled="1"/>
+        </a:gradFill>
+        <a:gradFill rotWithShape="1">
+          <a:gsLst>
+            <a:gs pos="0">
+              <a:schemeClr val="phClr">
+                <a:tint val="100000"/>
+                <a:shade val="100000"/>
+                <a:satMod val="130000"/>
+              </a:schemeClr>
+            </a:gs>
+            <a:gs pos="100000">
+              <a:schemeClr val="phClr">
+                <a:tint val="50000"/>
+                <a:shade val="100000"/>
+                <a:satMod val="350000"/>
+              </a:schemeClr>
+            </a:gs>
+          </a:gsLst>
+          <a:lin ang="16200000" scaled="0"/>
+        </a:gradFill>
+      </a:fillStyleLst>
+      <a:lnStyleLst>
+        <a:ln w="9525" cap="flat" cmpd="sng" algn="ctr">
+          <a:solidFill>
+            <a:schemeClr val="phClr">
+              <a:shade val="95000"/>
+              <a:satMod val="105000"/>
+            </a:schemeClr>
+          </a:solidFill>
+          <a:prstDash val="solid"/>
+        </a:ln>
+        <a:ln w="25400" cap="flat" cmpd="sng" algn="ctr">
+          <a:solidFill>
+            <a:schemeClr val="phClr"/>
+          </a:solidFill>
+          <a:prstDash val="solid"/>
+        </a:ln>
+        <a:ln w="38100" cap="flat" cmpd="sng" algn="ctr">
+          <a:solidFill>
+            <a:schemeClr val="phClr"/>
+          </a:solidFill>
+          <a:prstDash val="solid"/>
+        </a:ln>
+      </a:lnStyleLst>
+      <a:effectStyleLst>
+        <a:effectStyle>
+          <a:effectLst>
+            <a:outerShdw blurRad="40000" dist="20000" dir="5400000" rotWithShape="0">
+              <a:srgbClr val="000000">
+                <a:alpha val="38000"/>
+              </a:srgbClr>
+            </a:outerShdw>
+          </a:effectLst>
+        </a:effectStyle>
+        <a:effectStyle>
+          <a:effectLst>
+            <a:outerShdw blurRad="40000" dist="23000" dir="5400000" rotWithShape="0">
+              <a:srgbClr val="000000">
+                <a:alpha val="35000"/>
+              </a:srgbClr>
+            </a:outerShdw>
+          </a:effectLst>
+        </a:effectStyle>
+        <a:effectStyle>
+          <a:effectLst>
+            <a:outerShdw blurRad="40000" dist="23000" dir="5400000" rotWithShape="0">
+              <a:srgbClr val="000000">
+                <a:alpha val="35000"/>
+              </a:srgbClr>
+            </a:outerShdw>
+          </a:effectLst>
+          <a:scene3d>
+            <a:camera prst="orthographicFront">
+              <a:rot lat="0" lon="0" rev="0"/>
+            </a:camera>
+            <a:lightRig rig="threePt" dir="t">
+              <a:rot lat="0" lon="0" rev="1200000"/>
+            </a:lightRig>
+          </a:scene3d>
+          <a:sp3d>
+            <a:bevelT w="63500" h="25400"/>
+          </a:sp3d>
+        </a:effectStyle>
+      </a:effectStyleLst>
+      <a:bgFillStyleLst>
+        <a:solidFill>
+          <a:schemeClr val="phClr"/>
+        </a:solidFill>
+        <a:gradFill rotWithShape="1">
+          <a:gsLst>
+            <a:gs pos="0">
+              <a:schemeClr val="phClr">
+                <a:tint val="40000"/>
+                <a:satMod val="350000"/>
+              </a:schemeClr>
+            </a:gs>
+            <a:gs pos="40000">
+              <a:schemeClr val="phClr">
+                <a:tint val="45000"/>
+                <a:shade val="99000"/>
+                <a:satMod val="350000"/>
+              </a:schemeClr>
+            </a:gs>
+            <a:gs pos="100000">
+              <a:schemeClr val="phClr">
+                <a:shade val="20000"/>
+                <a:satMod val="255000"/>
+              </a:schemeClr>
+            </a:gs>
+          </a:gsLst>
+          <a:path path="circle">
+            <a:fillToRect l="50000" t="-80000" r="50000" b="180000"/>
+          </a:path>
+        </a:gradFill>
+        <a:gradFill rotWithShape="1">
+          <a:gsLst>
+            <a:gs pos="0">
+              <a:schemeClr val="phClr">
+                <a:tint val="80000"/>
+                <a:satMod val="300000"/>
+              </a:schemeClr>
+            </a:gs>
+            <a:gs pos="100000">
+              <a:schemeClr val="phClr">
+                <a:shade val="30000"/>
+                <a:satMod val="200000"/>
+              </a:schemeClr>
+            </a:gs>
+          </a:gsLst>
+          <a:path path="circle">
+            <a:fillToRect l="50000" t="50000" r="50000" b="50000"/>
+          </a:path>
+        </a:gradFill>
+      </a:bgFillStyleLst>
+    </a:fmtScheme>
+  </a:themeElements>
+  <a:objectDefaults/>
+  <a:extraClrSchemeLst/>
+</a:theme>
+</file>
+
+<file path=ppt/theme/theme2.xml><?xml version="1.0" encoding="utf-8"?>
+<a:theme xmlns:a="http://schemas.openxmlformats.org/drawingml/2006/main">
   <a:themeElements>
     <a:clrScheme name="Default">
       <a:dk1>
@@ -12243,284 +12611,7 @@
       </a:bgFillStyleLst>
     </a:fmtScheme>
   </a:themeElements>
-</a:theme>
-</file>
-
-<file path=ppt/theme/theme2.xml><?xml version="1.0" encoding="utf-8"?>
-<a:theme xmlns:a="http://schemas.openxmlformats.org/drawingml/2006/main" xmlns:r="http://schemas.openxmlformats.org/officeDocument/2006/relationships" name="Simple Light">
-  <a:themeElements>
-    <a:clrScheme name="Simple Light">
-      <a:dk1>
-        <a:srgbClr val="000000"/>
-      </a:dk1>
-      <a:lt1>
-        <a:srgbClr val="FFFFFF"/>
-      </a:lt1>
-      <a:dk2>
-        <a:srgbClr val="595959"/>
-      </a:dk2>
-      <a:lt2>
-        <a:srgbClr val="EEEEEE"/>
-      </a:lt2>
-      <a:accent1>
-        <a:srgbClr val="FFAB40"/>
-      </a:accent1>
-      <a:accent2>
-        <a:srgbClr val="212121"/>
-      </a:accent2>
-      <a:accent3>
-        <a:srgbClr val="78909C"/>
-      </a:accent3>
-      <a:accent4>
-        <a:srgbClr val="FFAB40"/>
-      </a:accent4>
-      <a:accent5>
-        <a:srgbClr val="0097A7"/>
-      </a:accent5>
-      <a:accent6>
-        <a:srgbClr val="EEFF41"/>
-      </a:accent6>
-      <a:hlink>
-        <a:srgbClr val="0097A7"/>
-      </a:hlink>
-      <a:folHlink>
-        <a:srgbClr val="0097A7"/>
-      </a:folHlink>
-    </a:clrScheme>
-    <a:fontScheme name="Office">
-      <a:majorFont>
-        <a:latin typeface="Arial"/>
-        <a:ea typeface=""/>
-        <a:cs typeface=""/>
-        <a:font script="Jpan" typeface="ＭＳ Ｐゴシック"/>
-        <a:font script="Hang" typeface="맑은 고딕"/>
-        <a:font script="Hans" typeface="宋体"/>
-        <a:font script="Hant" typeface="新細明體"/>
-        <a:font script="Arab" typeface="Times New Roman"/>
-        <a:font script="Hebr" typeface="Times New Roman"/>
-        <a:font script="Thai" typeface="Angsana New"/>
-        <a:font script="Ethi" typeface="Nyala"/>
-        <a:font script="Beng" typeface="Vrinda"/>
-        <a:font script="Gujr" typeface="Shruti"/>
-        <a:font script="Khmr" typeface="MoolBoran"/>
-        <a:font script="Knda" typeface="Tunga"/>
-        <a:font script="Guru" typeface="Raavi"/>
-        <a:font script="Cans" typeface="Euphemia"/>
-        <a:font script="Cher" typeface="Plantagenet Cherokee"/>
-        <a:font script="Yiii" typeface="Microsoft Yi Baiti"/>
-        <a:font script="Tibt" typeface="Microsoft Himalaya"/>
-        <a:font script="Thaa" typeface="MV Boli"/>
-        <a:font script="Deva" typeface="Mangal"/>
-        <a:font script="Telu" typeface="Gautami"/>
-        <a:font script="Taml" typeface="Latha"/>
-        <a:font script="Syrc" typeface="Estrangelo Edessa"/>
-        <a:font script="Orya" typeface="Kalinga"/>
-        <a:font script="Mlym" typeface="Kartika"/>
-        <a:font script="Laoo" typeface="DokChampa"/>
-        <a:font script="Sinh" typeface="Iskoola Pota"/>
-        <a:font script="Mong" typeface="Mongolian Baiti"/>
-        <a:font script="Viet" typeface="Times New Roman"/>
-        <a:font script="Uigh" typeface="Microsoft Uighur"/>
-        <a:font script="Geor" typeface="Sylfaen"/>
-      </a:majorFont>
-      <a:minorFont>
-        <a:latin typeface="Arial"/>
-        <a:ea typeface=""/>
-        <a:cs typeface=""/>
-        <a:font script="Jpan" typeface="ＭＳ Ｐゴシック"/>
-        <a:font script="Hang" typeface="맑은 고딕"/>
-        <a:font script="Hans" typeface="宋体"/>
-        <a:font script="Hant" typeface="新細明體"/>
-        <a:font script="Arab" typeface="Arial"/>
-        <a:font script="Hebr" typeface="Arial"/>
-        <a:font script="Thai" typeface="Cordia New"/>
-        <a:font script="Ethi" typeface="Nyala"/>
-        <a:font script="Beng" typeface="Vrinda"/>
-        <a:font script="Gujr" typeface="Shruti"/>
-        <a:font script="Khmr" typeface="DaunPenh"/>
-        <a:font script="Knda" typeface="Tunga"/>
-        <a:font script="Guru" typeface="Raavi"/>
-        <a:font script="Cans" typeface="Euphemia"/>
-        <a:font script="Cher" typeface="Plantagenet Cherokee"/>
-        <a:font script="Yiii" typeface="Microsoft Yi Baiti"/>
-        <a:font script="Tibt" typeface="Microsoft Himalaya"/>
-        <a:font script="Thaa" typeface="MV Boli"/>
-        <a:font script="Deva" typeface="Mangal"/>
-        <a:font script="Telu" typeface="Gautami"/>
-        <a:font script="Taml" typeface="Latha"/>
-        <a:font script="Syrc" typeface="Estrangelo Edessa"/>
-        <a:font script="Orya" typeface="Kalinga"/>
-        <a:font script="Mlym" typeface="Kartika"/>
-        <a:font script="Laoo" typeface="DokChampa"/>
-        <a:font script="Sinh" typeface="Iskoola Pota"/>
-        <a:font script="Mong" typeface="Mongolian Baiti"/>
-        <a:font script="Viet" typeface="Arial"/>
-        <a:font script="Uigh" typeface="Microsoft Uighur"/>
-        <a:font script="Geor" typeface="Sylfaen"/>
-      </a:minorFont>
-    </a:fontScheme>
-    <a:fmtScheme name="Office">
-      <a:fillStyleLst>
-        <a:solidFill>
-          <a:schemeClr val="phClr"/>
-        </a:solidFill>
-        <a:gradFill rotWithShape="1">
-          <a:gsLst>
-            <a:gs pos="0">
-              <a:schemeClr val="phClr">
-                <a:tint val="50000"/>
-                <a:satMod val="300000"/>
-              </a:schemeClr>
-            </a:gs>
-            <a:gs pos="35000">
-              <a:schemeClr val="phClr">
-                <a:tint val="37000"/>
-                <a:satMod val="300000"/>
-              </a:schemeClr>
-            </a:gs>
-            <a:gs pos="100000">
-              <a:schemeClr val="phClr">
-                <a:tint val="15000"/>
-                <a:satMod val="350000"/>
-              </a:schemeClr>
-            </a:gs>
-          </a:gsLst>
-          <a:lin ang="16200000" scaled="1"/>
-        </a:gradFill>
-        <a:gradFill rotWithShape="1">
-          <a:gsLst>
-            <a:gs pos="0">
-              <a:schemeClr val="phClr">
-                <a:tint val="100000"/>
-                <a:shade val="100000"/>
-                <a:satMod val="130000"/>
-              </a:schemeClr>
-            </a:gs>
-            <a:gs pos="100000">
-              <a:schemeClr val="phClr">
-                <a:tint val="50000"/>
-                <a:shade val="100000"/>
-                <a:satMod val="350000"/>
-              </a:schemeClr>
-            </a:gs>
-          </a:gsLst>
-          <a:lin ang="16200000" scaled="0"/>
-        </a:gradFill>
-      </a:fillStyleLst>
-      <a:lnStyleLst>
-        <a:ln w="9525" cap="flat" cmpd="sng" algn="ctr">
-          <a:solidFill>
-            <a:schemeClr val="phClr">
-              <a:shade val="95000"/>
-              <a:satMod val="105000"/>
-            </a:schemeClr>
-          </a:solidFill>
-          <a:prstDash val="solid"/>
-        </a:ln>
-        <a:ln w="25400" cap="flat" cmpd="sng" algn="ctr">
-          <a:solidFill>
-            <a:schemeClr val="phClr"/>
-          </a:solidFill>
-          <a:prstDash val="solid"/>
-        </a:ln>
-        <a:ln w="38100" cap="flat" cmpd="sng" algn="ctr">
-          <a:solidFill>
-            <a:schemeClr val="phClr"/>
-          </a:solidFill>
-          <a:prstDash val="solid"/>
-        </a:ln>
-      </a:lnStyleLst>
-      <a:effectStyleLst>
-        <a:effectStyle>
-          <a:effectLst>
-            <a:outerShdw blurRad="40000" dist="20000" dir="5400000" rotWithShape="0">
-              <a:srgbClr val="000000">
-                <a:alpha val="38000"/>
-              </a:srgbClr>
-            </a:outerShdw>
-          </a:effectLst>
-        </a:effectStyle>
-        <a:effectStyle>
-          <a:effectLst>
-            <a:outerShdw blurRad="40000" dist="23000" dir="5400000" rotWithShape="0">
-              <a:srgbClr val="000000">
-                <a:alpha val="35000"/>
-              </a:srgbClr>
-            </a:outerShdw>
-          </a:effectLst>
-        </a:effectStyle>
-        <a:effectStyle>
-          <a:effectLst>
-            <a:outerShdw blurRad="40000" dist="23000" dir="5400000" rotWithShape="0">
-              <a:srgbClr val="000000">
-                <a:alpha val="35000"/>
-              </a:srgbClr>
-            </a:outerShdw>
-          </a:effectLst>
-          <a:scene3d>
-            <a:camera prst="orthographicFront">
-              <a:rot lat="0" lon="0" rev="0"/>
-            </a:camera>
-            <a:lightRig rig="threePt" dir="t">
-              <a:rot lat="0" lon="0" rev="1200000"/>
-            </a:lightRig>
-          </a:scene3d>
-          <a:sp3d>
-            <a:bevelT w="63500" h="25400"/>
-          </a:sp3d>
-        </a:effectStyle>
-      </a:effectStyleLst>
-      <a:bgFillStyleLst>
-        <a:solidFill>
-          <a:schemeClr val="phClr"/>
-        </a:solidFill>
-        <a:gradFill rotWithShape="1">
-          <a:gsLst>
-            <a:gs pos="0">
-              <a:schemeClr val="phClr">
-                <a:tint val="40000"/>
-                <a:satMod val="350000"/>
-              </a:schemeClr>
-            </a:gs>
-            <a:gs pos="40000">
-              <a:schemeClr val="phClr">
-                <a:tint val="45000"/>
-                <a:shade val="99000"/>
-                <a:satMod val="350000"/>
-              </a:schemeClr>
-            </a:gs>
-            <a:gs pos="100000">
-              <a:schemeClr val="phClr">
-                <a:shade val="20000"/>
-                <a:satMod val="255000"/>
-              </a:schemeClr>
-            </a:gs>
-          </a:gsLst>
-          <a:path path="circle">
-            <a:fillToRect l="50000" t="-80000" r="50000" b="180000"/>
-          </a:path>
-        </a:gradFill>
-        <a:gradFill rotWithShape="1">
-          <a:gsLst>
-            <a:gs pos="0">
-              <a:schemeClr val="phClr">
-                <a:tint val="80000"/>
-                <a:satMod val="300000"/>
-              </a:schemeClr>
-            </a:gs>
-            <a:gs pos="100000">
-              <a:schemeClr val="phClr">
-                <a:shade val="30000"/>
-                <a:satMod val="200000"/>
-              </a:schemeClr>
-            </a:gs>
-          </a:gsLst>
-          <a:path path="circle">
-            <a:fillToRect l="50000" t="50000" r="50000" b="50000"/>
-          </a:path>
-        </a:gradFill>
-      </a:bgFillStyleLst>
-    </a:fmtScheme>
-  </a:themeElements>
+  <a:objectDefaults/>
+  <a:extraClrSchemeLst/>
 </a:theme>
 </file>
--- a/HAND GESTURE RECOGNITION.pptx
+++ b/HAND GESTURE RECOGNITION.pptx
@@ -5,7 +5,7 @@
     <p:sldMasterId id="2147483659" r:id="rId1"/>
   </p:sldMasterIdLst>
   <p:notesMasterIdLst>
-    <p:notesMasterId r:id="rId23"/>
+    <p:notesMasterId r:id="rId31"/>
   </p:notesMasterIdLst>
   <p:sldIdLst>
     <p:sldId id="256" r:id="rId2"/>
@@ -29,6 +29,14 @@
     <p:sldId id="274" r:id="rId20"/>
     <p:sldId id="275" r:id="rId21"/>
     <p:sldId id="276" r:id="rId22"/>
+    <p:sldId id="277" r:id="rId23"/>
+    <p:sldId id="278" r:id="rId24"/>
+    <p:sldId id="279" r:id="rId25"/>
+    <p:sldId id="280" r:id="rId26"/>
+    <p:sldId id="281" r:id="rId27"/>
+    <p:sldId id="282" r:id="rId28"/>
+    <p:sldId id="283" r:id="rId29"/>
+    <p:sldId id="284" r:id="rId30"/>
   </p:sldIdLst>
   <p:sldSz cx="9144000" cy="5143500" type="screen16x9"/>
   <p:notesSz cx="6858000" cy="9144000"/>
@@ -934,7 +942,7 @@
   <p:cSld>
     <p:spTree>
       <p:nvGrpSpPr>
-        <p:cNvPr id="1" name="Shape 125"/>
+        <p:cNvPr id="1" name="Shape 126"/>
         <p:cNvGrpSpPr/>
         <p:nvPr/>
       </p:nvGrpSpPr>
@@ -948,7 +956,7 @@
       </p:grpSpPr>
       <p:sp>
         <p:nvSpPr>
-          <p:cNvPr id="126" name="Google Shape;126;g752f2b5a61_4_0:notes"/>
+          <p:cNvPr id="127" name="Google Shape;127;g752f2b5a61_4_0:notes"/>
           <p:cNvSpPr>
             <a:spLocks noGrp="1" noRot="1" noChangeAspect="1"/>
           </p:cNvSpPr>
@@ -989,7 +997,7 @@
       </p:sp>
       <p:sp>
         <p:nvSpPr>
-          <p:cNvPr id="127" name="Google Shape;127;g752f2b5a61_4_0:notes"/>
+          <p:cNvPr id="128" name="Google Shape;128;g752f2b5a61_4_0:notes"/>
           <p:cNvSpPr txBox="1">
             <a:spLocks noGrp="1"/>
           </p:cNvSpPr>
@@ -1038,7 +1046,7 @@
   <p:cSld>
     <p:spTree>
       <p:nvGrpSpPr>
-        <p:cNvPr id="1" name="Shape 130"/>
+        <p:cNvPr id="1" name="Shape 131"/>
         <p:cNvGrpSpPr/>
         <p:nvPr/>
       </p:nvGrpSpPr>
@@ -1052,7 +1060,7 @@
       </p:grpSpPr>
       <p:sp>
         <p:nvSpPr>
-          <p:cNvPr id="131" name="Google Shape;131;g752f2b5a61_4_11:notes"/>
+          <p:cNvPr id="132" name="Google Shape;132;g752f2b5a61_4_11:notes"/>
           <p:cNvSpPr>
             <a:spLocks noGrp="1" noRot="1" noChangeAspect="1"/>
           </p:cNvSpPr>
@@ -1093,7 +1101,7 @@
       </p:sp>
       <p:sp>
         <p:nvSpPr>
-          <p:cNvPr id="132" name="Google Shape;132;g752f2b5a61_4_11:notes"/>
+          <p:cNvPr id="133" name="Google Shape;133;g752f2b5a61_4_11:notes"/>
           <p:cNvSpPr txBox="1">
             <a:spLocks noGrp="1"/>
           </p:cNvSpPr>
@@ -1142,7 +1150,7 @@
   <p:cSld>
     <p:spTree>
       <p:nvGrpSpPr>
-        <p:cNvPr id="1" name="Shape 138"/>
+        <p:cNvPr id="1" name="Shape 139"/>
         <p:cNvGrpSpPr/>
         <p:nvPr/>
       </p:nvGrpSpPr>
@@ -1156,7 +1164,7 @@
       </p:grpSpPr>
       <p:sp>
         <p:nvSpPr>
-          <p:cNvPr id="139" name="Google Shape;139;g7537ca99b8_0_115:notes"/>
+          <p:cNvPr id="140" name="Google Shape;140;g7537ca99b8_0_115:notes"/>
           <p:cNvSpPr>
             <a:spLocks noGrp="1" noRot="1" noChangeAspect="1"/>
           </p:cNvSpPr>
@@ -1166,7 +1174,7 @@
         </p:nvSpPr>
         <p:spPr>
           <a:xfrm>
-            <a:off x="381000" y="685800"/>
+            <a:off x="381300" y="685800"/>
             <a:ext cx="6096000" cy="3429000"/>
           </a:xfrm>
           <a:custGeom>
@@ -1197,7 +1205,7 @@
       </p:sp>
       <p:sp>
         <p:nvSpPr>
-          <p:cNvPr id="140" name="Google Shape;140;g7537ca99b8_0_115:notes"/>
+          <p:cNvPr id="141" name="Google Shape;141;g7537ca99b8_0_115:notes"/>
           <p:cNvSpPr txBox="1">
             <a:spLocks noGrp="1"/>
           </p:cNvSpPr>
@@ -1246,7 +1254,7 @@
   <p:cSld>
     <p:spTree>
       <p:nvGrpSpPr>
-        <p:cNvPr id="1" name="Shape 145"/>
+        <p:cNvPr id="1" name="Shape 146"/>
         <p:cNvGrpSpPr/>
         <p:nvPr/>
       </p:nvGrpSpPr>
@@ -1260,7 +1268,7 @@
       </p:grpSpPr>
       <p:sp>
         <p:nvSpPr>
-          <p:cNvPr id="146" name="Google Shape;146;g7537ca99b8_0_120:notes"/>
+          <p:cNvPr id="147" name="Google Shape;147;g7537ca99b8_0_120:notes"/>
           <p:cNvSpPr>
             <a:spLocks noGrp="1" noRot="1" noChangeAspect="1"/>
           </p:cNvSpPr>
@@ -1301,7 +1309,7 @@
       </p:sp>
       <p:sp>
         <p:nvSpPr>
-          <p:cNvPr id="147" name="Google Shape;147;g7537ca99b8_0_120:notes"/>
+          <p:cNvPr id="148" name="Google Shape;148;g7537ca99b8_0_120:notes"/>
           <p:cNvSpPr txBox="1">
             <a:spLocks noGrp="1"/>
           </p:cNvSpPr>
@@ -1350,7 +1358,7 @@
   <p:cSld>
     <p:spTree>
       <p:nvGrpSpPr>
-        <p:cNvPr id="1" name="Shape 151"/>
+        <p:cNvPr id="1" name="Shape 152"/>
         <p:cNvGrpSpPr/>
         <p:nvPr/>
       </p:nvGrpSpPr>
@@ -1364,7 +1372,7 @@
       </p:grpSpPr>
       <p:sp>
         <p:nvSpPr>
-          <p:cNvPr id="152" name="Google Shape;152;g7537ca99b8_0_0:notes"/>
+          <p:cNvPr id="153" name="Google Shape;153;g7537ca99b8_0_0:notes"/>
           <p:cNvSpPr>
             <a:spLocks noGrp="1" noRot="1" noChangeAspect="1"/>
           </p:cNvSpPr>
@@ -1405,7 +1413,7 @@
       </p:sp>
       <p:sp>
         <p:nvSpPr>
-          <p:cNvPr id="153" name="Google Shape;153;g7537ca99b8_0_0:notes"/>
+          <p:cNvPr id="154" name="Google Shape;154;g7537ca99b8_0_0:notes"/>
           <p:cNvSpPr txBox="1">
             <a:spLocks noGrp="1"/>
           </p:cNvSpPr>
@@ -1454,7 +1462,7 @@
   <p:cSld>
     <p:spTree>
       <p:nvGrpSpPr>
-        <p:cNvPr id="1" name="Shape 157"/>
+        <p:cNvPr id="1" name="Shape 158"/>
         <p:cNvGrpSpPr/>
         <p:nvPr/>
       </p:nvGrpSpPr>
@@ -1468,7 +1476,7 @@
       </p:grpSpPr>
       <p:sp>
         <p:nvSpPr>
-          <p:cNvPr id="158" name="Google Shape;158;g752f2b5a61_0_0:notes"/>
+          <p:cNvPr id="159" name="Google Shape;159;g752f2b5a61_0_0:notes"/>
           <p:cNvSpPr>
             <a:spLocks noGrp="1" noRot="1" noChangeAspect="1"/>
           </p:cNvSpPr>
@@ -1509,7 +1517,7 @@
       </p:sp>
       <p:sp>
         <p:nvSpPr>
-          <p:cNvPr id="159" name="Google Shape;159;g752f2b5a61_0_0:notes"/>
+          <p:cNvPr id="160" name="Google Shape;160;g752f2b5a61_0_0:notes"/>
           <p:cNvSpPr txBox="1">
             <a:spLocks noGrp="1"/>
           </p:cNvSpPr>
@@ -1558,7 +1566,7 @@
   <p:cSld>
     <p:spTree>
       <p:nvGrpSpPr>
-        <p:cNvPr id="1" name="Shape 163"/>
+        <p:cNvPr id="1" name="Shape 164"/>
         <p:cNvGrpSpPr/>
         <p:nvPr/>
       </p:nvGrpSpPr>
@@ -1572,7 +1580,7 @@
       </p:grpSpPr>
       <p:sp>
         <p:nvSpPr>
-          <p:cNvPr id="164" name="Google Shape;164;g752f2b5a61_4_72:notes"/>
+          <p:cNvPr id="165" name="Google Shape;165;g752f2b5a61_4_72:notes"/>
           <p:cNvSpPr>
             <a:spLocks noGrp="1" noRot="1" noChangeAspect="1"/>
           </p:cNvSpPr>
@@ -1613,7 +1621,7 @@
       </p:sp>
       <p:sp>
         <p:nvSpPr>
-          <p:cNvPr id="165" name="Google Shape;165;g752f2b5a61_4_72:notes"/>
+          <p:cNvPr id="166" name="Google Shape;166;g752f2b5a61_4_72:notes"/>
           <p:cNvSpPr txBox="1">
             <a:spLocks noGrp="1"/>
           </p:cNvSpPr>
@@ -1662,7 +1670,7 @@
   <p:cSld>
     <p:spTree>
       <p:nvGrpSpPr>
-        <p:cNvPr id="1" name="Shape 169"/>
+        <p:cNvPr id="1" name="Shape 170"/>
         <p:cNvGrpSpPr/>
         <p:nvPr/>
       </p:nvGrpSpPr>
@@ -1676,7 +1684,7 @@
       </p:grpSpPr>
       <p:sp>
         <p:nvSpPr>
-          <p:cNvPr id="170" name="Google Shape;170;g752f2b5a61_4_78:notes"/>
+          <p:cNvPr id="171" name="Google Shape;171;g752f2b5a61_4_78:notes"/>
           <p:cNvSpPr>
             <a:spLocks noGrp="1" noRot="1" noChangeAspect="1"/>
           </p:cNvSpPr>
@@ -1717,7 +1725,7 @@
       </p:sp>
       <p:sp>
         <p:nvSpPr>
-          <p:cNvPr id="171" name="Google Shape;171;g752f2b5a61_4_78:notes"/>
+          <p:cNvPr id="172" name="Google Shape;172;g752f2b5a61_4_78:notes"/>
           <p:cNvSpPr txBox="1">
             <a:spLocks noGrp="1"/>
           </p:cNvSpPr>
@@ -1766,7 +1774,7 @@
   <p:cSld>
     <p:spTree>
       <p:nvGrpSpPr>
-        <p:cNvPr id="1" name="Shape 175"/>
+        <p:cNvPr id="1" name="Shape 176"/>
         <p:cNvGrpSpPr/>
         <p:nvPr/>
       </p:nvGrpSpPr>
@@ -1780,7 +1788,7 @@
       </p:grpSpPr>
       <p:sp>
         <p:nvSpPr>
-          <p:cNvPr id="176" name="Google Shape;176;g752f2b5a61_4_83:notes"/>
+          <p:cNvPr id="177" name="Google Shape;177;g752f2b5a61_4_83:notes"/>
           <p:cNvSpPr>
             <a:spLocks noGrp="1" noRot="1" noChangeAspect="1"/>
           </p:cNvSpPr>
@@ -1821,7 +1829,7 @@
       </p:sp>
       <p:sp>
         <p:nvSpPr>
-          <p:cNvPr id="177" name="Google Shape;177;g752f2b5a61_4_83:notes"/>
+          <p:cNvPr id="178" name="Google Shape;178;g752f2b5a61_4_83:notes"/>
           <p:cNvSpPr txBox="1">
             <a:spLocks noGrp="1"/>
           </p:cNvSpPr>
@@ -1974,7 +1982,7 @@
   <p:cSld>
     <p:spTree>
       <p:nvGrpSpPr>
-        <p:cNvPr id="1" name="Shape 181"/>
+        <p:cNvPr id="1" name="Shape 182"/>
         <p:cNvGrpSpPr/>
         <p:nvPr/>
       </p:nvGrpSpPr>
@@ -1988,7 +1996,7 @@
       </p:grpSpPr>
       <p:sp>
         <p:nvSpPr>
-          <p:cNvPr id="182" name="Google Shape;182;g752f2b5a61_3_26:notes"/>
+          <p:cNvPr id="183" name="Google Shape;183;g8032099fce_0_23:notes"/>
           <p:cNvSpPr>
             <a:spLocks noGrp="1" noRot="1" noChangeAspect="1"/>
           </p:cNvSpPr>
@@ -2029,7 +2037,7 @@
       </p:sp>
       <p:sp>
         <p:nvSpPr>
-          <p:cNvPr id="183" name="Google Shape;183;g752f2b5a61_3_26:notes"/>
+          <p:cNvPr id="184" name="Google Shape;184;g8032099fce_0_23:notes"/>
           <p:cNvSpPr txBox="1">
             <a:spLocks noGrp="1"/>
           </p:cNvSpPr>
@@ -2078,7 +2086,7 @@
   <p:cSld>
     <p:spTree>
       <p:nvGrpSpPr>
-        <p:cNvPr id="1" name="Shape 187"/>
+        <p:cNvPr id="1" name="Shape 188"/>
         <p:cNvGrpSpPr/>
         <p:nvPr/>
       </p:nvGrpSpPr>
@@ -2092,7 +2100,7 @@
       </p:grpSpPr>
       <p:sp>
         <p:nvSpPr>
-          <p:cNvPr id="188" name="Google Shape;188;g752f2b5a61_4_88:notes"/>
+          <p:cNvPr id="189" name="Google Shape;189;g8032099fce_0_28:notes"/>
           <p:cNvSpPr>
             <a:spLocks noGrp="1" noRot="1" noChangeAspect="1"/>
           </p:cNvSpPr>
@@ -2133,7 +2141,839 @@
       </p:sp>
       <p:sp>
         <p:nvSpPr>
-          <p:cNvPr id="189" name="Google Shape;189;g752f2b5a61_4_88:notes"/>
+          <p:cNvPr id="190" name="Google Shape;190;g8032099fce_0_28:notes"/>
+          <p:cNvSpPr txBox="1">
+            <a:spLocks noGrp="1"/>
+          </p:cNvSpPr>
+          <p:nvPr>
+            <p:ph type="body" idx="1"/>
+          </p:nvPr>
+        </p:nvSpPr>
+        <p:spPr>
+          <a:xfrm>
+            <a:off x="685800" y="4343400"/>
+            <a:ext cx="5486400" cy="4114800"/>
+          </a:xfrm>
+          <a:prstGeom prst="rect">
+            <a:avLst/>
+          </a:prstGeom>
+        </p:spPr>
+        <p:txBody>
+          <a:bodyPr spcFirstLastPara="1" wrap="square" lIns="91425" tIns="91425" rIns="91425" bIns="91425" anchor="t" anchorCtr="0">
+            <a:noAutofit/>
+          </a:bodyPr>
+          <a:lstStyle/>
+          <a:p>
+            <a:pPr marL="0" lvl="0" indent="0" algn="l" rtl="0">
+              <a:spcBef>
+                <a:spcPts val="0"/>
+              </a:spcBef>
+              <a:spcAft>
+                <a:spcPts val="0"/>
+              </a:spcAft>
+              <a:buNone/>
+            </a:pPr>
+            <a:endParaRPr/>
+          </a:p>
+        </p:txBody>
+      </p:sp>
+    </p:spTree>
+  </p:cSld>
+  <p:clrMapOvr>
+    <a:masterClrMapping/>
+  </p:clrMapOvr>
+</p:notes>
+</file>
+
+<file path=ppt/notesSlides/notesSlide22.xml><?xml version="1.0" encoding="utf-8"?>
+<p:notes xmlns:a="http://schemas.openxmlformats.org/drawingml/2006/main" xmlns:r="http://schemas.openxmlformats.org/officeDocument/2006/relationships" xmlns:p="http://schemas.openxmlformats.org/presentationml/2006/main" showMasterSp="0" showMasterPhAnim="0">
+  <p:cSld>
+    <p:spTree>
+      <p:nvGrpSpPr>
+        <p:cNvPr id="1" name="Shape 206"/>
+        <p:cNvGrpSpPr/>
+        <p:nvPr/>
+      </p:nvGrpSpPr>
+      <p:grpSpPr>
+        <a:xfrm>
+          <a:off x="0" y="0"/>
+          <a:ext cx="0" cy="0"/>
+          <a:chOff x="0" y="0"/>
+          <a:chExt cx="0" cy="0"/>
+        </a:xfrm>
+      </p:grpSpPr>
+      <p:sp>
+        <p:nvSpPr>
+          <p:cNvPr id="207" name="Google Shape;207;g8032099fce_0_33:notes"/>
+          <p:cNvSpPr>
+            <a:spLocks noGrp="1" noRot="1" noChangeAspect="1"/>
+          </p:cNvSpPr>
+          <p:nvPr>
+            <p:ph type="sldImg" idx="2"/>
+          </p:nvPr>
+        </p:nvSpPr>
+        <p:spPr>
+          <a:xfrm>
+            <a:off x="381300" y="685800"/>
+            <a:ext cx="6096000" cy="3429000"/>
+          </a:xfrm>
+          <a:custGeom>
+            <a:avLst/>
+            <a:gdLst/>
+            <a:ahLst/>
+            <a:cxnLst/>
+            <a:rect l="l" t="t" r="r" b="b"/>
+            <a:pathLst>
+              <a:path w="120000" h="120000" extrusionOk="0">
+                <a:moveTo>
+                  <a:pt x="0" y="0"/>
+                </a:moveTo>
+                <a:lnTo>
+                  <a:pt x="120000" y="0"/>
+                </a:lnTo>
+                <a:lnTo>
+                  <a:pt x="120000" y="120000"/>
+                </a:lnTo>
+                <a:lnTo>
+                  <a:pt x="0" y="120000"/>
+                </a:lnTo>
+                <a:close/>
+              </a:path>
+            </a:pathLst>
+          </a:custGeom>
+        </p:spPr>
+      </p:sp>
+      <p:sp>
+        <p:nvSpPr>
+          <p:cNvPr id="208" name="Google Shape;208;g8032099fce_0_33:notes"/>
+          <p:cNvSpPr txBox="1">
+            <a:spLocks noGrp="1"/>
+          </p:cNvSpPr>
+          <p:nvPr>
+            <p:ph type="body" idx="1"/>
+          </p:nvPr>
+        </p:nvSpPr>
+        <p:spPr>
+          <a:xfrm>
+            <a:off x="685800" y="4343400"/>
+            <a:ext cx="5486400" cy="4114800"/>
+          </a:xfrm>
+          <a:prstGeom prst="rect">
+            <a:avLst/>
+          </a:prstGeom>
+        </p:spPr>
+        <p:txBody>
+          <a:bodyPr spcFirstLastPara="1" wrap="square" lIns="91425" tIns="91425" rIns="91425" bIns="91425" anchor="t" anchorCtr="0">
+            <a:noAutofit/>
+          </a:bodyPr>
+          <a:lstStyle/>
+          <a:p>
+            <a:pPr marL="0" lvl="0" indent="0" algn="l" rtl="0">
+              <a:spcBef>
+                <a:spcPts val="0"/>
+              </a:spcBef>
+              <a:spcAft>
+                <a:spcPts val="0"/>
+              </a:spcAft>
+              <a:buNone/>
+            </a:pPr>
+            <a:endParaRPr/>
+          </a:p>
+        </p:txBody>
+      </p:sp>
+    </p:spTree>
+  </p:cSld>
+  <p:clrMapOvr>
+    <a:masterClrMapping/>
+  </p:clrMapOvr>
+</p:notes>
+</file>
+
+<file path=ppt/notesSlides/notesSlide23.xml><?xml version="1.0" encoding="utf-8"?>
+<p:notes xmlns:a="http://schemas.openxmlformats.org/drawingml/2006/main" xmlns:r="http://schemas.openxmlformats.org/officeDocument/2006/relationships" xmlns:p="http://schemas.openxmlformats.org/presentationml/2006/main" showMasterSp="0" showMasterPhAnim="0">
+  <p:cSld>
+    <p:spTree>
+      <p:nvGrpSpPr>
+        <p:cNvPr id="1" name="Shape 213"/>
+        <p:cNvGrpSpPr/>
+        <p:nvPr/>
+      </p:nvGrpSpPr>
+      <p:grpSpPr>
+        <a:xfrm>
+          <a:off x="0" y="0"/>
+          <a:ext cx="0" cy="0"/>
+          <a:chOff x="0" y="0"/>
+          <a:chExt cx="0" cy="0"/>
+        </a:xfrm>
+      </p:grpSpPr>
+      <p:sp>
+        <p:nvSpPr>
+          <p:cNvPr id="214" name="Google Shape;214;g8032099fce_0_38:notes"/>
+          <p:cNvSpPr>
+            <a:spLocks noGrp="1" noRot="1" noChangeAspect="1"/>
+          </p:cNvSpPr>
+          <p:nvPr>
+            <p:ph type="sldImg" idx="2"/>
+          </p:nvPr>
+        </p:nvSpPr>
+        <p:spPr>
+          <a:xfrm>
+            <a:off x="381300" y="685800"/>
+            <a:ext cx="6096000" cy="3429000"/>
+          </a:xfrm>
+          <a:custGeom>
+            <a:avLst/>
+            <a:gdLst/>
+            <a:ahLst/>
+            <a:cxnLst/>
+            <a:rect l="l" t="t" r="r" b="b"/>
+            <a:pathLst>
+              <a:path w="120000" h="120000" extrusionOk="0">
+                <a:moveTo>
+                  <a:pt x="0" y="0"/>
+                </a:moveTo>
+                <a:lnTo>
+                  <a:pt x="120000" y="0"/>
+                </a:lnTo>
+                <a:lnTo>
+                  <a:pt x="120000" y="120000"/>
+                </a:lnTo>
+                <a:lnTo>
+                  <a:pt x="0" y="120000"/>
+                </a:lnTo>
+                <a:close/>
+              </a:path>
+            </a:pathLst>
+          </a:custGeom>
+        </p:spPr>
+      </p:sp>
+      <p:sp>
+        <p:nvSpPr>
+          <p:cNvPr id="215" name="Google Shape;215;g8032099fce_0_38:notes"/>
+          <p:cNvSpPr txBox="1">
+            <a:spLocks noGrp="1"/>
+          </p:cNvSpPr>
+          <p:nvPr>
+            <p:ph type="body" idx="1"/>
+          </p:nvPr>
+        </p:nvSpPr>
+        <p:spPr>
+          <a:xfrm>
+            <a:off x="685800" y="4343400"/>
+            <a:ext cx="5486400" cy="4114800"/>
+          </a:xfrm>
+          <a:prstGeom prst="rect">
+            <a:avLst/>
+          </a:prstGeom>
+        </p:spPr>
+        <p:txBody>
+          <a:bodyPr spcFirstLastPara="1" wrap="square" lIns="91425" tIns="91425" rIns="91425" bIns="91425" anchor="t" anchorCtr="0">
+            <a:noAutofit/>
+          </a:bodyPr>
+          <a:lstStyle/>
+          <a:p>
+            <a:pPr marL="0" lvl="0" indent="0" algn="l" rtl="0">
+              <a:spcBef>
+                <a:spcPts val="0"/>
+              </a:spcBef>
+              <a:spcAft>
+                <a:spcPts val="0"/>
+              </a:spcAft>
+              <a:buNone/>
+            </a:pPr>
+            <a:endParaRPr/>
+          </a:p>
+        </p:txBody>
+      </p:sp>
+    </p:spTree>
+  </p:cSld>
+  <p:clrMapOvr>
+    <a:masterClrMapping/>
+  </p:clrMapOvr>
+</p:notes>
+</file>
+
+<file path=ppt/notesSlides/notesSlide24.xml><?xml version="1.0" encoding="utf-8"?>
+<p:notes xmlns:a="http://schemas.openxmlformats.org/drawingml/2006/main" xmlns:r="http://schemas.openxmlformats.org/officeDocument/2006/relationships" xmlns:p="http://schemas.openxmlformats.org/presentationml/2006/main" showMasterSp="0" showMasterPhAnim="0">
+  <p:cSld>
+    <p:spTree>
+      <p:nvGrpSpPr>
+        <p:cNvPr id="1" name="Shape 219"/>
+        <p:cNvGrpSpPr/>
+        <p:nvPr/>
+      </p:nvGrpSpPr>
+      <p:grpSpPr>
+        <a:xfrm>
+          <a:off x="0" y="0"/>
+          <a:ext cx="0" cy="0"/>
+          <a:chOff x="0" y="0"/>
+          <a:chExt cx="0" cy="0"/>
+        </a:xfrm>
+      </p:grpSpPr>
+      <p:sp>
+        <p:nvSpPr>
+          <p:cNvPr id="220" name="Google Shape;220;g8032099fce_0_43:notes"/>
+          <p:cNvSpPr>
+            <a:spLocks noGrp="1" noRot="1" noChangeAspect="1"/>
+          </p:cNvSpPr>
+          <p:nvPr>
+            <p:ph type="sldImg" idx="2"/>
+          </p:nvPr>
+        </p:nvSpPr>
+        <p:spPr>
+          <a:xfrm>
+            <a:off x="381300" y="685800"/>
+            <a:ext cx="6096000" cy="3429000"/>
+          </a:xfrm>
+          <a:custGeom>
+            <a:avLst/>
+            <a:gdLst/>
+            <a:ahLst/>
+            <a:cxnLst/>
+            <a:rect l="l" t="t" r="r" b="b"/>
+            <a:pathLst>
+              <a:path w="120000" h="120000" extrusionOk="0">
+                <a:moveTo>
+                  <a:pt x="0" y="0"/>
+                </a:moveTo>
+                <a:lnTo>
+                  <a:pt x="120000" y="0"/>
+                </a:lnTo>
+                <a:lnTo>
+                  <a:pt x="120000" y="120000"/>
+                </a:lnTo>
+                <a:lnTo>
+                  <a:pt x="0" y="120000"/>
+                </a:lnTo>
+                <a:close/>
+              </a:path>
+            </a:pathLst>
+          </a:custGeom>
+        </p:spPr>
+      </p:sp>
+      <p:sp>
+        <p:nvSpPr>
+          <p:cNvPr id="221" name="Google Shape;221;g8032099fce_0_43:notes"/>
+          <p:cNvSpPr txBox="1">
+            <a:spLocks noGrp="1"/>
+          </p:cNvSpPr>
+          <p:nvPr>
+            <p:ph type="body" idx="1"/>
+          </p:nvPr>
+        </p:nvSpPr>
+        <p:spPr>
+          <a:xfrm>
+            <a:off x="685800" y="4343400"/>
+            <a:ext cx="5486400" cy="4114800"/>
+          </a:xfrm>
+          <a:prstGeom prst="rect">
+            <a:avLst/>
+          </a:prstGeom>
+        </p:spPr>
+        <p:txBody>
+          <a:bodyPr spcFirstLastPara="1" wrap="square" lIns="91425" tIns="91425" rIns="91425" bIns="91425" anchor="t" anchorCtr="0">
+            <a:noAutofit/>
+          </a:bodyPr>
+          <a:lstStyle/>
+          <a:p>
+            <a:pPr marL="0" lvl="0" indent="0" algn="l" rtl="0">
+              <a:spcBef>
+                <a:spcPts val="0"/>
+              </a:spcBef>
+              <a:spcAft>
+                <a:spcPts val="0"/>
+              </a:spcAft>
+              <a:buNone/>
+            </a:pPr>
+            <a:endParaRPr/>
+          </a:p>
+        </p:txBody>
+      </p:sp>
+    </p:spTree>
+  </p:cSld>
+  <p:clrMapOvr>
+    <a:masterClrMapping/>
+  </p:clrMapOvr>
+</p:notes>
+</file>
+
+<file path=ppt/notesSlides/notesSlide25.xml><?xml version="1.0" encoding="utf-8"?>
+<p:notes xmlns:a="http://schemas.openxmlformats.org/drawingml/2006/main" xmlns:r="http://schemas.openxmlformats.org/officeDocument/2006/relationships" xmlns:p="http://schemas.openxmlformats.org/presentationml/2006/main" showMasterSp="0" showMasterPhAnim="0">
+  <p:cSld>
+    <p:spTree>
+      <p:nvGrpSpPr>
+        <p:cNvPr id="1" name="Shape 228"/>
+        <p:cNvGrpSpPr/>
+        <p:nvPr/>
+      </p:nvGrpSpPr>
+      <p:grpSpPr>
+        <a:xfrm>
+          <a:off x="0" y="0"/>
+          <a:ext cx="0" cy="0"/>
+          <a:chOff x="0" y="0"/>
+          <a:chExt cx="0" cy="0"/>
+        </a:xfrm>
+      </p:grpSpPr>
+      <p:sp>
+        <p:nvSpPr>
+          <p:cNvPr id="229" name="Google Shape;229;g8032099fce_0_71:notes"/>
+          <p:cNvSpPr>
+            <a:spLocks noGrp="1" noRot="1" noChangeAspect="1"/>
+          </p:cNvSpPr>
+          <p:nvPr>
+            <p:ph type="sldImg" idx="2"/>
+          </p:nvPr>
+        </p:nvSpPr>
+        <p:spPr>
+          <a:xfrm>
+            <a:off x="381300" y="685800"/>
+            <a:ext cx="6096000" cy="3429000"/>
+          </a:xfrm>
+          <a:custGeom>
+            <a:avLst/>
+            <a:gdLst/>
+            <a:ahLst/>
+            <a:cxnLst/>
+            <a:rect l="l" t="t" r="r" b="b"/>
+            <a:pathLst>
+              <a:path w="120000" h="120000" extrusionOk="0">
+                <a:moveTo>
+                  <a:pt x="0" y="0"/>
+                </a:moveTo>
+                <a:lnTo>
+                  <a:pt x="120000" y="0"/>
+                </a:lnTo>
+                <a:lnTo>
+                  <a:pt x="120000" y="120000"/>
+                </a:lnTo>
+                <a:lnTo>
+                  <a:pt x="0" y="120000"/>
+                </a:lnTo>
+                <a:close/>
+              </a:path>
+            </a:pathLst>
+          </a:custGeom>
+        </p:spPr>
+      </p:sp>
+      <p:sp>
+        <p:nvSpPr>
+          <p:cNvPr id="230" name="Google Shape;230;g8032099fce_0_71:notes"/>
+          <p:cNvSpPr txBox="1">
+            <a:spLocks noGrp="1"/>
+          </p:cNvSpPr>
+          <p:nvPr>
+            <p:ph type="body" idx="1"/>
+          </p:nvPr>
+        </p:nvSpPr>
+        <p:spPr>
+          <a:xfrm>
+            <a:off x="685800" y="4343400"/>
+            <a:ext cx="5486400" cy="4114800"/>
+          </a:xfrm>
+          <a:prstGeom prst="rect">
+            <a:avLst/>
+          </a:prstGeom>
+        </p:spPr>
+        <p:txBody>
+          <a:bodyPr spcFirstLastPara="1" wrap="square" lIns="91425" tIns="91425" rIns="91425" bIns="91425" anchor="t" anchorCtr="0">
+            <a:noAutofit/>
+          </a:bodyPr>
+          <a:lstStyle/>
+          <a:p>
+            <a:pPr marL="0" lvl="0" indent="0" algn="l" rtl="0">
+              <a:spcBef>
+                <a:spcPts val="0"/>
+              </a:spcBef>
+              <a:spcAft>
+                <a:spcPts val="0"/>
+              </a:spcAft>
+              <a:buNone/>
+            </a:pPr>
+            <a:endParaRPr/>
+          </a:p>
+        </p:txBody>
+      </p:sp>
+    </p:spTree>
+  </p:cSld>
+  <p:clrMapOvr>
+    <a:masterClrMapping/>
+  </p:clrMapOvr>
+</p:notes>
+</file>
+
+<file path=ppt/notesSlides/notesSlide26.xml><?xml version="1.0" encoding="utf-8"?>
+<p:notes xmlns:a="http://schemas.openxmlformats.org/drawingml/2006/main" xmlns:r="http://schemas.openxmlformats.org/officeDocument/2006/relationships" xmlns:p="http://schemas.openxmlformats.org/presentationml/2006/main" showMasterSp="0" showMasterPhAnim="0">
+  <p:cSld>
+    <p:spTree>
+      <p:nvGrpSpPr>
+        <p:cNvPr id="1" name="Shape 237"/>
+        <p:cNvGrpSpPr/>
+        <p:nvPr/>
+      </p:nvGrpSpPr>
+      <p:grpSpPr>
+        <a:xfrm>
+          <a:off x="0" y="0"/>
+          <a:ext cx="0" cy="0"/>
+          <a:chOff x="0" y="0"/>
+          <a:chExt cx="0" cy="0"/>
+        </a:xfrm>
+      </p:grpSpPr>
+      <p:sp>
+        <p:nvSpPr>
+          <p:cNvPr id="238" name="Google Shape;238;g8032099fce_0_82:notes"/>
+          <p:cNvSpPr>
+            <a:spLocks noGrp="1" noRot="1" noChangeAspect="1"/>
+          </p:cNvSpPr>
+          <p:nvPr>
+            <p:ph type="sldImg" idx="2"/>
+          </p:nvPr>
+        </p:nvSpPr>
+        <p:spPr>
+          <a:xfrm>
+            <a:off x="381300" y="685800"/>
+            <a:ext cx="6096000" cy="3429000"/>
+          </a:xfrm>
+          <a:custGeom>
+            <a:avLst/>
+            <a:gdLst/>
+            <a:ahLst/>
+            <a:cxnLst/>
+            <a:rect l="l" t="t" r="r" b="b"/>
+            <a:pathLst>
+              <a:path w="120000" h="120000" extrusionOk="0">
+                <a:moveTo>
+                  <a:pt x="0" y="0"/>
+                </a:moveTo>
+                <a:lnTo>
+                  <a:pt x="120000" y="0"/>
+                </a:lnTo>
+                <a:lnTo>
+                  <a:pt x="120000" y="120000"/>
+                </a:lnTo>
+                <a:lnTo>
+                  <a:pt x="0" y="120000"/>
+                </a:lnTo>
+                <a:close/>
+              </a:path>
+            </a:pathLst>
+          </a:custGeom>
+        </p:spPr>
+      </p:sp>
+      <p:sp>
+        <p:nvSpPr>
+          <p:cNvPr id="239" name="Google Shape;239;g8032099fce_0_82:notes"/>
+          <p:cNvSpPr txBox="1">
+            <a:spLocks noGrp="1"/>
+          </p:cNvSpPr>
+          <p:nvPr>
+            <p:ph type="body" idx="1"/>
+          </p:nvPr>
+        </p:nvSpPr>
+        <p:spPr>
+          <a:xfrm>
+            <a:off x="685800" y="4343400"/>
+            <a:ext cx="5486400" cy="4114800"/>
+          </a:xfrm>
+          <a:prstGeom prst="rect">
+            <a:avLst/>
+          </a:prstGeom>
+        </p:spPr>
+        <p:txBody>
+          <a:bodyPr spcFirstLastPara="1" wrap="square" lIns="91425" tIns="91425" rIns="91425" bIns="91425" anchor="t" anchorCtr="0">
+            <a:noAutofit/>
+          </a:bodyPr>
+          <a:lstStyle/>
+          <a:p>
+            <a:pPr marL="0" lvl="0" indent="0" algn="l" rtl="0">
+              <a:spcBef>
+                <a:spcPts val="0"/>
+              </a:spcBef>
+              <a:spcAft>
+                <a:spcPts val="0"/>
+              </a:spcAft>
+              <a:buNone/>
+            </a:pPr>
+            <a:endParaRPr/>
+          </a:p>
+        </p:txBody>
+      </p:sp>
+    </p:spTree>
+  </p:cSld>
+  <p:clrMapOvr>
+    <a:masterClrMapping/>
+  </p:clrMapOvr>
+</p:notes>
+</file>
+
+<file path=ppt/notesSlides/notesSlide27.xml><?xml version="1.0" encoding="utf-8"?>
+<p:notes xmlns:a="http://schemas.openxmlformats.org/drawingml/2006/main" xmlns:r="http://schemas.openxmlformats.org/officeDocument/2006/relationships" xmlns:p="http://schemas.openxmlformats.org/presentationml/2006/main" showMasterSp="0" showMasterPhAnim="0">
+  <p:cSld>
+    <p:spTree>
+      <p:nvGrpSpPr>
+        <p:cNvPr id="1" name="Shape 243"/>
+        <p:cNvGrpSpPr/>
+        <p:nvPr/>
+      </p:nvGrpSpPr>
+      <p:grpSpPr>
+        <a:xfrm>
+          <a:off x="0" y="0"/>
+          <a:ext cx="0" cy="0"/>
+          <a:chOff x="0" y="0"/>
+          <a:chExt cx="0" cy="0"/>
+        </a:xfrm>
+      </p:grpSpPr>
+      <p:sp>
+        <p:nvSpPr>
+          <p:cNvPr id="244" name="Google Shape;244;g8032099fce_0_87:notes"/>
+          <p:cNvSpPr>
+            <a:spLocks noGrp="1" noRot="1" noChangeAspect="1"/>
+          </p:cNvSpPr>
+          <p:nvPr>
+            <p:ph type="sldImg" idx="2"/>
+          </p:nvPr>
+        </p:nvSpPr>
+        <p:spPr>
+          <a:xfrm>
+            <a:off x="381300" y="685800"/>
+            <a:ext cx="6096000" cy="3429000"/>
+          </a:xfrm>
+          <a:custGeom>
+            <a:avLst/>
+            <a:gdLst/>
+            <a:ahLst/>
+            <a:cxnLst/>
+            <a:rect l="l" t="t" r="r" b="b"/>
+            <a:pathLst>
+              <a:path w="120000" h="120000" extrusionOk="0">
+                <a:moveTo>
+                  <a:pt x="0" y="0"/>
+                </a:moveTo>
+                <a:lnTo>
+                  <a:pt x="120000" y="0"/>
+                </a:lnTo>
+                <a:lnTo>
+                  <a:pt x="120000" y="120000"/>
+                </a:lnTo>
+                <a:lnTo>
+                  <a:pt x="0" y="120000"/>
+                </a:lnTo>
+                <a:close/>
+              </a:path>
+            </a:pathLst>
+          </a:custGeom>
+        </p:spPr>
+      </p:sp>
+      <p:sp>
+        <p:nvSpPr>
+          <p:cNvPr id="245" name="Google Shape;245;g8032099fce_0_87:notes"/>
+          <p:cNvSpPr txBox="1">
+            <a:spLocks noGrp="1"/>
+          </p:cNvSpPr>
+          <p:nvPr>
+            <p:ph type="body" idx="1"/>
+          </p:nvPr>
+        </p:nvSpPr>
+        <p:spPr>
+          <a:xfrm>
+            <a:off x="685800" y="4343400"/>
+            <a:ext cx="5486400" cy="4114800"/>
+          </a:xfrm>
+          <a:prstGeom prst="rect">
+            <a:avLst/>
+          </a:prstGeom>
+        </p:spPr>
+        <p:txBody>
+          <a:bodyPr spcFirstLastPara="1" wrap="square" lIns="91425" tIns="91425" rIns="91425" bIns="91425" anchor="t" anchorCtr="0">
+            <a:noAutofit/>
+          </a:bodyPr>
+          <a:lstStyle/>
+          <a:p>
+            <a:pPr marL="0" lvl="0" indent="0" algn="l" rtl="0">
+              <a:spcBef>
+                <a:spcPts val="0"/>
+              </a:spcBef>
+              <a:spcAft>
+                <a:spcPts val="0"/>
+              </a:spcAft>
+              <a:buNone/>
+            </a:pPr>
+            <a:endParaRPr/>
+          </a:p>
+        </p:txBody>
+      </p:sp>
+    </p:spTree>
+  </p:cSld>
+  <p:clrMapOvr>
+    <a:masterClrMapping/>
+  </p:clrMapOvr>
+</p:notes>
+</file>
+
+<file path=ppt/notesSlides/notesSlide28.xml><?xml version="1.0" encoding="utf-8"?>
+<p:notes xmlns:a="http://schemas.openxmlformats.org/drawingml/2006/main" xmlns:r="http://schemas.openxmlformats.org/officeDocument/2006/relationships" xmlns:p="http://schemas.openxmlformats.org/presentationml/2006/main" showMasterSp="0" showMasterPhAnim="0">
+  <p:cSld>
+    <p:spTree>
+      <p:nvGrpSpPr>
+        <p:cNvPr id="1" name="Shape 249"/>
+        <p:cNvGrpSpPr/>
+        <p:nvPr/>
+      </p:nvGrpSpPr>
+      <p:grpSpPr>
+        <a:xfrm>
+          <a:off x="0" y="0"/>
+          <a:ext cx="0" cy="0"/>
+          <a:chOff x="0" y="0"/>
+          <a:chExt cx="0" cy="0"/>
+        </a:xfrm>
+      </p:grpSpPr>
+      <p:sp>
+        <p:nvSpPr>
+          <p:cNvPr id="250" name="Google Shape;250;g752f2b5a61_3_26:notes"/>
+          <p:cNvSpPr>
+            <a:spLocks noGrp="1" noRot="1" noChangeAspect="1"/>
+          </p:cNvSpPr>
+          <p:nvPr>
+            <p:ph type="sldImg" idx="2"/>
+          </p:nvPr>
+        </p:nvSpPr>
+        <p:spPr>
+          <a:xfrm>
+            <a:off x="381300" y="685800"/>
+            <a:ext cx="6096000" cy="3429000"/>
+          </a:xfrm>
+          <a:custGeom>
+            <a:avLst/>
+            <a:gdLst/>
+            <a:ahLst/>
+            <a:cxnLst/>
+            <a:rect l="l" t="t" r="r" b="b"/>
+            <a:pathLst>
+              <a:path w="120000" h="120000" extrusionOk="0">
+                <a:moveTo>
+                  <a:pt x="0" y="0"/>
+                </a:moveTo>
+                <a:lnTo>
+                  <a:pt x="120000" y="0"/>
+                </a:lnTo>
+                <a:lnTo>
+                  <a:pt x="120000" y="120000"/>
+                </a:lnTo>
+                <a:lnTo>
+                  <a:pt x="0" y="120000"/>
+                </a:lnTo>
+                <a:close/>
+              </a:path>
+            </a:pathLst>
+          </a:custGeom>
+        </p:spPr>
+      </p:sp>
+      <p:sp>
+        <p:nvSpPr>
+          <p:cNvPr id="251" name="Google Shape;251;g752f2b5a61_3_26:notes"/>
+          <p:cNvSpPr txBox="1">
+            <a:spLocks noGrp="1"/>
+          </p:cNvSpPr>
+          <p:nvPr>
+            <p:ph type="body" idx="1"/>
+          </p:nvPr>
+        </p:nvSpPr>
+        <p:spPr>
+          <a:xfrm>
+            <a:off x="685800" y="4343400"/>
+            <a:ext cx="5486400" cy="4114800"/>
+          </a:xfrm>
+          <a:prstGeom prst="rect">
+            <a:avLst/>
+          </a:prstGeom>
+        </p:spPr>
+        <p:txBody>
+          <a:bodyPr spcFirstLastPara="1" wrap="square" lIns="91425" tIns="91425" rIns="91425" bIns="91425" anchor="t" anchorCtr="0">
+            <a:noAutofit/>
+          </a:bodyPr>
+          <a:lstStyle/>
+          <a:p>
+            <a:pPr marL="0" lvl="0" indent="0" algn="l" rtl="0">
+              <a:spcBef>
+                <a:spcPts val="0"/>
+              </a:spcBef>
+              <a:spcAft>
+                <a:spcPts val="0"/>
+              </a:spcAft>
+              <a:buNone/>
+            </a:pPr>
+            <a:endParaRPr/>
+          </a:p>
+        </p:txBody>
+      </p:sp>
+    </p:spTree>
+  </p:cSld>
+  <p:clrMapOvr>
+    <a:masterClrMapping/>
+  </p:clrMapOvr>
+</p:notes>
+</file>
+
+<file path=ppt/notesSlides/notesSlide29.xml><?xml version="1.0" encoding="utf-8"?>
+<p:notes xmlns:a="http://schemas.openxmlformats.org/drawingml/2006/main" xmlns:r="http://schemas.openxmlformats.org/officeDocument/2006/relationships" xmlns:p="http://schemas.openxmlformats.org/presentationml/2006/main" showMasterSp="0" showMasterPhAnim="0">
+  <p:cSld>
+    <p:spTree>
+      <p:nvGrpSpPr>
+        <p:cNvPr id="1" name="Shape 255"/>
+        <p:cNvGrpSpPr/>
+        <p:nvPr/>
+      </p:nvGrpSpPr>
+      <p:grpSpPr>
+        <a:xfrm>
+          <a:off x="0" y="0"/>
+          <a:ext cx="0" cy="0"/>
+          <a:chOff x="0" y="0"/>
+          <a:chExt cx="0" cy="0"/>
+        </a:xfrm>
+      </p:grpSpPr>
+      <p:sp>
+        <p:nvSpPr>
+          <p:cNvPr id="256" name="Google Shape;256;g752f2b5a61_4_88:notes"/>
+          <p:cNvSpPr>
+            <a:spLocks noGrp="1" noRot="1" noChangeAspect="1"/>
+          </p:cNvSpPr>
+          <p:nvPr>
+            <p:ph type="sldImg" idx="2"/>
+          </p:nvPr>
+        </p:nvSpPr>
+        <p:spPr>
+          <a:xfrm>
+            <a:off x="381300" y="685800"/>
+            <a:ext cx="6096000" cy="3429000"/>
+          </a:xfrm>
+          <a:custGeom>
+            <a:avLst/>
+            <a:gdLst/>
+            <a:ahLst/>
+            <a:cxnLst/>
+            <a:rect l="l" t="t" r="r" b="b"/>
+            <a:pathLst>
+              <a:path w="120000" h="120000" extrusionOk="0">
+                <a:moveTo>
+                  <a:pt x="0" y="0"/>
+                </a:moveTo>
+                <a:lnTo>
+                  <a:pt x="120000" y="0"/>
+                </a:lnTo>
+                <a:lnTo>
+                  <a:pt x="120000" y="120000"/>
+                </a:lnTo>
+                <a:lnTo>
+                  <a:pt x="0" y="120000"/>
+                </a:lnTo>
+                <a:close/>
+              </a:path>
+            </a:pathLst>
+          </a:custGeom>
+        </p:spPr>
+      </p:sp>
+      <p:sp>
+        <p:nvSpPr>
+          <p:cNvPr id="257" name="Google Shape;257;g752f2b5a61_4_88:notes"/>
           <p:cNvSpPr txBox="1">
             <a:spLocks noGrp="1"/>
           </p:cNvSpPr>
@@ -8186,6 +9026,34 @@
           </a:p>
         </p:txBody>
       </p:sp>
+      <p:pic>
+        <p:nvPicPr>
+          <p:cNvPr id="125" name="Google Shape;125;p22"/>
+          <p:cNvPicPr preferRelativeResize="0"/>
+          <p:nvPr/>
+        </p:nvPicPr>
+        <p:blipFill>
+          <a:blip r:embed="rId3">
+            <a:alphaModFix/>
+          </a:blip>
+          <a:stretch>
+            <a:fillRect/>
+          </a:stretch>
+        </p:blipFill>
+        <p:spPr>
+          <a:xfrm>
+            <a:off x="6275825" y="1210675"/>
+            <a:ext cx="2402576" cy="1833200"/>
+          </a:xfrm>
+          <a:prstGeom prst="rect">
+            <a:avLst/>
+          </a:prstGeom>
+          <a:noFill/>
+          <a:ln>
+            <a:noFill/>
+          </a:ln>
+        </p:spPr>
+      </p:pic>
     </p:spTree>
   </p:cSld>
   <p:clrMapOvr>
@@ -8207,7 +9075,7 @@
     </p:bg>
     <p:spTree>
       <p:nvGrpSpPr>
-        <p:cNvPr id="1" name="Shape 128"/>
+        <p:cNvPr id="1" name="Shape 129"/>
         <p:cNvGrpSpPr/>
         <p:nvPr/>
       </p:nvGrpSpPr>
@@ -8221,7 +9089,7 @@
       </p:grpSpPr>
       <p:sp>
         <p:nvSpPr>
-          <p:cNvPr id="129" name="Google Shape;129;p23"/>
+          <p:cNvPr id="130" name="Google Shape;130;p23"/>
           <p:cNvSpPr txBox="1"/>
           <p:nvPr/>
         </p:nvSpPr>
@@ -8274,7 +9142,7 @@
   <p:cSld>
     <p:spTree>
       <p:nvGrpSpPr>
-        <p:cNvPr id="1" name="Shape 133"/>
+        <p:cNvPr id="1" name="Shape 134"/>
         <p:cNvGrpSpPr/>
         <p:nvPr/>
       </p:nvGrpSpPr>
@@ -8288,7 +9156,7 @@
       </p:grpSpPr>
       <p:sp>
         <p:nvSpPr>
-          <p:cNvPr id="134" name="Google Shape;134;p24"/>
+          <p:cNvPr id="135" name="Google Shape;135;p24"/>
           <p:cNvSpPr txBox="1">
             <a:spLocks noGrp="1"/>
           </p:cNvSpPr>
@@ -8330,7 +9198,7 @@
       </p:sp>
       <p:pic>
         <p:nvPicPr>
-          <p:cNvPr id="135" name="Google Shape;135;p24"/>
+          <p:cNvPr id="136" name="Google Shape;136;p24"/>
           <p:cNvPicPr preferRelativeResize="0"/>
           <p:nvPr/>
         </p:nvPicPr>
@@ -8358,7 +9226,7 @@
       </p:pic>
       <p:sp>
         <p:nvSpPr>
-          <p:cNvPr id="136" name="Google Shape;136;p24"/>
+          <p:cNvPr id="137" name="Google Shape;137;p24"/>
           <p:cNvSpPr txBox="1"/>
           <p:nvPr/>
         </p:nvSpPr>
@@ -8548,7 +9416,7 @@
       </p:sp>
       <p:sp>
         <p:nvSpPr>
-          <p:cNvPr id="137" name="Google Shape;137;p24"/>
+          <p:cNvPr id="138" name="Google Shape;138;p24"/>
           <p:cNvSpPr txBox="1"/>
           <p:nvPr/>
         </p:nvSpPr>
@@ -8601,7 +9469,7 @@
   <p:cSld>
     <p:spTree>
       <p:nvGrpSpPr>
-        <p:cNvPr id="1" name="Shape 141"/>
+        <p:cNvPr id="1" name="Shape 142"/>
         <p:cNvGrpSpPr/>
         <p:nvPr/>
       </p:nvGrpSpPr>
@@ -8615,7 +9483,7 @@
       </p:grpSpPr>
       <p:sp>
         <p:nvSpPr>
-          <p:cNvPr id="142" name="Google Shape;142;p25"/>
+          <p:cNvPr id="143" name="Google Shape;143;p25"/>
           <p:cNvSpPr txBox="1">
             <a:spLocks noGrp="1"/>
           </p:cNvSpPr>
@@ -8657,20 +9525,20 @@
       </p:sp>
       <p:graphicFrame>
         <p:nvGraphicFramePr>
-          <p:cNvPr id="143" name="Google Shape;143;p25"/>
+          <p:cNvPr id="144" name="Google Shape;144;p25"/>
           <p:cNvGraphicFramePr/>
           <p:nvPr/>
         </p:nvGraphicFramePr>
         <p:xfrm>
           <a:off x="1521200" y="1423725"/>
-          <a:ext cx="4826000" cy="792600"/>
+          <a:ext cx="3000000" cy="3000000"/>
         </p:xfrm>
         <a:graphic>
           <a:graphicData uri="http://schemas.openxmlformats.org/drawingml/2006/table">
             <a:tbl>
               <a:tblPr>
                 <a:noFill/>
-                <a:tableStyleId>{7225D14A-34A2-411E-9D7E-104864050C19}</a:tableStyleId>
+                <a:tableStyleId>{D950B924-16CA-4721-A878-5A344B318CBB}</a:tableStyleId>
               </a:tblPr>
               <a:tblGrid>
                 <a:gridCol w="2413000">
@@ -8800,7 +9668,7 @@
       </p:graphicFrame>
       <p:sp>
         <p:nvSpPr>
-          <p:cNvPr id="144" name="Google Shape;144;p25"/>
+          <p:cNvPr id="145" name="Google Shape;145;p25"/>
           <p:cNvSpPr txBox="1"/>
           <p:nvPr/>
         </p:nvSpPr>
@@ -9003,7 +9871,7 @@
   <p:cSld>
     <p:spTree>
       <p:nvGrpSpPr>
-        <p:cNvPr id="1" name="Shape 148"/>
+        <p:cNvPr id="1" name="Shape 149"/>
         <p:cNvGrpSpPr/>
         <p:nvPr/>
       </p:nvGrpSpPr>
@@ -9017,7 +9885,7 @@
       </p:grpSpPr>
       <p:sp>
         <p:nvSpPr>
-          <p:cNvPr id="149" name="Google Shape;149;p26"/>
+          <p:cNvPr id="150" name="Google Shape;150;p26"/>
           <p:cNvSpPr txBox="1">
             <a:spLocks noGrp="1"/>
           </p:cNvSpPr>
@@ -9059,7 +9927,7 @@
       </p:sp>
       <p:pic>
         <p:nvPicPr>
-          <p:cNvPr id="150" name="Google Shape;150;p26"/>
+          <p:cNvPr id="151" name="Google Shape;151;p26"/>
           <p:cNvPicPr preferRelativeResize="0"/>
           <p:nvPr/>
         </p:nvPicPr>
@@ -9098,7 +9966,7 @@
   <p:cSld>
     <p:spTree>
       <p:nvGrpSpPr>
-        <p:cNvPr id="1" name="Shape 154"/>
+        <p:cNvPr id="1" name="Shape 155"/>
         <p:cNvGrpSpPr/>
         <p:nvPr/>
       </p:nvGrpSpPr>
@@ -9112,7 +9980,7 @@
       </p:grpSpPr>
       <p:sp>
         <p:nvSpPr>
-          <p:cNvPr id="155" name="Google Shape;155;p27"/>
+          <p:cNvPr id="156" name="Google Shape;156;p27"/>
           <p:cNvSpPr txBox="1">
             <a:spLocks noGrp="1"/>
           </p:cNvSpPr>
@@ -9154,7 +10022,7 @@
       </p:sp>
       <p:sp>
         <p:nvSpPr>
-          <p:cNvPr id="156" name="Google Shape;156;p27"/>
+          <p:cNvPr id="157" name="Google Shape;157;p27"/>
           <p:cNvSpPr txBox="1">
             <a:spLocks noGrp="1"/>
           </p:cNvSpPr>
@@ -9295,7 +10163,7 @@
   <p:cSld>
     <p:spTree>
       <p:nvGrpSpPr>
-        <p:cNvPr id="1" name="Shape 160"/>
+        <p:cNvPr id="1" name="Shape 161"/>
         <p:cNvGrpSpPr/>
         <p:nvPr/>
       </p:nvGrpSpPr>
@@ -9309,7 +10177,7 @@
       </p:grpSpPr>
       <p:sp>
         <p:nvSpPr>
-          <p:cNvPr id="161" name="Google Shape;161;p28"/>
+          <p:cNvPr id="162" name="Google Shape;162;p28"/>
           <p:cNvSpPr txBox="1">
             <a:spLocks noGrp="1"/>
           </p:cNvSpPr>
@@ -9351,7 +10219,7 @@
       </p:sp>
       <p:pic>
         <p:nvPicPr>
-          <p:cNvPr id="162" name="Google Shape;162;p28"/>
+          <p:cNvPr id="163" name="Google Shape;163;p28"/>
           <p:cNvPicPr preferRelativeResize="0"/>
           <p:nvPr/>
         </p:nvPicPr>
@@ -9390,7 +10258,7 @@
   <p:cSld>
     <p:spTree>
       <p:nvGrpSpPr>
-        <p:cNvPr id="1" name="Shape 166"/>
+        <p:cNvPr id="1" name="Shape 167"/>
         <p:cNvGrpSpPr/>
         <p:nvPr/>
       </p:nvGrpSpPr>
@@ -9404,7 +10272,7 @@
       </p:grpSpPr>
       <p:sp>
         <p:nvSpPr>
-          <p:cNvPr id="167" name="Google Shape;167;p29"/>
+          <p:cNvPr id="168" name="Google Shape;168;p29"/>
           <p:cNvSpPr txBox="1">
             <a:spLocks noGrp="1"/>
           </p:cNvSpPr>
@@ -9446,7 +10314,7 @@
       </p:sp>
       <p:pic>
         <p:nvPicPr>
-          <p:cNvPr id="168" name="Google Shape;168;p29"/>
+          <p:cNvPr id="169" name="Google Shape;169;p29"/>
           <p:cNvPicPr preferRelativeResize="0"/>
           <p:nvPr/>
         </p:nvPicPr>
@@ -9485,7 +10353,7 @@
   <p:cSld>
     <p:spTree>
       <p:nvGrpSpPr>
-        <p:cNvPr id="1" name="Shape 172"/>
+        <p:cNvPr id="1" name="Shape 173"/>
         <p:cNvGrpSpPr/>
         <p:nvPr/>
       </p:nvGrpSpPr>
@@ -9499,7 +10367,7 @@
       </p:grpSpPr>
       <p:sp>
         <p:nvSpPr>
-          <p:cNvPr id="173" name="Google Shape;173;p30"/>
+          <p:cNvPr id="174" name="Google Shape;174;p30"/>
           <p:cNvSpPr txBox="1">
             <a:spLocks noGrp="1"/>
           </p:cNvSpPr>
@@ -9660,7 +10528,7 @@
       </p:sp>
       <p:sp>
         <p:nvSpPr>
-          <p:cNvPr id="174" name="Google Shape;174;p30"/>
+          <p:cNvPr id="175" name="Google Shape;175;p30"/>
           <p:cNvSpPr txBox="1">
             <a:spLocks noGrp="1"/>
           </p:cNvSpPr>
@@ -9713,7 +10581,7 @@
   <p:cSld>
     <p:spTree>
       <p:nvGrpSpPr>
-        <p:cNvPr id="1" name="Shape 178"/>
+        <p:cNvPr id="1" name="Shape 179"/>
         <p:cNvGrpSpPr/>
         <p:nvPr/>
       </p:nvGrpSpPr>
@@ -9727,7 +10595,7 @@
       </p:grpSpPr>
       <p:sp>
         <p:nvSpPr>
-          <p:cNvPr id="179" name="Google Shape;179;p31"/>
+          <p:cNvPr id="180" name="Google Shape;180;p31"/>
           <p:cNvSpPr txBox="1">
             <a:spLocks noGrp="1"/>
           </p:cNvSpPr>
@@ -9769,7 +10637,7 @@
       </p:sp>
       <p:sp>
         <p:nvSpPr>
-          <p:cNvPr id="180" name="Google Shape;180;p31"/>
+          <p:cNvPr id="181" name="Google Shape;181;p31"/>
           <p:cNvSpPr txBox="1">
             <a:spLocks noGrp="1"/>
           </p:cNvSpPr>
@@ -10022,7 +10890,7 @@
   <p:cSld>
     <p:spTree>
       <p:nvGrpSpPr>
-        <p:cNvPr id="1" name="Shape 184"/>
+        <p:cNvPr id="1" name="Shape 185"/>
         <p:cNvGrpSpPr/>
         <p:nvPr/>
       </p:nvGrpSpPr>
@@ -10036,7 +10904,7 @@
       </p:grpSpPr>
       <p:sp>
         <p:nvSpPr>
-          <p:cNvPr id="185" name="Google Shape;185;p32"/>
+          <p:cNvPr id="186" name="Google Shape;186;p32"/>
           <p:cNvSpPr txBox="1">
             <a:spLocks noGrp="1"/>
           </p:cNvSpPr>
@@ -10069,16 +10937,16 @@
               <a:buNone/>
             </a:pPr>
             <a:r>
-              <a:rPr lang="en" dirty="0"/>
-              <a:t>Contributions of team members </a:t>
+              <a:rPr lang="en"/>
+              <a:t>Changes after the presentation</a:t>
             </a:r>
-            <a:endParaRPr dirty="0"/>
+            <a:endParaRPr/>
           </a:p>
         </p:txBody>
       </p:sp>
       <p:sp>
         <p:nvSpPr>
-          <p:cNvPr id="186" name="Google Shape;186;p32"/>
+          <p:cNvPr id="187" name="Google Shape;187;p32"/>
           <p:cNvSpPr txBox="1">
             <a:spLocks noGrp="1"/>
           </p:cNvSpPr>
@@ -10101,80 +10969,66 @@
           </a:bodyPr>
           <a:lstStyle/>
           <a:p>
-            <a:pPr marL="0" lvl="0" indent="0" algn="l" rtl="0">
-              <a:spcBef>
-                <a:spcPts val="0"/>
-              </a:spcBef>
-              <a:spcAft>
-                <a:spcPts val="0"/>
-              </a:spcAft>
-              <a:buNone/>
+            <a:pPr marL="457200" lvl="0" indent="-342900" algn="l" rtl="0">
+              <a:spcBef>
+                <a:spcPts val="0"/>
+              </a:spcBef>
+              <a:spcAft>
+                <a:spcPts val="0"/>
+              </a:spcAft>
+              <a:buSzPts val="1800"/>
+              <a:buChar char="-"/>
             </a:pPr>
             <a:r>
-              <a:rPr lang="en" b="1" dirty="0"/>
-              <a:t>Ramana Rao Akula </a:t>
+              <a:rPr lang="en" dirty="0"/>
+              <a:t>Using a custom model on the sign language digits dataset had some bad results with testing accuracy being greater than training accuracy. </a:t>
+            </a:r>
+            <a:endParaRPr dirty="0"/>
+          </a:p>
+          <a:p>
+            <a:pPr marL="457200" lvl="0" indent="-342900" algn="l" rtl="0">
+              <a:spcBef>
+                <a:spcPts val="0"/>
+              </a:spcBef>
+              <a:spcAft>
+                <a:spcPts val="0"/>
+              </a:spcAft>
+              <a:buSzPts val="1800"/>
+              <a:buChar char="-"/>
+            </a:pPr>
+            <a:r>
+              <a:rPr lang="en" dirty="0"/>
+              <a:t>This was improved by using pre defined models by ResNet152, VGG16, InceptionV3, ResNet50.</a:t>
+            </a:r>
+            <a:endParaRPr dirty="0"/>
+          </a:p>
+          <a:p>
+            <a:pPr marL="457200" lvl="0" indent="-342900" algn="l" rtl="0">
+              <a:spcBef>
+                <a:spcPts val="0"/>
+              </a:spcBef>
+              <a:spcAft>
+                <a:spcPts val="0"/>
+              </a:spcAft>
+              <a:buSzPts val="1800"/>
+              <a:buChar char="-"/>
+            </a:pPr>
+            <a:r>
+              <a:rPr lang="en" dirty="0"/>
+              <a:t>However, the dataset gave the same results on the pre trained models as well </a:t>
+            </a:r>
+            <a:r>
+              <a:rPr lang="en-US" dirty="0"/>
+              <a:t>so we had to change </a:t>
             </a:r>
             <a:r>
               <a:rPr lang="en-US"/>
-              <a:t>and</a:t>
-            </a:r>
-            <a:r>
-              <a:rPr lang="en" b="1"/>
-              <a:t> Nitya Mula</a:t>
+              <a:t>the dataset.</a:t>
             </a:r>
             <a:r>
               <a:rPr lang="en"/>
-              <a:t>: </a:t>
+              <a:t> </a:t>
             </a:r>
-            <a:r>
-              <a:rPr lang="en" dirty="0"/>
-              <a:t>Approach 1 using contours</a:t>
-            </a:r>
-            <a:endParaRPr dirty="0"/>
-          </a:p>
-          <a:p>
-            <a:pPr marL="0" lvl="0" indent="0" algn="l" rtl="0">
-              <a:spcBef>
-                <a:spcPts val="1600"/>
-              </a:spcBef>
-              <a:spcAft>
-                <a:spcPts val="0"/>
-              </a:spcAft>
-              <a:buClr>
-                <a:schemeClr val="dk1"/>
-              </a:buClr>
-              <a:buSzPts val="1100"/>
-              <a:buFont typeface="Arial"/>
-              <a:buNone/>
-            </a:pPr>
-            <a:r>
-              <a:rPr lang="en" b="1" dirty="0"/>
-              <a:t>Krishna Garg, Nitya Mula </a:t>
-            </a:r>
-            <a:r>
-              <a:rPr lang="en" dirty="0"/>
-              <a:t>and</a:t>
-            </a:r>
-            <a:r>
-              <a:rPr lang="en" b="1" dirty="0"/>
-              <a:t> Ramana Rao Akula</a:t>
-            </a:r>
-            <a:r>
-              <a:rPr lang="en" dirty="0"/>
-              <a:t>: Approach 2 using Deep Learning</a:t>
-            </a:r>
-            <a:endParaRPr dirty="0"/>
-          </a:p>
-          <a:p>
-            <a:pPr marL="0" lvl="0" indent="0" algn="l" rtl="0">
-              <a:spcBef>
-                <a:spcPts val="1600"/>
-              </a:spcBef>
-              <a:spcAft>
-                <a:spcPts val="1600"/>
-              </a:spcAft>
-              <a:buNone/>
-            </a:pPr>
             <a:endParaRPr dirty="0"/>
           </a:p>
         </p:txBody>
@@ -10192,7 +11046,7 @@
   <p:cSld>
     <p:spTree>
       <p:nvGrpSpPr>
-        <p:cNvPr id="1" name="Shape 190"/>
+        <p:cNvPr id="1" name="Shape 191"/>
         <p:cNvGrpSpPr/>
         <p:nvPr/>
       </p:nvGrpSpPr>
@@ -10206,7 +11060,3047 @@
       </p:grpSpPr>
       <p:sp>
         <p:nvSpPr>
-          <p:cNvPr id="191" name="Google Shape;191;p33"/>
+          <p:cNvPr id="192" name="Google Shape;192;p33"/>
+          <p:cNvSpPr txBox="1">
+            <a:spLocks noGrp="1"/>
+          </p:cNvSpPr>
+          <p:nvPr>
+            <p:ph type="title"/>
+          </p:nvPr>
+        </p:nvSpPr>
+        <p:spPr>
+          <a:xfrm>
+            <a:off x="311700" y="445025"/>
+            <a:ext cx="8520600" cy="572700"/>
+          </a:xfrm>
+          <a:prstGeom prst="rect">
+            <a:avLst/>
+          </a:prstGeom>
+        </p:spPr>
+        <p:txBody>
+          <a:bodyPr spcFirstLastPara="1" wrap="square" lIns="91425" tIns="91425" rIns="91425" bIns="91425" anchor="t" anchorCtr="0">
+            <a:noAutofit/>
+          </a:bodyPr>
+          <a:lstStyle/>
+          <a:p>
+            <a:pPr marL="0" lvl="0" indent="0" algn="l" rtl="0">
+              <a:spcBef>
+                <a:spcPts val="0"/>
+              </a:spcBef>
+              <a:spcAft>
+                <a:spcPts val="0"/>
+              </a:spcAft>
+              <a:buNone/>
+            </a:pPr>
+            <a:r>
+              <a:rPr lang="en"/>
+              <a:t>New dataset - Hand Gesture dataset</a:t>
+            </a:r>
+            <a:endParaRPr/>
+          </a:p>
+        </p:txBody>
+      </p:sp>
+      <p:sp>
+        <p:nvSpPr>
+          <p:cNvPr id="193" name="Google Shape;193;p33"/>
+          <p:cNvSpPr txBox="1">
+            <a:spLocks noGrp="1"/>
+          </p:cNvSpPr>
+          <p:nvPr>
+            <p:ph type="body" idx="1"/>
+          </p:nvPr>
+        </p:nvSpPr>
+        <p:spPr>
+          <a:xfrm>
+            <a:off x="311700" y="1152475"/>
+            <a:ext cx="8520600" cy="3416400"/>
+          </a:xfrm>
+          <a:prstGeom prst="rect">
+            <a:avLst/>
+          </a:prstGeom>
+        </p:spPr>
+        <p:txBody>
+          <a:bodyPr spcFirstLastPara="1" wrap="square" lIns="91425" tIns="91425" rIns="91425" bIns="91425" anchor="t" anchorCtr="0">
+            <a:noAutofit/>
+          </a:bodyPr>
+          <a:lstStyle/>
+          <a:p>
+            <a:pPr marL="0" lvl="0" indent="0" algn="l" rtl="0">
+              <a:lnSpc>
+                <a:spcPct val="100000"/>
+              </a:lnSpc>
+              <a:spcBef>
+                <a:spcPts val="0"/>
+              </a:spcBef>
+              <a:spcAft>
+                <a:spcPts val="0"/>
+              </a:spcAft>
+              <a:buNone/>
+            </a:pPr>
+            <a:endParaRPr sz="1050">
+              <a:solidFill>
+                <a:srgbClr val="000000"/>
+              </a:solidFill>
+            </a:endParaRPr>
+          </a:p>
+          <a:p>
+            <a:pPr marL="0" lvl="0" indent="0" algn="l" rtl="0">
+              <a:lnSpc>
+                <a:spcPct val="100000"/>
+              </a:lnSpc>
+              <a:spcBef>
+                <a:spcPts val="0"/>
+              </a:spcBef>
+              <a:spcAft>
+                <a:spcPts val="0"/>
+              </a:spcAft>
+              <a:buNone/>
+            </a:pPr>
+            <a:endParaRPr sz="1050">
+              <a:solidFill>
+                <a:srgbClr val="000000"/>
+              </a:solidFill>
+            </a:endParaRPr>
+          </a:p>
+          <a:p>
+            <a:pPr marL="0" lvl="0" indent="0" algn="l" rtl="0">
+              <a:lnSpc>
+                <a:spcPct val="100000"/>
+              </a:lnSpc>
+              <a:spcBef>
+                <a:spcPts val="0"/>
+              </a:spcBef>
+              <a:spcAft>
+                <a:spcPts val="0"/>
+              </a:spcAft>
+              <a:buNone/>
+            </a:pPr>
+            <a:endParaRPr sz="1050">
+              <a:solidFill>
+                <a:srgbClr val="000000"/>
+              </a:solidFill>
+            </a:endParaRPr>
+          </a:p>
+          <a:p>
+            <a:pPr marL="0" lvl="0" indent="0" algn="l" rtl="0">
+              <a:lnSpc>
+                <a:spcPct val="100000"/>
+              </a:lnSpc>
+              <a:spcBef>
+                <a:spcPts val="0"/>
+              </a:spcBef>
+              <a:spcAft>
+                <a:spcPts val="0"/>
+              </a:spcAft>
+              <a:buNone/>
+            </a:pPr>
+            <a:endParaRPr sz="1050">
+              <a:solidFill>
+                <a:srgbClr val="000000"/>
+              </a:solidFill>
+            </a:endParaRPr>
+          </a:p>
+          <a:p>
+            <a:pPr marL="0" lvl="0" indent="0" algn="l" rtl="0">
+              <a:lnSpc>
+                <a:spcPct val="100000"/>
+              </a:lnSpc>
+              <a:spcBef>
+                <a:spcPts val="0"/>
+              </a:spcBef>
+              <a:spcAft>
+                <a:spcPts val="0"/>
+              </a:spcAft>
+              <a:buNone/>
+            </a:pPr>
+            <a:endParaRPr sz="1050">
+              <a:solidFill>
+                <a:srgbClr val="000000"/>
+              </a:solidFill>
+            </a:endParaRPr>
+          </a:p>
+          <a:p>
+            <a:pPr marL="0" lvl="0" indent="0" algn="l" rtl="0">
+              <a:lnSpc>
+                <a:spcPct val="100000"/>
+              </a:lnSpc>
+              <a:spcBef>
+                <a:spcPts val="0"/>
+              </a:spcBef>
+              <a:spcAft>
+                <a:spcPts val="0"/>
+              </a:spcAft>
+              <a:buNone/>
+            </a:pPr>
+            <a:endParaRPr sz="1050">
+              <a:solidFill>
+                <a:srgbClr val="000000"/>
+              </a:solidFill>
+            </a:endParaRPr>
+          </a:p>
+          <a:p>
+            <a:pPr marL="0" lvl="0" indent="0" algn="l" rtl="0">
+              <a:lnSpc>
+                <a:spcPct val="100000"/>
+              </a:lnSpc>
+              <a:spcBef>
+                <a:spcPts val="0"/>
+              </a:spcBef>
+              <a:spcAft>
+                <a:spcPts val="0"/>
+              </a:spcAft>
+              <a:buNone/>
+            </a:pPr>
+            <a:endParaRPr sz="1050">
+              <a:solidFill>
+                <a:srgbClr val="000000"/>
+              </a:solidFill>
+            </a:endParaRPr>
+          </a:p>
+          <a:p>
+            <a:pPr marL="0" lvl="0" indent="0" algn="l" rtl="0">
+              <a:lnSpc>
+                <a:spcPct val="100000"/>
+              </a:lnSpc>
+              <a:spcBef>
+                <a:spcPts val="0"/>
+              </a:spcBef>
+              <a:spcAft>
+                <a:spcPts val="0"/>
+              </a:spcAft>
+              <a:buNone/>
+            </a:pPr>
+            <a:endParaRPr sz="1050">
+              <a:solidFill>
+                <a:srgbClr val="000000"/>
+              </a:solidFill>
+            </a:endParaRPr>
+          </a:p>
+          <a:p>
+            <a:pPr marL="0" lvl="0" indent="0" algn="l" rtl="0">
+              <a:lnSpc>
+                <a:spcPct val="100000"/>
+              </a:lnSpc>
+              <a:spcBef>
+                <a:spcPts val="0"/>
+              </a:spcBef>
+              <a:spcAft>
+                <a:spcPts val="0"/>
+              </a:spcAft>
+              <a:buNone/>
+            </a:pPr>
+            <a:endParaRPr sz="1050">
+              <a:solidFill>
+                <a:srgbClr val="000000"/>
+              </a:solidFill>
+            </a:endParaRPr>
+          </a:p>
+          <a:p>
+            <a:pPr marL="0" lvl="0" indent="0" algn="l" rtl="0">
+              <a:lnSpc>
+                <a:spcPct val="100000"/>
+              </a:lnSpc>
+              <a:spcBef>
+                <a:spcPts val="0"/>
+              </a:spcBef>
+              <a:spcAft>
+                <a:spcPts val="0"/>
+              </a:spcAft>
+              <a:buNone/>
+            </a:pPr>
+            <a:endParaRPr sz="1050">
+              <a:solidFill>
+                <a:srgbClr val="000000"/>
+              </a:solidFill>
+            </a:endParaRPr>
+          </a:p>
+          <a:p>
+            <a:pPr marL="0" lvl="0" indent="0" algn="l" rtl="0">
+              <a:lnSpc>
+                <a:spcPct val="100000"/>
+              </a:lnSpc>
+              <a:spcBef>
+                <a:spcPts val="0"/>
+              </a:spcBef>
+              <a:spcAft>
+                <a:spcPts val="0"/>
+              </a:spcAft>
+              <a:buNone/>
+            </a:pPr>
+            <a:endParaRPr sz="1050">
+              <a:solidFill>
+                <a:srgbClr val="000000"/>
+              </a:solidFill>
+            </a:endParaRPr>
+          </a:p>
+          <a:p>
+            <a:pPr marL="0" lvl="0" indent="0" algn="l" rtl="0">
+              <a:lnSpc>
+                <a:spcPct val="100000"/>
+              </a:lnSpc>
+              <a:spcBef>
+                <a:spcPts val="0"/>
+              </a:spcBef>
+              <a:spcAft>
+                <a:spcPts val="0"/>
+              </a:spcAft>
+              <a:buNone/>
+            </a:pPr>
+            <a:endParaRPr sz="1050">
+              <a:solidFill>
+                <a:srgbClr val="000000"/>
+              </a:solidFill>
+            </a:endParaRPr>
+          </a:p>
+          <a:p>
+            <a:pPr marL="0" lvl="0" indent="0" algn="l" rtl="0">
+              <a:lnSpc>
+                <a:spcPct val="100000"/>
+              </a:lnSpc>
+              <a:spcBef>
+                <a:spcPts val="0"/>
+              </a:spcBef>
+              <a:spcAft>
+                <a:spcPts val="0"/>
+              </a:spcAft>
+              <a:buNone/>
+            </a:pPr>
+            <a:endParaRPr sz="1050">
+              <a:solidFill>
+                <a:srgbClr val="000000"/>
+              </a:solidFill>
+            </a:endParaRPr>
+          </a:p>
+          <a:p>
+            <a:pPr marL="0" lvl="0" indent="0" algn="l" rtl="0">
+              <a:lnSpc>
+                <a:spcPct val="100000"/>
+              </a:lnSpc>
+              <a:spcBef>
+                <a:spcPts val="0"/>
+              </a:spcBef>
+              <a:spcAft>
+                <a:spcPts val="0"/>
+              </a:spcAft>
+              <a:buNone/>
+            </a:pPr>
+            <a:endParaRPr sz="1050">
+              <a:solidFill>
+                <a:srgbClr val="000000"/>
+              </a:solidFill>
+            </a:endParaRPr>
+          </a:p>
+          <a:p>
+            <a:pPr marL="0" lvl="0" indent="0" algn="l" rtl="0">
+              <a:lnSpc>
+                <a:spcPct val="100000"/>
+              </a:lnSpc>
+              <a:spcBef>
+                <a:spcPts val="0"/>
+              </a:spcBef>
+              <a:spcAft>
+                <a:spcPts val="0"/>
+              </a:spcAft>
+              <a:buNone/>
+            </a:pPr>
+            <a:endParaRPr sz="1050">
+              <a:solidFill>
+                <a:srgbClr val="000000"/>
+              </a:solidFill>
+            </a:endParaRPr>
+          </a:p>
+          <a:p>
+            <a:pPr marL="0" lvl="0" indent="0" algn="l" rtl="0">
+              <a:lnSpc>
+                <a:spcPct val="100000"/>
+              </a:lnSpc>
+              <a:spcBef>
+                <a:spcPts val="0"/>
+              </a:spcBef>
+              <a:spcAft>
+                <a:spcPts val="0"/>
+              </a:spcAft>
+              <a:buNone/>
+            </a:pPr>
+            <a:endParaRPr sz="1050">
+              <a:solidFill>
+                <a:srgbClr val="000000"/>
+              </a:solidFill>
+            </a:endParaRPr>
+          </a:p>
+          <a:p>
+            <a:pPr marL="0" lvl="0" indent="0" algn="l" rtl="0">
+              <a:lnSpc>
+                <a:spcPct val="100000"/>
+              </a:lnSpc>
+              <a:spcBef>
+                <a:spcPts val="0"/>
+              </a:spcBef>
+              <a:spcAft>
+                <a:spcPts val="0"/>
+              </a:spcAft>
+              <a:buNone/>
+            </a:pPr>
+            <a:endParaRPr sz="1050">
+              <a:solidFill>
+                <a:srgbClr val="000000"/>
+              </a:solidFill>
+            </a:endParaRPr>
+          </a:p>
+          <a:p>
+            <a:pPr marL="0" lvl="0" indent="0" algn="l" rtl="0">
+              <a:lnSpc>
+                <a:spcPct val="100000"/>
+              </a:lnSpc>
+              <a:spcBef>
+                <a:spcPts val="0"/>
+              </a:spcBef>
+              <a:spcAft>
+                <a:spcPts val="0"/>
+              </a:spcAft>
+              <a:buNone/>
+            </a:pPr>
+            <a:endParaRPr sz="1050">
+              <a:solidFill>
+                <a:srgbClr val="000000"/>
+              </a:solidFill>
+            </a:endParaRPr>
+          </a:p>
+          <a:p>
+            <a:pPr marL="0" lvl="0" indent="0" algn="l" rtl="0">
+              <a:lnSpc>
+                <a:spcPct val="100000"/>
+              </a:lnSpc>
+              <a:spcBef>
+                <a:spcPts val="0"/>
+              </a:spcBef>
+              <a:spcAft>
+                <a:spcPts val="0"/>
+              </a:spcAft>
+              <a:buNone/>
+            </a:pPr>
+            <a:endParaRPr sz="1050">
+              <a:solidFill>
+                <a:srgbClr val="000000"/>
+              </a:solidFill>
+            </a:endParaRPr>
+          </a:p>
+          <a:p>
+            <a:pPr marL="0" lvl="0" indent="0" algn="l" rtl="0">
+              <a:lnSpc>
+                <a:spcPct val="100000"/>
+              </a:lnSpc>
+              <a:spcBef>
+                <a:spcPts val="0"/>
+              </a:spcBef>
+              <a:spcAft>
+                <a:spcPts val="0"/>
+              </a:spcAft>
+              <a:buNone/>
+            </a:pPr>
+            <a:endParaRPr sz="1050">
+              <a:solidFill>
+                <a:srgbClr val="000000"/>
+              </a:solidFill>
+            </a:endParaRPr>
+          </a:p>
+          <a:p>
+            <a:pPr marL="0" lvl="0" indent="0" algn="l" rtl="0">
+              <a:lnSpc>
+                <a:spcPct val="100000"/>
+              </a:lnSpc>
+              <a:spcBef>
+                <a:spcPts val="0"/>
+              </a:spcBef>
+              <a:spcAft>
+                <a:spcPts val="0"/>
+              </a:spcAft>
+              <a:buNone/>
+            </a:pPr>
+            <a:endParaRPr sz="1050">
+              <a:solidFill>
+                <a:srgbClr val="000000"/>
+              </a:solidFill>
+            </a:endParaRPr>
+          </a:p>
+          <a:p>
+            <a:pPr marL="0" lvl="0" indent="0" algn="l" rtl="0">
+              <a:lnSpc>
+                <a:spcPct val="100000"/>
+              </a:lnSpc>
+              <a:spcBef>
+                <a:spcPts val="0"/>
+              </a:spcBef>
+              <a:spcAft>
+                <a:spcPts val="0"/>
+              </a:spcAft>
+              <a:buNone/>
+            </a:pPr>
+            <a:r>
+              <a:rPr lang="en" sz="1050">
+                <a:solidFill>
+                  <a:srgbClr val="000000"/>
+                </a:solidFill>
+              </a:rPr>
+              <a:t>Dataset source: </a:t>
+            </a:r>
+            <a:r>
+              <a:rPr lang="en" sz="1050" u="sng">
+                <a:solidFill>
+                  <a:schemeClr val="hlink"/>
+                </a:solidFill>
+                <a:hlinkClick r:id="rId3"/>
+              </a:rPr>
+              <a:t>github.com/ardamavi/Sign-Language-Digits-Dataset</a:t>
+            </a:r>
+            <a:endParaRPr sz="1400">
+              <a:solidFill>
+                <a:srgbClr val="000000"/>
+              </a:solidFill>
+            </a:endParaRPr>
+          </a:p>
+          <a:p>
+            <a:pPr marL="0" lvl="0" indent="0" algn="l" rtl="0">
+              <a:spcBef>
+                <a:spcPts val="0"/>
+              </a:spcBef>
+              <a:spcAft>
+                <a:spcPts val="1600"/>
+              </a:spcAft>
+              <a:buNone/>
+            </a:pPr>
+            <a:endParaRPr/>
+          </a:p>
+        </p:txBody>
+      </p:sp>
+      <p:pic>
+        <p:nvPicPr>
+          <p:cNvPr id="194" name="Google Shape;194;p33"/>
+          <p:cNvPicPr preferRelativeResize="0"/>
+          <p:nvPr/>
+        </p:nvPicPr>
+        <p:blipFill>
+          <a:blip r:embed="rId4">
+            <a:alphaModFix/>
+          </a:blip>
+          <a:stretch>
+            <a:fillRect/>
+          </a:stretch>
+        </p:blipFill>
+        <p:spPr>
+          <a:xfrm>
+            <a:off x="599713" y="1594813"/>
+            <a:ext cx="7648575" cy="1095375"/>
+          </a:xfrm>
+          <a:prstGeom prst="rect">
+            <a:avLst/>
+          </a:prstGeom>
+          <a:noFill/>
+          <a:ln>
+            <a:noFill/>
+          </a:ln>
+        </p:spPr>
+      </p:pic>
+      <p:pic>
+        <p:nvPicPr>
+          <p:cNvPr id="195" name="Google Shape;195;p33"/>
+          <p:cNvPicPr preferRelativeResize="0"/>
+          <p:nvPr/>
+        </p:nvPicPr>
+        <p:blipFill>
+          <a:blip r:embed="rId5">
+            <a:alphaModFix/>
+          </a:blip>
+          <a:stretch>
+            <a:fillRect/>
+          </a:stretch>
+        </p:blipFill>
+        <p:spPr>
+          <a:xfrm>
+            <a:off x="652463" y="2905100"/>
+            <a:ext cx="7839075" cy="1257300"/>
+          </a:xfrm>
+          <a:prstGeom prst="rect">
+            <a:avLst/>
+          </a:prstGeom>
+          <a:noFill/>
+          <a:ln>
+            <a:noFill/>
+          </a:ln>
+        </p:spPr>
+      </p:pic>
+      <p:sp>
+        <p:nvSpPr>
+          <p:cNvPr id="196" name="Google Shape;196;p33"/>
+          <p:cNvSpPr txBox="1"/>
+          <p:nvPr/>
+        </p:nvSpPr>
+        <p:spPr>
+          <a:xfrm>
+            <a:off x="747475" y="2638400"/>
+            <a:ext cx="1095300" cy="321900"/>
+          </a:xfrm>
+          <a:prstGeom prst="rect">
+            <a:avLst/>
+          </a:prstGeom>
+          <a:noFill/>
+          <a:ln>
+            <a:noFill/>
+          </a:ln>
+        </p:spPr>
+        <p:txBody>
+          <a:bodyPr spcFirstLastPara="1" wrap="square" lIns="91425" tIns="91425" rIns="91425" bIns="91425" anchor="t" anchorCtr="0">
+            <a:noAutofit/>
+          </a:bodyPr>
+          <a:lstStyle/>
+          <a:p>
+            <a:pPr marL="0" lvl="0" indent="0" algn="l" rtl="0">
+              <a:spcBef>
+                <a:spcPts val="0"/>
+              </a:spcBef>
+              <a:spcAft>
+                <a:spcPts val="0"/>
+              </a:spcAft>
+              <a:buNone/>
+            </a:pPr>
+            <a:r>
+              <a:rPr lang="en" sz="1200"/>
+              <a:t>Gesture 0</a:t>
+            </a:r>
+            <a:endParaRPr sz="1200"/>
+          </a:p>
+        </p:txBody>
+      </p:sp>
+      <p:sp>
+        <p:nvSpPr>
+          <p:cNvPr id="197" name="Google Shape;197;p33"/>
+          <p:cNvSpPr txBox="1"/>
+          <p:nvPr/>
+        </p:nvSpPr>
+        <p:spPr>
+          <a:xfrm>
+            <a:off x="3988863" y="2638400"/>
+            <a:ext cx="1095300" cy="321900"/>
+          </a:xfrm>
+          <a:prstGeom prst="rect">
+            <a:avLst/>
+          </a:prstGeom>
+          <a:noFill/>
+          <a:ln>
+            <a:noFill/>
+          </a:ln>
+        </p:spPr>
+        <p:txBody>
+          <a:bodyPr spcFirstLastPara="1" wrap="square" lIns="91425" tIns="91425" rIns="91425" bIns="91425" anchor="t" anchorCtr="0">
+            <a:noAutofit/>
+          </a:bodyPr>
+          <a:lstStyle/>
+          <a:p>
+            <a:pPr marL="0" lvl="0" indent="0" algn="l" rtl="0">
+              <a:spcBef>
+                <a:spcPts val="0"/>
+              </a:spcBef>
+              <a:spcAft>
+                <a:spcPts val="0"/>
+              </a:spcAft>
+              <a:buNone/>
+            </a:pPr>
+            <a:r>
+              <a:rPr lang="en" sz="1200"/>
+              <a:t>Gesture 2</a:t>
+            </a:r>
+            <a:endParaRPr sz="1200"/>
+          </a:p>
+        </p:txBody>
+      </p:sp>
+      <p:sp>
+        <p:nvSpPr>
+          <p:cNvPr id="198" name="Google Shape;198;p33"/>
+          <p:cNvSpPr txBox="1"/>
+          <p:nvPr/>
+        </p:nvSpPr>
+        <p:spPr>
+          <a:xfrm>
+            <a:off x="2258600" y="2638400"/>
+            <a:ext cx="1095300" cy="321900"/>
+          </a:xfrm>
+          <a:prstGeom prst="rect">
+            <a:avLst/>
+          </a:prstGeom>
+          <a:noFill/>
+          <a:ln>
+            <a:noFill/>
+          </a:ln>
+        </p:spPr>
+        <p:txBody>
+          <a:bodyPr spcFirstLastPara="1" wrap="square" lIns="91425" tIns="91425" rIns="91425" bIns="91425" anchor="t" anchorCtr="0">
+            <a:noAutofit/>
+          </a:bodyPr>
+          <a:lstStyle/>
+          <a:p>
+            <a:pPr marL="0" lvl="0" indent="0" algn="l" rtl="0">
+              <a:spcBef>
+                <a:spcPts val="0"/>
+              </a:spcBef>
+              <a:spcAft>
+                <a:spcPts val="0"/>
+              </a:spcAft>
+              <a:buNone/>
+            </a:pPr>
+            <a:r>
+              <a:rPr lang="en" sz="1200"/>
+              <a:t>Gesture 1</a:t>
+            </a:r>
+            <a:endParaRPr sz="1200"/>
+          </a:p>
+        </p:txBody>
+      </p:sp>
+      <p:sp>
+        <p:nvSpPr>
+          <p:cNvPr id="199" name="Google Shape;199;p33"/>
+          <p:cNvSpPr txBox="1"/>
+          <p:nvPr/>
+        </p:nvSpPr>
+        <p:spPr>
+          <a:xfrm>
+            <a:off x="7230250" y="2638400"/>
+            <a:ext cx="1095300" cy="321900"/>
+          </a:xfrm>
+          <a:prstGeom prst="rect">
+            <a:avLst/>
+          </a:prstGeom>
+          <a:noFill/>
+          <a:ln>
+            <a:noFill/>
+          </a:ln>
+        </p:spPr>
+        <p:txBody>
+          <a:bodyPr spcFirstLastPara="1" wrap="square" lIns="91425" tIns="91425" rIns="91425" bIns="91425" anchor="t" anchorCtr="0">
+            <a:noAutofit/>
+          </a:bodyPr>
+          <a:lstStyle/>
+          <a:p>
+            <a:pPr marL="0" lvl="0" indent="0" algn="l" rtl="0">
+              <a:spcBef>
+                <a:spcPts val="0"/>
+              </a:spcBef>
+              <a:spcAft>
+                <a:spcPts val="0"/>
+              </a:spcAft>
+              <a:buNone/>
+            </a:pPr>
+            <a:r>
+              <a:rPr lang="en" sz="1200"/>
+              <a:t>Gesture 4</a:t>
+            </a:r>
+            <a:endParaRPr sz="1200"/>
+          </a:p>
+        </p:txBody>
+      </p:sp>
+      <p:sp>
+        <p:nvSpPr>
+          <p:cNvPr id="200" name="Google Shape;200;p33"/>
+          <p:cNvSpPr txBox="1"/>
+          <p:nvPr/>
+        </p:nvSpPr>
+        <p:spPr>
+          <a:xfrm>
+            <a:off x="5553300" y="2638400"/>
+            <a:ext cx="1095300" cy="321900"/>
+          </a:xfrm>
+          <a:prstGeom prst="rect">
+            <a:avLst/>
+          </a:prstGeom>
+          <a:noFill/>
+          <a:ln>
+            <a:noFill/>
+          </a:ln>
+        </p:spPr>
+        <p:txBody>
+          <a:bodyPr spcFirstLastPara="1" wrap="square" lIns="91425" tIns="91425" rIns="91425" bIns="91425" anchor="t" anchorCtr="0">
+            <a:noAutofit/>
+          </a:bodyPr>
+          <a:lstStyle/>
+          <a:p>
+            <a:pPr marL="0" lvl="0" indent="0" algn="l" rtl="0">
+              <a:spcBef>
+                <a:spcPts val="0"/>
+              </a:spcBef>
+              <a:spcAft>
+                <a:spcPts val="0"/>
+              </a:spcAft>
+              <a:buNone/>
+            </a:pPr>
+            <a:r>
+              <a:rPr lang="en" sz="1200"/>
+              <a:t>Gesture 3</a:t>
+            </a:r>
+            <a:endParaRPr sz="1200"/>
+          </a:p>
+        </p:txBody>
+      </p:sp>
+      <p:sp>
+        <p:nvSpPr>
+          <p:cNvPr id="201" name="Google Shape;201;p33"/>
+          <p:cNvSpPr txBox="1"/>
+          <p:nvPr/>
+        </p:nvSpPr>
+        <p:spPr>
+          <a:xfrm>
+            <a:off x="2316150" y="4162400"/>
+            <a:ext cx="1095300" cy="321900"/>
+          </a:xfrm>
+          <a:prstGeom prst="rect">
+            <a:avLst/>
+          </a:prstGeom>
+          <a:noFill/>
+          <a:ln>
+            <a:noFill/>
+          </a:ln>
+        </p:spPr>
+        <p:txBody>
+          <a:bodyPr spcFirstLastPara="1" wrap="square" lIns="91425" tIns="91425" rIns="91425" bIns="91425" anchor="t" anchorCtr="0">
+            <a:noAutofit/>
+          </a:bodyPr>
+          <a:lstStyle/>
+          <a:p>
+            <a:pPr marL="0" lvl="0" indent="0" algn="l" rtl="0">
+              <a:spcBef>
+                <a:spcPts val="0"/>
+              </a:spcBef>
+              <a:spcAft>
+                <a:spcPts val="0"/>
+              </a:spcAft>
+              <a:buNone/>
+            </a:pPr>
+            <a:r>
+              <a:rPr lang="en" sz="1200"/>
+              <a:t>Gesture 6</a:t>
+            </a:r>
+            <a:endParaRPr sz="1200"/>
+          </a:p>
+        </p:txBody>
+      </p:sp>
+      <p:sp>
+        <p:nvSpPr>
+          <p:cNvPr id="202" name="Google Shape;202;p33"/>
+          <p:cNvSpPr txBox="1"/>
+          <p:nvPr/>
+        </p:nvSpPr>
+        <p:spPr>
+          <a:xfrm>
+            <a:off x="747475" y="4162400"/>
+            <a:ext cx="1095300" cy="321900"/>
+          </a:xfrm>
+          <a:prstGeom prst="rect">
+            <a:avLst/>
+          </a:prstGeom>
+          <a:noFill/>
+          <a:ln>
+            <a:noFill/>
+          </a:ln>
+        </p:spPr>
+        <p:txBody>
+          <a:bodyPr spcFirstLastPara="1" wrap="square" lIns="91425" tIns="91425" rIns="91425" bIns="91425" anchor="t" anchorCtr="0">
+            <a:noAutofit/>
+          </a:bodyPr>
+          <a:lstStyle/>
+          <a:p>
+            <a:pPr marL="0" lvl="0" indent="0" algn="l" rtl="0">
+              <a:spcBef>
+                <a:spcPts val="0"/>
+              </a:spcBef>
+              <a:spcAft>
+                <a:spcPts val="0"/>
+              </a:spcAft>
+              <a:buNone/>
+            </a:pPr>
+            <a:r>
+              <a:rPr lang="en" sz="1200"/>
+              <a:t>Gesture 5</a:t>
+            </a:r>
+            <a:endParaRPr sz="1200"/>
+          </a:p>
+        </p:txBody>
+      </p:sp>
+      <p:sp>
+        <p:nvSpPr>
+          <p:cNvPr id="203" name="Google Shape;203;p33"/>
+          <p:cNvSpPr txBox="1"/>
+          <p:nvPr/>
+        </p:nvSpPr>
+        <p:spPr>
+          <a:xfrm>
+            <a:off x="5613600" y="4162400"/>
+            <a:ext cx="1095300" cy="321900"/>
+          </a:xfrm>
+          <a:prstGeom prst="rect">
+            <a:avLst/>
+          </a:prstGeom>
+          <a:noFill/>
+          <a:ln>
+            <a:noFill/>
+          </a:ln>
+        </p:spPr>
+        <p:txBody>
+          <a:bodyPr spcFirstLastPara="1" wrap="square" lIns="91425" tIns="91425" rIns="91425" bIns="91425" anchor="t" anchorCtr="0">
+            <a:noAutofit/>
+          </a:bodyPr>
+          <a:lstStyle/>
+          <a:p>
+            <a:pPr marL="0" lvl="0" indent="0" algn="l" rtl="0">
+              <a:spcBef>
+                <a:spcPts val="0"/>
+              </a:spcBef>
+              <a:spcAft>
+                <a:spcPts val="0"/>
+              </a:spcAft>
+              <a:buNone/>
+            </a:pPr>
+            <a:r>
+              <a:rPr lang="en" sz="1200"/>
+              <a:t>Gesture 8</a:t>
+            </a:r>
+            <a:endParaRPr sz="1200"/>
+          </a:p>
+        </p:txBody>
+      </p:sp>
+      <p:sp>
+        <p:nvSpPr>
+          <p:cNvPr id="204" name="Google Shape;204;p33"/>
+          <p:cNvSpPr txBox="1"/>
+          <p:nvPr/>
+        </p:nvSpPr>
+        <p:spPr>
+          <a:xfrm>
+            <a:off x="3964875" y="4162400"/>
+            <a:ext cx="1095300" cy="321900"/>
+          </a:xfrm>
+          <a:prstGeom prst="rect">
+            <a:avLst/>
+          </a:prstGeom>
+          <a:noFill/>
+          <a:ln>
+            <a:noFill/>
+          </a:ln>
+        </p:spPr>
+        <p:txBody>
+          <a:bodyPr spcFirstLastPara="1" wrap="square" lIns="91425" tIns="91425" rIns="91425" bIns="91425" anchor="t" anchorCtr="0">
+            <a:noAutofit/>
+          </a:bodyPr>
+          <a:lstStyle/>
+          <a:p>
+            <a:pPr marL="0" lvl="0" indent="0" algn="l" rtl="0">
+              <a:spcBef>
+                <a:spcPts val="0"/>
+              </a:spcBef>
+              <a:spcAft>
+                <a:spcPts val="0"/>
+              </a:spcAft>
+              <a:buNone/>
+            </a:pPr>
+            <a:r>
+              <a:rPr lang="en" sz="1200"/>
+              <a:t>Gesture 7</a:t>
+            </a:r>
+            <a:endParaRPr sz="1200"/>
+          </a:p>
+        </p:txBody>
+      </p:sp>
+      <p:sp>
+        <p:nvSpPr>
+          <p:cNvPr id="205" name="Google Shape;205;p33"/>
+          <p:cNvSpPr txBox="1"/>
+          <p:nvPr/>
+        </p:nvSpPr>
+        <p:spPr>
+          <a:xfrm>
+            <a:off x="7291950" y="4162400"/>
+            <a:ext cx="1095300" cy="321900"/>
+          </a:xfrm>
+          <a:prstGeom prst="rect">
+            <a:avLst/>
+          </a:prstGeom>
+          <a:noFill/>
+          <a:ln>
+            <a:noFill/>
+          </a:ln>
+        </p:spPr>
+        <p:txBody>
+          <a:bodyPr spcFirstLastPara="1" wrap="square" lIns="91425" tIns="91425" rIns="91425" bIns="91425" anchor="t" anchorCtr="0">
+            <a:noAutofit/>
+          </a:bodyPr>
+          <a:lstStyle/>
+          <a:p>
+            <a:pPr marL="0" lvl="0" indent="0" algn="l" rtl="0">
+              <a:spcBef>
+                <a:spcPts val="0"/>
+              </a:spcBef>
+              <a:spcAft>
+                <a:spcPts val="0"/>
+              </a:spcAft>
+              <a:buNone/>
+            </a:pPr>
+            <a:r>
+              <a:rPr lang="en" sz="1200"/>
+              <a:t>Gesture 9</a:t>
+            </a:r>
+            <a:endParaRPr sz="1200"/>
+          </a:p>
+        </p:txBody>
+      </p:sp>
+    </p:spTree>
+  </p:cSld>
+  <p:clrMapOvr>
+    <a:masterClrMapping/>
+  </p:clrMapOvr>
+</p:sld>
+</file>
+
+<file path=ppt/slides/slide22.xml><?xml version="1.0" encoding="utf-8"?>
+<p:sld xmlns:a="http://schemas.openxmlformats.org/drawingml/2006/main" xmlns:r="http://schemas.openxmlformats.org/officeDocument/2006/relationships" xmlns:p="http://schemas.openxmlformats.org/presentationml/2006/main">
+  <p:cSld>
+    <p:spTree>
+      <p:nvGrpSpPr>
+        <p:cNvPr id="1" name="Shape 209"/>
+        <p:cNvGrpSpPr/>
+        <p:nvPr/>
+      </p:nvGrpSpPr>
+      <p:grpSpPr>
+        <a:xfrm>
+          <a:off x="0" y="0"/>
+          <a:ext cx="0" cy="0"/>
+          <a:chOff x="0" y="0"/>
+          <a:chExt cx="0" cy="0"/>
+        </a:xfrm>
+      </p:grpSpPr>
+      <p:sp>
+        <p:nvSpPr>
+          <p:cNvPr id="210" name="Google Shape;210;p34"/>
+          <p:cNvSpPr txBox="1"/>
+          <p:nvPr/>
+        </p:nvSpPr>
+        <p:spPr>
+          <a:xfrm>
+            <a:off x="1082300" y="1417800"/>
+            <a:ext cx="3115200" cy="1435200"/>
+          </a:xfrm>
+          <a:prstGeom prst="rect">
+            <a:avLst/>
+          </a:prstGeom>
+          <a:noFill/>
+          <a:ln>
+            <a:noFill/>
+          </a:ln>
+        </p:spPr>
+        <p:txBody>
+          <a:bodyPr spcFirstLastPara="1" wrap="square" lIns="91425" tIns="91425" rIns="91425" bIns="91425" anchor="t" anchorCtr="0">
+            <a:noAutofit/>
+          </a:bodyPr>
+          <a:lstStyle/>
+          <a:p>
+            <a:pPr marL="0" lvl="0" indent="0" algn="l" rtl="0">
+              <a:spcBef>
+                <a:spcPts val="0"/>
+              </a:spcBef>
+              <a:spcAft>
+                <a:spcPts val="0"/>
+              </a:spcAft>
+              <a:buNone/>
+            </a:pPr>
+            <a:r>
+              <a:rPr lang="en"/>
+              <a:t>Classes/Gestures: 0-9</a:t>
+            </a:r>
+            <a:endParaRPr/>
+          </a:p>
+          <a:p>
+            <a:pPr marL="0" lvl="0" indent="0" algn="l" rtl="0">
+              <a:spcBef>
+                <a:spcPts val="0"/>
+              </a:spcBef>
+              <a:spcAft>
+                <a:spcPts val="0"/>
+              </a:spcAft>
+              <a:buNone/>
+            </a:pPr>
+            <a:endParaRPr/>
+          </a:p>
+          <a:p>
+            <a:pPr marL="0" lvl="0" indent="0" algn="l" rtl="0">
+              <a:spcBef>
+                <a:spcPts val="0"/>
+              </a:spcBef>
+              <a:spcAft>
+                <a:spcPts val="0"/>
+              </a:spcAft>
+              <a:buNone/>
+            </a:pPr>
+            <a:r>
+              <a:rPr lang="en"/>
+              <a:t>Image-size: 224*224*3</a:t>
+            </a:r>
+            <a:endParaRPr/>
+          </a:p>
+          <a:p>
+            <a:pPr marL="0" lvl="0" indent="0" algn="l" rtl="0">
+              <a:spcBef>
+                <a:spcPts val="0"/>
+              </a:spcBef>
+              <a:spcAft>
+                <a:spcPts val="0"/>
+              </a:spcAft>
+              <a:buNone/>
+            </a:pPr>
+            <a:endParaRPr/>
+          </a:p>
+          <a:p>
+            <a:pPr marL="0" lvl="0" indent="0" algn="l" rtl="0">
+              <a:spcBef>
+                <a:spcPts val="0"/>
+              </a:spcBef>
+              <a:spcAft>
+                <a:spcPts val="0"/>
+              </a:spcAft>
+              <a:buNone/>
+            </a:pPr>
+            <a:endParaRPr/>
+          </a:p>
+          <a:p>
+            <a:pPr marL="0" lvl="0" indent="0" algn="l" rtl="0">
+              <a:spcBef>
+                <a:spcPts val="0"/>
+              </a:spcBef>
+              <a:spcAft>
+                <a:spcPts val="0"/>
+              </a:spcAft>
+              <a:buNone/>
+            </a:pPr>
+            <a:endParaRPr/>
+          </a:p>
+          <a:p>
+            <a:pPr marL="0" lvl="0" indent="0" algn="l" rtl="0">
+              <a:spcBef>
+                <a:spcPts val="0"/>
+              </a:spcBef>
+              <a:spcAft>
+                <a:spcPts val="0"/>
+              </a:spcAft>
+              <a:buNone/>
+            </a:pPr>
+            <a:endParaRPr/>
+          </a:p>
+          <a:p>
+            <a:pPr marL="0" lvl="0" indent="0" algn="l" rtl="0">
+              <a:spcBef>
+                <a:spcPts val="0"/>
+              </a:spcBef>
+              <a:spcAft>
+                <a:spcPts val="0"/>
+              </a:spcAft>
+              <a:buNone/>
+            </a:pPr>
+            <a:endParaRPr/>
+          </a:p>
+          <a:p>
+            <a:pPr marL="0" lvl="0" indent="0" algn="l" rtl="0">
+              <a:spcBef>
+                <a:spcPts val="0"/>
+              </a:spcBef>
+              <a:spcAft>
+                <a:spcPts val="0"/>
+              </a:spcAft>
+              <a:buNone/>
+            </a:pPr>
+            <a:endParaRPr/>
+          </a:p>
+          <a:p>
+            <a:pPr marL="0" lvl="0" indent="0" algn="l" rtl="0">
+              <a:spcBef>
+                <a:spcPts val="0"/>
+              </a:spcBef>
+              <a:spcAft>
+                <a:spcPts val="0"/>
+              </a:spcAft>
+              <a:buNone/>
+            </a:pPr>
+            <a:endParaRPr/>
+          </a:p>
+        </p:txBody>
+      </p:sp>
+      <p:sp>
+        <p:nvSpPr>
+          <p:cNvPr id="211" name="Google Shape;211;p34"/>
+          <p:cNvSpPr txBox="1"/>
+          <p:nvPr/>
+        </p:nvSpPr>
+        <p:spPr>
+          <a:xfrm>
+            <a:off x="1082300" y="2382975"/>
+            <a:ext cx="5867700" cy="2028900"/>
+          </a:xfrm>
+          <a:prstGeom prst="rect">
+            <a:avLst/>
+          </a:prstGeom>
+          <a:noFill/>
+          <a:ln>
+            <a:noFill/>
+          </a:ln>
+        </p:spPr>
+        <p:txBody>
+          <a:bodyPr spcFirstLastPara="1" wrap="square" lIns="91425" tIns="91425" rIns="91425" bIns="91425" anchor="t" anchorCtr="0">
+            <a:noAutofit/>
+          </a:bodyPr>
+          <a:lstStyle/>
+          <a:p>
+            <a:pPr marL="0" lvl="0" indent="0" algn="l" rtl="0">
+              <a:spcBef>
+                <a:spcPts val="0"/>
+              </a:spcBef>
+              <a:spcAft>
+                <a:spcPts val="0"/>
+              </a:spcAft>
+              <a:buNone/>
+            </a:pPr>
+            <a:r>
+              <a:rPr lang="en" b="1"/>
+              <a:t>Preprocessing</a:t>
+            </a:r>
+            <a:endParaRPr b="1"/>
+          </a:p>
+          <a:p>
+            <a:pPr marL="457200" lvl="0" indent="-317500" algn="l" rtl="0">
+              <a:spcBef>
+                <a:spcPts val="0"/>
+              </a:spcBef>
+              <a:spcAft>
+                <a:spcPts val="0"/>
+              </a:spcAft>
+              <a:buSzPts val="1400"/>
+              <a:buChar char="-"/>
+            </a:pPr>
+            <a:r>
+              <a:rPr lang="en"/>
+              <a:t>Mapping to correct gesture directories</a:t>
+            </a:r>
+            <a:endParaRPr/>
+          </a:p>
+          <a:p>
+            <a:pPr marL="0" lvl="0" indent="0" algn="l" rtl="0">
+              <a:spcBef>
+                <a:spcPts val="0"/>
+              </a:spcBef>
+              <a:spcAft>
+                <a:spcPts val="0"/>
+              </a:spcAft>
+              <a:buNone/>
+            </a:pPr>
+            <a:endParaRPr b="1"/>
+          </a:p>
+          <a:p>
+            <a:pPr marL="0" lvl="0" indent="0" algn="l" rtl="0">
+              <a:spcBef>
+                <a:spcPts val="0"/>
+              </a:spcBef>
+              <a:spcAft>
+                <a:spcPts val="0"/>
+              </a:spcAft>
+              <a:buNone/>
+            </a:pPr>
+            <a:r>
+              <a:rPr lang="en" b="1"/>
+              <a:t>Transformations</a:t>
+            </a:r>
+            <a:r>
+              <a:rPr lang="en"/>
+              <a:t>:</a:t>
+            </a:r>
+            <a:endParaRPr>
+              <a:solidFill>
+                <a:schemeClr val="dk1"/>
+              </a:solidFill>
+            </a:endParaRPr>
+          </a:p>
+          <a:p>
+            <a:pPr marL="457200" lvl="0" indent="-317500" algn="l" rtl="0">
+              <a:spcBef>
+                <a:spcPts val="0"/>
+              </a:spcBef>
+              <a:spcAft>
+                <a:spcPts val="0"/>
+              </a:spcAft>
+              <a:buClr>
+                <a:schemeClr val="dk1"/>
+              </a:buClr>
+              <a:buSzPts val="1400"/>
+              <a:buChar char="-"/>
+            </a:pPr>
+            <a:r>
+              <a:rPr lang="en">
+                <a:solidFill>
+                  <a:schemeClr val="dk1"/>
+                </a:solidFill>
+              </a:rPr>
+              <a:t>Data Shuffling</a:t>
+            </a:r>
+            <a:endParaRPr/>
+          </a:p>
+        </p:txBody>
+      </p:sp>
+      <p:graphicFrame>
+        <p:nvGraphicFramePr>
+          <p:cNvPr id="212" name="Google Shape;212;p34"/>
+          <p:cNvGraphicFramePr/>
+          <p:nvPr/>
+        </p:nvGraphicFramePr>
+        <p:xfrm>
+          <a:off x="2076250" y="187800"/>
+          <a:ext cx="3000000" cy="3000000"/>
+        </p:xfrm>
+        <a:graphic>
+          <a:graphicData uri="http://schemas.openxmlformats.org/drawingml/2006/table">
+            <a:tbl>
+              <a:tblPr>
+                <a:noFill/>
+                <a:tableStyleId>{D950B924-16CA-4721-A878-5A344B318CBB}</a:tableStyleId>
+              </a:tblPr>
+              <a:tblGrid>
+                <a:gridCol w="2413000">
+                  <a:extLst>
+                    <a:ext uri="{9D8B030D-6E8A-4147-A177-3AD203B41FA5}">
+                      <a16:colId xmlns:a16="http://schemas.microsoft.com/office/drawing/2014/main" val="20000"/>
+                    </a:ext>
+                  </a:extLst>
+                </a:gridCol>
+                <a:gridCol w="2413000">
+                  <a:extLst>
+                    <a:ext uri="{9D8B030D-6E8A-4147-A177-3AD203B41FA5}">
+                      <a16:colId xmlns:a16="http://schemas.microsoft.com/office/drawing/2014/main" val="20001"/>
+                    </a:ext>
+                  </a:extLst>
+                </a:gridCol>
+              </a:tblGrid>
+              <a:tr h="396300">
+                <a:tc>
+                  <a:txBody>
+                    <a:bodyPr/>
+                    <a:lstStyle/>
+                    <a:p>
+                      <a:pPr marL="0" lvl="0" indent="0" algn="l" rtl="0">
+                        <a:spcBef>
+                          <a:spcPts val="0"/>
+                        </a:spcBef>
+                        <a:spcAft>
+                          <a:spcPts val="0"/>
+                        </a:spcAft>
+                        <a:buNone/>
+                      </a:pPr>
+                      <a:r>
+                        <a:rPr lang="en"/>
+                        <a:t>Train</a:t>
+                      </a:r>
+                      <a:endParaRPr/>
+                    </a:p>
+                  </a:txBody>
+                  <a:tcPr marL="91425" marR="91425" marT="91425" marB="91425"/>
+                </a:tc>
+                <a:tc>
+                  <a:txBody>
+                    <a:bodyPr/>
+                    <a:lstStyle/>
+                    <a:p>
+                      <a:pPr marL="0" lvl="0" indent="0" algn="l" rtl="0">
+                        <a:spcBef>
+                          <a:spcPts val="0"/>
+                        </a:spcBef>
+                        <a:spcAft>
+                          <a:spcPts val="0"/>
+                        </a:spcAft>
+                        <a:buNone/>
+                      </a:pPr>
+                      <a:r>
+                        <a:rPr lang="en"/>
+                        <a:t>Test</a:t>
+                      </a:r>
+                      <a:endParaRPr/>
+                    </a:p>
+                  </a:txBody>
+                  <a:tcPr marL="91425" marR="91425" marT="91425" marB="91425"/>
+                </a:tc>
+                <a:extLst>
+                  <a:ext uri="{0D108BD9-81ED-4DB2-BD59-A6C34878D82A}">
+                    <a16:rowId xmlns:a16="http://schemas.microsoft.com/office/drawing/2014/main" val="10000"/>
+                  </a:ext>
+                </a:extLst>
+              </a:tr>
+              <a:tr h="396300">
+                <a:tc>
+                  <a:txBody>
+                    <a:bodyPr/>
+                    <a:lstStyle/>
+                    <a:p>
+                      <a:pPr marL="0" lvl="0" indent="0" algn="l" rtl="0">
+                        <a:spcBef>
+                          <a:spcPts val="0"/>
+                        </a:spcBef>
+                        <a:spcAft>
+                          <a:spcPts val="0"/>
+                        </a:spcAft>
+                        <a:buNone/>
+                      </a:pPr>
+                      <a:r>
+                        <a:rPr lang="en"/>
+                        <a:t>1000 images per gesture</a:t>
+                      </a:r>
+                      <a:endParaRPr/>
+                    </a:p>
+                  </a:txBody>
+                  <a:tcPr marL="91425" marR="91425" marT="91425" marB="91425"/>
+                </a:tc>
+                <a:tc>
+                  <a:txBody>
+                    <a:bodyPr/>
+                    <a:lstStyle/>
+                    <a:p>
+                      <a:pPr marL="0" lvl="0" indent="0" algn="l" rtl="0">
+                        <a:spcBef>
+                          <a:spcPts val="0"/>
+                        </a:spcBef>
+                        <a:spcAft>
+                          <a:spcPts val="0"/>
+                        </a:spcAft>
+                        <a:buNone/>
+                      </a:pPr>
+                      <a:r>
+                        <a:rPr lang="en"/>
+                        <a:t>50 images per gesture</a:t>
+                      </a:r>
+                      <a:endParaRPr/>
+                    </a:p>
+                  </a:txBody>
+                  <a:tcPr marL="91425" marR="91425" marT="91425" marB="91425"/>
+                </a:tc>
+                <a:extLst>
+                  <a:ext uri="{0D108BD9-81ED-4DB2-BD59-A6C34878D82A}">
+                    <a16:rowId xmlns:a16="http://schemas.microsoft.com/office/drawing/2014/main" val="10001"/>
+                  </a:ext>
+                </a:extLst>
+              </a:tr>
+            </a:tbl>
+          </a:graphicData>
+        </a:graphic>
+      </p:graphicFrame>
+    </p:spTree>
+  </p:cSld>
+  <p:clrMapOvr>
+    <a:masterClrMapping/>
+  </p:clrMapOvr>
+</p:sld>
+</file>
+
+<file path=ppt/slides/slide23.xml><?xml version="1.0" encoding="utf-8"?>
+<p:sld xmlns:a="http://schemas.openxmlformats.org/drawingml/2006/main" xmlns:r="http://schemas.openxmlformats.org/officeDocument/2006/relationships" xmlns:p="http://schemas.openxmlformats.org/presentationml/2006/main">
+  <p:cSld>
+    <p:spTree>
+      <p:nvGrpSpPr>
+        <p:cNvPr id="1" name="Shape 216"/>
+        <p:cNvGrpSpPr/>
+        <p:nvPr/>
+      </p:nvGrpSpPr>
+      <p:grpSpPr>
+        <a:xfrm>
+          <a:off x="0" y="0"/>
+          <a:ext cx="0" cy="0"/>
+          <a:chOff x="0" y="0"/>
+          <a:chExt cx="0" cy="0"/>
+        </a:xfrm>
+      </p:grpSpPr>
+      <p:sp>
+        <p:nvSpPr>
+          <p:cNvPr id="217" name="Google Shape;217;p35"/>
+          <p:cNvSpPr txBox="1">
+            <a:spLocks noGrp="1"/>
+          </p:cNvSpPr>
+          <p:nvPr>
+            <p:ph type="title"/>
+          </p:nvPr>
+        </p:nvSpPr>
+        <p:spPr>
+          <a:xfrm>
+            <a:off x="311700" y="445025"/>
+            <a:ext cx="8520600" cy="572700"/>
+          </a:xfrm>
+          <a:prstGeom prst="rect">
+            <a:avLst/>
+          </a:prstGeom>
+        </p:spPr>
+        <p:txBody>
+          <a:bodyPr spcFirstLastPara="1" wrap="square" lIns="91425" tIns="91425" rIns="91425" bIns="91425" anchor="t" anchorCtr="0">
+            <a:noAutofit/>
+          </a:bodyPr>
+          <a:lstStyle/>
+          <a:p>
+            <a:pPr marL="0" lvl="0" indent="0" algn="l" rtl="0">
+              <a:spcBef>
+                <a:spcPts val="0"/>
+              </a:spcBef>
+              <a:spcAft>
+                <a:spcPts val="0"/>
+              </a:spcAft>
+              <a:buNone/>
+            </a:pPr>
+            <a:r>
+              <a:rPr lang="en"/>
+              <a:t>Parameters and Hyperparameters</a:t>
+            </a:r>
+            <a:endParaRPr/>
+          </a:p>
+        </p:txBody>
+      </p:sp>
+      <p:sp>
+        <p:nvSpPr>
+          <p:cNvPr id="218" name="Google Shape;218;p35"/>
+          <p:cNvSpPr txBox="1">
+            <a:spLocks noGrp="1"/>
+          </p:cNvSpPr>
+          <p:nvPr>
+            <p:ph type="body" idx="1"/>
+          </p:nvPr>
+        </p:nvSpPr>
+        <p:spPr>
+          <a:xfrm>
+            <a:off x="311700" y="1152475"/>
+            <a:ext cx="8520600" cy="3416400"/>
+          </a:xfrm>
+          <a:prstGeom prst="rect">
+            <a:avLst/>
+          </a:prstGeom>
+        </p:spPr>
+        <p:txBody>
+          <a:bodyPr spcFirstLastPara="1" wrap="square" lIns="91425" tIns="91425" rIns="91425" bIns="91425" anchor="t" anchorCtr="0">
+            <a:noAutofit/>
+          </a:bodyPr>
+          <a:lstStyle/>
+          <a:p>
+            <a:pPr marL="0" lvl="0" indent="0" algn="l" rtl="0">
+              <a:lnSpc>
+                <a:spcPct val="100000"/>
+              </a:lnSpc>
+              <a:spcBef>
+                <a:spcPts val="0"/>
+              </a:spcBef>
+              <a:spcAft>
+                <a:spcPts val="0"/>
+              </a:spcAft>
+              <a:buNone/>
+            </a:pPr>
+            <a:r>
+              <a:rPr lang="en"/>
+              <a:t>Epochs: 20</a:t>
+            </a:r>
+            <a:endParaRPr/>
+          </a:p>
+          <a:p>
+            <a:pPr marL="0" lvl="0" indent="0" algn="l" rtl="0">
+              <a:lnSpc>
+                <a:spcPct val="100000"/>
+              </a:lnSpc>
+              <a:spcBef>
+                <a:spcPts val="0"/>
+              </a:spcBef>
+              <a:spcAft>
+                <a:spcPts val="0"/>
+              </a:spcAft>
+              <a:buNone/>
+            </a:pPr>
+            <a:endParaRPr/>
+          </a:p>
+          <a:p>
+            <a:pPr marL="0" lvl="0" indent="0" algn="l" rtl="0">
+              <a:lnSpc>
+                <a:spcPct val="100000"/>
+              </a:lnSpc>
+              <a:spcBef>
+                <a:spcPts val="0"/>
+              </a:spcBef>
+              <a:spcAft>
+                <a:spcPts val="0"/>
+              </a:spcAft>
+              <a:buNone/>
+            </a:pPr>
+            <a:r>
+              <a:rPr lang="en"/>
+              <a:t>Batch size: 4</a:t>
+            </a:r>
+            <a:endParaRPr/>
+          </a:p>
+          <a:p>
+            <a:pPr marL="0" lvl="0" indent="0" algn="l" rtl="0">
+              <a:lnSpc>
+                <a:spcPct val="100000"/>
+              </a:lnSpc>
+              <a:spcBef>
+                <a:spcPts val="0"/>
+              </a:spcBef>
+              <a:spcAft>
+                <a:spcPts val="0"/>
+              </a:spcAft>
+              <a:buNone/>
+            </a:pPr>
+            <a:endParaRPr/>
+          </a:p>
+          <a:p>
+            <a:pPr marL="0" lvl="0" indent="0" algn="l" rtl="0">
+              <a:lnSpc>
+                <a:spcPct val="100000"/>
+              </a:lnSpc>
+              <a:spcBef>
+                <a:spcPts val="0"/>
+              </a:spcBef>
+              <a:spcAft>
+                <a:spcPts val="0"/>
+              </a:spcAft>
+              <a:buNone/>
+            </a:pPr>
+            <a:r>
+              <a:rPr lang="en"/>
+              <a:t>Optimizer: SGD</a:t>
+            </a:r>
+            <a:endParaRPr/>
+          </a:p>
+          <a:p>
+            <a:pPr marL="0" lvl="0" indent="0" algn="l" rtl="0">
+              <a:lnSpc>
+                <a:spcPct val="100000"/>
+              </a:lnSpc>
+              <a:spcBef>
+                <a:spcPts val="0"/>
+              </a:spcBef>
+              <a:spcAft>
+                <a:spcPts val="0"/>
+              </a:spcAft>
+              <a:buNone/>
+            </a:pPr>
+            <a:endParaRPr/>
+          </a:p>
+          <a:p>
+            <a:pPr marL="0" lvl="0" indent="0" algn="l" rtl="0">
+              <a:lnSpc>
+                <a:spcPct val="100000"/>
+              </a:lnSpc>
+              <a:spcBef>
+                <a:spcPts val="0"/>
+              </a:spcBef>
+              <a:spcAft>
+                <a:spcPts val="0"/>
+              </a:spcAft>
+              <a:buNone/>
+            </a:pPr>
+            <a:r>
+              <a:rPr lang="en"/>
+              <a:t>Momentum: 0.9</a:t>
+            </a:r>
+            <a:endParaRPr/>
+          </a:p>
+          <a:p>
+            <a:pPr marL="0" lvl="0" indent="0" algn="l" rtl="0">
+              <a:lnSpc>
+                <a:spcPct val="100000"/>
+              </a:lnSpc>
+              <a:spcBef>
+                <a:spcPts val="0"/>
+              </a:spcBef>
+              <a:spcAft>
+                <a:spcPts val="0"/>
+              </a:spcAft>
+              <a:buNone/>
+            </a:pPr>
+            <a:endParaRPr/>
+          </a:p>
+          <a:p>
+            <a:pPr marL="0" lvl="0" indent="0" algn="l" rtl="0">
+              <a:lnSpc>
+                <a:spcPct val="100000"/>
+              </a:lnSpc>
+              <a:spcBef>
+                <a:spcPts val="0"/>
+              </a:spcBef>
+              <a:spcAft>
+                <a:spcPts val="0"/>
+              </a:spcAft>
+              <a:buNone/>
+            </a:pPr>
+            <a:r>
+              <a:rPr lang="en"/>
+              <a:t>Loss function: Categorical cross entropy</a:t>
+            </a:r>
+            <a:endParaRPr/>
+          </a:p>
+          <a:p>
+            <a:pPr marL="0" lvl="0" indent="0" algn="l" rtl="0">
+              <a:lnSpc>
+                <a:spcPct val="100000"/>
+              </a:lnSpc>
+              <a:spcBef>
+                <a:spcPts val="0"/>
+              </a:spcBef>
+              <a:spcAft>
+                <a:spcPts val="0"/>
+              </a:spcAft>
+              <a:buNone/>
+            </a:pPr>
+            <a:endParaRPr/>
+          </a:p>
+          <a:p>
+            <a:pPr marL="0" lvl="0" indent="0" algn="l" rtl="0">
+              <a:lnSpc>
+                <a:spcPct val="100000"/>
+              </a:lnSpc>
+              <a:spcBef>
+                <a:spcPts val="0"/>
+              </a:spcBef>
+              <a:spcAft>
+                <a:spcPts val="0"/>
+              </a:spcAft>
+              <a:buNone/>
+            </a:pPr>
+            <a:r>
+              <a:rPr lang="en"/>
+              <a:t>Learning Rate: 0.01[ResNet50, RestNet152], 0.0001[InceptionV3, VGG16]</a:t>
+            </a:r>
+            <a:endParaRPr/>
+          </a:p>
+          <a:p>
+            <a:pPr marL="0" lvl="0" indent="0" algn="l" rtl="0">
+              <a:lnSpc>
+                <a:spcPct val="100000"/>
+              </a:lnSpc>
+              <a:spcBef>
+                <a:spcPts val="0"/>
+              </a:spcBef>
+              <a:spcAft>
+                <a:spcPts val="0"/>
+              </a:spcAft>
+              <a:buNone/>
+            </a:pPr>
+            <a:endParaRPr/>
+          </a:p>
+          <a:p>
+            <a:pPr marL="0" lvl="0" indent="0" algn="l" rtl="0">
+              <a:lnSpc>
+                <a:spcPct val="100000"/>
+              </a:lnSpc>
+              <a:spcBef>
+                <a:spcPts val="0"/>
+              </a:spcBef>
+              <a:spcAft>
+                <a:spcPts val="0"/>
+              </a:spcAft>
+              <a:buNone/>
+            </a:pPr>
+            <a:endParaRPr/>
+          </a:p>
+          <a:p>
+            <a:pPr marL="0" lvl="0" indent="0" algn="l" rtl="0">
+              <a:spcBef>
+                <a:spcPts val="0"/>
+              </a:spcBef>
+              <a:spcAft>
+                <a:spcPts val="1600"/>
+              </a:spcAft>
+              <a:buNone/>
+            </a:pPr>
+            <a:endParaRPr/>
+          </a:p>
+        </p:txBody>
+      </p:sp>
+    </p:spTree>
+  </p:cSld>
+  <p:clrMapOvr>
+    <a:masterClrMapping/>
+  </p:clrMapOvr>
+</p:sld>
+</file>
+
+<file path=ppt/slides/slide24.xml><?xml version="1.0" encoding="utf-8"?>
+<p:sld xmlns:a="http://schemas.openxmlformats.org/drawingml/2006/main" xmlns:r="http://schemas.openxmlformats.org/officeDocument/2006/relationships" xmlns:p="http://schemas.openxmlformats.org/presentationml/2006/main">
+  <p:cSld>
+    <p:spTree>
+      <p:nvGrpSpPr>
+        <p:cNvPr id="1" name="Shape 222"/>
+        <p:cNvGrpSpPr/>
+        <p:nvPr/>
+      </p:nvGrpSpPr>
+      <p:grpSpPr>
+        <a:xfrm>
+          <a:off x="0" y="0"/>
+          <a:ext cx="0" cy="0"/>
+          <a:chOff x="0" y="0"/>
+          <a:chExt cx="0" cy="0"/>
+        </a:xfrm>
+      </p:grpSpPr>
+      <p:sp>
+        <p:nvSpPr>
+          <p:cNvPr id="223" name="Google Shape;223;p36"/>
+          <p:cNvSpPr txBox="1"/>
+          <p:nvPr/>
+        </p:nvSpPr>
+        <p:spPr>
+          <a:xfrm>
+            <a:off x="1703875" y="4028800"/>
+            <a:ext cx="4586100" cy="535200"/>
+          </a:xfrm>
+          <a:prstGeom prst="rect">
+            <a:avLst/>
+          </a:prstGeom>
+          <a:noFill/>
+          <a:ln>
+            <a:noFill/>
+          </a:ln>
+        </p:spPr>
+        <p:txBody>
+          <a:bodyPr spcFirstLastPara="1" wrap="square" lIns="91425" tIns="91425" rIns="91425" bIns="91425" anchor="t" anchorCtr="0">
+            <a:noAutofit/>
+          </a:bodyPr>
+          <a:lstStyle/>
+          <a:p>
+            <a:pPr marL="0" lvl="0" indent="0" algn="l" rtl="0">
+              <a:spcBef>
+                <a:spcPts val="0"/>
+              </a:spcBef>
+              <a:spcAft>
+                <a:spcPts val="0"/>
+              </a:spcAft>
+              <a:buNone/>
+            </a:pPr>
+            <a:r>
+              <a:rPr lang="en"/>
+              <a:t>ResNet50</a:t>
+            </a:r>
+            <a:endParaRPr/>
+          </a:p>
+        </p:txBody>
+      </p:sp>
+      <p:pic>
+        <p:nvPicPr>
+          <p:cNvPr id="224" name="Google Shape;224;p36"/>
+          <p:cNvPicPr preferRelativeResize="0"/>
+          <p:nvPr/>
+        </p:nvPicPr>
+        <p:blipFill>
+          <a:blip r:embed="rId3">
+            <a:alphaModFix/>
+          </a:blip>
+          <a:stretch>
+            <a:fillRect/>
+          </a:stretch>
+        </p:blipFill>
+        <p:spPr>
+          <a:xfrm>
+            <a:off x="429625" y="917900"/>
+            <a:ext cx="4142378" cy="3039276"/>
+          </a:xfrm>
+          <a:prstGeom prst="rect">
+            <a:avLst/>
+          </a:prstGeom>
+          <a:noFill/>
+          <a:ln>
+            <a:noFill/>
+          </a:ln>
+        </p:spPr>
+      </p:pic>
+      <p:pic>
+        <p:nvPicPr>
+          <p:cNvPr id="225" name="Google Shape;225;p36"/>
+          <p:cNvPicPr preferRelativeResize="0"/>
+          <p:nvPr/>
+        </p:nvPicPr>
+        <p:blipFill>
+          <a:blip r:embed="rId4">
+            <a:alphaModFix/>
+          </a:blip>
+          <a:stretch>
+            <a:fillRect/>
+          </a:stretch>
+        </p:blipFill>
+        <p:spPr>
+          <a:xfrm>
+            <a:off x="4761650" y="873088"/>
+            <a:ext cx="4142375" cy="3128902"/>
+          </a:xfrm>
+          <a:prstGeom prst="rect">
+            <a:avLst/>
+          </a:prstGeom>
+          <a:noFill/>
+          <a:ln>
+            <a:noFill/>
+          </a:ln>
+        </p:spPr>
+      </p:pic>
+      <p:sp>
+        <p:nvSpPr>
+          <p:cNvPr id="226" name="Google Shape;226;p36"/>
+          <p:cNvSpPr txBox="1"/>
+          <p:nvPr/>
+        </p:nvSpPr>
+        <p:spPr>
+          <a:xfrm>
+            <a:off x="6409475" y="4028800"/>
+            <a:ext cx="4586100" cy="535200"/>
+          </a:xfrm>
+          <a:prstGeom prst="rect">
+            <a:avLst/>
+          </a:prstGeom>
+          <a:noFill/>
+          <a:ln>
+            <a:noFill/>
+          </a:ln>
+        </p:spPr>
+        <p:txBody>
+          <a:bodyPr spcFirstLastPara="1" wrap="square" lIns="91425" tIns="91425" rIns="91425" bIns="91425" anchor="t" anchorCtr="0">
+            <a:noAutofit/>
+          </a:bodyPr>
+          <a:lstStyle/>
+          <a:p>
+            <a:pPr marL="0" lvl="0" indent="0" algn="l" rtl="0">
+              <a:spcBef>
+                <a:spcPts val="0"/>
+              </a:spcBef>
+              <a:spcAft>
+                <a:spcPts val="0"/>
+              </a:spcAft>
+              <a:buNone/>
+            </a:pPr>
+            <a:r>
+              <a:rPr lang="en"/>
+              <a:t>ResNet152</a:t>
+            </a:r>
+            <a:endParaRPr/>
+          </a:p>
+        </p:txBody>
+      </p:sp>
+      <p:sp>
+        <p:nvSpPr>
+          <p:cNvPr id="227" name="Google Shape;227;p36"/>
+          <p:cNvSpPr txBox="1"/>
+          <p:nvPr/>
+        </p:nvSpPr>
+        <p:spPr>
+          <a:xfrm>
+            <a:off x="3296275" y="311100"/>
+            <a:ext cx="4586100" cy="535200"/>
+          </a:xfrm>
+          <a:prstGeom prst="rect">
+            <a:avLst/>
+          </a:prstGeom>
+          <a:noFill/>
+          <a:ln>
+            <a:noFill/>
+          </a:ln>
+        </p:spPr>
+        <p:txBody>
+          <a:bodyPr spcFirstLastPara="1" wrap="square" lIns="91425" tIns="91425" rIns="91425" bIns="91425" anchor="t" anchorCtr="0">
+            <a:noAutofit/>
+          </a:bodyPr>
+          <a:lstStyle/>
+          <a:p>
+            <a:pPr marL="0" lvl="0" indent="0" algn="l" rtl="0">
+              <a:spcBef>
+                <a:spcPts val="0"/>
+              </a:spcBef>
+              <a:spcAft>
+                <a:spcPts val="0"/>
+              </a:spcAft>
+              <a:buNone/>
+            </a:pPr>
+            <a:r>
+              <a:rPr lang="en" sz="2000"/>
+              <a:t>ACCURACY vs EPOCHS</a:t>
+            </a:r>
+            <a:endParaRPr sz="2000"/>
+          </a:p>
+        </p:txBody>
+      </p:sp>
+    </p:spTree>
+  </p:cSld>
+  <p:clrMapOvr>
+    <a:masterClrMapping/>
+  </p:clrMapOvr>
+</p:sld>
+</file>
+
+<file path=ppt/slides/slide25.xml><?xml version="1.0" encoding="utf-8"?>
+<p:sld xmlns:a="http://schemas.openxmlformats.org/drawingml/2006/main" xmlns:r="http://schemas.openxmlformats.org/officeDocument/2006/relationships" xmlns:p="http://schemas.openxmlformats.org/presentationml/2006/main">
+  <p:cSld>
+    <p:spTree>
+      <p:nvGrpSpPr>
+        <p:cNvPr id="1" name="Shape 231"/>
+        <p:cNvGrpSpPr/>
+        <p:nvPr/>
+      </p:nvGrpSpPr>
+      <p:grpSpPr>
+        <a:xfrm>
+          <a:off x="0" y="0"/>
+          <a:ext cx="0" cy="0"/>
+          <a:chOff x="0" y="0"/>
+          <a:chExt cx="0" cy="0"/>
+        </a:xfrm>
+      </p:grpSpPr>
+      <p:sp>
+        <p:nvSpPr>
+          <p:cNvPr id="232" name="Google Shape;232;p37"/>
+          <p:cNvSpPr txBox="1"/>
+          <p:nvPr/>
+        </p:nvSpPr>
+        <p:spPr>
+          <a:xfrm>
+            <a:off x="1719800" y="4164175"/>
+            <a:ext cx="4586100" cy="535200"/>
+          </a:xfrm>
+          <a:prstGeom prst="rect">
+            <a:avLst/>
+          </a:prstGeom>
+          <a:noFill/>
+          <a:ln>
+            <a:noFill/>
+          </a:ln>
+        </p:spPr>
+        <p:txBody>
+          <a:bodyPr spcFirstLastPara="1" wrap="square" lIns="91425" tIns="91425" rIns="91425" bIns="91425" anchor="t" anchorCtr="0">
+            <a:noAutofit/>
+          </a:bodyPr>
+          <a:lstStyle/>
+          <a:p>
+            <a:pPr marL="0" lvl="0" indent="0" algn="l" rtl="0">
+              <a:spcBef>
+                <a:spcPts val="0"/>
+              </a:spcBef>
+              <a:spcAft>
+                <a:spcPts val="0"/>
+              </a:spcAft>
+              <a:buNone/>
+            </a:pPr>
+            <a:r>
+              <a:rPr lang="en"/>
+              <a:t>VGG16</a:t>
+            </a:r>
+            <a:endParaRPr/>
+          </a:p>
+        </p:txBody>
+      </p:sp>
+      <p:sp>
+        <p:nvSpPr>
+          <p:cNvPr id="233" name="Google Shape;233;p37"/>
+          <p:cNvSpPr txBox="1"/>
+          <p:nvPr/>
+        </p:nvSpPr>
+        <p:spPr>
+          <a:xfrm>
+            <a:off x="6417425" y="4132325"/>
+            <a:ext cx="4586100" cy="535200"/>
+          </a:xfrm>
+          <a:prstGeom prst="rect">
+            <a:avLst/>
+          </a:prstGeom>
+          <a:noFill/>
+          <a:ln>
+            <a:noFill/>
+          </a:ln>
+        </p:spPr>
+        <p:txBody>
+          <a:bodyPr spcFirstLastPara="1" wrap="square" lIns="91425" tIns="91425" rIns="91425" bIns="91425" anchor="t" anchorCtr="0">
+            <a:noAutofit/>
+          </a:bodyPr>
+          <a:lstStyle/>
+          <a:p>
+            <a:pPr marL="0" lvl="0" indent="0" algn="l" rtl="0">
+              <a:spcBef>
+                <a:spcPts val="0"/>
+              </a:spcBef>
+              <a:spcAft>
+                <a:spcPts val="0"/>
+              </a:spcAft>
+              <a:buNone/>
+            </a:pPr>
+            <a:r>
+              <a:rPr lang="en"/>
+              <a:t>InceptionV3</a:t>
+            </a:r>
+            <a:endParaRPr/>
+          </a:p>
+        </p:txBody>
+      </p:sp>
+      <p:pic>
+        <p:nvPicPr>
+          <p:cNvPr id="234" name="Google Shape;234;p37"/>
+          <p:cNvPicPr preferRelativeResize="0"/>
+          <p:nvPr/>
+        </p:nvPicPr>
+        <p:blipFill>
+          <a:blip r:embed="rId3">
+            <a:alphaModFix/>
+          </a:blip>
+          <a:stretch>
+            <a:fillRect/>
+          </a:stretch>
+        </p:blipFill>
+        <p:spPr>
+          <a:xfrm>
+            <a:off x="209450" y="869000"/>
+            <a:ext cx="4362551" cy="3223525"/>
+          </a:xfrm>
+          <a:prstGeom prst="rect">
+            <a:avLst/>
+          </a:prstGeom>
+          <a:noFill/>
+          <a:ln>
+            <a:noFill/>
+          </a:ln>
+        </p:spPr>
+      </p:pic>
+      <p:pic>
+        <p:nvPicPr>
+          <p:cNvPr id="235" name="Google Shape;235;p37"/>
+          <p:cNvPicPr preferRelativeResize="0"/>
+          <p:nvPr/>
+        </p:nvPicPr>
+        <p:blipFill>
+          <a:blip r:embed="rId4">
+            <a:alphaModFix/>
+          </a:blip>
+          <a:stretch>
+            <a:fillRect/>
+          </a:stretch>
+        </p:blipFill>
+        <p:spPr>
+          <a:xfrm>
+            <a:off x="4865250" y="805275"/>
+            <a:ext cx="4227066" cy="3223525"/>
+          </a:xfrm>
+          <a:prstGeom prst="rect">
+            <a:avLst/>
+          </a:prstGeom>
+          <a:noFill/>
+          <a:ln>
+            <a:noFill/>
+          </a:ln>
+        </p:spPr>
+      </p:pic>
+      <p:sp>
+        <p:nvSpPr>
+          <p:cNvPr id="236" name="Google Shape;236;p37"/>
+          <p:cNvSpPr txBox="1"/>
+          <p:nvPr/>
+        </p:nvSpPr>
+        <p:spPr>
+          <a:xfrm>
+            <a:off x="3296275" y="311100"/>
+            <a:ext cx="4586100" cy="535200"/>
+          </a:xfrm>
+          <a:prstGeom prst="rect">
+            <a:avLst/>
+          </a:prstGeom>
+          <a:noFill/>
+          <a:ln>
+            <a:noFill/>
+          </a:ln>
+        </p:spPr>
+        <p:txBody>
+          <a:bodyPr spcFirstLastPara="1" wrap="square" lIns="91425" tIns="91425" rIns="91425" bIns="91425" anchor="t" anchorCtr="0">
+            <a:noAutofit/>
+          </a:bodyPr>
+          <a:lstStyle/>
+          <a:p>
+            <a:pPr marL="0" lvl="0" indent="0" algn="l" rtl="0">
+              <a:spcBef>
+                <a:spcPts val="0"/>
+              </a:spcBef>
+              <a:spcAft>
+                <a:spcPts val="0"/>
+              </a:spcAft>
+              <a:buNone/>
+            </a:pPr>
+            <a:r>
+              <a:rPr lang="en" sz="2000"/>
+              <a:t>ACCURACY vs EPOCHS</a:t>
+            </a:r>
+            <a:endParaRPr sz="2000"/>
+          </a:p>
+        </p:txBody>
+      </p:sp>
+    </p:spTree>
+  </p:cSld>
+  <p:clrMapOvr>
+    <a:masterClrMapping/>
+  </p:clrMapOvr>
+</p:sld>
+</file>
+
+<file path=ppt/slides/slide26.xml><?xml version="1.0" encoding="utf-8"?>
+<p:sld xmlns:a="http://schemas.openxmlformats.org/drawingml/2006/main" xmlns:r="http://schemas.openxmlformats.org/officeDocument/2006/relationships" xmlns:p="http://schemas.openxmlformats.org/presentationml/2006/main">
+  <p:cSld>
+    <p:spTree>
+      <p:nvGrpSpPr>
+        <p:cNvPr id="1" name="Shape 240"/>
+        <p:cNvGrpSpPr/>
+        <p:nvPr/>
+      </p:nvGrpSpPr>
+      <p:grpSpPr>
+        <a:xfrm>
+          <a:off x="0" y="0"/>
+          <a:ext cx="0" cy="0"/>
+          <a:chOff x="0" y="0"/>
+          <a:chExt cx="0" cy="0"/>
+        </a:xfrm>
+      </p:grpSpPr>
+      <p:graphicFrame>
+        <p:nvGraphicFramePr>
+          <p:cNvPr id="241" name="Google Shape;241;p38"/>
+          <p:cNvGraphicFramePr/>
+          <p:nvPr/>
+        </p:nvGraphicFramePr>
+        <p:xfrm>
+          <a:off x="952500" y="1619250"/>
+          <a:ext cx="3000000" cy="3000000"/>
+        </p:xfrm>
+        <a:graphic>
+          <a:graphicData uri="http://schemas.openxmlformats.org/drawingml/2006/table">
+            <a:tbl>
+              <a:tblPr>
+                <a:noFill/>
+                <a:tableStyleId>{D950B924-16CA-4721-A878-5A344B318CBB}</a:tableStyleId>
+              </a:tblPr>
+              <a:tblGrid>
+                <a:gridCol w="2413000">
+                  <a:extLst>
+                    <a:ext uri="{9D8B030D-6E8A-4147-A177-3AD203B41FA5}">
+                      <a16:colId xmlns:a16="http://schemas.microsoft.com/office/drawing/2014/main" val="20000"/>
+                    </a:ext>
+                  </a:extLst>
+                </a:gridCol>
+                <a:gridCol w="2413000">
+                  <a:extLst>
+                    <a:ext uri="{9D8B030D-6E8A-4147-A177-3AD203B41FA5}">
+                      <a16:colId xmlns:a16="http://schemas.microsoft.com/office/drawing/2014/main" val="20001"/>
+                    </a:ext>
+                  </a:extLst>
+                </a:gridCol>
+                <a:gridCol w="2413000">
+                  <a:extLst>
+                    <a:ext uri="{9D8B030D-6E8A-4147-A177-3AD203B41FA5}">
+                      <a16:colId xmlns:a16="http://schemas.microsoft.com/office/drawing/2014/main" val="20002"/>
+                    </a:ext>
+                  </a:extLst>
+                </a:gridCol>
+              </a:tblGrid>
+              <a:tr h="381000">
+                <a:tc>
+                  <a:txBody>
+                    <a:bodyPr/>
+                    <a:lstStyle/>
+                    <a:p>
+                      <a:pPr marL="0" lvl="0" indent="0" algn="l" rtl="0">
+                        <a:spcBef>
+                          <a:spcPts val="0"/>
+                        </a:spcBef>
+                        <a:spcAft>
+                          <a:spcPts val="0"/>
+                        </a:spcAft>
+                        <a:buNone/>
+                      </a:pPr>
+                      <a:r>
+                        <a:rPr lang="en" b="1"/>
+                        <a:t>Models</a:t>
+                      </a:r>
+                      <a:endParaRPr b="1"/>
+                    </a:p>
+                  </a:txBody>
+                  <a:tcPr marL="91425" marR="91425" marT="91425" marB="91425"/>
+                </a:tc>
+                <a:tc>
+                  <a:txBody>
+                    <a:bodyPr/>
+                    <a:lstStyle/>
+                    <a:p>
+                      <a:pPr marL="0" lvl="0" indent="0" algn="l" rtl="0">
+                        <a:spcBef>
+                          <a:spcPts val="0"/>
+                        </a:spcBef>
+                        <a:spcAft>
+                          <a:spcPts val="0"/>
+                        </a:spcAft>
+                        <a:buNone/>
+                      </a:pPr>
+                      <a:r>
+                        <a:rPr lang="en" b="1"/>
+                        <a:t>Training accuracy</a:t>
+                      </a:r>
+                      <a:endParaRPr b="1"/>
+                    </a:p>
+                  </a:txBody>
+                  <a:tcPr marL="91425" marR="91425" marT="91425" marB="91425"/>
+                </a:tc>
+                <a:tc>
+                  <a:txBody>
+                    <a:bodyPr/>
+                    <a:lstStyle/>
+                    <a:p>
+                      <a:pPr marL="0" lvl="0" indent="0" algn="l" rtl="0">
+                        <a:spcBef>
+                          <a:spcPts val="0"/>
+                        </a:spcBef>
+                        <a:spcAft>
+                          <a:spcPts val="0"/>
+                        </a:spcAft>
+                        <a:buNone/>
+                      </a:pPr>
+                      <a:r>
+                        <a:rPr lang="en" b="1"/>
+                        <a:t>Testing Accuracy</a:t>
+                      </a:r>
+                      <a:endParaRPr b="1"/>
+                    </a:p>
+                  </a:txBody>
+                  <a:tcPr marL="91425" marR="91425" marT="91425" marB="91425"/>
+                </a:tc>
+                <a:extLst>
+                  <a:ext uri="{0D108BD9-81ED-4DB2-BD59-A6C34878D82A}">
+                    <a16:rowId xmlns:a16="http://schemas.microsoft.com/office/drawing/2014/main" val="10000"/>
+                  </a:ext>
+                </a:extLst>
+              </a:tr>
+              <a:tr h="381000">
+                <a:tc>
+                  <a:txBody>
+                    <a:bodyPr/>
+                    <a:lstStyle/>
+                    <a:p>
+                      <a:pPr marL="0" lvl="0" indent="0" algn="l" rtl="0">
+                        <a:spcBef>
+                          <a:spcPts val="0"/>
+                        </a:spcBef>
+                        <a:spcAft>
+                          <a:spcPts val="0"/>
+                        </a:spcAft>
+                        <a:buNone/>
+                      </a:pPr>
+                      <a:r>
+                        <a:rPr lang="en"/>
+                        <a:t>ResNet50</a:t>
+                      </a:r>
+                      <a:endParaRPr/>
+                    </a:p>
+                  </a:txBody>
+                  <a:tcPr marL="91425" marR="91425" marT="91425" marB="91425"/>
+                </a:tc>
+                <a:tc>
+                  <a:txBody>
+                    <a:bodyPr/>
+                    <a:lstStyle/>
+                    <a:p>
+                      <a:pPr marL="0" lvl="0" indent="0" algn="l" rtl="0">
+                        <a:spcBef>
+                          <a:spcPts val="0"/>
+                        </a:spcBef>
+                        <a:spcAft>
+                          <a:spcPts val="0"/>
+                        </a:spcAft>
+                        <a:buNone/>
+                      </a:pPr>
+                      <a:r>
+                        <a:rPr lang="en"/>
+                        <a:t>99.88%</a:t>
+                      </a:r>
+                      <a:endParaRPr/>
+                    </a:p>
+                  </a:txBody>
+                  <a:tcPr marL="91425" marR="91425" marT="91425" marB="91425"/>
+                </a:tc>
+                <a:tc>
+                  <a:txBody>
+                    <a:bodyPr/>
+                    <a:lstStyle/>
+                    <a:p>
+                      <a:pPr marL="0" lvl="0" indent="0" algn="l" rtl="0">
+                        <a:spcBef>
+                          <a:spcPts val="0"/>
+                        </a:spcBef>
+                        <a:spcAft>
+                          <a:spcPts val="0"/>
+                        </a:spcAft>
+                        <a:buNone/>
+                      </a:pPr>
+                      <a:r>
+                        <a:rPr lang="en"/>
+                        <a:t>85.04%</a:t>
+                      </a:r>
+                      <a:endParaRPr/>
+                    </a:p>
+                  </a:txBody>
+                  <a:tcPr marL="91425" marR="91425" marT="91425" marB="91425"/>
+                </a:tc>
+                <a:extLst>
+                  <a:ext uri="{0D108BD9-81ED-4DB2-BD59-A6C34878D82A}">
+                    <a16:rowId xmlns:a16="http://schemas.microsoft.com/office/drawing/2014/main" val="10001"/>
+                  </a:ext>
+                </a:extLst>
+              </a:tr>
+              <a:tr h="381000">
+                <a:tc>
+                  <a:txBody>
+                    <a:bodyPr/>
+                    <a:lstStyle/>
+                    <a:p>
+                      <a:pPr marL="0" lvl="0" indent="0" algn="l" rtl="0">
+                        <a:spcBef>
+                          <a:spcPts val="0"/>
+                        </a:spcBef>
+                        <a:spcAft>
+                          <a:spcPts val="0"/>
+                        </a:spcAft>
+                        <a:buNone/>
+                      </a:pPr>
+                      <a:r>
+                        <a:rPr lang="en"/>
+                        <a:t>ResNet152</a:t>
+                      </a:r>
+                      <a:endParaRPr/>
+                    </a:p>
+                  </a:txBody>
+                  <a:tcPr marL="91425" marR="91425" marT="91425" marB="91425"/>
+                </a:tc>
+                <a:tc>
+                  <a:txBody>
+                    <a:bodyPr/>
+                    <a:lstStyle/>
+                    <a:p>
+                      <a:pPr marL="0" lvl="0" indent="0" algn="l" rtl="0">
+                        <a:spcBef>
+                          <a:spcPts val="0"/>
+                        </a:spcBef>
+                        <a:spcAft>
+                          <a:spcPts val="0"/>
+                        </a:spcAft>
+                        <a:buNone/>
+                      </a:pPr>
+                      <a:r>
+                        <a:rPr lang="en"/>
+                        <a:t>99.58%</a:t>
+                      </a:r>
+                      <a:endParaRPr/>
+                    </a:p>
+                  </a:txBody>
+                  <a:tcPr marL="91425" marR="91425" marT="91425" marB="91425"/>
+                </a:tc>
+                <a:tc>
+                  <a:txBody>
+                    <a:bodyPr/>
+                    <a:lstStyle/>
+                    <a:p>
+                      <a:pPr marL="0" lvl="0" indent="0" algn="l" rtl="0">
+                        <a:spcBef>
+                          <a:spcPts val="0"/>
+                        </a:spcBef>
+                        <a:spcAft>
+                          <a:spcPts val="0"/>
+                        </a:spcAft>
+                        <a:buNone/>
+                      </a:pPr>
+                      <a:r>
+                        <a:rPr lang="en"/>
+                        <a:t>87.21%</a:t>
+                      </a:r>
+                      <a:endParaRPr/>
+                    </a:p>
+                  </a:txBody>
+                  <a:tcPr marL="91425" marR="91425" marT="91425" marB="91425"/>
+                </a:tc>
+                <a:extLst>
+                  <a:ext uri="{0D108BD9-81ED-4DB2-BD59-A6C34878D82A}">
+                    <a16:rowId xmlns:a16="http://schemas.microsoft.com/office/drawing/2014/main" val="10002"/>
+                  </a:ext>
+                </a:extLst>
+              </a:tr>
+              <a:tr h="381000">
+                <a:tc>
+                  <a:txBody>
+                    <a:bodyPr/>
+                    <a:lstStyle/>
+                    <a:p>
+                      <a:pPr marL="0" lvl="0" indent="0" algn="l" rtl="0">
+                        <a:spcBef>
+                          <a:spcPts val="0"/>
+                        </a:spcBef>
+                        <a:spcAft>
+                          <a:spcPts val="0"/>
+                        </a:spcAft>
+                        <a:buNone/>
+                      </a:pPr>
+                      <a:r>
+                        <a:rPr lang="en"/>
+                        <a:t>VGG16</a:t>
+                      </a:r>
+                      <a:endParaRPr/>
+                    </a:p>
+                  </a:txBody>
+                  <a:tcPr marL="91425" marR="91425" marT="91425" marB="91425"/>
+                </a:tc>
+                <a:tc>
+                  <a:txBody>
+                    <a:bodyPr/>
+                    <a:lstStyle/>
+                    <a:p>
+                      <a:pPr marL="0" lvl="0" indent="0" algn="l" rtl="0">
+                        <a:spcBef>
+                          <a:spcPts val="0"/>
+                        </a:spcBef>
+                        <a:spcAft>
+                          <a:spcPts val="0"/>
+                        </a:spcAft>
+                        <a:buNone/>
+                      </a:pPr>
+                      <a:r>
+                        <a:rPr lang="en"/>
+                        <a:t>100%</a:t>
+                      </a:r>
+                      <a:endParaRPr/>
+                    </a:p>
+                  </a:txBody>
+                  <a:tcPr marL="91425" marR="91425" marT="91425" marB="91425"/>
+                </a:tc>
+                <a:tc>
+                  <a:txBody>
+                    <a:bodyPr/>
+                    <a:lstStyle/>
+                    <a:p>
+                      <a:pPr marL="0" lvl="0" indent="0" algn="l" rtl="0">
+                        <a:spcBef>
+                          <a:spcPts val="0"/>
+                        </a:spcBef>
+                        <a:spcAft>
+                          <a:spcPts val="0"/>
+                        </a:spcAft>
+                        <a:buNone/>
+                      </a:pPr>
+                      <a:r>
+                        <a:rPr lang="en"/>
+                        <a:t>96.84%</a:t>
+                      </a:r>
+                      <a:endParaRPr/>
+                    </a:p>
+                  </a:txBody>
+                  <a:tcPr marL="91425" marR="91425" marT="91425" marB="91425"/>
+                </a:tc>
+                <a:extLst>
+                  <a:ext uri="{0D108BD9-81ED-4DB2-BD59-A6C34878D82A}">
+                    <a16:rowId xmlns:a16="http://schemas.microsoft.com/office/drawing/2014/main" val="10003"/>
+                  </a:ext>
+                </a:extLst>
+              </a:tr>
+              <a:tr h="381000">
+                <a:tc>
+                  <a:txBody>
+                    <a:bodyPr/>
+                    <a:lstStyle/>
+                    <a:p>
+                      <a:pPr marL="0" lvl="0" indent="0" algn="l" rtl="0">
+                        <a:spcBef>
+                          <a:spcPts val="0"/>
+                        </a:spcBef>
+                        <a:spcAft>
+                          <a:spcPts val="0"/>
+                        </a:spcAft>
+                        <a:buNone/>
+                      </a:pPr>
+                      <a:r>
+                        <a:rPr lang="en"/>
+                        <a:t>InceptionV3</a:t>
+                      </a:r>
+                      <a:endParaRPr/>
+                    </a:p>
+                  </a:txBody>
+                  <a:tcPr marL="91425" marR="91425" marT="91425" marB="91425"/>
+                </a:tc>
+                <a:tc>
+                  <a:txBody>
+                    <a:bodyPr/>
+                    <a:lstStyle/>
+                    <a:p>
+                      <a:pPr marL="0" lvl="0" indent="0" algn="l" rtl="0">
+                        <a:spcBef>
+                          <a:spcPts val="0"/>
+                        </a:spcBef>
+                        <a:spcAft>
+                          <a:spcPts val="0"/>
+                        </a:spcAft>
+                        <a:buNone/>
+                      </a:pPr>
+                      <a:r>
+                        <a:rPr lang="en"/>
+                        <a:t>100%</a:t>
+                      </a:r>
+                      <a:endParaRPr/>
+                    </a:p>
+                  </a:txBody>
+                  <a:tcPr marL="91425" marR="91425" marT="91425" marB="91425"/>
+                </a:tc>
+                <a:tc>
+                  <a:txBody>
+                    <a:bodyPr/>
+                    <a:lstStyle/>
+                    <a:p>
+                      <a:pPr marL="0" lvl="0" indent="0" algn="l" rtl="0">
+                        <a:spcBef>
+                          <a:spcPts val="0"/>
+                        </a:spcBef>
+                        <a:spcAft>
+                          <a:spcPts val="0"/>
+                        </a:spcAft>
+                        <a:buNone/>
+                      </a:pPr>
+                      <a:r>
+                        <a:rPr lang="en"/>
+                        <a:t>94.85%</a:t>
+                      </a:r>
+                      <a:endParaRPr/>
+                    </a:p>
+                  </a:txBody>
+                  <a:tcPr marL="91425" marR="91425" marT="91425" marB="91425"/>
+                </a:tc>
+                <a:extLst>
+                  <a:ext uri="{0D108BD9-81ED-4DB2-BD59-A6C34878D82A}">
+                    <a16:rowId xmlns:a16="http://schemas.microsoft.com/office/drawing/2014/main" val="10004"/>
+                  </a:ext>
+                </a:extLst>
+              </a:tr>
+            </a:tbl>
+          </a:graphicData>
+        </a:graphic>
+      </p:graphicFrame>
+      <p:sp>
+        <p:nvSpPr>
+          <p:cNvPr id="242" name="Google Shape;242;p38"/>
+          <p:cNvSpPr txBox="1"/>
+          <p:nvPr/>
+        </p:nvSpPr>
+        <p:spPr>
+          <a:xfrm>
+            <a:off x="3855775" y="710475"/>
+            <a:ext cx="4262700" cy="497400"/>
+          </a:xfrm>
+          <a:prstGeom prst="rect">
+            <a:avLst/>
+          </a:prstGeom>
+          <a:noFill/>
+          <a:ln>
+            <a:noFill/>
+          </a:ln>
+        </p:spPr>
+        <p:txBody>
+          <a:bodyPr spcFirstLastPara="1" wrap="square" lIns="91425" tIns="91425" rIns="91425" bIns="91425" anchor="t" anchorCtr="0">
+            <a:noAutofit/>
+          </a:bodyPr>
+          <a:lstStyle/>
+          <a:p>
+            <a:pPr marL="0" lvl="0" indent="0" algn="l" rtl="0">
+              <a:spcBef>
+                <a:spcPts val="0"/>
+              </a:spcBef>
+              <a:spcAft>
+                <a:spcPts val="0"/>
+              </a:spcAft>
+              <a:buNone/>
+            </a:pPr>
+            <a:r>
+              <a:rPr lang="en"/>
+              <a:t>RESULTS</a:t>
+            </a:r>
+            <a:endParaRPr/>
+          </a:p>
+        </p:txBody>
+      </p:sp>
+    </p:spTree>
+  </p:cSld>
+  <p:clrMapOvr>
+    <a:masterClrMapping/>
+  </p:clrMapOvr>
+</p:sld>
+</file>
+
+<file path=ppt/slides/slide27.xml><?xml version="1.0" encoding="utf-8"?>
+<p:sld xmlns:a="http://schemas.openxmlformats.org/drawingml/2006/main" xmlns:r="http://schemas.openxmlformats.org/officeDocument/2006/relationships" xmlns:p="http://schemas.openxmlformats.org/presentationml/2006/main">
+  <p:cSld>
+    <p:spTree>
+      <p:nvGrpSpPr>
+        <p:cNvPr id="1" name="Shape 246"/>
+        <p:cNvGrpSpPr/>
+        <p:nvPr/>
+      </p:nvGrpSpPr>
+      <p:grpSpPr>
+        <a:xfrm>
+          <a:off x="0" y="0"/>
+          <a:ext cx="0" cy="0"/>
+          <a:chOff x="0" y="0"/>
+          <a:chExt cx="0" cy="0"/>
+        </a:xfrm>
+      </p:grpSpPr>
+      <p:sp>
+        <p:nvSpPr>
+          <p:cNvPr id="247" name="Google Shape;247;p39"/>
+          <p:cNvSpPr txBox="1">
+            <a:spLocks noGrp="1"/>
+          </p:cNvSpPr>
+          <p:nvPr>
+            <p:ph type="title"/>
+          </p:nvPr>
+        </p:nvSpPr>
+        <p:spPr>
+          <a:xfrm>
+            <a:off x="311700" y="445025"/>
+            <a:ext cx="8520600" cy="572700"/>
+          </a:xfrm>
+          <a:prstGeom prst="rect">
+            <a:avLst/>
+          </a:prstGeom>
+        </p:spPr>
+        <p:txBody>
+          <a:bodyPr spcFirstLastPara="1" wrap="square" lIns="91425" tIns="91425" rIns="91425" bIns="91425" anchor="t" anchorCtr="0">
+            <a:noAutofit/>
+          </a:bodyPr>
+          <a:lstStyle/>
+          <a:p>
+            <a:pPr marL="0" lvl="0" indent="0" algn="l" rtl="0">
+              <a:spcBef>
+                <a:spcPts val="0"/>
+              </a:spcBef>
+              <a:spcAft>
+                <a:spcPts val="0"/>
+              </a:spcAft>
+              <a:buNone/>
+            </a:pPr>
+            <a:r>
+              <a:rPr lang="en"/>
+              <a:t>Conclusion</a:t>
+            </a:r>
+            <a:endParaRPr/>
+          </a:p>
+        </p:txBody>
+      </p:sp>
+      <p:sp>
+        <p:nvSpPr>
+          <p:cNvPr id="248" name="Google Shape;248;p39"/>
+          <p:cNvSpPr txBox="1">
+            <a:spLocks noGrp="1"/>
+          </p:cNvSpPr>
+          <p:nvPr>
+            <p:ph type="body" idx="1"/>
+          </p:nvPr>
+        </p:nvSpPr>
+        <p:spPr>
+          <a:xfrm>
+            <a:off x="311700" y="1152475"/>
+            <a:ext cx="8520600" cy="3416400"/>
+          </a:xfrm>
+          <a:prstGeom prst="rect">
+            <a:avLst/>
+          </a:prstGeom>
+        </p:spPr>
+        <p:txBody>
+          <a:bodyPr spcFirstLastPara="1" wrap="square" lIns="91425" tIns="91425" rIns="91425" bIns="91425" anchor="t" anchorCtr="0">
+            <a:noAutofit/>
+          </a:bodyPr>
+          <a:lstStyle/>
+          <a:p>
+            <a:pPr marL="0" lvl="0" indent="0" algn="l" rtl="0">
+              <a:lnSpc>
+                <a:spcPct val="100000"/>
+              </a:lnSpc>
+              <a:spcBef>
+                <a:spcPts val="0"/>
+              </a:spcBef>
+              <a:spcAft>
+                <a:spcPts val="0"/>
+              </a:spcAft>
+              <a:buClr>
+                <a:schemeClr val="dk1"/>
+              </a:buClr>
+              <a:buSzPts val="1100"/>
+              <a:buFont typeface="Arial"/>
+              <a:buNone/>
+            </a:pPr>
+            <a:endParaRPr sz="850">
+              <a:solidFill>
+                <a:schemeClr val="dk1"/>
+              </a:solidFill>
+              <a:highlight>
+                <a:srgbClr val="E4E8EE"/>
+              </a:highlight>
+            </a:endParaRPr>
+          </a:p>
+          <a:p>
+            <a:pPr marL="457200" lvl="0" indent="-342900" algn="l" rtl="0">
+              <a:spcBef>
+                <a:spcPts val="0"/>
+              </a:spcBef>
+              <a:spcAft>
+                <a:spcPts val="0"/>
+              </a:spcAft>
+              <a:buSzPts val="1800"/>
+              <a:buChar char="-"/>
+            </a:pPr>
+            <a:r>
+              <a:rPr lang="en"/>
+              <a:t>The approach using contours is geometry based and performs fairly. </a:t>
+            </a:r>
+            <a:endParaRPr/>
+          </a:p>
+          <a:p>
+            <a:pPr marL="457200" lvl="0" indent="-342900" algn="l" rtl="0">
+              <a:spcBef>
+                <a:spcPts val="0"/>
+              </a:spcBef>
+              <a:spcAft>
+                <a:spcPts val="0"/>
+              </a:spcAft>
+              <a:buSzPts val="1800"/>
+              <a:buChar char="-"/>
+            </a:pPr>
+            <a:r>
+              <a:rPr lang="en"/>
+              <a:t>However it is not sophisticated enough and has many limitations.</a:t>
+            </a:r>
+            <a:endParaRPr/>
+          </a:p>
+          <a:p>
+            <a:pPr marL="457200" lvl="0" indent="-342900" algn="l" rtl="0">
+              <a:spcBef>
+                <a:spcPts val="0"/>
+              </a:spcBef>
+              <a:spcAft>
+                <a:spcPts val="0"/>
+              </a:spcAft>
+              <a:buSzPts val="1800"/>
+              <a:buChar char="-"/>
+            </a:pPr>
+            <a:r>
+              <a:rPr lang="en"/>
+              <a:t>These limitations do not seem to occur when we use the deep learning models.</a:t>
+            </a:r>
+            <a:endParaRPr/>
+          </a:p>
+          <a:p>
+            <a:pPr marL="457200" lvl="0" indent="-342900" algn="l" rtl="0">
+              <a:spcBef>
+                <a:spcPts val="0"/>
+              </a:spcBef>
+              <a:spcAft>
+                <a:spcPts val="0"/>
+              </a:spcAft>
+              <a:buSzPts val="1800"/>
+              <a:buChar char="-"/>
+            </a:pPr>
+            <a:r>
+              <a:rPr lang="en"/>
+              <a:t>Out of all the models we experimented on, we observe that VGG16 performed the best. </a:t>
+            </a:r>
+            <a:endParaRPr/>
+          </a:p>
+        </p:txBody>
+      </p:sp>
+    </p:spTree>
+  </p:cSld>
+  <p:clrMapOvr>
+    <a:masterClrMapping/>
+  </p:clrMapOvr>
+</p:sld>
+</file>
+
+<file path=ppt/slides/slide28.xml><?xml version="1.0" encoding="utf-8"?>
+<p:sld xmlns:a="http://schemas.openxmlformats.org/drawingml/2006/main" xmlns:r="http://schemas.openxmlformats.org/officeDocument/2006/relationships" xmlns:p="http://schemas.openxmlformats.org/presentationml/2006/main">
+  <p:cSld>
+    <p:spTree>
+      <p:nvGrpSpPr>
+        <p:cNvPr id="1" name="Shape 252"/>
+        <p:cNvGrpSpPr/>
+        <p:nvPr/>
+      </p:nvGrpSpPr>
+      <p:grpSpPr>
+        <a:xfrm>
+          <a:off x="0" y="0"/>
+          <a:ext cx="0" cy="0"/>
+          <a:chOff x="0" y="0"/>
+          <a:chExt cx="0" cy="0"/>
+        </a:xfrm>
+      </p:grpSpPr>
+      <p:sp>
+        <p:nvSpPr>
+          <p:cNvPr id="253" name="Google Shape;253;p40"/>
+          <p:cNvSpPr txBox="1">
+            <a:spLocks noGrp="1"/>
+          </p:cNvSpPr>
+          <p:nvPr>
+            <p:ph type="title"/>
+          </p:nvPr>
+        </p:nvSpPr>
+        <p:spPr>
+          <a:xfrm>
+            <a:off x="311700" y="445025"/>
+            <a:ext cx="8520600" cy="572700"/>
+          </a:xfrm>
+          <a:prstGeom prst="rect">
+            <a:avLst/>
+          </a:prstGeom>
+        </p:spPr>
+        <p:txBody>
+          <a:bodyPr spcFirstLastPara="1" wrap="square" lIns="91425" tIns="91425" rIns="91425" bIns="91425" anchor="t" anchorCtr="0">
+            <a:noAutofit/>
+          </a:bodyPr>
+          <a:lstStyle/>
+          <a:p>
+            <a:pPr marL="0" lvl="0" indent="0" algn="l" rtl="0">
+              <a:spcBef>
+                <a:spcPts val="0"/>
+              </a:spcBef>
+              <a:spcAft>
+                <a:spcPts val="0"/>
+              </a:spcAft>
+              <a:buNone/>
+            </a:pPr>
+            <a:r>
+              <a:rPr lang="en"/>
+              <a:t>Contributions of team members </a:t>
+            </a:r>
+            <a:endParaRPr/>
+          </a:p>
+        </p:txBody>
+      </p:sp>
+      <p:sp>
+        <p:nvSpPr>
+          <p:cNvPr id="254" name="Google Shape;254;p40"/>
+          <p:cNvSpPr txBox="1">
+            <a:spLocks noGrp="1"/>
+          </p:cNvSpPr>
+          <p:nvPr>
+            <p:ph type="body" idx="1"/>
+          </p:nvPr>
+        </p:nvSpPr>
+        <p:spPr>
+          <a:xfrm>
+            <a:off x="311700" y="1152475"/>
+            <a:ext cx="8520600" cy="3416400"/>
+          </a:xfrm>
+          <a:prstGeom prst="rect">
+            <a:avLst/>
+          </a:prstGeom>
+        </p:spPr>
+        <p:txBody>
+          <a:bodyPr spcFirstLastPara="1" wrap="square" lIns="91425" tIns="91425" rIns="91425" bIns="91425" anchor="t" anchorCtr="0">
+            <a:noAutofit/>
+          </a:bodyPr>
+          <a:lstStyle/>
+          <a:p>
+            <a:pPr marL="0" lvl="0" indent="0" algn="l" rtl="0">
+              <a:spcBef>
+                <a:spcPts val="0"/>
+              </a:spcBef>
+              <a:spcAft>
+                <a:spcPts val="0"/>
+              </a:spcAft>
+              <a:buNone/>
+            </a:pPr>
+            <a:r>
+              <a:rPr lang="en" b="1"/>
+              <a:t>Ramana Rao Akula, Nitya Mula </a:t>
+            </a:r>
+            <a:r>
+              <a:rPr lang="en"/>
+              <a:t>and </a:t>
+            </a:r>
+            <a:r>
+              <a:rPr lang="en" b="1"/>
+              <a:t>Krishna Garg</a:t>
+            </a:r>
+            <a:r>
+              <a:rPr lang="en"/>
+              <a:t>: Approach 1 using contours</a:t>
+            </a:r>
+            <a:endParaRPr/>
+          </a:p>
+          <a:p>
+            <a:pPr marL="0" lvl="0" indent="0" algn="l" rtl="0">
+              <a:spcBef>
+                <a:spcPts val="1600"/>
+              </a:spcBef>
+              <a:spcAft>
+                <a:spcPts val="0"/>
+              </a:spcAft>
+              <a:buClr>
+                <a:schemeClr val="dk1"/>
+              </a:buClr>
+              <a:buSzPts val="1100"/>
+              <a:buFont typeface="Arial"/>
+              <a:buNone/>
+            </a:pPr>
+            <a:r>
+              <a:rPr lang="en" b="1"/>
+              <a:t>Krishna Garg, Nitya Mula </a:t>
+            </a:r>
+            <a:r>
+              <a:rPr lang="en"/>
+              <a:t>and</a:t>
+            </a:r>
+            <a:r>
+              <a:rPr lang="en" b="1"/>
+              <a:t> Ramana Rao Akula</a:t>
+            </a:r>
+            <a:r>
+              <a:rPr lang="en"/>
+              <a:t>: Approach 2 using Deep Learning</a:t>
+            </a:r>
+            <a:endParaRPr/>
+          </a:p>
+          <a:p>
+            <a:pPr marL="0" lvl="0" indent="0" algn="l" rtl="0">
+              <a:spcBef>
+                <a:spcPts val="1600"/>
+              </a:spcBef>
+              <a:spcAft>
+                <a:spcPts val="1600"/>
+              </a:spcAft>
+              <a:buNone/>
+            </a:pPr>
+            <a:endParaRPr/>
+          </a:p>
+        </p:txBody>
+      </p:sp>
+    </p:spTree>
+  </p:cSld>
+  <p:clrMapOvr>
+    <a:masterClrMapping/>
+  </p:clrMapOvr>
+</p:sld>
+</file>
+
+<file path=ppt/slides/slide29.xml><?xml version="1.0" encoding="utf-8"?>
+<p:sld xmlns:a="http://schemas.openxmlformats.org/drawingml/2006/main" xmlns:r="http://schemas.openxmlformats.org/officeDocument/2006/relationships" xmlns:p="http://schemas.openxmlformats.org/presentationml/2006/main">
+  <p:cSld>
+    <p:spTree>
+      <p:nvGrpSpPr>
+        <p:cNvPr id="1" name="Shape 258"/>
+        <p:cNvGrpSpPr/>
+        <p:nvPr/>
+      </p:nvGrpSpPr>
+      <p:grpSpPr>
+        <a:xfrm>
+          <a:off x="0" y="0"/>
+          <a:ext cx="0" cy="0"/>
+          <a:chOff x="0" y="0"/>
+          <a:chExt cx="0" cy="0"/>
+        </a:xfrm>
+      </p:grpSpPr>
+      <p:sp>
+        <p:nvSpPr>
+          <p:cNvPr id="259" name="Google Shape;259;p41"/>
           <p:cNvSpPr txBox="1">
             <a:spLocks noGrp="1"/>
           </p:cNvSpPr>
